--- a/Project/Team_1_project_proposal.pptx
+++ b/Project/Team_1_project_proposal.pptx
@@ -5,35 +5,42 @@
     <p:sldMasterId id="2147483658" r:id="rId1"/>
   </p:sldMasterIdLst>
   <p:notesMasterIdLst>
-    <p:notesMasterId r:id="rId11"/>
+    <p:notesMasterId r:id="rId18"/>
   </p:notesMasterIdLst>
   <p:sldIdLst>
     <p:sldId id="256" r:id="rId2"/>
     <p:sldId id="257" r:id="rId3"/>
     <p:sldId id="285" r:id="rId4"/>
-    <p:sldId id="286" r:id="rId5"/>
-    <p:sldId id="288" r:id="rId6"/>
-    <p:sldId id="291" r:id="rId7"/>
-    <p:sldId id="287" r:id="rId8"/>
-    <p:sldId id="289" r:id="rId9"/>
-    <p:sldId id="290" r:id="rId10"/>
+    <p:sldId id="297" r:id="rId5"/>
+    <p:sldId id="296" r:id="rId6"/>
+    <p:sldId id="293" r:id="rId7"/>
+    <p:sldId id="294" r:id="rId8"/>
+    <p:sldId id="295" r:id="rId9"/>
+    <p:sldId id="291" r:id="rId10"/>
+    <p:sldId id="292" r:id="rId11"/>
+    <p:sldId id="298" r:id="rId12"/>
+    <p:sldId id="286" r:id="rId13"/>
+    <p:sldId id="288" r:id="rId14"/>
+    <p:sldId id="287" r:id="rId15"/>
+    <p:sldId id="289" r:id="rId16"/>
+    <p:sldId id="290" r:id="rId17"/>
   </p:sldIdLst>
   <p:sldSz cx="9144000" cy="5143500" type="screen16x9"/>
   <p:notesSz cx="6858000" cy="9144000"/>
   <p:embeddedFontLst>
     <p:embeddedFont>
-      <p:font typeface="Quattrocento Sans" panose="02020500000000000000" charset="0"/>
-      <p:regular r:id="rId12"/>
-      <p:bold r:id="rId13"/>
-      <p:italic r:id="rId14"/>
-      <p:boldItalic r:id="rId15"/>
+      <p:font typeface="Lora" panose="02020500000000000000" charset="0"/>
+      <p:regular r:id="rId19"/>
+      <p:bold r:id="rId20"/>
+      <p:italic r:id="rId21"/>
+      <p:boldItalic r:id="rId22"/>
     </p:embeddedFont>
     <p:embeddedFont>
-      <p:font typeface="Lora" panose="02020500000000000000" charset="0"/>
-      <p:regular r:id="rId16"/>
-      <p:bold r:id="rId17"/>
-      <p:italic r:id="rId18"/>
-      <p:boldItalic r:id="rId19"/>
+      <p:font typeface="Quattrocento Sans" panose="02020500000000000000" charset="0"/>
+      <p:regular r:id="rId23"/>
+      <p:bold r:id="rId24"/>
+      <p:italic r:id="rId25"/>
+      <p:boldItalic r:id="rId26"/>
     </p:embeddedFont>
   </p:embeddedFontLst>
   <p:defaultTextStyle>
@@ -1128,7 +1135,7 @@
     </p:spTree>
     <p:extLst>
       <p:ext uri="{BB962C8B-B14F-4D97-AF65-F5344CB8AC3E}">
-        <p14:creationId xmlns:p14="http://schemas.microsoft.com/office/powerpoint/2010/main" val="941140478"/>
+        <p14:creationId xmlns:p14="http://schemas.microsoft.com/office/powerpoint/2010/main" val="2972351466"/>
       </p:ext>
     </p:extLst>
   </p:cSld>
@@ -1237,7 +1244,7 @@
     </p:spTree>
     <p:extLst>
       <p:ext uri="{BB962C8B-B14F-4D97-AF65-F5344CB8AC3E}">
-        <p14:creationId xmlns:p14="http://schemas.microsoft.com/office/powerpoint/2010/main" val="4258269774"/>
+        <p14:creationId xmlns:p14="http://schemas.microsoft.com/office/powerpoint/2010/main" val="941140478"/>
       </p:ext>
     </p:extLst>
   </p:cSld>
@@ -1346,7 +1353,7 @@
     </p:spTree>
     <p:extLst>
       <p:ext uri="{BB962C8B-B14F-4D97-AF65-F5344CB8AC3E}">
-        <p14:creationId xmlns:p14="http://schemas.microsoft.com/office/powerpoint/2010/main" val="2972351466"/>
+        <p14:creationId xmlns:p14="http://schemas.microsoft.com/office/powerpoint/2010/main" val="4258269774"/>
       </p:ext>
     </p:extLst>
   </p:cSld>
@@ -4279,20 +4286,12 @@
               <a:t> </a:t>
             </a:r>
             <a:r>
-              <a:rPr lang="en-US" sz="2400" b="0" dirty="0" smtClean="0"/>
+              <a:rPr lang="en-US" sz="2400" b="0" dirty="0"/>
               <a:t>NP hard problem </a:t>
-            </a:r>
-            <a:r>
-              <a:rPr lang="en-US" sz="1800" dirty="0"/>
-              <a:t/>
             </a:r>
             <a:br>
               <a:rPr lang="en-US" sz="1800" dirty="0"/>
             </a:br>
-            <a:r>
-              <a:rPr lang="en-US" sz="1800" dirty="0"/>
-              <a:t/>
-            </a:r>
             <a:br>
               <a:rPr lang="en-US" sz="1800" dirty="0"/>
             </a:br>
@@ -5114,7 +5113,7 @@
           <a:lstStyle/>
           <a:p>
             <a:r>
-              <a:rPr lang="en-US" altLang="zh-TW" dirty="0" smtClean="0">
+              <a:rPr lang="en-US" altLang="zh-TW" dirty="0">
                 <a:latin typeface="Lora" panose="02020500000000000000" charset="0"/>
               </a:rPr>
               <a:t>Team_1</a:t>
@@ -5122,7 +5121,7 @@
           </a:p>
           <a:p>
             <a:r>
-              <a:rPr lang="en-US" altLang="zh-TW" dirty="0" smtClean="0">
+              <a:rPr lang="en-US" altLang="zh-TW" dirty="0">
                 <a:latin typeface="Lora" panose="02020500000000000000" charset="0"/>
               </a:rPr>
               <a:t>Member: 0551076  Terry Huang</a:t>
@@ -5130,7 +5129,7 @@
           </a:p>
           <a:p>
             <a:r>
-              <a:rPr lang="en-US" altLang="zh-TW" dirty="0" smtClean="0">
+              <a:rPr lang="en-US" altLang="zh-TW" dirty="0">
                 <a:latin typeface="Lora" panose="02020500000000000000" charset="0"/>
               </a:rPr>
               <a:t>                 0551083  Jacky Lin</a:t>
@@ -5141,34 +5140,28 @@
               <a:rPr lang="zh-TW" altLang="en-US" dirty="0">
                 <a:latin typeface="Lora" panose="02020500000000000000" charset="0"/>
               </a:rPr>
-              <a:t> </a:t>
+              <a:t>                 </a:t>
             </a:r>
             <a:r>
-              <a:rPr lang="zh-TW" altLang="en-US" dirty="0" smtClean="0">
-                <a:latin typeface="Lora" panose="02020500000000000000" charset="0"/>
-              </a:rPr>
-              <a:t>                </a:t>
-            </a:r>
-            <a:r>
-              <a:rPr lang="en-US" altLang="zh-TW" dirty="0" smtClean="0">
+              <a:rPr lang="en-US" altLang="zh-TW" dirty="0">
                 <a:latin typeface="Lora" panose="02020500000000000000" charset="0"/>
               </a:rPr>
               <a:t>0551051</a:t>
             </a:r>
             <a:r>
-              <a:rPr lang="zh-TW" altLang="en-US" dirty="0" smtClean="0">
+              <a:rPr lang="zh-TW" altLang="en-US" dirty="0">
                 <a:latin typeface="Lora" panose="02020500000000000000" charset="0"/>
               </a:rPr>
               <a:t>   </a:t>
             </a:r>
             <a:r>
-              <a:rPr lang="en-US" altLang="zh-TW" dirty="0" err="1" smtClean="0">
+              <a:rPr lang="en-US" altLang="zh-TW" dirty="0" err="1">
                 <a:latin typeface="Lora" panose="02020500000000000000" charset="0"/>
               </a:rPr>
               <a:t>Jia</a:t>
             </a:r>
             <a:r>
-              <a:rPr lang="en-US" altLang="zh-TW" dirty="0" smtClean="0">
+              <a:rPr lang="en-US" altLang="zh-TW" dirty="0">
                 <a:latin typeface="Lora" panose="02020500000000000000" charset="0"/>
               </a:rPr>
               <a:t> </a:t>
@@ -5188,7 +5181,7 @@
           </a:p>
           <a:p>
             <a:r>
-              <a:rPr lang="en-US" altLang="zh-TW" dirty="0" smtClean="0">
+              <a:rPr lang="en-US" altLang="zh-TW" dirty="0">
                 <a:latin typeface="Lora" panose="02020500000000000000" charset="0"/>
               </a:rPr>
               <a:t>Department: Computer and Communication engineering</a:t>
@@ -5204,21 +5197,2756 @@
   <p:clrMapOvr>
     <a:masterClrMapping/>
   </p:clrMapOvr>
-  <mc:AlternateContent xmlns:mc="http://schemas.openxmlformats.org/markup-compatibility/2006" xmlns:p14="http://schemas.microsoft.com/office/powerpoint/2010/main">
-    <mc:Choice Requires="p14">
-      <p:transition p14:dur="0"/>
-    </mc:Choice>
-    <mc:Fallback xmlns="">
-      <p:transition/>
-    </mc:Fallback>
-  </mc:AlternateContent>
-  <p:timing>
-    <p:tnLst>
-      <p:par>
-        <p:cTn id="1" dur="indefinite" restart="never" nodeType="tmRoot"/>
-      </p:par>
-    </p:tnLst>
-  </p:timing>
+</p:sld>
+</file>
+
+<file path=ppt/slides/slide10.xml><?xml version="1.0" encoding="utf-8"?>
+<p:sld xmlns:a="http://schemas.openxmlformats.org/drawingml/2006/main" xmlns:r="http://schemas.openxmlformats.org/officeDocument/2006/relationships" xmlns:p="http://schemas.openxmlformats.org/presentationml/2006/main">
+  <p:cSld>
+    <p:spTree>
+      <p:nvGrpSpPr>
+        <p:cNvPr id="1" name=""/>
+        <p:cNvGrpSpPr/>
+        <p:nvPr/>
+      </p:nvGrpSpPr>
+      <p:grpSpPr>
+        <a:xfrm>
+          <a:off x="0" y="0"/>
+          <a:ext cx="0" cy="0"/>
+          <a:chOff x="0" y="0"/>
+          <a:chExt cx="0" cy="0"/>
+        </a:xfrm>
+      </p:grpSpPr>
+      <p:sp>
+        <p:nvSpPr>
+          <p:cNvPr id="2" name="標題 1">
+            <a:extLst>
+              <a:ext uri="{FF2B5EF4-FFF2-40B4-BE49-F238E27FC236}">
+                <a16:creationId xmlns:a16="http://schemas.microsoft.com/office/drawing/2014/main" id="{A4A98F9F-75A4-40D7-AB84-B76DED0CA5B8}"/>
+              </a:ext>
+            </a:extLst>
+          </p:cNvPr>
+          <p:cNvSpPr>
+            <a:spLocks noGrp="1"/>
+          </p:cNvSpPr>
+          <p:nvPr>
+            <p:ph type="title"/>
+          </p:nvPr>
+        </p:nvSpPr>
+        <p:spPr/>
+        <p:txBody>
+          <a:bodyPr/>
+          <a:lstStyle/>
+          <a:p>
+            <a:r>
+              <a:rPr lang="zh-TW" altLang="en-US" dirty="0"/>
+              <a:t>討論過程</a:t>
+            </a:r>
+          </a:p>
+        </p:txBody>
+      </p:sp>
+      <p:sp>
+        <p:nvSpPr>
+          <p:cNvPr id="5" name="投影片編號版面配置區 4">
+            <a:extLst>
+              <a:ext uri="{FF2B5EF4-FFF2-40B4-BE49-F238E27FC236}">
+                <a16:creationId xmlns:a16="http://schemas.microsoft.com/office/drawing/2014/main" id="{0CC521EE-90EA-46D7-BA21-D0FFB3E84A39}"/>
+              </a:ext>
+            </a:extLst>
+          </p:cNvPr>
+          <p:cNvSpPr>
+            <a:spLocks noGrp="1"/>
+          </p:cNvSpPr>
+          <p:nvPr>
+            <p:ph type="sldNum" idx="12"/>
+          </p:nvPr>
+        </p:nvSpPr>
+        <p:spPr/>
+        <p:txBody>
+          <a:bodyPr/>
+          <a:lstStyle/>
+          <a:p>
+            <a:pPr marL="0" lvl="0" indent="0" algn="r" rtl="0">
+              <a:spcBef>
+                <a:spcPts val="0"/>
+              </a:spcBef>
+              <a:spcAft>
+                <a:spcPts val="0"/>
+              </a:spcAft>
+              <a:buNone/>
+            </a:pPr>
+            <a:fld id="{00000000-1234-1234-1234-123412341234}" type="slidenum">
+              <a:rPr lang="en" smtClean="0"/>
+              <a:t>10</a:t>
+            </a:fld>
+            <a:endParaRPr lang="en"/>
+          </a:p>
+        </p:txBody>
+      </p:sp>
+      <p:pic>
+        <p:nvPicPr>
+          <p:cNvPr id="9" name="圖片 8">
+            <a:extLst>
+              <a:ext uri="{FF2B5EF4-FFF2-40B4-BE49-F238E27FC236}">
+                <a16:creationId xmlns:a16="http://schemas.microsoft.com/office/drawing/2014/main" id="{6AD13AAF-9D77-4A17-8A30-9EF5A54B7E6D}"/>
+              </a:ext>
+            </a:extLst>
+          </p:cNvPr>
+          <p:cNvPicPr>
+            <a:picLocks noChangeAspect="1"/>
+          </p:cNvPicPr>
+          <p:nvPr/>
+        </p:nvPicPr>
+        <p:blipFill>
+          <a:blip r:embed="rId2"/>
+          <a:stretch>
+            <a:fillRect/>
+          </a:stretch>
+        </p:blipFill>
+        <p:spPr>
+          <a:xfrm>
+            <a:off x="705684" y="1950035"/>
+            <a:ext cx="3425400" cy="2568329"/>
+          </a:xfrm>
+          <a:prstGeom prst="rect">
+            <a:avLst/>
+          </a:prstGeom>
+        </p:spPr>
+      </p:pic>
+      <p:pic>
+        <p:nvPicPr>
+          <p:cNvPr id="15" name="圖片 14">
+            <a:extLst>
+              <a:ext uri="{FF2B5EF4-FFF2-40B4-BE49-F238E27FC236}">
+                <a16:creationId xmlns:a16="http://schemas.microsoft.com/office/drawing/2014/main" id="{3CBA25D4-07D5-4BB5-9BEC-204231798929}"/>
+              </a:ext>
+            </a:extLst>
+          </p:cNvPr>
+          <p:cNvPicPr>
+            <a:picLocks noChangeAspect="1"/>
+          </p:cNvPicPr>
+          <p:nvPr/>
+        </p:nvPicPr>
+        <p:blipFill>
+          <a:blip r:embed="rId3"/>
+          <a:stretch>
+            <a:fillRect/>
+          </a:stretch>
+        </p:blipFill>
+        <p:spPr>
+          <a:xfrm>
+            <a:off x="5012918" y="1950035"/>
+            <a:ext cx="3425402" cy="2568330"/>
+          </a:xfrm>
+          <a:prstGeom prst="rect">
+            <a:avLst/>
+          </a:prstGeom>
+        </p:spPr>
+      </p:pic>
+    </p:spTree>
+    <p:extLst>
+      <p:ext uri="{BB962C8B-B14F-4D97-AF65-F5344CB8AC3E}">
+        <p14:creationId xmlns:p14="http://schemas.microsoft.com/office/powerpoint/2010/main" val="3671835056"/>
+      </p:ext>
+    </p:extLst>
+  </p:cSld>
+  <p:clrMapOvr>
+    <a:masterClrMapping/>
+  </p:clrMapOvr>
+</p:sld>
+</file>
+
+<file path=ppt/slides/slide11.xml><?xml version="1.0" encoding="utf-8"?>
+<p:sld xmlns:a="http://schemas.openxmlformats.org/drawingml/2006/main" xmlns:r="http://schemas.openxmlformats.org/officeDocument/2006/relationships" xmlns:p="http://schemas.openxmlformats.org/presentationml/2006/main">
+  <p:cSld>
+    <p:spTree>
+      <p:nvGrpSpPr>
+        <p:cNvPr id="1" name=""/>
+        <p:cNvGrpSpPr/>
+        <p:nvPr/>
+      </p:nvGrpSpPr>
+      <p:grpSpPr>
+        <a:xfrm>
+          <a:off x="0" y="0"/>
+          <a:ext cx="0" cy="0"/>
+          <a:chOff x="0" y="0"/>
+          <a:chExt cx="0" cy="0"/>
+        </a:xfrm>
+      </p:grpSpPr>
+      <p:sp>
+        <p:nvSpPr>
+          <p:cNvPr id="2" name="標題 1">
+            <a:extLst>
+              <a:ext uri="{FF2B5EF4-FFF2-40B4-BE49-F238E27FC236}">
+                <a16:creationId xmlns:a16="http://schemas.microsoft.com/office/drawing/2014/main" id="{21DDC372-5585-40BA-BF5F-CBAD3163DCED}"/>
+              </a:ext>
+            </a:extLst>
+          </p:cNvPr>
+          <p:cNvSpPr>
+            <a:spLocks noGrp="1"/>
+          </p:cNvSpPr>
+          <p:nvPr>
+            <p:ph type="title"/>
+          </p:nvPr>
+        </p:nvSpPr>
+        <p:spPr/>
+        <p:txBody>
+          <a:bodyPr/>
+          <a:lstStyle/>
+          <a:p>
+            <a:endParaRPr lang="zh-TW" altLang="en-US"/>
+          </a:p>
+        </p:txBody>
+      </p:sp>
+      <p:sp>
+        <p:nvSpPr>
+          <p:cNvPr id="3" name="文字版面配置區 2">
+            <a:extLst>
+              <a:ext uri="{FF2B5EF4-FFF2-40B4-BE49-F238E27FC236}">
+                <a16:creationId xmlns:a16="http://schemas.microsoft.com/office/drawing/2014/main" id="{0B6A8B69-E436-4585-97AD-44348B5775E2}"/>
+              </a:ext>
+            </a:extLst>
+          </p:cNvPr>
+          <p:cNvSpPr>
+            <a:spLocks noGrp="1"/>
+          </p:cNvSpPr>
+          <p:nvPr>
+            <p:ph type="body" idx="1"/>
+          </p:nvPr>
+        </p:nvSpPr>
+        <p:spPr/>
+        <p:txBody>
+          <a:bodyPr/>
+          <a:lstStyle/>
+          <a:p>
+            <a:endParaRPr lang="zh-TW" altLang="en-US"/>
+          </a:p>
+        </p:txBody>
+      </p:sp>
+      <p:sp>
+        <p:nvSpPr>
+          <p:cNvPr id="4" name="文字版面配置區 3">
+            <a:extLst>
+              <a:ext uri="{FF2B5EF4-FFF2-40B4-BE49-F238E27FC236}">
+                <a16:creationId xmlns:a16="http://schemas.microsoft.com/office/drawing/2014/main" id="{EBE5670C-1FC8-4636-BEC2-7D9168148C0D}"/>
+              </a:ext>
+            </a:extLst>
+          </p:cNvPr>
+          <p:cNvSpPr>
+            <a:spLocks noGrp="1"/>
+          </p:cNvSpPr>
+          <p:nvPr>
+            <p:ph type="body" idx="2"/>
+          </p:nvPr>
+        </p:nvSpPr>
+        <p:spPr/>
+        <p:txBody>
+          <a:bodyPr/>
+          <a:lstStyle/>
+          <a:p>
+            <a:endParaRPr lang="zh-TW" altLang="en-US"/>
+          </a:p>
+        </p:txBody>
+      </p:sp>
+      <p:sp>
+        <p:nvSpPr>
+          <p:cNvPr id="5" name="投影片編號版面配置區 4">
+            <a:extLst>
+              <a:ext uri="{FF2B5EF4-FFF2-40B4-BE49-F238E27FC236}">
+                <a16:creationId xmlns:a16="http://schemas.microsoft.com/office/drawing/2014/main" id="{50029E61-3E99-460C-B2FC-54652E8A3164}"/>
+              </a:ext>
+            </a:extLst>
+          </p:cNvPr>
+          <p:cNvSpPr>
+            <a:spLocks noGrp="1"/>
+          </p:cNvSpPr>
+          <p:nvPr>
+            <p:ph type="sldNum" idx="12"/>
+          </p:nvPr>
+        </p:nvSpPr>
+        <p:spPr/>
+        <p:txBody>
+          <a:bodyPr/>
+          <a:lstStyle/>
+          <a:p>
+            <a:pPr marL="0" lvl="0" indent="0" algn="r" rtl="0">
+              <a:spcBef>
+                <a:spcPts val="0"/>
+              </a:spcBef>
+              <a:spcAft>
+                <a:spcPts val="0"/>
+              </a:spcAft>
+              <a:buNone/>
+            </a:pPr>
+            <a:fld id="{00000000-1234-1234-1234-123412341234}" type="slidenum">
+              <a:rPr lang="en" smtClean="0"/>
+              <a:t>11</a:t>
+            </a:fld>
+            <a:endParaRPr lang="en"/>
+          </a:p>
+        </p:txBody>
+      </p:sp>
+    </p:spTree>
+    <p:extLst>
+      <p:ext uri="{BB962C8B-B14F-4D97-AF65-F5344CB8AC3E}">
+        <p14:creationId xmlns:p14="http://schemas.microsoft.com/office/powerpoint/2010/main" val="4221335080"/>
+      </p:ext>
+    </p:extLst>
+  </p:cSld>
+  <p:clrMapOvr>
+    <a:masterClrMapping/>
+  </p:clrMapOvr>
+</p:sld>
+</file>
+
+<file path=ppt/slides/slide12.xml><?xml version="1.0" encoding="utf-8"?>
+<p:sld xmlns:a="http://schemas.openxmlformats.org/drawingml/2006/main" xmlns:r="http://schemas.openxmlformats.org/officeDocument/2006/relationships" xmlns:p="http://schemas.openxmlformats.org/presentationml/2006/main">
+  <p:cSld>
+    <p:spTree>
+      <p:nvGrpSpPr>
+        <p:cNvPr id="1" name="Shape 123"/>
+        <p:cNvGrpSpPr/>
+        <p:nvPr/>
+      </p:nvGrpSpPr>
+      <p:grpSpPr>
+        <a:xfrm>
+          <a:off x="0" y="0"/>
+          <a:ext cx="0" cy="0"/>
+          <a:chOff x="0" y="0"/>
+          <a:chExt cx="0" cy="0"/>
+        </a:xfrm>
+      </p:grpSpPr>
+      <p:sp>
+        <p:nvSpPr>
+          <p:cNvPr id="131" name="Google Shape;131;p17"/>
+          <p:cNvSpPr txBox="1">
+            <a:spLocks noGrp="1"/>
+          </p:cNvSpPr>
+          <p:nvPr>
+            <p:ph type="sldNum" idx="12"/>
+          </p:nvPr>
+        </p:nvSpPr>
+        <p:spPr>
+          <a:xfrm>
+            <a:off x="8543227" y="4749851"/>
+            <a:ext cx="548700" cy="393600"/>
+          </a:xfrm>
+          <a:prstGeom prst="rect">
+            <a:avLst/>
+          </a:prstGeom>
+        </p:spPr>
+        <p:txBody>
+          <a:bodyPr spcFirstLastPara="1" wrap="square" lIns="91425" tIns="91425" rIns="91425" bIns="91425" anchor="t" anchorCtr="0">
+            <a:noAutofit/>
+          </a:bodyPr>
+          <a:lstStyle/>
+          <a:p>
+            <a:pPr marL="0" lvl="0" indent="0" algn="r" rtl="0">
+              <a:spcBef>
+                <a:spcPts val="0"/>
+              </a:spcBef>
+              <a:spcAft>
+                <a:spcPts val="0"/>
+              </a:spcAft>
+              <a:buNone/>
+            </a:pPr>
+            <a:fld id="{00000000-1234-1234-1234-123412341234}" type="slidenum">
+              <a:rPr lang="en"/>
+              <a:t>12</a:t>
+            </a:fld>
+            <a:endParaRPr/>
+          </a:p>
+        </p:txBody>
+      </p:sp>
+      <p:sp>
+        <p:nvSpPr>
+          <p:cNvPr id="2" name="標題 1"/>
+          <p:cNvSpPr>
+            <a:spLocks noGrp="1"/>
+          </p:cNvSpPr>
+          <p:nvPr>
+            <p:ph type="title"/>
+          </p:nvPr>
+        </p:nvSpPr>
+        <p:spPr/>
+        <p:txBody>
+          <a:bodyPr/>
+          <a:lstStyle/>
+          <a:p>
+            <a:r>
+              <a:rPr lang="en-US" altLang="zh-TW" dirty="0"/>
+              <a:t>Challenge</a:t>
+            </a:r>
+            <a:endParaRPr lang="zh-TW" altLang="en-US" dirty="0"/>
+          </a:p>
+        </p:txBody>
+      </p:sp>
+      <p:sp>
+        <p:nvSpPr>
+          <p:cNvPr id="11" name="Google Shape;125;p17"/>
+          <p:cNvSpPr txBox="1">
+            <a:spLocks/>
+          </p:cNvSpPr>
+          <p:nvPr/>
+        </p:nvSpPr>
+        <p:spPr>
+          <a:xfrm>
+            <a:off x="916458" y="1635687"/>
+            <a:ext cx="3340232" cy="2944859"/>
+          </a:xfrm>
+          <a:prstGeom prst="rect">
+            <a:avLst/>
+          </a:prstGeom>
+          <a:noFill/>
+          <a:ln>
+            <a:noFill/>
+          </a:ln>
+        </p:spPr>
+        <p:txBody>
+          <a:bodyPr spcFirstLastPara="1" wrap="square" lIns="91425" tIns="91425" rIns="91425" bIns="91425" anchor="t" anchorCtr="0">
+            <a:noAutofit/>
+          </a:bodyPr>
+          <a:lstStyle>
+            <a:defPPr marR="0" lvl="0" algn="l" rtl="0">
+              <a:lnSpc>
+                <a:spcPct val="100000"/>
+              </a:lnSpc>
+              <a:spcBef>
+                <a:spcPts val="0"/>
+              </a:spcBef>
+              <a:spcAft>
+                <a:spcPts val="0"/>
+              </a:spcAft>
+            </a:defPPr>
+            <a:lvl1pPr marL="457200" marR="0" lvl="0" indent="-381000" algn="l" rtl="0">
+              <a:lnSpc>
+                <a:spcPct val="100000"/>
+              </a:lnSpc>
+              <a:spcBef>
+                <a:spcPts val="600"/>
+              </a:spcBef>
+              <a:spcAft>
+                <a:spcPts val="0"/>
+              </a:spcAft>
+              <a:buClr>
+                <a:srgbClr val="FFCD00"/>
+              </a:buClr>
+              <a:buSzPts val="2400"/>
+              <a:buFont typeface="Quattrocento Sans"/>
+              <a:buChar char="◉"/>
+              <a:defRPr sz="2400" b="0" i="0" u="none" strike="noStrike" cap="none">
+                <a:solidFill>
+                  <a:srgbClr val="000000"/>
+                </a:solidFill>
+                <a:latin typeface="Quattrocento Sans"/>
+                <a:ea typeface="Quattrocento Sans"/>
+                <a:cs typeface="Quattrocento Sans"/>
+                <a:sym typeface="Quattrocento Sans"/>
+              </a:defRPr>
+            </a:lvl1pPr>
+            <a:lvl2pPr marL="914400" marR="0" lvl="1" indent="-355600" algn="l" rtl="0">
+              <a:lnSpc>
+                <a:spcPct val="100000"/>
+              </a:lnSpc>
+              <a:spcBef>
+                <a:spcPts val="0"/>
+              </a:spcBef>
+              <a:spcAft>
+                <a:spcPts val="0"/>
+              </a:spcAft>
+              <a:buClr>
+                <a:srgbClr val="FFCD00"/>
+              </a:buClr>
+              <a:buSzPts val="2000"/>
+              <a:buFont typeface="Quattrocento Sans"/>
+              <a:buChar char="○"/>
+              <a:defRPr sz="2000" b="0" i="0" u="none" strike="noStrike" cap="none">
+                <a:solidFill>
+                  <a:srgbClr val="000000"/>
+                </a:solidFill>
+                <a:latin typeface="Quattrocento Sans"/>
+                <a:ea typeface="Quattrocento Sans"/>
+                <a:cs typeface="Quattrocento Sans"/>
+                <a:sym typeface="Quattrocento Sans"/>
+              </a:defRPr>
+            </a:lvl2pPr>
+            <a:lvl3pPr marL="1371600" marR="0" lvl="2" indent="-355600" algn="l" rtl="0">
+              <a:lnSpc>
+                <a:spcPct val="100000"/>
+              </a:lnSpc>
+              <a:spcBef>
+                <a:spcPts val="0"/>
+              </a:spcBef>
+              <a:spcAft>
+                <a:spcPts val="0"/>
+              </a:spcAft>
+              <a:buClr>
+                <a:srgbClr val="FFCD00"/>
+              </a:buClr>
+              <a:buSzPts val="2000"/>
+              <a:buFont typeface="Quattrocento Sans"/>
+              <a:buChar char="■"/>
+              <a:defRPr sz="2000" b="0" i="0" u="none" strike="noStrike" cap="none">
+                <a:solidFill>
+                  <a:srgbClr val="000000"/>
+                </a:solidFill>
+                <a:latin typeface="Quattrocento Sans"/>
+                <a:ea typeface="Quattrocento Sans"/>
+                <a:cs typeface="Quattrocento Sans"/>
+                <a:sym typeface="Quattrocento Sans"/>
+              </a:defRPr>
+            </a:lvl3pPr>
+            <a:lvl4pPr marL="1828800" marR="0" lvl="3" indent="-342900" algn="l" rtl="0">
+              <a:lnSpc>
+                <a:spcPct val="100000"/>
+              </a:lnSpc>
+              <a:spcBef>
+                <a:spcPts val="0"/>
+              </a:spcBef>
+              <a:spcAft>
+                <a:spcPts val="0"/>
+              </a:spcAft>
+              <a:buClr>
+                <a:srgbClr val="FFCD00"/>
+              </a:buClr>
+              <a:buSzPts val="1800"/>
+              <a:buFont typeface="Quattrocento Sans"/>
+              <a:buChar char="●"/>
+              <a:defRPr sz="1800" b="0" i="0" u="none" strike="noStrike" cap="none">
+                <a:solidFill>
+                  <a:srgbClr val="000000"/>
+                </a:solidFill>
+                <a:latin typeface="Quattrocento Sans"/>
+                <a:ea typeface="Quattrocento Sans"/>
+                <a:cs typeface="Quattrocento Sans"/>
+                <a:sym typeface="Quattrocento Sans"/>
+              </a:defRPr>
+            </a:lvl4pPr>
+            <a:lvl5pPr marL="2286000" marR="0" lvl="4" indent="-342900" algn="l" rtl="0">
+              <a:lnSpc>
+                <a:spcPct val="100000"/>
+              </a:lnSpc>
+              <a:spcBef>
+                <a:spcPts val="0"/>
+              </a:spcBef>
+              <a:spcAft>
+                <a:spcPts val="0"/>
+              </a:spcAft>
+              <a:buClr>
+                <a:srgbClr val="FFCD00"/>
+              </a:buClr>
+              <a:buSzPts val="1800"/>
+              <a:buFont typeface="Quattrocento Sans"/>
+              <a:buChar char="○"/>
+              <a:defRPr sz="1800" b="0" i="0" u="none" strike="noStrike" cap="none">
+                <a:solidFill>
+                  <a:srgbClr val="000000"/>
+                </a:solidFill>
+                <a:latin typeface="Quattrocento Sans"/>
+                <a:ea typeface="Quattrocento Sans"/>
+                <a:cs typeface="Quattrocento Sans"/>
+                <a:sym typeface="Quattrocento Sans"/>
+              </a:defRPr>
+            </a:lvl5pPr>
+            <a:lvl6pPr marL="2743200" marR="0" lvl="5" indent="-342900" algn="l" rtl="0">
+              <a:lnSpc>
+                <a:spcPct val="100000"/>
+              </a:lnSpc>
+              <a:spcBef>
+                <a:spcPts val="0"/>
+              </a:spcBef>
+              <a:spcAft>
+                <a:spcPts val="0"/>
+              </a:spcAft>
+              <a:buClr>
+                <a:srgbClr val="FFCD00"/>
+              </a:buClr>
+              <a:buSzPts val="1800"/>
+              <a:buFont typeface="Quattrocento Sans"/>
+              <a:buChar char="■"/>
+              <a:defRPr sz="1800" b="0" i="0" u="none" strike="noStrike" cap="none">
+                <a:solidFill>
+                  <a:srgbClr val="000000"/>
+                </a:solidFill>
+                <a:latin typeface="Quattrocento Sans"/>
+                <a:ea typeface="Quattrocento Sans"/>
+                <a:cs typeface="Quattrocento Sans"/>
+                <a:sym typeface="Quattrocento Sans"/>
+              </a:defRPr>
+            </a:lvl6pPr>
+            <a:lvl7pPr marL="3200400" marR="0" lvl="6" indent="-342900" algn="l" rtl="0">
+              <a:lnSpc>
+                <a:spcPct val="100000"/>
+              </a:lnSpc>
+              <a:spcBef>
+                <a:spcPts val="0"/>
+              </a:spcBef>
+              <a:spcAft>
+                <a:spcPts val="0"/>
+              </a:spcAft>
+              <a:buClr>
+                <a:srgbClr val="FFCD00"/>
+              </a:buClr>
+              <a:buSzPts val="1800"/>
+              <a:buFont typeface="Quattrocento Sans"/>
+              <a:buChar char="●"/>
+              <a:defRPr sz="1800" b="0" i="0" u="none" strike="noStrike" cap="none">
+                <a:solidFill>
+                  <a:srgbClr val="000000"/>
+                </a:solidFill>
+                <a:latin typeface="Quattrocento Sans"/>
+                <a:ea typeface="Quattrocento Sans"/>
+                <a:cs typeface="Quattrocento Sans"/>
+                <a:sym typeface="Quattrocento Sans"/>
+              </a:defRPr>
+            </a:lvl7pPr>
+            <a:lvl8pPr marL="3657600" marR="0" lvl="7" indent="-342900" algn="l" rtl="0">
+              <a:lnSpc>
+                <a:spcPct val="100000"/>
+              </a:lnSpc>
+              <a:spcBef>
+                <a:spcPts val="0"/>
+              </a:spcBef>
+              <a:spcAft>
+                <a:spcPts val="0"/>
+              </a:spcAft>
+              <a:buClr>
+                <a:srgbClr val="FFCD00"/>
+              </a:buClr>
+              <a:buSzPts val="1800"/>
+              <a:buFont typeface="Quattrocento Sans"/>
+              <a:buChar char="○"/>
+              <a:defRPr sz="1800" b="0" i="0" u="none" strike="noStrike" cap="none">
+                <a:solidFill>
+                  <a:srgbClr val="000000"/>
+                </a:solidFill>
+                <a:latin typeface="Quattrocento Sans"/>
+                <a:ea typeface="Quattrocento Sans"/>
+                <a:cs typeface="Quattrocento Sans"/>
+                <a:sym typeface="Quattrocento Sans"/>
+              </a:defRPr>
+            </a:lvl8pPr>
+            <a:lvl9pPr marL="4114800" marR="0" lvl="8" indent="-342900" algn="l" rtl="0">
+              <a:lnSpc>
+                <a:spcPct val="100000"/>
+              </a:lnSpc>
+              <a:spcBef>
+                <a:spcPts val="0"/>
+              </a:spcBef>
+              <a:spcAft>
+                <a:spcPts val="0"/>
+              </a:spcAft>
+              <a:buClr>
+                <a:srgbClr val="FFCD00"/>
+              </a:buClr>
+              <a:buSzPts val="1800"/>
+              <a:buFont typeface="Quattrocento Sans"/>
+              <a:buChar char="■"/>
+              <a:defRPr sz="1800" b="0" i="0" u="none" strike="noStrike" cap="none">
+                <a:solidFill>
+                  <a:srgbClr val="000000"/>
+                </a:solidFill>
+                <a:latin typeface="Quattrocento Sans"/>
+                <a:ea typeface="Quattrocento Sans"/>
+                <a:cs typeface="Quattrocento Sans"/>
+                <a:sym typeface="Quattrocento Sans"/>
+              </a:defRPr>
+            </a:lvl9pPr>
+          </a:lstStyle>
+          <a:p>
+            <a:r>
+              <a:rPr lang="en-US" sz="1800" b="1" dirty="0">
+                <a:latin typeface="Lora" panose="02020500000000000000" charset="0"/>
+              </a:rPr>
+              <a:t>Game </a:t>
+            </a:r>
+            <a:r>
+              <a:rPr lang="en-US" sz="1800" b="1" dirty="0" err="1">
+                <a:latin typeface="Lora" panose="02020500000000000000" charset="0"/>
+              </a:rPr>
+              <a:t>implementaion</a:t>
+            </a:r>
+            <a:endParaRPr lang="en-US" sz="1800" b="1" dirty="0">
+              <a:latin typeface="Lora" panose="02020500000000000000" charset="0"/>
+            </a:endParaRPr>
+          </a:p>
+          <a:p>
+            <a:pPr marL="0" indent="0">
+              <a:buNone/>
+            </a:pPr>
+            <a:r>
+              <a:rPr lang="en-US" sz="1600" dirty="0">
+                <a:latin typeface="Lora" panose="02020500000000000000" charset="0"/>
+              </a:rPr>
+              <a:t>There is only </a:t>
+            </a:r>
+            <a:r>
+              <a:rPr lang="en-US" altLang="zh-TW" sz="1600" u="sng" dirty="0" err="1">
+                <a:latin typeface="Lora" panose="02020500000000000000" charset="0"/>
+              </a:rPr>
+              <a:t>Sōkoban</a:t>
+            </a:r>
+            <a:r>
+              <a:rPr lang="en-US" altLang="zh-TW" sz="1600" dirty="0">
+                <a:latin typeface="Lora" panose="02020500000000000000" charset="0"/>
+              </a:rPr>
+              <a:t> </a:t>
+            </a:r>
+            <a:r>
+              <a:rPr lang="en-US" sz="1600" dirty="0">
+                <a:latin typeface="Lora" panose="02020500000000000000" charset="0"/>
+              </a:rPr>
+              <a:t>online version. We need to craft a </a:t>
+            </a:r>
+            <a:r>
+              <a:rPr lang="en-US" sz="1600" u="sng" dirty="0" err="1">
+                <a:latin typeface="Lora" panose="02020500000000000000" charset="0"/>
+              </a:rPr>
+              <a:t>Sōkoban</a:t>
+            </a:r>
+            <a:r>
+              <a:rPr lang="en-US" sz="1600" dirty="0">
+                <a:latin typeface="Lora" panose="02020500000000000000" charset="0"/>
+              </a:rPr>
+              <a:t> game environment such that the agent can play in it.(No reverse engineering!)</a:t>
+            </a:r>
+            <a:endParaRPr lang="en-US" sz="1600" u="sng" dirty="0">
+              <a:latin typeface="Lora" panose="02020500000000000000" charset="0"/>
+            </a:endParaRPr>
+          </a:p>
+        </p:txBody>
+      </p:sp>
+      <p:sp>
+        <p:nvSpPr>
+          <p:cNvPr id="12" name="Google Shape;125;p17"/>
+          <p:cNvSpPr txBox="1">
+            <a:spLocks/>
+          </p:cNvSpPr>
+          <p:nvPr/>
+        </p:nvSpPr>
+        <p:spPr>
+          <a:xfrm>
+            <a:off x="4256690" y="1635686"/>
+            <a:ext cx="3699641" cy="2944860"/>
+          </a:xfrm>
+          <a:prstGeom prst="rect">
+            <a:avLst/>
+          </a:prstGeom>
+          <a:noFill/>
+          <a:ln>
+            <a:noFill/>
+          </a:ln>
+        </p:spPr>
+        <p:txBody>
+          <a:bodyPr spcFirstLastPara="1" wrap="square" lIns="91425" tIns="91425" rIns="91425" bIns="91425" anchor="t" anchorCtr="0">
+            <a:noAutofit/>
+          </a:bodyPr>
+          <a:lstStyle>
+            <a:defPPr marR="0" lvl="0" algn="l" rtl="0">
+              <a:lnSpc>
+                <a:spcPct val="100000"/>
+              </a:lnSpc>
+              <a:spcBef>
+                <a:spcPts val="0"/>
+              </a:spcBef>
+              <a:spcAft>
+                <a:spcPts val="0"/>
+              </a:spcAft>
+            </a:defPPr>
+            <a:lvl1pPr marL="457200" marR="0" lvl="0" indent="-381000" algn="l" rtl="0">
+              <a:lnSpc>
+                <a:spcPct val="100000"/>
+              </a:lnSpc>
+              <a:spcBef>
+                <a:spcPts val="600"/>
+              </a:spcBef>
+              <a:spcAft>
+                <a:spcPts val="0"/>
+              </a:spcAft>
+              <a:buClr>
+                <a:srgbClr val="FFCD00"/>
+              </a:buClr>
+              <a:buSzPts val="2400"/>
+              <a:buFont typeface="Quattrocento Sans"/>
+              <a:buChar char="◉"/>
+              <a:defRPr sz="2400" b="0" i="0" u="none" strike="noStrike" cap="none">
+                <a:solidFill>
+                  <a:srgbClr val="000000"/>
+                </a:solidFill>
+                <a:latin typeface="Quattrocento Sans"/>
+                <a:ea typeface="Quattrocento Sans"/>
+                <a:cs typeface="Quattrocento Sans"/>
+                <a:sym typeface="Quattrocento Sans"/>
+              </a:defRPr>
+            </a:lvl1pPr>
+            <a:lvl2pPr marL="914400" marR="0" lvl="1" indent="-355600" algn="l" rtl="0">
+              <a:lnSpc>
+                <a:spcPct val="100000"/>
+              </a:lnSpc>
+              <a:spcBef>
+                <a:spcPts val="0"/>
+              </a:spcBef>
+              <a:spcAft>
+                <a:spcPts val="0"/>
+              </a:spcAft>
+              <a:buClr>
+                <a:srgbClr val="FFCD00"/>
+              </a:buClr>
+              <a:buSzPts val="2000"/>
+              <a:buFont typeface="Quattrocento Sans"/>
+              <a:buChar char="○"/>
+              <a:defRPr sz="2000" b="0" i="0" u="none" strike="noStrike" cap="none">
+                <a:solidFill>
+                  <a:srgbClr val="000000"/>
+                </a:solidFill>
+                <a:latin typeface="Quattrocento Sans"/>
+                <a:ea typeface="Quattrocento Sans"/>
+                <a:cs typeface="Quattrocento Sans"/>
+                <a:sym typeface="Quattrocento Sans"/>
+              </a:defRPr>
+            </a:lvl2pPr>
+            <a:lvl3pPr marL="1371600" marR="0" lvl="2" indent="-355600" algn="l" rtl="0">
+              <a:lnSpc>
+                <a:spcPct val="100000"/>
+              </a:lnSpc>
+              <a:spcBef>
+                <a:spcPts val="0"/>
+              </a:spcBef>
+              <a:spcAft>
+                <a:spcPts val="0"/>
+              </a:spcAft>
+              <a:buClr>
+                <a:srgbClr val="FFCD00"/>
+              </a:buClr>
+              <a:buSzPts val="2000"/>
+              <a:buFont typeface="Quattrocento Sans"/>
+              <a:buChar char="■"/>
+              <a:defRPr sz="2000" b="0" i="0" u="none" strike="noStrike" cap="none">
+                <a:solidFill>
+                  <a:srgbClr val="000000"/>
+                </a:solidFill>
+                <a:latin typeface="Quattrocento Sans"/>
+                <a:ea typeface="Quattrocento Sans"/>
+                <a:cs typeface="Quattrocento Sans"/>
+                <a:sym typeface="Quattrocento Sans"/>
+              </a:defRPr>
+            </a:lvl3pPr>
+            <a:lvl4pPr marL="1828800" marR="0" lvl="3" indent="-342900" algn="l" rtl="0">
+              <a:lnSpc>
+                <a:spcPct val="100000"/>
+              </a:lnSpc>
+              <a:spcBef>
+                <a:spcPts val="0"/>
+              </a:spcBef>
+              <a:spcAft>
+                <a:spcPts val="0"/>
+              </a:spcAft>
+              <a:buClr>
+                <a:srgbClr val="FFCD00"/>
+              </a:buClr>
+              <a:buSzPts val="1800"/>
+              <a:buFont typeface="Quattrocento Sans"/>
+              <a:buChar char="●"/>
+              <a:defRPr sz="1800" b="0" i="0" u="none" strike="noStrike" cap="none">
+                <a:solidFill>
+                  <a:srgbClr val="000000"/>
+                </a:solidFill>
+                <a:latin typeface="Quattrocento Sans"/>
+                <a:ea typeface="Quattrocento Sans"/>
+                <a:cs typeface="Quattrocento Sans"/>
+                <a:sym typeface="Quattrocento Sans"/>
+              </a:defRPr>
+            </a:lvl4pPr>
+            <a:lvl5pPr marL="2286000" marR="0" lvl="4" indent="-342900" algn="l" rtl="0">
+              <a:lnSpc>
+                <a:spcPct val="100000"/>
+              </a:lnSpc>
+              <a:spcBef>
+                <a:spcPts val="0"/>
+              </a:spcBef>
+              <a:spcAft>
+                <a:spcPts val="0"/>
+              </a:spcAft>
+              <a:buClr>
+                <a:srgbClr val="FFCD00"/>
+              </a:buClr>
+              <a:buSzPts val="1800"/>
+              <a:buFont typeface="Quattrocento Sans"/>
+              <a:buChar char="○"/>
+              <a:defRPr sz="1800" b="0" i="0" u="none" strike="noStrike" cap="none">
+                <a:solidFill>
+                  <a:srgbClr val="000000"/>
+                </a:solidFill>
+                <a:latin typeface="Quattrocento Sans"/>
+                <a:ea typeface="Quattrocento Sans"/>
+                <a:cs typeface="Quattrocento Sans"/>
+                <a:sym typeface="Quattrocento Sans"/>
+              </a:defRPr>
+            </a:lvl5pPr>
+            <a:lvl6pPr marL="2743200" marR="0" lvl="5" indent="-342900" algn="l" rtl="0">
+              <a:lnSpc>
+                <a:spcPct val="100000"/>
+              </a:lnSpc>
+              <a:spcBef>
+                <a:spcPts val="0"/>
+              </a:spcBef>
+              <a:spcAft>
+                <a:spcPts val="0"/>
+              </a:spcAft>
+              <a:buClr>
+                <a:srgbClr val="FFCD00"/>
+              </a:buClr>
+              <a:buSzPts val="1800"/>
+              <a:buFont typeface="Quattrocento Sans"/>
+              <a:buChar char="■"/>
+              <a:defRPr sz="1800" b="0" i="0" u="none" strike="noStrike" cap="none">
+                <a:solidFill>
+                  <a:srgbClr val="000000"/>
+                </a:solidFill>
+                <a:latin typeface="Quattrocento Sans"/>
+                <a:ea typeface="Quattrocento Sans"/>
+                <a:cs typeface="Quattrocento Sans"/>
+                <a:sym typeface="Quattrocento Sans"/>
+              </a:defRPr>
+            </a:lvl6pPr>
+            <a:lvl7pPr marL="3200400" marR="0" lvl="6" indent="-342900" algn="l" rtl="0">
+              <a:lnSpc>
+                <a:spcPct val="100000"/>
+              </a:lnSpc>
+              <a:spcBef>
+                <a:spcPts val="0"/>
+              </a:spcBef>
+              <a:spcAft>
+                <a:spcPts val="0"/>
+              </a:spcAft>
+              <a:buClr>
+                <a:srgbClr val="FFCD00"/>
+              </a:buClr>
+              <a:buSzPts val="1800"/>
+              <a:buFont typeface="Quattrocento Sans"/>
+              <a:buChar char="●"/>
+              <a:defRPr sz="1800" b="0" i="0" u="none" strike="noStrike" cap="none">
+                <a:solidFill>
+                  <a:srgbClr val="000000"/>
+                </a:solidFill>
+                <a:latin typeface="Quattrocento Sans"/>
+                <a:ea typeface="Quattrocento Sans"/>
+                <a:cs typeface="Quattrocento Sans"/>
+                <a:sym typeface="Quattrocento Sans"/>
+              </a:defRPr>
+            </a:lvl7pPr>
+            <a:lvl8pPr marL="3657600" marR="0" lvl="7" indent="-342900" algn="l" rtl="0">
+              <a:lnSpc>
+                <a:spcPct val="100000"/>
+              </a:lnSpc>
+              <a:spcBef>
+                <a:spcPts val="0"/>
+              </a:spcBef>
+              <a:spcAft>
+                <a:spcPts val="0"/>
+              </a:spcAft>
+              <a:buClr>
+                <a:srgbClr val="FFCD00"/>
+              </a:buClr>
+              <a:buSzPts val="1800"/>
+              <a:buFont typeface="Quattrocento Sans"/>
+              <a:buChar char="○"/>
+              <a:defRPr sz="1800" b="0" i="0" u="none" strike="noStrike" cap="none">
+                <a:solidFill>
+                  <a:srgbClr val="000000"/>
+                </a:solidFill>
+                <a:latin typeface="Quattrocento Sans"/>
+                <a:ea typeface="Quattrocento Sans"/>
+                <a:cs typeface="Quattrocento Sans"/>
+                <a:sym typeface="Quattrocento Sans"/>
+              </a:defRPr>
+            </a:lvl8pPr>
+            <a:lvl9pPr marL="4114800" marR="0" lvl="8" indent="-342900" algn="l" rtl="0">
+              <a:lnSpc>
+                <a:spcPct val="100000"/>
+              </a:lnSpc>
+              <a:spcBef>
+                <a:spcPts val="0"/>
+              </a:spcBef>
+              <a:spcAft>
+                <a:spcPts val="0"/>
+              </a:spcAft>
+              <a:buClr>
+                <a:srgbClr val="FFCD00"/>
+              </a:buClr>
+              <a:buSzPts val="1800"/>
+              <a:buFont typeface="Quattrocento Sans"/>
+              <a:buChar char="■"/>
+              <a:defRPr sz="1800" b="0" i="0" u="none" strike="noStrike" cap="none">
+                <a:solidFill>
+                  <a:srgbClr val="000000"/>
+                </a:solidFill>
+                <a:latin typeface="Quattrocento Sans"/>
+                <a:ea typeface="Quattrocento Sans"/>
+                <a:cs typeface="Quattrocento Sans"/>
+                <a:sym typeface="Quattrocento Sans"/>
+              </a:defRPr>
+            </a:lvl9pPr>
+          </a:lstStyle>
+          <a:p>
+            <a:r>
+              <a:rPr lang="en-US" sz="1800" b="1" dirty="0">
+                <a:latin typeface="Lora" panose="02020500000000000000" charset="0"/>
+              </a:rPr>
+              <a:t>Method design</a:t>
+            </a:r>
+            <a:endParaRPr lang="en-US" altLang="zh-TW" sz="1600" u="sng" dirty="0">
+              <a:latin typeface="Lora" panose="02020500000000000000" charset="0"/>
+            </a:endParaRPr>
+          </a:p>
+          <a:p>
+            <a:pPr marL="76200" indent="0">
+              <a:buNone/>
+            </a:pPr>
+            <a:r>
+              <a:rPr lang="en-US" altLang="zh-TW" sz="1600" u="sng" dirty="0" err="1">
+                <a:latin typeface="Lora" panose="02020500000000000000" charset="0"/>
+              </a:rPr>
+              <a:t>Sōkoban</a:t>
+            </a:r>
+            <a:r>
+              <a:rPr lang="en-US" altLang="zh-TW" sz="1600" dirty="0">
+                <a:latin typeface="Lora" panose="02020500000000000000" charset="0"/>
+              </a:rPr>
+              <a:t> is a single agent and single goal game but it is difficult because it has many box, box can effect other boxes. And its rooms have some narrow aisles which is a obstacle for agent and for boxes.</a:t>
+            </a:r>
+            <a:endParaRPr lang="en-US" altLang="zh-TW" sz="1600" dirty="0"/>
+          </a:p>
+        </p:txBody>
+      </p:sp>
+      <p:pic>
+        <p:nvPicPr>
+          <p:cNvPr id="4" name="圖片 3"/>
+          <p:cNvPicPr>
+            <a:picLocks noChangeAspect="1"/>
+          </p:cNvPicPr>
+          <p:nvPr/>
+        </p:nvPicPr>
+        <p:blipFill>
+          <a:blip r:embed="rId3">
+            <a:extLst>
+              <a:ext uri="{28A0092B-C50C-407E-A947-70E740481C1C}">
+                <a14:useLocalDpi xmlns:a14="http://schemas.microsoft.com/office/drawing/2010/main" val="0"/>
+              </a:ext>
+            </a:extLst>
+          </a:blip>
+          <a:stretch>
+            <a:fillRect/>
+          </a:stretch>
+        </p:blipFill>
+        <p:spPr>
+          <a:xfrm>
+            <a:off x="6757988" y="171664"/>
+            <a:ext cx="1677867" cy="1864296"/>
+          </a:xfrm>
+          <a:prstGeom prst="rect">
+            <a:avLst/>
+          </a:prstGeom>
+          <a:ln>
+            <a:noFill/>
+          </a:ln>
+          <a:effectLst>
+            <a:outerShdw blurRad="190500" algn="tl" rotWithShape="0">
+              <a:srgbClr val="000000">
+                <a:alpha val="70000"/>
+              </a:srgbClr>
+            </a:outerShdw>
+          </a:effectLst>
+        </p:spPr>
+      </p:pic>
+      <p:pic>
+        <p:nvPicPr>
+          <p:cNvPr id="3" name="圖片 2"/>
+          <p:cNvPicPr>
+            <a:picLocks noChangeAspect="1"/>
+          </p:cNvPicPr>
+          <p:nvPr/>
+        </p:nvPicPr>
+        <p:blipFill>
+          <a:blip r:embed="rId4"/>
+          <a:stretch>
+            <a:fillRect/>
+          </a:stretch>
+        </p:blipFill>
+        <p:spPr>
+          <a:xfrm>
+            <a:off x="916458" y="984270"/>
+            <a:ext cx="218659" cy="308694"/>
+          </a:xfrm>
+          <a:prstGeom prst="rect">
+            <a:avLst/>
+          </a:prstGeom>
+        </p:spPr>
+      </p:pic>
+    </p:spTree>
+    <p:extLst>
+      <p:ext uri="{BB962C8B-B14F-4D97-AF65-F5344CB8AC3E}">
+        <p14:creationId xmlns:p14="http://schemas.microsoft.com/office/powerpoint/2010/main" val="2442380619"/>
+      </p:ext>
+    </p:extLst>
+  </p:cSld>
+  <p:clrMapOvr>
+    <a:masterClrMapping/>
+  </p:clrMapOvr>
+</p:sld>
+</file>
+
+<file path=ppt/slides/slide13.xml><?xml version="1.0" encoding="utf-8"?>
+<p:sld xmlns:a="http://schemas.openxmlformats.org/drawingml/2006/main" xmlns:r="http://schemas.openxmlformats.org/officeDocument/2006/relationships" xmlns:p="http://schemas.openxmlformats.org/presentationml/2006/main">
+  <p:cSld>
+    <p:spTree>
+      <p:nvGrpSpPr>
+        <p:cNvPr id="1" name="Shape 123"/>
+        <p:cNvGrpSpPr/>
+        <p:nvPr/>
+      </p:nvGrpSpPr>
+      <p:grpSpPr>
+        <a:xfrm>
+          <a:off x="0" y="0"/>
+          <a:ext cx="0" cy="0"/>
+          <a:chOff x="0" y="0"/>
+          <a:chExt cx="0" cy="0"/>
+        </a:xfrm>
+      </p:grpSpPr>
+      <p:sp>
+        <p:nvSpPr>
+          <p:cNvPr id="131" name="Google Shape;131;p17"/>
+          <p:cNvSpPr txBox="1">
+            <a:spLocks noGrp="1"/>
+          </p:cNvSpPr>
+          <p:nvPr>
+            <p:ph type="sldNum" idx="12"/>
+          </p:nvPr>
+        </p:nvSpPr>
+        <p:spPr>
+          <a:xfrm>
+            <a:off x="8543227" y="4749851"/>
+            <a:ext cx="548700" cy="393600"/>
+          </a:xfrm>
+          <a:prstGeom prst="rect">
+            <a:avLst/>
+          </a:prstGeom>
+        </p:spPr>
+        <p:txBody>
+          <a:bodyPr spcFirstLastPara="1" wrap="square" lIns="91425" tIns="91425" rIns="91425" bIns="91425" anchor="t" anchorCtr="0">
+            <a:noAutofit/>
+          </a:bodyPr>
+          <a:lstStyle/>
+          <a:p>
+            <a:pPr marL="0" lvl="0" indent="0" algn="r" rtl="0">
+              <a:spcBef>
+                <a:spcPts val="0"/>
+              </a:spcBef>
+              <a:spcAft>
+                <a:spcPts val="0"/>
+              </a:spcAft>
+              <a:buNone/>
+            </a:pPr>
+            <a:fld id="{00000000-1234-1234-1234-123412341234}" type="slidenum">
+              <a:rPr lang="en"/>
+              <a:t>13</a:t>
+            </a:fld>
+            <a:endParaRPr/>
+          </a:p>
+        </p:txBody>
+      </p:sp>
+      <p:sp>
+        <p:nvSpPr>
+          <p:cNvPr id="2" name="標題 1"/>
+          <p:cNvSpPr>
+            <a:spLocks noGrp="1"/>
+          </p:cNvSpPr>
+          <p:nvPr>
+            <p:ph type="title"/>
+          </p:nvPr>
+        </p:nvSpPr>
+        <p:spPr/>
+        <p:txBody>
+          <a:bodyPr/>
+          <a:lstStyle/>
+          <a:p>
+            <a:r>
+              <a:rPr lang="en-US" altLang="zh-TW" dirty="0"/>
+              <a:t>Potential Solution</a:t>
+            </a:r>
+            <a:endParaRPr lang="zh-TW" altLang="en-US" dirty="0"/>
+          </a:p>
+        </p:txBody>
+      </p:sp>
+      <p:sp>
+        <p:nvSpPr>
+          <p:cNvPr id="11" name="Google Shape;125;p17"/>
+          <p:cNvSpPr txBox="1">
+            <a:spLocks/>
+          </p:cNvSpPr>
+          <p:nvPr/>
+        </p:nvSpPr>
+        <p:spPr>
+          <a:xfrm>
+            <a:off x="916458" y="1635687"/>
+            <a:ext cx="3340232" cy="2944859"/>
+          </a:xfrm>
+          <a:prstGeom prst="rect">
+            <a:avLst/>
+          </a:prstGeom>
+          <a:noFill/>
+          <a:ln>
+            <a:noFill/>
+          </a:ln>
+        </p:spPr>
+        <p:txBody>
+          <a:bodyPr spcFirstLastPara="1" wrap="square" lIns="91425" tIns="91425" rIns="91425" bIns="91425" anchor="t" anchorCtr="0">
+            <a:noAutofit/>
+          </a:bodyPr>
+          <a:lstStyle>
+            <a:defPPr marR="0" lvl="0" algn="l" rtl="0">
+              <a:lnSpc>
+                <a:spcPct val="100000"/>
+              </a:lnSpc>
+              <a:spcBef>
+                <a:spcPts val="0"/>
+              </a:spcBef>
+              <a:spcAft>
+                <a:spcPts val="0"/>
+              </a:spcAft>
+            </a:defPPr>
+            <a:lvl1pPr marL="457200" marR="0" lvl="0" indent="-381000" algn="l" rtl="0">
+              <a:lnSpc>
+                <a:spcPct val="100000"/>
+              </a:lnSpc>
+              <a:spcBef>
+                <a:spcPts val="600"/>
+              </a:spcBef>
+              <a:spcAft>
+                <a:spcPts val="0"/>
+              </a:spcAft>
+              <a:buClr>
+                <a:srgbClr val="FFCD00"/>
+              </a:buClr>
+              <a:buSzPts val="2400"/>
+              <a:buFont typeface="Quattrocento Sans"/>
+              <a:buChar char="◉"/>
+              <a:defRPr sz="2400" b="0" i="0" u="none" strike="noStrike" cap="none">
+                <a:solidFill>
+                  <a:srgbClr val="000000"/>
+                </a:solidFill>
+                <a:latin typeface="Quattrocento Sans"/>
+                <a:ea typeface="Quattrocento Sans"/>
+                <a:cs typeface="Quattrocento Sans"/>
+                <a:sym typeface="Quattrocento Sans"/>
+              </a:defRPr>
+            </a:lvl1pPr>
+            <a:lvl2pPr marL="914400" marR="0" lvl="1" indent="-355600" algn="l" rtl="0">
+              <a:lnSpc>
+                <a:spcPct val="100000"/>
+              </a:lnSpc>
+              <a:spcBef>
+                <a:spcPts val="0"/>
+              </a:spcBef>
+              <a:spcAft>
+                <a:spcPts val="0"/>
+              </a:spcAft>
+              <a:buClr>
+                <a:srgbClr val="FFCD00"/>
+              </a:buClr>
+              <a:buSzPts val="2000"/>
+              <a:buFont typeface="Quattrocento Sans"/>
+              <a:buChar char="○"/>
+              <a:defRPr sz="2000" b="0" i="0" u="none" strike="noStrike" cap="none">
+                <a:solidFill>
+                  <a:srgbClr val="000000"/>
+                </a:solidFill>
+                <a:latin typeface="Quattrocento Sans"/>
+                <a:ea typeface="Quattrocento Sans"/>
+                <a:cs typeface="Quattrocento Sans"/>
+                <a:sym typeface="Quattrocento Sans"/>
+              </a:defRPr>
+            </a:lvl2pPr>
+            <a:lvl3pPr marL="1371600" marR="0" lvl="2" indent="-355600" algn="l" rtl="0">
+              <a:lnSpc>
+                <a:spcPct val="100000"/>
+              </a:lnSpc>
+              <a:spcBef>
+                <a:spcPts val="0"/>
+              </a:spcBef>
+              <a:spcAft>
+                <a:spcPts val="0"/>
+              </a:spcAft>
+              <a:buClr>
+                <a:srgbClr val="FFCD00"/>
+              </a:buClr>
+              <a:buSzPts val="2000"/>
+              <a:buFont typeface="Quattrocento Sans"/>
+              <a:buChar char="■"/>
+              <a:defRPr sz="2000" b="0" i="0" u="none" strike="noStrike" cap="none">
+                <a:solidFill>
+                  <a:srgbClr val="000000"/>
+                </a:solidFill>
+                <a:latin typeface="Quattrocento Sans"/>
+                <a:ea typeface="Quattrocento Sans"/>
+                <a:cs typeface="Quattrocento Sans"/>
+                <a:sym typeface="Quattrocento Sans"/>
+              </a:defRPr>
+            </a:lvl3pPr>
+            <a:lvl4pPr marL="1828800" marR="0" lvl="3" indent="-342900" algn="l" rtl="0">
+              <a:lnSpc>
+                <a:spcPct val="100000"/>
+              </a:lnSpc>
+              <a:spcBef>
+                <a:spcPts val="0"/>
+              </a:spcBef>
+              <a:spcAft>
+                <a:spcPts val="0"/>
+              </a:spcAft>
+              <a:buClr>
+                <a:srgbClr val="FFCD00"/>
+              </a:buClr>
+              <a:buSzPts val="1800"/>
+              <a:buFont typeface="Quattrocento Sans"/>
+              <a:buChar char="●"/>
+              <a:defRPr sz="1800" b="0" i="0" u="none" strike="noStrike" cap="none">
+                <a:solidFill>
+                  <a:srgbClr val="000000"/>
+                </a:solidFill>
+                <a:latin typeface="Quattrocento Sans"/>
+                <a:ea typeface="Quattrocento Sans"/>
+                <a:cs typeface="Quattrocento Sans"/>
+                <a:sym typeface="Quattrocento Sans"/>
+              </a:defRPr>
+            </a:lvl4pPr>
+            <a:lvl5pPr marL="2286000" marR="0" lvl="4" indent="-342900" algn="l" rtl="0">
+              <a:lnSpc>
+                <a:spcPct val="100000"/>
+              </a:lnSpc>
+              <a:spcBef>
+                <a:spcPts val="0"/>
+              </a:spcBef>
+              <a:spcAft>
+                <a:spcPts val="0"/>
+              </a:spcAft>
+              <a:buClr>
+                <a:srgbClr val="FFCD00"/>
+              </a:buClr>
+              <a:buSzPts val="1800"/>
+              <a:buFont typeface="Quattrocento Sans"/>
+              <a:buChar char="○"/>
+              <a:defRPr sz="1800" b="0" i="0" u="none" strike="noStrike" cap="none">
+                <a:solidFill>
+                  <a:srgbClr val="000000"/>
+                </a:solidFill>
+                <a:latin typeface="Quattrocento Sans"/>
+                <a:ea typeface="Quattrocento Sans"/>
+                <a:cs typeface="Quattrocento Sans"/>
+                <a:sym typeface="Quattrocento Sans"/>
+              </a:defRPr>
+            </a:lvl5pPr>
+            <a:lvl6pPr marL="2743200" marR="0" lvl="5" indent="-342900" algn="l" rtl="0">
+              <a:lnSpc>
+                <a:spcPct val="100000"/>
+              </a:lnSpc>
+              <a:spcBef>
+                <a:spcPts val="0"/>
+              </a:spcBef>
+              <a:spcAft>
+                <a:spcPts val="0"/>
+              </a:spcAft>
+              <a:buClr>
+                <a:srgbClr val="FFCD00"/>
+              </a:buClr>
+              <a:buSzPts val="1800"/>
+              <a:buFont typeface="Quattrocento Sans"/>
+              <a:buChar char="■"/>
+              <a:defRPr sz="1800" b="0" i="0" u="none" strike="noStrike" cap="none">
+                <a:solidFill>
+                  <a:srgbClr val="000000"/>
+                </a:solidFill>
+                <a:latin typeface="Quattrocento Sans"/>
+                <a:ea typeface="Quattrocento Sans"/>
+                <a:cs typeface="Quattrocento Sans"/>
+                <a:sym typeface="Quattrocento Sans"/>
+              </a:defRPr>
+            </a:lvl6pPr>
+            <a:lvl7pPr marL="3200400" marR="0" lvl="6" indent="-342900" algn="l" rtl="0">
+              <a:lnSpc>
+                <a:spcPct val="100000"/>
+              </a:lnSpc>
+              <a:spcBef>
+                <a:spcPts val="0"/>
+              </a:spcBef>
+              <a:spcAft>
+                <a:spcPts val="0"/>
+              </a:spcAft>
+              <a:buClr>
+                <a:srgbClr val="FFCD00"/>
+              </a:buClr>
+              <a:buSzPts val="1800"/>
+              <a:buFont typeface="Quattrocento Sans"/>
+              <a:buChar char="●"/>
+              <a:defRPr sz="1800" b="0" i="0" u="none" strike="noStrike" cap="none">
+                <a:solidFill>
+                  <a:srgbClr val="000000"/>
+                </a:solidFill>
+                <a:latin typeface="Quattrocento Sans"/>
+                <a:ea typeface="Quattrocento Sans"/>
+                <a:cs typeface="Quattrocento Sans"/>
+                <a:sym typeface="Quattrocento Sans"/>
+              </a:defRPr>
+            </a:lvl7pPr>
+            <a:lvl8pPr marL="3657600" marR="0" lvl="7" indent="-342900" algn="l" rtl="0">
+              <a:lnSpc>
+                <a:spcPct val="100000"/>
+              </a:lnSpc>
+              <a:spcBef>
+                <a:spcPts val="0"/>
+              </a:spcBef>
+              <a:spcAft>
+                <a:spcPts val="0"/>
+              </a:spcAft>
+              <a:buClr>
+                <a:srgbClr val="FFCD00"/>
+              </a:buClr>
+              <a:buSzPts val="1800"/>
+              <a:buFont typeface="Quattrocento Sans"/>
+              <a:buChar char="○"/>
+              <a:defRPr sz="1800" b="0" i="0" u="none" strike="noStrike" cap="none">
+                <a:solidFill>
+                  <a:srgbClr val="000000"/>
+                </a:solidFill>
+                <a:latin typeface="Quattrocento Sans"/>
+                <a:ea typeface="Quattrocento Sans"/>
+                <a:cs typeface="Quattrocento Sans"/>
+                <a:sym typeface="Quattrocento Sans"/>
+              </a:defRPr>
+            </a:lvl8pPr>
+            <a:lvl9pPr marL="4114800" marR="0" lvl="8" indent="-342900" algn="l" rtl="0">
+              <a:lnSpc>
+                <a:spcPct val="100000"/>
+              </a:lnSpc>
+              <a:spcBef>
+                <a:spcPts val="0"/>
+              </a:spcBef>
+              <a:spcAft>
+                <a:spcPts val="0"/>
+              </a:spcAft>
+              <a:buClr>
+                <a:srgbClr val="FFCD00"/>
+              </a:buClr>
+              <a:buSzPts val="1800"/>
+              <a:buFont typeface="Quattrocento Sans"/>
+              <a:buChar char="■"/>
+              <a:defRPr sz="1800" b="0" i="0" u="none" strike="noStrike" cap="none">
+                <a:solidFill>
+                  <a:srgbClr val="000000"/>
+                </a:solidFill>
+                <a:latin typeface="Quattrocento Sans"/>
+                <a:ea typeface="Quattrocento Sans"/>
+                <a:cs typeface="Quattrocento Sans"/>
+                <a:sym typeface="Quattrocento Sans"/>
+              </a:defRPr>
+            </a:lvl9pPr>
+          </a:lstStyle>
+          <a:p>
+            <a:r>
+              <a:rPr lang="en-US" sz="1800" b="1" dirty="0">
+                <a:latin typeface="Lora" panose="02020500000000000000" charset="0"/>
+              </a:rPr>
+              <a:t>Solution for game </a:t>
+            </a:r>
+            <a:r>
+              <a:rPr lang="en-US" sz="1800" b="1" dirty="0" err="1">
+                <a:latin typeface="Lora" panose="02020500000000000000" charset="0"/>
+              </a:rPr>
+              <a:t>implementaion</a:t>
+            </a:r>
+            <a:endParaRPr lang="en-US" sz="1800" b="1" dirty="0">
+              <a:latin typeface="Lora" panose="02020500000000000000" charset="0"/>
+            </a:endParaRPr>
+          </a:p>
+          <a:p>
+            <a:pPr marL="0" indent="0">
+              <a:buNone/>
+            </a:pPr>
+            <a:r>
+              <a:rPr lang="en-US" sz="1600" dirty="0">
+                <a:latin typeface="Lora" panose="02020500000000000000" charset="0"/>
+              </a:rPr>
+              <a:t>We will cost one or two weeks to implement the game and design a good environment for game agent.</a:t>
+            </a:r>
+            <a:endParaRPr lang="en-US" sz="1600" u="sng" dirty="0">
+              <a:latin typeface="Lora" panose="02020500000000000000" charset="0"/>
+            </a:endParaRPr>
+          </a:p>
+        </p:txBody>
+      </p:sp>
+      <p:sp>
+        <p:nvSpPr>
+          <p:cNvPr id="12" name="Google Shape;125;p17"/>
+          <p:cNvSpPr txBox="1">
+            <a:spLocks/>
+          </p:cNvSpPr>
+          <p:nvPr/>
+        </p:nvSpPr>
+        <p:spPr>
+          <a:xfrm>
+            <a:off x="4256690" y="1635686"/>
+            <a:ext cx="3699641" cy="2944860"/>
+          </a:xfrm>
+          <a:prstGeom prst="rect">
+            <a:avLst/>
+          </a:prstGeom>
+          <a:noFill/>
+          <a:ln>
+            <a:noFill/>
+          </a:ln>
+        </p:spPr>
+        <p:txBody>
+          <a:bodyPr spcFirstLastPara="1" wrap="square" lIns="91425" tIns="91425" rIns="91425" bIns="91425" anchor="t" anchorCtr="0">
+            <a:noAutofit/>
+          </a:bodyPr>
+          <a:lstStyle>
+            <a:defPPr marR="0" lvl="0" algn="l" rtl="0">
+              <a:lnSpc>
+                <a:spcPct val="100000"/>
+              </a:lnSpc>
+              <a:spcBef>
+                <a:spcPts val="0"/>
+              </a:spcBef>
+              <a:spcAft>
+                <a:spcPts val="0"/>
+              </a:spcAft>
+            </a:defPPr>
+            <a:lvl1pPr marL="457200" marR="0" lvl="0" indent="-381000" algn="l" rtl="0">
+              <a:lnSpc>
+                <a:spcPct val="100000"/>
+              </a:lnSpc>
+              <a:spcBef>
+                <a:spcPts val="600"/>
+              </a:spcBef>
+              <a:spcAft>
+                <a:spcPts val="0"/>
+              </a:spcAft>
+              <a:buClr>
+                <a:srgbClr val="FFCD00"/>
+              </a:buClr>
+              <a:buSzPts val="2400"/>
+              <a:buFont typeface="Quattrocento Sans"/>
+              <a:buChar char="◉"/>
+              <a:defRPr sz="2400" b="0" i="0" u="none" strike="noStrike" cap="none">
+                <a:solidFill>
+                  <a:srgbClr val="000000"/>
+                </a:solidFill>
+                <a:latin typeface="Quattrocento Sans"/>
+                <a:ea typeface="Quattrocento Sans"/>
+                <a:cs typeface="Quattrocento Sans"/>
+                <a:sym typeface="Quattrocento Sans"/>
+              </a:defRPr>
+            </a:lvl1pPr>
+            <a:lvl2pPr marL="914400" marR="0" lvl="1" indent="-355600" algn="l" rtl="0">
+              <a:lnSpc>
+                <a:spcPct val="100000"/>
+              </a:lnSpc>
+              <a:spcBef>
+                <a:spcPts val="0"/>
+              </a:spcBef>
+              <a:spcAft>
+                <a:spcPts val="0"/>
+              </a:spcAft>
+              <a:buClr>
+                <a:srgbClr val="FFCD00"/>
+              </a:buClr>
+              <a:buSzPts val="2000"/>
+              <a:buFont typeface="Quattrocento Sans"/>
+              <a:buChar char="○"/>
+              <a:defRPr sz="2000" b="0" i="0" u="none" strike="noStrike" cap="none">
+                <a:solidFill>
+                  <a:srgbClr val="000000"/>
+                </a:solidFill>
+                <a:latin typeface="Quattrocento Sans"/>
+                <a:ea typeface="Quattrocento Sans"/>
+                <a:cs typeface="Quattrocento Sans"/>
+                <a:sym typeface="Quattrocento Sans"/>
+              </a:defRPr>
+            </a:lvl2pPr>
+            <a:lvl3pPr marL="1371600" marR="0" lvl="2" indent="-355600" algn="l" rtl="0">
+              <a:lnSpc>
+                <a:spcPct val="100000"/>
+              </a:lnSpc>
+              <a:spcBef>
+                <a:spcPts val="0"/>
+              </a:spcBef>
+              <a:spcAft>
+                <a:spcPts val="0"/>
+              </a:spcAft>
+              <a:buClr>
+                <a:srgbClr val="FFCD00"/>
+              </a:buClr>
+              <a:buSzPts val="2000"/>
+              <a:buFont typeface="Quattrocento Sans"/>
+              <a:buChar char="■"/>
+              <a:defRPr sz="2000" b="0" i="0" u="none" strike="noStrike" cap="none">
+                <a:solidFill>
+                  <a:srgbClr val="000000"/>
+                </a:solidFill>
+                <a:latin typeface="Quattrocento Sans"/>
+                <a:ea typeface="Quattrocento Sans"/>
+                <a:cs typeface="Quattrocento Sans"/>
+                <a:sym typeface="Quattrocento Sans"/>
+              </a:defRPr>
+            </a:lvl3pPr>
+            <a:lvl4pPr marL="1828800" marR="0" lvl="3" indent="-342900" algn="l" rtl="0">
+              <a:lnSpc>
+                <a:spcPct val="100000"/>
+              </a:lnSpc>
+              <a:spcBef>
+                <a:spcPts val="0"/>
+              </a:spcBef>
+              <a:spcAft>
+                <a:spcPts val="0"/>
+              </a:spcAft>
+              <a:buClr>
+                <a:srgbClr val="FFCD00"/>
+              </a:buClr>
+              <a:buSzPts val="1800"/>
+              <a:buFont typeface="Quattrocento Sans"/>
+              <a:buChar char="●"/>
+              <a:defRPr sz="1800" b="0" i="0" u="none" strike="noStrike" cap="none">
+                <a:solidFill>
+                  <a:srgbClr val="000000"/>
+                </a:solidFill>
+                <a:latin typeface="Quattrocento Sans"/>
+                <a:ea typeface="Quattrocento Sans"/>
+                <a:cs typeface="Quattrocento Sans"/>
+                <a:sym typeface="Quattrocento Sans"/>
+              </a:defRPr>
+            </a:lvl4pPr>
+            <a:lvl5pPr marL="2286000" marR="0" lvl="4" indent="-342900" algn="l" rtl="0">
+              <a:lnSpc>
+                <a:spcPct val="100000"/>
+              </a:lnSpc>
+              <a:spcBef>
+                <a:spcPts val="0"/>
+              </a:spcBef>
+              <a:spcAft>
+                <a:spcPts val="0"/>
+              </a:spcAft>
+              <a:buClr>
+                <a:srgbClr val="FFCD00"/>
+              </a:buClr>
+              <a:buSzPts val="1800"/>
+              <a:buFont typeface="Quattrocento Sans"/>
+              <a:buChar char="○"/>
+              <a:defRPr sz="1800" b="0" i="0" u="none" strike="noStrike" cap="none">
+                <a:solidFill>
+                  <a:srgbClr val="000000"/>
+                </a:solidFill>
+                <a:latin typeface="Quattrocento Sans"/>
+                <a:ea typeface="Quattrocento Sans"/>
+                <a:cs typeface="Quattrocento Sans"/>
+                <a:sym typeface="Quattrocento Sans"/>
+              </a:defRPr>
+            </a:lvl5pPr>
+            <a:lvl6pPr marL="2743200" marR="0" lvl="5" indent="-342900" algn="l" rtl="0">
+              <a:lnSpc>
+                <a:spcPct val="100000"/>
+              </a:lnSpc>
+              <a:spcBef>
+                <a:spcPts val="0"/>
+              </a:spcBef>
+              <a:spcAft>
+                <a:spcPts val="0"/>
+              </a:spcAft>
+              <a:buClr>
+                <a:srgbClr val="FFCD00"/>
+              </a:buClr>
+              <a:buSzPts val="1800"/>
+              <a:buFont typeface="Quattrocento Sans"/>
+              <a:buChar char="■"/>
+              <a:defRPr sz="1800" b="0" i="0" u="none" strike="noStrike" cap="none">
+                <a:solidFill>
+                  <a:srgbClr val="000000"/>
+                </a:solidFill>
+                <a:latin typeface="Quattrocento Sans"/>
+                <a:ea typeface="Quattrocento Sans"/>
+                <a:cs typeface="Quattrocento Sans"/>
+                <a:sym typeface="Quattrocento Sans"/>
+              </a:defRPr>
+            </a:lvl6pPr>
+            <a:lvl7pPr marL="3200400" marR="0" lvl="6" indent="-342900" algn="l" rtl="0">
+              <a:lnSpc>
+                <a:spcPct val="100000"/>
+              </a:lnSpc>
+              <a:spcBef>
+                <a:spcPts val="0"/>
+              </a:spcBef>
+              <a:spcAft>
+                <a:spcPts val="0"/>
+              </a:spcAft>
+              <a:buClr>
+                <a:srgbClr val="FFCD00"/>
+              </a:buClr>
+              <a:buSzPts val="1800"/>
+              <a:buFont typeface="Quattrocento Sans"/>
+              <a:buChar char="●"/>
+              <a:defRPr sz="1800" b="0" i="0" u="none" strike="noStrike" cap="none">
+                <a:solidFill>
+                  <a:srgbClr val="000000"/>
+                </a:solidFill>
+                <a:latin typeface="Quattrocento Sans"/>
+                <a:ea typeface="Quattrocento Sans"/>
+                <a:cs typeface="Quattrocento Sans"/>
+                <a:sym typeface="Quattrocento Sans"/>
+              </a:defRPr>
+            </a:lvl7pPr>
+            <a:lvl8pPr marL="3657600" marR="0" lvl="7" indent="-342900" algn="l" rtl="0">
+              <a:lnSpc>
+                <a:spcPct val="100000"/>
+              </a:lnSpc>
+              <a:spcBef>
+                <a:spcPts val="0"/>
+              </a:spcBef>
+              <a:spcAft>
+                <a:spcPts val="0"/>
+              </a:spcAft>
+              <a:buClr>
+                <a:srgbClr val="FFCD00"/>
+              </a:buClr>
+              <a:buSzPts val="1800"/>
+              <a:buFont typeface="Quattrocento Sans"/>
+              <a:buChar char="○"/>
+              <a:defRPr sz="1800" b="0" i="0" u="none" strike="noStrike" cap="none">
+                <a:solidFill>
+                  <a:srgbClr val="000000"/>
+                </a:solidFill>
+                <a:latin typeface="Quattrocento Sans"/>
+                <a:ea typeface="Quattrocento Sans"/>
+                <a:cs typeface="Quattrocento Sans"/>
+                <a:sym typeface="Quattrocento Sans"/>
+              </a:defRPr>
+            </a:lvl8pPr>
+            <a:lvl9pPr marL="4114800" marR="0" lvl="8" indent="-342900" algn="l" rtl="0">
+              <a:lnSpc>
+                <a:spcPct val="100000"/>
+              </a:lnSpc>
+              <a:spcBef>
+                <a:spcPts val="0"/>
+              </a:spcBef>
+              <a:spcAft>
+                <a:spcPts val="0"/>
+              </a:spcAft>
+              <a:buClr>
+                <a:srgbClr val="FFCD00"/>
+              </a:buClr>
+              <a:buSzPts val="1800"/>
+              <a:buFont typeface="Quattrocento Sans"/>
+              <a:buChar char="■"/>
+              <a:defRPr sz="1800" b="0" i="0" u="none" strike="noStrike" cap="none">
+                <a:solidFill>
+                  <a:srgbClr val="000000"/>
+                </a:solidFill>
+                <a:latin typeface="Quattrocento Sans"/>
+                <a:ea typeface="Quattrocento Sans"/>
+                <a:cs typeface="Quattrocento Sans"/>
+                <a:sym typeface="Quattrocento Sans"/>
+              </a:defRPr>
+            </a:lvl9pPr>
+          </a:lstStyle>
+          <a:p>
+            <a:r>
+              <a:rPr lang="en-US" altLang="zh-TW" sz="1800" b="1" dirty="0">
+                <a:latin typeface="Lora" panose="02020500000000000000" charset="0"/>
+              </a:rPr>
+              <a:t>Some idea for method design</a:t>
+            </a:r>
+            <a:endParaRPr lang="en-US" altLang="zh-TW" sz="1600" u="sng" dirty="0">
+              <a:latin typeface="Lora" panose="02020500000000000000" charset="0"/>
+            </a:endParaRPr>
+          </a:p>
+          <a:p>
+            <a:pPr marL="76200" indent="0">
+              <a:buNone/>
+            </a:pPr>
+            <a:r>
+              <a:rPr lang="en-US" altLang="zh-TW" sz="1600" dirty="0">
+                <a:latin typeface="Lora" panose="02020500000000000000" charset="0"/>
+              </a:rPr>
+              <a:t>We will find out all situations that the box could not push any more. I think it must be a constraint. May be we will use some CSP problem’s spirits.  </a:t>
+            </a:r>
+            <a:r>
+              <a:rPr lang="en-US" altLang="zh-TW" sz="1600" dirty="0" err="1">
+                <a:latin typeface="Lora" panose="02020500000000000000" charset="0"/>
+              </a:rPr>
+              <a:t>Also,I</a:t>
+            </a:r>
+            <a:r>
+              <a:rPr lang="en-US" altLang="zh-TW" sz="1600" dirty="0">
+                <a:latin typeface="Lora" panose="02020500000000000000" charset="0"/>
+              </a:rPr>
+              <a:t> will research which search method is suitable for </a:t>
+            </a:r>
+            <a:r>
+              <a:rPr lang="en-US" altLang="zh-TW" sz="1600" u="sng" dirty="0" err="1">
+                <a:latin typeface="Lora" panose="02020500000000000000" charset="0"/>
+              </a:rPr>
+              <a:t>Sōkoban</a:t>
+            </a:r>
+            <a:r>
+              <a:rPr lang="en-US" altLang="zh-TW" sz="1600" dirty="0">
+                <a:latin typeface="Lora" panose="02020500000000000000" charset="0"/>
+              </a:rPr>
+              <a:t>.</a:t>
+            </a:r>
+            <a:endParaRPr lang="en-US" altLang="zh-TW" sz="1600" dirty="0"/>
+          </a:p>
+        </p:txBody>
+      </p:sp>
+      <p:pic>
+        <p:nvPicPr>
+          <p:cNvPr id="3" name="圖片 2"/>
+          <p:cNvPicPr>
+            <a:picLocks noChangeAspect="1"/>
+          </p:cNvPicPr>
+          <p:nvPr/>
+        </p:nvPicPr>
+        <p:blipFill>
+          <a:blip r:embed="rId3"/>
+          <a:stretch>
+            <a:fillRect/>
+          </a:stretch>
+        </p:blipFill>
+        <p:spPr>
+          <a:xfrm>
+            <a:off x="916458" y="1011551"/>
+            <a:ext cx="257834" cy="257834"/>
+          </a:xfrm>
+          <a:prstGeom prst="rect">
+            <a:avLst/>
+          </a:prstGeom>
+        </p:spPr>
+      </p:pic>
+    </p:spTree>
+    <p:extLst>
+      <p:ext uri="{BB962C8B-B14F-4D97-AF65-F5344CB8AC3E}">
+        <p14:creationId xmlns:p14="http://schemas.microsoft.com/office/powerpoint/2010/main" val="2011568003"/>
+      </p:ext>
+    </p:extLst>
+  </p:cSld>
+  <p:clrMapOvr>
+    <a:masterClrMapping/>
+  </p:clrMapOvr>
+</p:sld>
+</file>
+
+<file path=ppt/slides/slide14.xml><?xml version="1.0" encoding="utf-8"?>
+<p:sld xmlns:a="http://schemas.openxmlformats.org/drawingml/2006/main" xmlns:r="http://schemas.openxmlformats.org/officeDocument/2006/relationships" xmlns:p="http://schemas.openxmlformats.org/presentationml/2006/main">
+  <p:cSld>
+    <p:spTree>
+      <p:nvGrpSpPr>
+        <p:cNvPr id="1" name="Shape 156"/>
+        <p:cNvGrpSpPr/>
+        <p:nvPr/>
+      </p:nvGrpSpPr>
+      <p:grpSpPr>
+        <a:xfrm>
+          <a:off x="0" y="0"/>
+          <a:ext cx="0" cy="0"/>
+          <a:chOff x="0" y="0"/>
+          <a:chExt cx="0" cy="0"/>
+        </a:xfrm>
+      </p:grpSpPr>
+      <p:sp>
+        <p:nvSpPr>
+          <p:cNvPr id="157" name="Google Shape;157;p19"/>
+          <p:cNvSpPr txBox="1">
+            <a:spLocks noGrp="1"/>
+          </p:cNvSpPr>
+          <p:nvPr>
+            <p:ph type="body" idx="1"/>
+          </p:nvPr>
+        </p:nvSpPr>
+        <p:spPr>
+          <a:xfrm>
+            <a:off x="1381250" y="1524000"/>
+            <a:ext cx="3425400" cy="651641"/>
+          </a:xfrm>
+          <a:prstGeom prst="rect">
+            <a:avLst/>
+          </a:prstGeom>
+        </p:spPr>
+        <p:txBody>
+          <a:bodyPr spcFirstLastPara="1" wrap="square" lIns="91425" tIns="91425" rIns="91425" bIns="91425" anchor="t" anchorCtr="0">
+            <a:noAutofit/>
+          </a:bodyPr>
+          <a:lstStyle/>
+          <a:p>
+            <a:pPr marL="0" lvl="0" indent="0" algn="l" rtl="0">
+              <a:spcBef>
+                <a:spcPts val="600"/>
+              </a:spcBef>
+              <a:spcAft>
+                <a:spcPts val="0"/>
+              </a:spcAft>
+              <a:buNone/>
+            </a:pPr>
+            <a:r>
+              <a:rPr lang="en" b="1" dirty="0">
+                <a:highlight>
+                  <a:srgbClr val="FFCD00"/>
+                </a:highlight>
+                <a:latin typeface="Lora" panose="02020500000000000000" charset="0"/>
+              </a:rPr>
+              <a:t>Device and tools</a:t>
+            </a:r>
+            <a:endParaRPr lang="en" dirty="0">
+              <a:highlight>
+                <a:srgbClr val="FFCD00"/>
+              </a:highlight>
+              <a:latin typeface="Lora" panose="02020500000000000000" charset="0"/>
+            </a:endParaRPr>
+          </a:p>
+          <a:p>
+            <a:pPr marL="0" lvl="0" indent="0" algn="l" rtl="0">
+              <a:spcBef>
+                <a:spcPts val="600"/>
+              </a:spcBef>
+              <a:spcAft>
+                <a:spcPts val="0"/>
+              </a:spcAft>
+              <a:buNone/>
+            </a:pPr>
+            <a:endParaRPr lang="en-US" b="1" dirty="0">
+              <a:highlight>
+                <a:srgbClr val="FFCD00"/>
+              </a:highlight>
+            </a:endParaRPr>
+          </a:p>
+        </p:txBody>
+      </p:sp>
+      <p:sp>
+        <p:nvSpPr>
+          <p:cNvPr id="158" name="Google Shape;158;p19"/>
+          <p:cNvSpPr txBox="1">
+            <a:spLocks noGrp="1"/>
+          </p:cNvSpPr>
+          <p:nvPr>
+            <p:ph type="title"/>
+          </p:nvPr>
+        </p:nvSpPr>
+        <p:spPr>
+          <a:xfrm>
+            <a:off x="1381250" y="922668"/>
+            <a:ext cx="3878400" cy="435600"/>
+          </a:xfrm>
+          <a:prstGeom prst="rect">
+            <a:avLst/>
+          </a:prstGeom>
+        </p:spPr>
+        <p:txBody>
+          <a:bodyPr spcFirstLastPara="1" wrap="square" lIns="91425" tIns="91425" rIns="91425" bIns="91425" anchor="ctr" anchorCtr="0">
+            <a:noAutofit/>
+          </a:bodyPr>
+          <a:lstStyle/>
+          <a:p>
+            <a:pPr marL="0" lvl="0" indent="0" algn="l" rtl="0">
+              <a:spcBef>
+                <a:spcPts val="0"/>
+              </a:spcBef>
+              <a:spcAft>
+                <a:spcPts val="0"/>
+              </a:spcAft>
+              <a:buNone/>
+            </a:pPr>
+            <a:r>
+              <a:rPr lang="en-US" dirty="0"/>
+              <a:t>Resource Required</a:t>
+            </a:r>
+            <a:endParaRPr dirty="0"/>
+          </a:p>
+        </p:txBody>
+      </p:sp>
+      <p:sp>
+        <p:nvSpPr>
+          <p:cNvPr id="159" name="Google Shape;159;p19"/>
+          <p:cNvSpPr txBox="1">
+            <a:spLocks noGrp="1"/>
+          </p:cNvSpPr>
+          <p:nvPr>
+            <p:ph type="body" idx="2"/>
+          </p:nvPr>
+        </p:nvSpPr>
+        <p:spPr>
+          <a:xfrm>
+            <a:off x="4806650" y="1518851"/>
+            <a:ext cx="3425400" cy="656790"/>
+          </a:xfrm>
+          <a:prstGeom prst="rect">
+            <a:avLst/>
+          </a:prstGeom>
+        </p:spPr>
+        <p:txBody>
+          <a:bodyPr spcFirstLastPara="1" wrap="square" lIns="91425" tIns="91425" rIns="91425" bIns="91425" anchor="t" anchorCtr="0">
+            <a:noAutofit/>
+          </a:bodyPr>
+          <a:lstStyle/>
+          <a:p>
+            <a:pPr marL="0" lvl="0" indent="0" algn="l" rtl="0">
+              <a:spcBef>
+                <a:spcPts val="600"/>
+              </a:spcBef>
+              <a:spcAft>
+                <a:spcPts val="0"/>
+              </a:spcAft>
+              <a:buNone/>
+            </a:pPr>
+            <a:r>
+              <a:rPr lang="en" b="1" dirty="0">
+                <a:highlight>
+                  <a:srgbClr val="FFCD00"/>
+                </a:highlight>
+                <a:latin typeface="Lora" panose="02020500000000000000" charset="0"/>
+              </a:rPr>
+              <a:t>Human Resource</a:t>
+            </a:r>
+            <a:endParaRPr b="1" dirty="0">
+              <a:highlight>
+                <a:srgbClr val="FFCD00"/>
+              </a:highlight>
+              <a:latin typeface="Lora" panose="02020500000000000000" charset="0"/>
+            </a:endParaRPr>
+          </a:p>
+        </p:txBody>
+      </p:sp>
+      <p:sp>
+        <p:nvSpPr>
+          <p:cNvPr id="165" name="Google Shape;165;p19"/>
+          <p:cNvSpPr txBox="1">
+            <a:spLocks noGrp="1"/>
+          </p:cNvSpPr>
+          <p:nvPr>
+            <p:ph type="sldNum" idx="12"/>
+          </p:nvPr>
+        </p:nvSpPr>
+        <p:spPr>
+          <a:xfrm>
+            <a:off x="8543227" y="4749851"/>
+            <a:ext cx="548700" cy="393600"/>
+          </a:xfrm>
+          <a:prstGeom prst="rect">
+            <a:avLst/>
+          </a:prstGeom>
+        </p:spPr>
+        <p:txBody>
+          <a:bodyPr spcFirstLastPara="1" wrap="square" lIns="91425" tIns="91425" rIns="91425" bIns="91425" anchor="t" anchorCtr="0">
+            <a:noAutofit/>
+          </a:bodyPr>
+          <a:lstStyle/>
+          <a:p>
+            <a:pPr marL="0" lvl="0" indent="0" algn="r" rtl="0">
+              <a:spcBef>
+                <a:spcPts val="0"/>
+              </a:spcBef>
+              <a:spcAft>
+                <a:spcPts val="0"/>
+              </a:spcAft>
+              <a:buNone/>
+            </a:pPr>
+            <a:fld id="{00000000-1234-1234-1234-123412341234}" type="slidenum">
+              <a:rPr lang="en"/>
+              <a:t>14</a:t>
+            </a:fld>
+            <a:endParaRPr/>
+          </a:p>
+        </p:txBody>
+      </p:sp>
+      <p:sp>
+        <p:nvSpPr>
+          <p:cNvPr id="3" name="文字方塊 2"/>
+          <p:cNvSpPr txBox="1"/>
+          <p:nvPr/>
+        </p:nvSpPr>
+        <p:spPr>
+          <a:xfrm>
+            <a:off x="1381249" y="2175641"/>
+            <a:ext cx="2423495" cy="523220"/>
+          </a:xfrm>
+          <a:prstGeom prst="rect">
+            <a:avLst/>
+          </a:prstGeom>
+          <a:noFill/>
+        </p:spPr>
+        <p:txBody>
+          <a:bodyPr wrap="square" rtlCol="0">
+            <a:spAutoFit/>
+          </a:bodyPr>
+          <a:lstStyle/>
+          <a:p>
+            <a:pPr marL="285750" indent="-285750">
+              <a:buFont typeface="Arial" panose="020B0604020202020204" pitchFamily="34" charset="0"/>
+              <a:buChar char="•"/>
+            </a:pPr>
+            <a:r>
+              <a:rPr lang="en-US" altLang="zh-TW" dirty="0">
+                <a:latin typeface="Lora" panose="02020500000000000000" charset="0"/>
+              </a:rPr>
+              <a:t>Computer or notebook</a:t>
+            </a:r>
+          </a:p>
+          <a:p>
+            <a:pPr marL="285750" indent="-285750">
+              <a:buFont typeface="Arial" panose="020B0604020202020204" pitchFamily="34" charset="0"/>
+              <a:buChar char="•"/>
+            </a:pPr>
+            <a:r>
+              <a:rPr lang="en-US" altLang="zh-TW" dirty="0">
+                <a:latin typeface="Lora" panose="02020500000000000000" charset="0"/>
+              </a:rPr>
+              <a:t>Fresh liver</a:t>
+            </a:r>
+            <a:endParaRPr lang="zh-TW" altLang="en-US" dirty="0">
+              <a:latin typeface="Lora" panose="02020500000000000000" charset="0"/>
+            </a:endParaRPr>
+          </a:p>
+        </p:txBody>
+      </p:sp>
+      <p:sp>
+        <p:nvSpPr>
+          <p:cNvPr id="4" name="文字方塊 3"/>
+          <p:cNvSpPr txBox="1"/>
+          <p:nvPr/>
+        </p:nvSpPr>
+        <p:spPr>
+          <a:xfrm>
+            <a:off x="4806650" y="2175641"/>
+            <a:ext cx="2928964" cy="3108543"/>
+          </a:xfrm>
+          <a:prstGeom prst="rect">
+            <a:avLst/>
+          </a:prstGeom>
+          <a:noFill/>
+        </p:spPr>
+        <p:txBody>
+          <a:bodyPr wrap="square" rtlCol="0">
+            <a:spAutoFit/>
+          </a:bodyPr>
+          <a:lstStyle/>
+          <a:p>
+            <a:r>
+              <a:rPr lang="en-US" altLang="zh-TW" u="sng" dirty="0">
+                <a:latin typeface="Lora" panose="02020500000000000000" charset="0"/>
+              </a:rPr>
+              <a:t>Terry Huang</a:t>
+            </a:r>
+          </a:p>
+          <a:p>
+            <a:r>
+              <a:rPr lang="en-US" altLang="zh-TW" dirty="0">
+                <a:latin typeface="Lora" panose="02020500000000000000" charset="0"/>
+              </a:rPr>
+              <a:t>Task: Method design</a:t>
+            </a:r>
+          </a:p>
+          <a:p>
+            <a:endParaRPr lang="en-US" altLang="zh-TW" dirty="0">
+              <a:latin typeface="Lora" panose="02020500000000000000" charset="0"/>
+            </a:endParaRPr>
+          </a:p>
+          <a:p>
+            <a:r>
+              <a:rPr lang="en-US" altLang="zh-TW" u="sng" dirty="0">
+                <a:latin typeface="Lora" panose="02020500000000000000" charset="0"/>
+              </a:rPr>
+              <a:t>Jacky Lin</a:t>
+            </a:r>
+          </a:p>
+          <a:p>
+            <a:r>
+              <a:rPr lang="en-US" altLang="zh-TW" dirty="0">
+                <a:latin typeface="Lora" panose="02020500000000000000" charset="0"/>
+              </a:rPr>
+              <a:t>Task: Game implementation,</a:t>
+            </a:r>
+          </a:p>
+          <a:p>
+            <a:r>
+              <a:rPr lang="en-US" altLang="zh-TW" dirty="0">
+                <a:latin typeface="Lora" panose="02020500000000000000" charset="0"/>
+              </a:rPr>
+              <a:t>Method design </a:t>
+            </a:r>
+          </a:p>
+          <a:p>
+            <a:endParaRPr lang="en-US" altLang="zh-TW" dirty="0">
+              <a:latin typeface="Lora" panose="02020500000000000000" charset="0"/>
+            </a:endParaRPr>
+          </a:p>
+          <a:p>
+            <a:r>
+              <a:rPr lang="en-US" altLang="zh-TW" u="sng" dirty="0" err="1">
+                <a:latin typeface="Lora" panose="02020500000000000000" charset="0"/>
+              </a:rPr>
+              <a:t>Jia</a:t>
+            </a:r>
+            <a:r>
+              <a:rPr lang="en-US" altLang="zh-TW" u="sng" dirty="0">
+                <a:latin typeface="Lora" panose="02020500000000000000" charset="0"/>
+              </a:rPr>
+              <a:t> </a:t>
+            </a:r>
+            <a:r>
+              <a:rPr lang="en-US" altLang="zh-TW" u="sng" dirty="0" err="1">
+                <a:latin typeface="Lora" panose="02020500000000000000" charset="0"/>
+              </a:rPr>
+              <a:t>huan</a:t>
+            </a:r>
+            <a:r>
+              <a:rPr lang="en-US" altLang="zh-TW" u="sng" dirty="0">
+                <a:latin typeface="Lora" panose="02020500000000000000" charset="0"/>
+              </a:rPr>
+              <a:t> Hong</a:t>
+            </a:r>
+          </a:p>
+          <a:p>
+            <a:r>
+              <a:rPr lang="en-US" altLang="zh-TW" dirty="0">
+                <a:latin typeface="Lora" panose="02020500000000000000" charset="0"/>
+              </a:rPr>
+              <a:t>Task: Presentation design,</a:t>
+            </a:r>
+          </a:p>
+          <a:p>
+            <a:r>
+              <a:rPr lang="en-US" altLang="zh-TW" dirty="0">
+                <a:latin typeface="Lora" panose="02020500000000000000" charset="0"/>
+              </a:rPr>
+              <a:t>odds and ends</a:t>
+            </a:r>
+          </a:p>
+          <a:p>
+            <a:endParaRPr lang="en-US" altLang="zh-TW" dirty="0"/>
+          </a:p>
+          <a:p>
+            <a:endParaRPr lang="en-US" altLang="zh-TW" dirty="0"/>
+          </a:p>
+          <a:p>
+            <a:endParaRPr lang="en-US" altLang="zh-TW" dirty="0"/>
+          </a:p>
+          <a:p>
+            <a:endParaRPr lang="en-US" altLang="zh-TW" dirty="0"/>
+          </a:p>
+        </p:txBody>
+      </p:sp>
+      <p:pic>
+        <p:nvPicPr>
+          <p:cNvPr id="2" name="圖片 1"/>
+          <p:cNvPicPr>
+            <a:picLocks noChangeAspect="1"/>
+          </p:cNvPicPr>
+          <p:nvPr/>
+        </p:nvPicPr>
+        <p:blipFill>
+          <a:blip r:embed="rId3"/>
+          <a:stretch>
+            <a:fillRect/>
+          </a:stretch>
+        </p:blipFill>
+        <p:spPr>
+          <a:xfrm>
+            <a:off x="4471341" y="1670447"/>
+            <a:ext cx="335309" cy="353599"/>
+          </a:xfrm>
+          <a:prstGeom prst="rect">
+            <a:avLst/>
+          </a:prstGeom>
+        </p:spPr>
+      </p:pic>
+      <p:pic>
+        <p:nvPicPr>
+          <p:cNvPr id="5" name="圖片 4"/>
+          <p:cNvPicPr>
+            <a:picLocks noChangeAspect="1"/>
+          </p:cNvPicPr>
+          <p:nvPr/>
+        </p:nvPicPr>
+        <p:blipFill>
+          <a:blip r:embed="rId4"/>
+          <a:stretch>
+            <a:fillRect/>
+          </a:stretch>
+        </p:blipFill>
+        <p:spPr>
+          <a:xfrm>
+            <a:off x="978878" y="1670447"/>
+            <a:ext cx="402371" cy="377985"/>
+          </a:xfrm>
+          <a:prstGeom prst="rect">
+            <a:avLst/>
+          </a:prstGeom>
+        </p:spPr>
+      </p:pic>
+      <p:pic>
+        <p:nvPicPr>
+          <p:cNvPr id="6" name="圖片 5"/>
+          <p:cNvPicPr>
+            <a:picLocks noChangeAspect="1"/>
+          </p:cNvPicPr>
+          <p:nvPr/>
+        </p:nvPicPr>
+        <p:blipFill>
+          <a:blip r:embed="rId5"/>
+          <a:stretch>
+            <a:fillRect/>
+          </a:stretch>
+        </p:blipFill>
+        <p:spPr>
+          <a:xfrm>
+            <a:off x="889770" y="995321"/>
+            <a:ext cx="290293" cy="290293"/>
+          </a:xfrm>
+          <a:prstGeom prst="rect">
+            <a:avLst/>
+          </a:prstGeom>
+        </p:spPr>
+      </p:pic>
+    </p:spTree>
+    <p:extLst>
+      <p:ext uri="{BB962C8B-B14F-4D97-AF65-F5344CB8AC3E}">
+        <p14:creationId xmlns:p14="http://schemas.microsoft.com/office/powerpoint/2010/main" val="177175059"/>
+      </p:ext>
+    </p:extLst>
+  </p:cSld>
+  <p:clrMapOvr>
+    <a:masterClrMapping/>
+  </p:clrMapOvr>
+</p:sld>
+</file>
+
+<file path=ppt/slides/slide15.xml><?xml version="1.0" encoding="utf-8"?>
+<p:sld xmlns:a="http://schemas.openxmlformats.org/drawingml/2006/main" xmlns:r="http://schemas.openxmlformats.org/officeDocument/2006/relationships" xmlns:p="http://schemas.openxmlformats.org/presentationml/2006/main">
+  <p:cSld>
+    <p:spTree>
+      <p:nvGrpSpPr>
+        <p:cNvPr id="1" name=""/>
+        <p:cNvGrpSpPr/>
+        <p:nvPr/>
+      </p:nvGrpSpPr>
+      <p:grpSpPr>
+        <a:xfrm>
+          <a:off x="0" y="0"/>
+          <a:ext cx="0" cy="0"/>
+          <a:chOff x="0" y="0"/>
+          <a:chExt cx="0" cy="0"/>
+        </a:xfrm>
+      </p:grpSpPr>
+      <p:sp>
+        <p:nvSpPr>
+          <p:cNvPr id="2" name="標題 1"/>
+          <p:cNvSpPr>
+            <a:spLocks noGrp="1"/>
+          </p:cNvSpPr>
+          <p:nvPr>
+            <p:ph type="title"/>
+          </p:nvPr>
+        </p:nvSpPr>
+        <p:spPr/>
+        <p:txBody>
+          <a:bodyPr/>
+          <a:lstStyle/>
+          <a:p>
+            <a:r>
+              <a:rPr lang="en-US" altLang="zh-TW" dirty="0"/>
+              <a:t>Schedule</a:t>
+            </a:r>
+            <a:endParaRPr lang="zh-TW" altLang="en-US" dirty="0"/>
+          </a:p>
+        </p:txBody>
+      </p:sp>
+      <p:sp>
+        <p:nvSpPr>
+          <p:cNvPr id="5" name="投影片編號版面配置區 4"/>
+          <p:cNvSpPr>
+            <a:spLocks noGrp="1"/>
+          </p:cNvSpPr>
+          <p:nvPr>
+            <p:ph type="sldNum" idx="12"/>
+          </p:nvPr>
+        </p:nvSpPr>
+        <p:spPr/>
+        <p:txBody>
+          <a:bodyPr/>
+          <a:lstStyle/>
+          <a:p>
+            <a:pPr marL="0" lvl="0" indent="0" algn="r" rtl="0">
+              <a:spcBef>
+                <a:spcPts val="0"/>
+              </a:spcBef>
+              <a:spcAft>
+                <a:spcPts val="0"/>
+              </a:spcAft>
+              <a:buNone/>
+            </a:pPr>
+            <a:fld id="{00000000-1234-1234-1234-123412341234}" type="slidenum">
+              <a:rPr lang="en" smtClean="0"/>
+              <a:t>15</a:t>
+            </a:fld>
+            <a:endParaRPr lang="en"/>
+          </a:p>
+        </p:txBody>
+      </p:sp>
+      <p:pic>
+        <p:nvPicPr>
+          <p:cNvPr id="3" name="圖片 2"/>
+          <p:cNvPicPr>
+            <a:picLocks noChangeAspect="1"/>
+          </p:cNvPicPr>
+          <p:nvPr/>
+        </p:nvPicPr>
+        <p:blipFill>
+          <a:blip r:embed="rId4"/>
+          <a:stretch>
+            <a:fillRect/>
+          </a:stretch>
+        </p:blipFill>
+        <p:spPr>
+          <a:xfrm>
+            <a:off x="884746" y="999929"/>
+            <a:ext cx="281903" cy="262462"/>
+          </a:xfrm>
+          <a:prstGeom prst="rect">
+            <a:avLst/>
+          </a:prstGeom>
+        </p:spPr>
+      </p:pic>
+      <p:sp>
+        <p:nvSpPr>
+          <p:cNvPr id="4" name="Rectangle 2">
+            <a:extLst>
+              <a:ext uri="{FF2B5EF4-FFF2-40B4-BE49-F238E27FC236}">
+                <a16:creationId xmlns:a16="http://schemas.microsoft.com/office/drawing/2014/main" id="{98881C96-B63C-482E-9891-E9342177CB4B}"/>
+              </a:ext>
+            </a:extLst>
+          </p:cNvPr>
+          <p:cNvSpPr>
+            <a:spLocks noChangeArrowheads="1"/>
+          </p:cNvSpPr>
+          <p:nvPr/>
+        </p:nvSpPr>
+        <p:spPr bwMode="auto">
+          <a:xfrm>
+            <a:off x="798835" y="1692876"/>
+            <a:ext cx="12728819" cy="0"/>
+          </a:xfrm>
+          <a:prstGeom prst="rect">
+            <a:avLst/>
+          </a:prstGeom>
+          <a:noFill/>
+          <a:ln>
+            <a:noFill/>
+          </a:ln>
+          <a:effectLst/>
+          <a:extLst>
+            <a:ext uri="{909E8E84-426E-40DD-AFC4-6F175D3DCCD1}">
+              <a14:hiddenFill xmlns:a14="http://schemas.microsoft.com/office/drawing/2010/main">
+                <a:solidFill>
+                  <a:schemeClr val="accent1"/>
+                </a:solidFill>
+              </a14:hiddenFill>
+            </a:ext>
+            <a:ext uri="{91240B29-F687-4F45-9708-019B960494DF}">
+              <a14:hiddenLine xmlns:a14="http://schemas.microsoft.com/office/drawing/2010/main" w="9525">
+                <a:solidFill>
+                  <a:schemeClr val="tx1"/>
+                </a:solidFill>
+                <a:miter lim="800000"/>
+                <a:headEnd/>
+                <a:tailEnd/>
+              </a14:hiddenLine>
+            </a:ext>
+            <a:ext uri="{AF507438-7753-43E0-B8FC-AC1667EBCBE1}">
+              <a14:hiddenEffects xmlns:a14="http://schemas.microsoft.com/office/drawing/2010/main">
+                <a:effectLst>
+                  <a:outerShdw dist="35921" dir="2700000" algn="ctr" rotWithShape="0">
+                    <a:schemeClr val="bg2"/>
+                  </a:outerShdw>
+                </a:effectLst>
+              </a14:hiddenEffects>
+            </a:ext>
+          </a:extLst>
+        </p:spPr>
+        <p:txBody>
+          <a:bodyPr vert="horz" wrap="square" lIns="91440" tIns="45720" rIns="91440" bIns="45720" numCol="1" anchor="ctr" anchorCtr="0" compatLnSpc="1">
+            <a:prstTxWarp prst="textNoShape">
+              <a:avLst/>
+            </a:prstTxWarp>
+            <a:spAutoFit/>
+          </a:bodyPr>
+          <a:lstStyle/>
+          <a:p>
+            <a:endParaRPr lang="zh-TW" altLang="en-US"/>
+          </a:p>
+        </p:txBody>
+      </p:sp>
+      <p:graphicFrame>
+        <p:nvGraphicFramePr>
+          <p:cNvPr id="7" name="物件 6">
+            <a:extLst>
+              <a:ext uri="{FF2B5EF4-FFF2-40B4-BE49-F238E27FC236}">
+                <a16:creationId xmlns:a16="http://schemas.microsoft.com/office/drawing/2014/main" id="{18C0BA1D-8356-4F5A-991B-43C40C9D51FF}"/>
+              </a:ext>
+            </a:extLst>
+          </p:cNvPr>
+          <p:cNvGraphicFramePr>
+            <a:graphicFrameLocks noChangeAspect="1"/>
+          </p:cNvGraphicFramePr>
+          <p:nvPr>
+            <p:extLst>
+              <p:ext uri="{D42A27DB-BD31-4B8C-83A1-F6EECF244321}">
+                <p14:modId xmlns:p14="http://schemas.microsoft.com/office/powerpoint/2010/main" val="3668656411"/>
+              </p:ext>
+            </p:extLst>
+          </p:nvPr>
+        </p:nvGraphicFramePr>
+        <p:xfrm>
+          <a:off x="798836" y="1692876"/>
+          <a:ext cx="7744391" cy="2940908"/>
+        </p:xfrm>
+        <a:graphic>
+          <a:graphicData uri="http://schemas.openxmlformats.org/presentationml/2006/ole">
+            <mc:AlternateContent xmlns:mc="http://schemas.openxmlformats.org/markup-compatibility/2006">
+              <mc:Choice xmlns:v="urn:schemas-microsoft-com:vml" Requires="v">
+                <p:oleObj spid="_x0000_s1028" r:id="rId5" imgW="7200915" imgH="2727960" progId="Visio.Drawing.15">
+                  <p:embed/>
+                </p:oleObj>
+              </mc:Choice>
+              <mc:Fallback>
+                <p:oleObj r:id="rId5" imgW="7200915" imgH="2727960" progId="Visio.Drawing.15">
+                  <p:embed/>
+                  <p:pic>
+                    <p:nvPicPr>
+                      <p:cNvPr id="0" name="Object 1"/>
+                      <p:cNvPicPr>
+                        <a:picLocks noChangeAspect="1" noChangeArrowheads="1"/>
+                      </p:cNvPicPr>
+                      <p:nvPr/>
+                    </p:nvPicPr>
+                    <p:blipFill>
+                      <a:blip r:embed="rId6">
+                        <a:extLst>
+                          <a:ext uri="{28A0092B-C50C-407E-A947-70E740481C1C}">
+                            <a14:useLocalDpi xmlns:a14="http://schemas.microsoft.com/office/drawing/2010/main" val="0"/>
+                          </a:ext>
+                        </a:extLst>
+                      </a:blip>
+                      <a:srcRect/>
+                      <a:stretch>
+                        <a:fillRect/>
+                      </a:stretch>
+                    </p:blipFill>
+                    <p:spPr bwMode="auto">
+                      <a:xfrm>
+                        <a:off x="798836" y="1692876"/>
+                        <a:ext cx="7744391" cy="2940908"/>
+                      </a:xfrm>
+                      <a:prstGeom prst="rect">
+                        <a:avLst/>
+                      </a:prstGeom>
+                      <a:noFill/>
+                    </p:spPr>
+                  </p:pic>
+                </p:oleObj>
+              </mc:Fallback>
+            </mc:AlternateContent>
+          </a:graphicData>
+        </a:graphic>
+      </p:graphicFrame>
+    </p:spTree>
+    <p:extLst>
+      <p:ext uri="{BB962C8B-B14F-4D97-AF65-F5344CB8AC3E}">
+        <p14:creationId xmlns:p14="http://schemas.microsoft.com/office/powerpoint/2010/main" val="152638998"/>
+      </p:ext>
+    </p:extLst>
+  </p:cSld>
+  <p:clrMapOvr>
+    <a:masterClrMapping/>
+  </p:clrMapOvr>
+</p:sld>
+</file>
+
+<file path=ppt/slides/slide16.xml><?xml version="1.0" encoding="utf-8"?>
+<p:sld xmlns:a="http://schemas.openxmlformats.org/drawingml/2006/main" xmlns:r="http://schemas.openxmlformats.org/officeDocument/2006/relationships" xmlns:p="http://schemas.openxmlformats.org/presentationml/2006/main">
+  <p:cSld>
+    <p:spTree>
+      <p:nvGrpSpPr>
+        <p:cNvPr id="1" name=""/>
+        <p:cNvGrpSpPr/>
+        <p:nvPr/>
+      </p:nvGrpSpPr>
+      <p:grpSpPr>
+        <a:xfrm>
+          <a:off x="0" y="0"/>
+          <a:ext cx="0" cy="0"/>
+          <a:chOff x="0" y="0"/>
+          <a:chExt cx="0" cy="0"/>
+        </a:xfrm>
+      </p:grpSpPr>
+      <p:sp>
+        <p:nvSpPr>
+          <p:cNvPr id="2" name="標題 1"/>
+          <p:cNvSpPr>
+            <a:spLocks noGrp="1"/>
+          </p:cNvSpPr>
+          <p:nvPr>
+            <p:ph type="title"/>
+          </p:nvPr>
+        </p:nvSpPr>
+        <p:spPr/>
+        <p:txBody>
+          <a:bodyPr/>
+          <a:lstStyle/>
+          <a:p>
+            <a:r>
+              <a:rPr lang="en-US" altLang="zh-TW" dirty="0"/>
+              <a:t>Reference</a:t>
+            </a:r>
+            <a:endParaRPr lang="zh-TW" altLang="en-US" dirty="0"/>
+          </a:p>
+        </p:txBody>
+      </p:sp>
+      <p:sp>
+        <p:nvSpPr>
+          <p:cNvPr id="3" name="文字版面配置區 2"/>
+          <p:cNvSpPr>
+            <a:spLocks noGrp="1"/>
+          </p:cNvSpPr>
+          <p:nvPr>
+            <p:ph type="body" idx="1"/>
+          </p:nvPr>
+        </p:nvSpPr>
+        <p:spPr>
+          <a:xfrm>
+            <a:off x="788277" y="1618700"/>
+            <a:ext cx="7283668" cy="3231000"/>
+          </a:xfrm>
+        </p:spPr>
+        <p:txBody>
+          <a:bodyPr/>
+          <a:lstStyle/>
+          <a:p>
+            <a:r>
+              <a:rPr lang="en-US" altLang="zh-TW" dirty="0">
+                <a:latin typeface="Lora" panose="02020500000000000000" charset="0"/>
+                <a:hlinkClick r:id="rId2"/>
+              </a:rPr>
+              <a:t>SOKOBAN and other motion planning problems .</a:t>
+            </a:r>
+            <a:r>
+              <a:rPr lang="de-DE" altLang="zh-TW" dirty="0">
+                <a:latin typeface="Lora" panose="02020500000000000000" charset="0"/>
+                <a:hlinkClick r:id="rId2"/>
+              </a:rPr>
+              <a:t>Dorit Dor .Uri Zwick. June 25, 1996</a:t>
+            </a:r>
+            <a:endParaRPr lang="en-US" altLang="zh-TW" dirty="0">
+              <a:latin typeface="Lora" panose="02020500000000000000" charset="0"/>
+            </a:endParaRPr>
+          </a:p>
+          <a:p>
+            <a:r>
+              <a:rPr lang="en-US" altLang="zh-TW" dirty="0">
+                <a:latin typeface="Lora" panose="02020500000000000000" charset="0"/>
+                <a:hlinkClick r:id="rId3"/>
+              </a:rPr>
+              <a:t>Willy A Sokoban Solving Agent. Luis Rei, </a:t>
+            </a:r>
+            <a:r>
+              <a:rPr lang="en-US" altLang="zh-TW" dirty="0" err="1">
+                <a:latin typeface="Lora" panose="02020500000000000000" charset="0"/>
+                <a:hlinkClick r:id="rId3"/>
+              </a:rPr>
+              <a:t>Rui</a:t>
+            </a:r>
+            <a:r>
+              <a:rPr lang="en-US" altLang="zh-TW" dirty="0">
+                <a:latin typeface="Lora" panose="02020500000000000000" charset="0"/>
+                <a:hlinkClick r:id="rId3"/>
+              </a:rPr>
+              <a:t> Teixeira</a:t>
+            </a:r>
+            <a:endParaRPr lang="zh-TW" altLang="en-US" dirty="0">
+              <a:latin typeface="Lora" panose="02020500000000000000" charset="0"/>
+            </a:endParaRPr>
+          </a:p>
+        </p:txBody>
+      </p:sp>
+      <p:sp>
+        <p:nvSpPr>
+          <p:cNvPr id="5" name="投影片編號版面配置區 4"/>
+          <p:cNvSpPr>
+            <a:spLocks noGrp="1"/>
+          </p:cNvSpPr>
+          <p:nvPr>
+            <p:ph type="sldNum" idx="12"/>
+          </p:nvPr>
+        </p:nvSpPr>
+        <p:spPr/>
+        <p:txBody>
+          <a:bodyPr/>
+          <a:lstStyle/>
+          <a:p>
+            <a:pPr marL="0" lvl="0" indent="0" algn="r" rtl="0">
+              <a:spcBef>
+                <a:spcPts val="0"/>
+              </a:spcBef>
+              <a:spcAft>
+                <a:spcPts val="0"/>
+              </a:spcAft>
+              <a:buNone/>
+            </a:pPr>
+            <a:fld id="{00000000-1234-1234-1234-123412341234}" type="slidenum">
+              <a:rPr lang="en" smtClean="0"/>
+              <a:t>16</a:t>
+            </a:fld>
+            <a:endParaRPr lang="en"/>
+          </a:p>
+        </p:txBody>
+      </p:sp>
+      <p:pic>
+        <p:nvPicPr>
+          <p:cNvPr id="4" name="圖片 3"/>
+          <p:cNvPicPr>
+            <a:picLocks noChangeAspect="1"/>
+          </p:cNvPicPr>
+          <p:nvPr/>
+        </p:nvPicPr>
+        <p:blipFill>
+          <a:blip r:embed="rId4"/>
+          <a:stretch>
+            <a:fillRect/>
+          </a:stretch>
+        </p:blipFill>
+        <p:spPr>
+          <a:xfrm>
+            <a:off x="872360" y="1024764"/>
+            <a:ext cx="294289" cy="250145"/>
+          </a:xfrm>
+          <a:prstGeom prst="rect">
+            <a:avLst/>
+          </a:prstGeom>
+        </p:spPr>
+      </p:pic>
+    </p:spTree>
+    <p:extLst>
+      <p:ext uri="{BB962C8B-B14F-4D97-AF65-F5344CB8AC3E}">
+        <p14:creationId xmlns:p14="http://schemas.microsoft.com/office/powerpoint/2010/main" val="227442086"/>
+      </p:ext>
+    </p:extLst>
+  </p:cSld>
+  <p:clrMapOvr>
+    <a:masterClrMapping/>
+  </p:clrMapOvr>
 </p:sld>
 </file>
 
@@ -5314,7 +8042,7 @@
               <a:buNone/>
             </a:pPr>
             <a:r>
-              <a:rPr lang="en" dirty="0" smtClean="0"/>
+              <a:rPr lang="en" dirty="0"/>
               <a:t>Project Statement</a:t>
             </a:r>
             <a:endParaRPr dirty="0"/>
@@ -5355,7 +8083,7 @@
               </a:spcBef>
             </a:pPr>
             <a:r>
-              <a:rPr lang="en-US" altLang="zh-TW" sz="1600" u="sng" dirty="0" err="1" smtClean="0">
+              <a:rPr lang="en-US" altLang="zh-TW" sz="1600" u="sng" dirty="0" err="1">
                 <a:latin typeface="Lora" panose="02020500000000000000" charset="0"/>
               </a:rPr>
               <a:t>Sōkoban</a:t>
@@ -5364,47 +8092,20 @@
               <a:rPr lang="en-US" altLang="zh-TW" sz="1600" dirty="0">
                 <a:latin typeface="Lora" panose="02020500000000000000" charset="0"/>
               </a:rPr>
-              <a:t> </a:t>
+              <a:t> is a classical puzzle game. Player need to control a porter to push the cargo to designated locations. We want to design an AI to play </a:t>
             </a:r>
             <a:r>
-              <a:rPr lang="en-US" altLang="zh-TW" sz="1600" dirty="0" smtClean="0">
+              <a:rPr lang="en-US" altLang="zh-TW" sz="1600" u="sng" dirty="0" err="1">
                 <a:latin typeface="Lora" panose="02020500000000000000" charset="0"/>
               </a:rPr>
-              <a:t>is a classical puzzle game. Player need to control a porter to push the cargo to </a:t>
-            </a:r>
-            <a:r>
-              <a:rPr lang="en-US" altLang="zh-TW" sz="1600" dirty="0" smtClean="0">
-                <a:latin typeface="Lora" panose="02020500000000000000" charset="0"/>
-              </a:rPr>
-              <a:t>designated </a:t>
+              <a:t>Sōkoban</a:t>
             </a:r>
             <a:r>
               <a:rPr lang="en-US" altLang="zh-TW" sz="1600" dirty="0">
                 <a:latin typeface="Lora" panose="02020500000000000000" charset="0"/>
               </a:rPr>
-              <a:t>locations. </a:t>
-            </a:r>
-            <a:r>
-              <a:rPr lang="en-US" altLang="zh-TW" sz="1600" dirty="0" smtClean="0">
-                <a:latin typeface="Lora" panose="02020500000000000000" charset="0"/>
-              </a:rPr>
-              <a:t>We want to design an AI to play </a:t>
-            </a:r>
-            <a:r>
-              <a:rPr lang="en-US" altLang="zh-TW" sz="1600" u="sng" dirty="0" err="1" smtClean="0">
-                <a:latin typeface="Lora" panose="02020500000000000000" charset="0"/>
-              </a:rPr>
-              <a:t>Sōkoban</a:t>
-            </a:r>
-            <a:r>
-              <a:rPr lang="en-US" altLang="zh-TW" sz="1600" dirty="0" smtClean="0">
-                <a:latin typeface="Lora" panose="02020500000000000000" charset="0"/>
-              </a:rPr>
               <a:t>.</a:t>
             </a:r>
-            <a:endParaRPr lang="en-US" altLang="zh-TW" sz="1600" dirty="0">
-              <a:latin typeface="Lora" panose="02020500000000000000" charset="0"/>
-            </a:endParaRPr>
           </a:p>
           <a:p>
             <a:pPr lvl="0">
@@ -5412,7 +8113,7 @@
                 <a:spcPts val="600"/>
               </a:spcBef>
             </a:pPr>
-            <a:endParaRPr lang="en-US" sz="1600" u="sng" dirty="0" smtClean="0">
+            <a:endParaRPr lang="en-US" sz="1600" u="sng" dirty="0">
               <a:latin typeface="Lora" panose="02020500000000000000" charset="0"/>
               <a:ea typeface="Quattrocento Sans"/>
               <a:cs typeface="Quattrocento Sans"/>
@@ -5426,7 +8127,7 @@
               </a:spcBef>
             </a:pPr>
             <a:r>
-              <a:rPr lang="en-US" sz="1600" dirty="0" smtClean="0">
+              <a:rPr lang="en-US" sz="1600" dirty="0">
                 <a:latin typeface="Lora" panose="02020500000000000000" charset="0"/>
                 <a:ea typeface="Quattrocento Sans"/>
                 <a:cs typeface="Quattrocento Sans"/>
@@ -5474,7 +8175,7 @@
               </a:spcBef>
             </a:pPr>
             <a:r>
-              <a:rPr lang="en" sz="1100" b="1" i="1" dirty="0" smtClean="0">
+              <a:rPr lang="en" sz="1100" b="1" i="1" dirty="0">
                 <a:latin typeface="Lora"/>
                 <a:ea typeface="Lora"/>
                 <a:cs typeface="Lora"/>
@@ -5483,7 +8184,7 @@
               <a:t>The </a:t>
             </a:r>
             <a:r>
-              <a:rPr lang="en-US" altLang="zh-TW" sz="1100" b="1" u="sng" dirty="0" err="1" smtClean="0">
+              <a:rPr lang="en-US" altLang="zh-TW" sz="1100" b="1" u="sng" dirty="0" err="1">
                 <a:latin typeface="Lora" panose="02020500000000000000" charset="0"/>
               </a:rPr>
               <a:t>Sōkoban</a:t>
@@ -5507,7 +8208,7 @@
               </a:rPr>
               <a:t>http://my-gamer.com/games/gc11660.html</a:t>
             </a:r>
-            <a:endParaRPr lang="en" sz="1100" b="1" i="1" dirty="0" smtClean="0">
+            <a:endParaRPr lang="en" sz="1100" b="1" i="1" dirty="0">
               <a:latin typeface="Lora"/>
               <a:ea typeface="Lora"/>
               <a:cs typeface="Lora"/>
@@ -5521,7 +8222,7 @@
               </a:spcBef>
             </a:pPr>
             <a:r>
-              <a:rPr lang="en" sz="1100" b="1" i="1" dirty="0" smtClean="0">
+              <a:rPr lang="en" sz="1100" b="1" i="1" dirty="0">
                 <a:latin typeface="Lora"/>
                 <a:ea typeface="Lora"/>
                 <a:cs typeface="Lora"/>
@@ -5530,13 +8231,13 @@
               <a:t>More info about the </a:t>
             </a:r>
             <a:r>
-              <a:rPr lang="en-US" altLang="zh-TW" sz="1100" b="1" u="sng" dirty="0" err="1" smtClean="0">
+              <a:rPr lang="en-US" altLang="zh-TW" sz="1100" b="1" u="sng" dirty="0" err="1">
                 <a:latin typeface="Lora" panose="02020500000000000000" charset="0"/>
               </a:rPr>
               <a:t>Sōkoban</a:t>
             </a:r>
             <a:r>
-              <a:rPr lang="en-US" altLang="zh-TW" sz="1100" b="1" u="sng" dirty="0" smtClean="0">
+              <a:rPr lang="en-US" altLang="zh-TW" sz="1100" b="1" u="sng" dirty="0">
                 <a:latin typeface="Lora" panose="02020500000000000000" charset="0"/>
               </a:rPr>
               <a:t> </a:t>
@@ -5552,14 +8253,7 @@
                 <a:latin typeface="Lora" panose="02020500000000000000" charset="0"/>
                 <a:hlinkClick r:id="rId4"/>
               </a:rPr>
-              <a:t>https://zh.wikipedia.org/wiki/%</a:t>
-            </a:r>
-            <a:r>
-              <a:rPr lang="en-US" altLang="zh-TW" sz="1100" b="1" dirty="0" smtClean="0">
-                <a:latin typeface="Lora" panose="02020500000000000000" charset="0"/>
-                <a:hlinkClick r:id="rId4"/>
-              </a:rPr>
-              <a:t>E5%80%89%E5%BA%AB%E7%95%AA</a:t>
+              <a:t>https://zh.wikipedia.org/wiki/%E5%80%89%E5%BA%AB%E7%95%AA</a:t>
             </a:r>
           </a:p>
           <a:p>
@@ -5569,7 +8263,7 @@
               </a:spcBef>
             </a:pPr>
             <a:r>
-              <a:rPr lang="en" sz="1100" b="1" i="1" dirty="0" smtClean="0">
+              <a:rPr lang="en" sz="1100" b="1" i="1" dirty="0">
                 <a:latin typeface="Lora"/>
                 <a:ea typeface="Lora"/>
                 <a:cs typeface="Lora"/>
@@ -5717,21 +8411,6 @@
   <p:clrMapOvr>
     <a:masterClrMapping/>
   </p:clrMapOvr>
-  <mc:AlternateContent xmlns:mc="http://schemas.openxmlformats.org/markup-compatibility/2006" xmlns:p14="http://schemas.microsoft.com/office/powerpoint/2010/main">
-    <mc:Choice Requires="p14">
-      <p:transition p14:dur="0"/>
-    </mc:Choice>
-    <mc:Fallback xmlns="">
-      <p:transition/>
-    </mc:Fallback>
-  </mc:AlternateContent>
-  <p:timing>
-    <p:tnLst>
-      <p:par>
-        <p:cTn id="1" dur="indefinite" restart="never" nodeType="tmRoot"/>
-      </p:par>
-    </p:tnLst>
-  </p:timing>
 </p:sld>
 </file>
 
@@ -5827,7 +8506,7 @@
               <a:buNone/>
             </a:pPr>
             <a:r>
-              <a:rPr lang="en" dirty="0" smtClean="0"/>
+              <a:rPr lang="en" dirty="0"/>
               <a:t>Motivation</a:t>
             </a:r>
             <a:endParaRPr dirty="0"/>
@@ -5842,8 +8521,8 @@
         </p:nvSpPr>
         <p:spPr>
           <a:xfrm>
-            <a:off x="1521336" y="1626621"/>
-            <a:ext cx="6112627" cy="1680057"/>
+            <a:off x="1515686" y="1504010"/>
+            <a:ext cx="6112627" cy="2480159"/>
           </a:xfrm>
           <a:prstGeom prst="rect">
             <a:avLst/>
@@ -5865,79 +8544,60 @@
               </a:spcBef>
             </a:pPr>
             <a:r>
-              <a:rPr lang="en-US" sz="1600" dirty="0" smtClean="0">
-                <a:latin typeface="Lora" panose="02020500000000000000" charset="0"/>
-                <a:ea typeface="Quattrocento Sans"/>
-                <a:cs typeface="Quattrocento Sans"/>
-                <a:sym typeface="Quattrocento Sans"/>
-              </a:rPr>
-              <a:t>My first computer in my life is Windows dos computer,   there are two games in it.  One </a:t>
-            </a:r>
-            <a:r>
-              <a:rPr lang="en-US" sz="1600" dirty="0">
-                <a:latin typeface="Lora" panose="02020500000000000000" charset="0"/>
-                <a:ea typeface="Quattrocento Sans"/>
-                <a:cs typeface="Quattrocento Sans"/>
-                <a:sym typeface="Quattrocento Sans"/>
-              </a:rPr>
-              <a:t>is </a:t>
-            </a:r>
-            <a:r>
-              <a:rPr lang="en-US" sz="1600" dirty="0" smtClean="0">
-                <a:latin typeface="Lora" panose="02020500000000000000" charset="0"/>
-                <a:ea typeface="Quattrocento Sans"/>
-                <a:cs typeface="Quattrocento Sans"/>
-                <a:sym typeface="Quattrocento Sans"/>
-              </a:rPr>
-              <a:t>Mahjong, another is </a:t>
-            </a:r>
-            <a:r>
-              <a:rPr lang="en-US" altLang="zh-TW" sz="1600" u="sng" dirty="0" err="1" smtClean="0">
+              <a:rPr lang="en-US" altLang="zh-TW" sz="1600" b="1" dirty="0" err="1">
                 <a:latin typeface="Lora" panose="02020500000000000000" charset="0"/>
               </a:rPr>
               <a:t>Sōkoban</a:t>
             </a:r>
             <a:r>
-              <a:rPr lang="en-US" altLang="zh-TW" sz="1600" dirty="0" smtClean="0">
-                <a:latin typeface="Lora" panose="02020500000000000000" charset="0"/>
-              </a:rPr>
-              <a:t>. My sister and I used to play </a:t>
-            </a:r>
-            <a:r>
-              <a:rPr lang="en-US" altLang="zh-TW" sz="1600" u="sng" dirty="0" err="1" smtClean="0">
-                <a:latin typeface="Lora" panose="02020500000000000000" charset="0"/>
-              </a:rPr>
-              <a:t>Sōkoban</a:t>
-            </a:r>
-            <a:r>
-              <a:rPr lang="en-US" altLang="zh-TW" sz="1600" u="sng" dirty="0" smtClean="0">
+              <a:rPr lang="zh-TW" altLang="en-US" sz="1600" dirty="0">
                 <a:latin typeface="Lora" panose="02020500000000000000" charset="0"/>
               </a:rPr>
               <a:t> </a:t>
             </a:r>
             <a:r>
-              <a:rPr lang="en-US" altLang="zh-TW" sz="1600" dirty="0" smtClean="0">
+              <a:rPr lang="en-US" altLang="zh-TW" sz="1600" dirty="0">
                 <a:latin typeface="Lora" panose="02020500000000000000" charset="0"/>
               </a:rPr>
-              <a:t>in our childhood, which is a great memory in my life. My motivation is:  I want to create an AI to play </a:t>
+              <a:t>is a good </a:t>
             </a:r>
             <a:r>
-              <a:rPr lang="en-US" altLang="zh-TW" sz="1600" u="sng" dirty="0" err="1" smtClean="0">
-                <a:latin typeface="Lora" panose="02020500000000000000" charset="0"/>
-              </a:rPr>
-              <a:t>Sōkoban</a:t>
+              <a:rPr lang="en-US" altLang="zh-TW" dirty="0"/>
+              <a:t>Puzzle game in design . </a:t>
             </a:r>
+            <a:br>
+              <a:rPr lang="en-US" altLang="zh-TW" dirty="0"/>
+            </a:br>
+            <a:br>
+              <a:rPr lang="en-US" altLang="zh-TW" dirty="0"/>
+            </a:br>
             <a:r>
-              <a:rPr lang="en-US" altLang="zh-TW" sz="1600" dirty="0" smtClean="0">
-                <a:latin typeface="Lora" panose="02020500000000000000" charset="0"/>
-              </a:rPr>
-              <a:t> to give my sister a surprise, and  I  also want to pass the course. </a:t>
+              <a:rPr lang="en-US" altLang="zh-TW" dirty="0"/>
+              <a:t>In this game, you can use some math formula or algorithm to prove that does the solution exist in this case. </a:t>
             </a:r>
-            <a:endParaRPr lang="en-US" sz="1600" dirty="0" smtClean="0">
+            <a:br>
+              <a:rPr lang="en-US" altLang="zh-TW" dirty="0"/>
+            </a:br>
+            <a:br>
+              <a:rPr lang="en-US" altLang="zh-TW" dirty="0"/>
+            </a:br>
+            <a:r>
+              <a:rPr lang="en-US" altLang="zh-TW" dirty="0"/>
+              <a:t>In Player perspective, It also can let player step by step to prove that does the player thinking is right in this level.</a:t>
+            </a:r>
+          </a:p>
+          <a:p>
+            <a:pPr lvl="0">
+              <a:spcBef>
+                <a:spcPts val="600"/>
+              </a:spcBef>
+            </a:pPr>
+            <a:r>
+              <a:rPr lang="en-US" altLang="zh-TW" dirty="0"/>
+              <a:t>To sum up, it’s easily recognizable and that’s why we would like to used it to do this project.</a:t>
+            </a:r>
+            <a:endParaRPr lang="en-US" altLang="zh-TW" sz="1600" u="sng" dirty="0">
               <a:latin typeface="Lora" panose="02020500000000000000" charset="0"/>
-              <a:ea typeface="Quattrocento Sans"/>
-              <a:cs typeface="Quattrocento Sans"/>
-              <a:sym typeface="Quattrocento Sans"/>
             </a:endParaRPr>
           </a:p>
         </p:txBody>
@@ -5973,7 +8633,7 @@
               </a:spcBef>
             </a:pPr>
             <a:r>
-              <a:rPr lang="en" sz="1100" b="1" i="1" dirty="0" smtClean="0">
+              <a:rPr lang="en" sz="1100" b="1" i="1" dirty="0">
                 <a:latin typeface="Lora"/>
                 <a:ea typeface="Lora"/>
                 <a:cs typeface="Lora"/>
@@ -5982,7 +8642,7 @@
               <a:t>The </a:t>
             </a:r>
             <a:r>
-              <a:rPr lang="en-US" altLang="zh-TW" sz="1100" b="1" u="sng" dirty="0" err="1" smtClean="0">
+              <a:rPr lang="en-US" altLang="zh-TW" sz="1100" b="1" u="sng" dirty="0" err="1">
                 <a:latin typeface="Lora" panose="02020500000000000000" charset="0"/>
               </a:rPr>
               <a:t>Sōkoban</a:t>
@@ -6006,7 +8666,7 @@
               </a:rPr>
               <a:t>http://my-gamer.com/games/gc11660.html</a:t>
             </a:r>
-            <a:endParaRPr lang="en" sz="1100" b="1" i="1" dirty="0" smtClean="0">
+            <a:endParaRPr lang="en" sz="1100" b="1" i="1" dirty="0">
               <a:latin typeface="Lora"/>
               <a:ea typeface="Lora"/>
               <a:cs typeface="Lora"/>
@@ -6020,7 +8680,7 @@
               </a:spcBef>
             </a:pPr>
             <a:r>
-              <a:rPr lang="en" sz="1100" b="1" i="1" dirty="0" smtClean="0">
+              <a:rPr lang="en" sz="1100" b="1" i="1" dirty="0">
                 <a:latin typeface="Lora"/>
                 <a:ea typeface="Lora"/>
                 <a:cs typeface="Lora"/>
@@ -6029,13 +8689,13 @@
               <a:t>More info about the </a:t>
             </a:r>
             <a:r>
-              <a:rPr lang="en-US" altLang="zh-TW" sz="1100" b="1" u="sng" dirty="0" err="1" smtClean="0">
+              <a:rPr lang="en-US" altLang="zh-TW" sz="1100" b="1" u="sng" dirty="0" err="1">
                 <a:latin typeface="Lora" panose="02020500000000000000" charset="0"/>
               </a:rPr>
               <a:t>Sōkoban</a:t>
             </a:r>
             <a:r>
-              <a:rPr lang="en-US" altLang="zh-TW" sz="1100" b="1" u="sng" dirty="0" smtClean="0">
+              <a:rPr lang="en-US" altLang="zh-TW" sz="1100" b="1" u="sng" dirty="0">
                 <a:latin typeface="Lora" panose="02020500000000000000" charset="0"/>
               </a:rPr>
               <a:t> </a:t>
@@ -6051,14 +8711,7 @@
                 <a:latin typeface="Lora" panose="02020500000000000000" charset="0"/>
                 <a:hlinkClick r:id="rId4"/>
               </a:rPr>
-              <a:t>https://zh.wikipedia.org/wiki/%</a:t>
-            </a:r>
-            <a:r>
-              <a:rPr lang="en-US" altLang="zh-TW" sz="1100" b="1" dirty="0" smtClean="0">
-                <a:latin typeface="Lora" panose="02020500000000000000" charset="0"/>
-                <a:hlinkClick r:id="rId4"/>
-              </a:rPr>
-              <a:t>E5%80%89%E5%BA%AB%E7%95%AA</a:t>
+              <a:t>https://zh.wikipedia.org/wiki/%E5%80%89%E5%BA%AB%E7%95%AA</a:t>
             </a:r>
           </a:p>
           <a:p>
@@ -6068,7 +8721,7 @@
               </a:spcBef>
             </a:pPr>
             <a:r>
-              <a:rPr lang="en" sz="1100" b="1" i="1" dirty="0" smtClean="0">
+              <a:rPr lang="en" sz="1100" b="1" i="1" dirty="0">
                 <a:latin typeface="Lora"/>
                 <a:ea typeface="Lora"/>
                 <a:cs typeface="Lora"/>
@@ -6162,25 +8815,3772 @@
   <p:clrMapOvr>
     <a:masterClrMapping/>
   </p:clrMapOvr>
-  <mc:AlternateContent xmlns:mc="http://schemas.openxmlformats.org/markup-compatibility/2006" xmlns:p14="http://schemas.microsoft.com/office/powerpoint/2010/main">
-    <mc:Choice Requires="p14">
-      <p:transition p14:dur="0"/>
-    </mc:Choice>
-    <mc:Fallback xmlns="">
-      <p:transition/>
-    </mc:Fallback>
-  </mc:AlternateContent>
-  <p:timing>
-    <p:tnLst>
-      <p:par>
-        <p:cTn id="1" dur="indefinite" restart="never" nodeType="tmRoot"/>
-      </p:par>
-    </p:tnLst>
-  </p:timing>
 </p:sld>
 </file>
 
 <file path=ppt/slides/slide4.xml><?xml version="1.0" encoding="utf-8"?>
+<p:sld xmlns:a="http://schemas.openxmlformats.org/drawingml/2006/main" xmlns:r="http://schemas.openxmlformats.org/officeDocument/2006/relationships" xmlns:p="http://schemas.openxmlformats.org/presentationml/2006/main">
+  <p:cSld>
+    <p:spTree>
+      <p:nvGrpSpPr>
+        <p:cNvPr id="1" name=""/>
+        <p:cNvGrpSpPr/>
+        <p:nvPr/>
+      </p:nvGrpSpPr>
+      <p:grpSpPr>
+        <a:xfrm>
+          <a:off x="0" y="0"/>
+          <a:ext cx="0" cy="0"/>
+          <a:chOff x="0" y="0"/>
+          <a:chExt cx="0" cy="0"/>
+        </a:xfrm>
+      </p:grpSpPr>
+      <p:sp>
+        <p:nvSpPr>
+          <p:cNvPr id="2" name="標題 1">
+            <a:extLst>
+              <a:ext uri="{FF2B5EF4-FFF2-40B4-BE49-F238E27FC236}">
+                <a16:creationId xmlns:a16="http://schemas.microsoft.com/office/drawing/2014/main" id="{0C132A45-58DE-4E17-A946-D1DCF64A1E2A}"/>
+              </a:ext>
+            </a:extLst>
+          </p:cNvPr>
+          <p:cNvSpPr>
+            <a:spLocks noGrp="1"/>
+          </p:cNvSpPr>
+          <p:nvPr>
+            <p:ph type="title"/>
+          </p:nvPr>
+        </p:nvSpPr>
+        <p:spPr/>
+        <p:txBody>
+          <a:bodyPr/>
+          <a:lstStyle/>
+          <a:p>
+            <a:r>
+              <a:rPr lang="zh-TW" altLang="en-US" dirty="0"/>
+              <a:t>簡介製作過程</a:t>
+            </a:r>
+          </a:p>
+        </p:txBody>
+      </p:sp>
+      <p:sp>
+        <p:nvSpPr>
+          <p:cNvPr id="5" name="投影片編號版面配置區 4">
+            <a:extLst>
+              <a:ext uri="{FF2B5EF4-FFF2-40B4-BE49-F238E27FC236}">
+                <a16:creationId xmlns:a16="http://schemas.microsoft.com/office/drawing/2014/main" id="{80DAD46E-DC03-48D7-8351-BD57968AB3A5}"/>
+              </a:ext>
+            </a:extLst>
+          </p:cNvPr>
+          <p:cNvSpPr>
+            <a:spLocks noGrp="1"/>
+          </p:cNvSpPr>
+          <p:nvPr>
+            <p:ph type="sldNum" idx="12"/>
+          </p:nvPr>
+        </p:nvSpPr>
+        <p:spPr/>
+        <p:txBody>
+          <a:bodyPr/>
+          <a:lstStyle/>
+          <a:p>
+            <a:pPr marL="0" lvl="0" indent="0" algn="r" rtl="0">
+              <a:spcBef>
+                <a:spcPts val="0"/>
+              </a:spcBef>
+              <a:spcAft>
+                <a:spcPts val="0"/>
+              </a:spcAft>
+              <a:buNone/>
+            </a:pPr>
+            <a:fld id="{00000000-1234-1234-1234-123412341234}" type="slidenum">
+              <a:rPr lang="en" smtClean="0"/>
+              <a:t>4</a:t>
+            </a:fld>
+            <a:endParaRPr lang="en"/>
+          </a:p>
+        </p:txBody>
+      </p:sp>
+      <p:graphicFrame>
+        <p:nvGraphicFramePr>
+          <p:cNvPr id="3" name="表格 2">
+            <a:extLst>
+              <a:ext uri="{FF2B5EF4-FFF2-40B4-BE49-F238E27FC236}">
+                <a16:creationId xmlns:a16="http://schemas.microsoft.com/office/drawing/2014/main" id="{13EF2704-883C-4387-B06F-9B3C06B62338}"/>
+              </a:ext>
+            </a:extLst>
+          </p:cNvPr>
+          <p:cNvGraphicFramePr>
+            <a:graphicFrameLocks noGrp="1"/>
+          </p:cNvGraphicFramePr>
+          <p:nvPr>
+            <p:extLst>
+              <p:ext uri="{D42A27DB-BD31-4B8C-83A1-F6EECF244321}">
+                <p14:modId xmlns:p14="http://schemas.microsoft.com/office/powerpoint/2010/main" val="3925121757"/>
+              </p:ext>
+            </p:extLst>
+          </p:nvPr>
+        </p:nvGraphicFramePr>
+        <p:xfrm>
+          <a:off x="1109403" y="1860051"/>
+          <a:ext cx="3030112" cy="2011680"/>
+        </p:xfrm>
+        <a:graphic>
+          <a:graphicData uri="http://schemas.openxmlformats.org/drawingml/2006/table">
+            <a:tbl>
+              <a:tblPr firstRow="1" bandRow="1">
+                <a:tableStyleId>{DE897CE7-4FA2-472E-B211-B6D4C5D2A7F1}</a:tableStyleId>
+              </a:tblPr>
+              <a:tblGrid>
+                <a:gridCol w="3030112">
+                  <a:extLst>
+                    <a:ext uri="{9D8B030D-6E8A-4147-A177-3AD203B41FA5}">
+                      <a16:colId xmlns:a16="http://schemas.microsoft.com/office/drawing/2014/main" val="1873258016"/>
+                    </a:ext>
+                  </a:extLst>
+                </a:gridCol>
+              </a:tblGrid>
+              <a:tr h="0">
+                <a:tc>
+                  <a:txBody>
+                    <a:bodyPr/>
+                    <a:lstStyle/>
+                    <a:p>
+                      <a:r>
+                        <a:rPr lang="en-US" altLang="zh-TW" dirty="0"/>
+                        <a:t>5 5</a:t>
+                      </a:r>
+                    </a:p>
+                    <a:p>
+                      <a:r>
+                        <a:rPr lang="en-US" altLang="zh-TW" dirty="0"/>
+                        <a:t>1 1</a:t>
+                      </a:r>
+                    </a:p>
+                    <a:p>
+                      <a:r>
+                        <a:rPr lang="en-US" altLang="zh-TW" dirty="0"/>
+                        <a:t>1</a:t>
+                      </a:r>
+                    </a:p>
+                    <a:p>
+                      <a:r>
+                        <a:rPr lang="en-US" altLang="zh-TW" dirty="0"/>
+                        <a:t>3 3</a:t>
+                      </a:r>
+                    </a:p>
+                    <a:p>
+                      <a:r>
+                        <a:rPr lang="en-US" altLang="zh-TW" dirty="0"/>
+                        <a:t>3 3 3 3 3</a:t>
+                      </a:r>
+                    </a:p>
+                    <a:p>
+                      <a:r>
+                        <a:rPr lang="en-US" altLang="zh-TW" dirty="0"/>
+                        <a:t>3 1 0 0 3</a:t>
+                      </a:r>
+                    </a:p>
+                    <a:p>
+                      <a:r>
+                        <a:rPr lang="en-US" altLang="zh-TW" dirty="0"/>
+                        <a:t>3 0 2 0 3</a:t>
+                      </a:r>
+                    </a:p>
+                    <a:p>
+                      <a:r>
+                        <a:rPr lang="en-US" altLang="zh-TW" dirty="0"/>
+                        <a:t>3 0 0 0 3</a:t>
+                      </a:r>
+                    </a:p>
+                    <a:p>
+                      <a:r>
+                        <a:rPr lang="en-US" altLang="zh-TW" dirty="0"/>
+                        <a:t>3 3 3 3 3</a:t>
+                      </a:r>
+                      <a:endParaRPr lang="zh-TW" altLang="en-US" dirty="0"/>
+                    </a:p>
+                  </a:txBody>
+                  <a:tcPr/>
+                </a:tc>
+                <a:extLst>
+                  <a:ext uri="{0D108BD9-81ED-4DB2-BD59-A6C34878D82A}">
+                    <a16:rowId xmlns:a16="http://schemas.microsoft.com/office/drawing/2014/main" val="811717474"/>
+                  </a:ext>
+                </a:extLst>
+              </a:tr>
+            </a:tbl>
+          </a:graphicData>
+        </a:graphic>
+      </p:graphicFrame>
+      <p:sp>
+        <p:nvSpPr>
+          <p:cNvPr id="4" name="矩形 3">
+            <a:extLst>
+              <a:ext uri="{FF2B5EF4-FFF2-40B4-BE49-F238E27FC236}">
+                <a16:creationId xmlns:a16="http://schemas.microsoft.com/office/drawing/2014/main" id="{77DC35C5-CA4D-4323-9C2A-AF6B76A54287}"/>
+              </a:ext>
+            </a:extLst>
+          </p:cNvPr>
+          <p:cNvSpPr/>
+          <p:nvPr/>
+        </p:nvSpPr>
+        <p:spPr>
+          <a:xfrm>
+            <a:off x="1854635" y="4220832"/>
+            <a:ext cx="1159292" cy="307777"/>
+          </a:xfrm>
+          <a:prstGeom prst="rect">
+            <a:avLst/>
+          </a:prstGeom>
+        </p:spPr>
+        <p:txBody>
+          <a:bodyPr wrap="none">
+            <a:spAutoFit/>
+          </a:bodyPr>
+          <a:lstStyle/>
+          <a:p>
+            <a:r>
+              <a:rPr lang="en-US" altLang="zh-TW" dirty="0"/>
+              <a:t>(</a:t>
+            </a:r>
+            <a:r>
+              <a:rPr lang="zh-TW" altLang="en-US" dirty="0"/>
+              <a:t> simple.txt </a:t>
+            </a:r>
+            <a:r>
+              <a:rPr lang="en-US" altLang="zh-TW" dirty="0"/>
+              <a:t>)</a:t>
+            </a:r>
+            <a:endParaRPr lang="zh-TW" altLang="en-US" dirty="0"/>
+          </a:p>
+        </p:txBody>
+      </p:sp>
+      <p:sp>
+        <p:nvSpPr>
+          <p:cNvPr id="9" name="文字方塊 8">
+            <a:extLst>
+              <a:ext uri="{FF2B5EF4-FFF2-40B4-BE49-F238E27FC236}">
+                <a16:creationId xmlns:a16="http://schemas.microsoft.com/office/drawing/2014/main" id="{8C8D44F3-23A3-4068-8EE4-66C4A4E08F07}"/>
+              </a:ext>
+            </a:extLst>
+          </p:cNvPr>
+          <p:cNvSpPr txBox="1"/>
+          <p:nvPr/>
+        </p:nvSpPr>
+        <p:spPr>
+          <a:xfrm>
+            <a:off x="4709659" y="1358268"/>
+            <a:ext cx="2492990" cy="523220"/>
+          </a:xfrm>
+          <a:prstGeom prst="rect">
+            <a:avLst/>
+          </a:prstGeom>
+          <a:noFill/>
+        </p:spPr>
+        <p:txBody>
+          <a:bodyPr wrap="none" rtlCol="0">
+            <a:spAutoFit/>
+          </a:bodyPr>
+          <a:lstStyle/>
+          <a:p>
+            <a:r>
+              <a:rPr lang="en-US" altLang="zh-TW" dirty="0"/>
+              <a:t>Row 1 :                5           5</a:t>
+            </a:r>
+          </a:p>
+          <a:p>
+            <a:r>
+              <a:rPr lang="en-US" altLang="zh-TW" dirty="0"/>
+              <a:t>       ( Graph ) Column * Row </a:t>
+            </a:r>
+            <a:endParaRPr lang="zh-TW" altLang="en-US" dirty="0"/>
+          </a:p>
+        </p:txBody>
+      </p:sp>
+      <p:grpSp>
+        <p:nvGrpSpPr>
+          <p:cNvPr id="22" name="群組 21">
+            <a:extLst>
+              <a:ext uri="{FF2B5EF4-FFF2-40B4-BE49-F238E27FC236}">
+                <a16:creationId xmlns:a16="http://schemas.microsoft.com/office/drawing/2014/main" id="{A6F4F490-3BCE-436E-8944-1A3D13E14A61}"/>
+              </a:ext>
+            </a:extLst>
+          </p:cNvPr>
+          <p:cNvGrpSpPr/>
+          <p:nvPr/>
+        </p:nvGrpSpPr>
+        <p:grpSpPr>
+          <a:xfrm>
+            <a:off x="267506" y="1847694"/>
+            <a:ext cx="841897" cy="2030728"/>
+            <a:chOff x="-18845" y="1860051"/>
+            <a:chExt cx="841897" cy="2030728"/>
+          </a:xfrm>
+        </p:grpSpPr>
+        <p:sp>
+          <p:nvSpPr>
+            <p:cNvPr id="10" name="文字方塊 9">
+              <a:extLst>
+                <a:ext uri="{FF2B5EF4-FFF2-40B4-BE49-F238E27FC236}">
+                  <a16:creationId xmlns:a16="http://schemas.microsoft.com/office/drawing/2014/main" id="{3E3A60B1-9D0B-4654-AD18-940A9E16FFEA}"/>
+                </a:ext>
+              </a:extLst>
+            </p:cNvPr>
+            <p:cNvSpPr txBox="1"/>
+            <p:nvPr/>
+          </p:nvSpPr>
+          <p:spPr>
+            <a:xfrm>
+              <a:off x="-18845" y="1860051"/>
+              <a:ext cx="841897" cy="307777"/>
+            </a:xfrm>
+            <a:prstGeom prst="rect">
+              <a:avLst/>
+            </a:prstGeom>
+            <a:noFill/>
+          </p:spPr>
+          <p:txBody>
+            <a:bodyPr wrap="none" rtlCol="0">
+              <a:spAutoFit/>
+            </a:bodyPr>
+            <a:lstStyle/>
+            <a:p>
+              <a:r>
+                <a:rPr lang="en-US" altLang="zh-TW" dirty="0"/>
+                <a:t>Row 1 : </a:t>
+              </a:r>
+              <a:endParaRPr lang="zh-TW" altLang="en-US" dirty="0"/>
+            </a:p>
+          </p:txBody>
+        </p:sp>
+        <p:sp>
+          <p:nvSpPr>
+            <p:cNvPr id="11" name="文字方塊 10">
+              <a:extLst>
+                <a:ext uri="{FF2B5EF4-FFF2-40B4-BE49-F238E27FC236}">
+                  <a16:creationId xmlns:a16="http://schemas.microsoft.com/office/drawing/2014/main" id="{F80A6441-F5B4-4916-90B7-577D94A272F5}"/>
+                </a:ext>
+              </a:extLst>
+            </p:cNvPr>
+            <p:cNvSpPr txBox="1"/>
+            <p:nvPr/>
+          </p:nvSpPr>
+          <p:spPr>
+            <a:xfrm>
+              <a:off x="-18845" y="2075420"/>
+              <a:ext cx="841897" cy="307777"/>
+            </a:xfrm>
+            <a:prstGeom prst="rect">
+              <a:avLst/>
+            </a:prstGeom>
+            <a:noFill/>
+          </p:spPr>
+          <p:txBody>
+            <a:bodyPr wrap="none" rtlCol="0">
+              <a:spAutoFit/>
+            </a:bodyPr>
+            <a:lstStyle/>
+            <a:p>
+              <a:r>
+                <a:rPr lang="en-US" altLang="zh-TW" dirty="0"/>
+                <a:t>Row 2 : </a:t>
+              </a:r>
+              <a:endParaRPr lang="zh-TW" altLang="en-US" dirty="0"/>
+            </a:p>
+          </p:txBody>
+        </p:sp>
+        <p:sp>
+          <p:nvSpPr>
+            <p:cNvPr id="12" name="文字方塊 11">
+              <a:extLst>
+                <a:ext uri="{FF2B5EF4-FFF2-40B4-BE49-F238E27FC236}">
+                  <a16:creationId xmlns:a16="http://schemas.microsoft.com/office/drawing/2014/main" id="{68B72AFF-CC9A-4890-BE27-17A5F993E64D}"/>
+                </a:ext>
+              </a:extLst>
+            </p:cNvPr>
+            <p:cNvSpPr txBox="1"/>
+            <p:nvPr/>
+          </p:nvSpPr>
+          <p:spPr>
+            <a:xfrm>
+              <a:off x="-18845" y="2290789"/>
+              <a:ext cx="841897" cy="307777"/>
+            </a:xfrm>
+            <a:prstGeom prst="rect">
+              <a:avLst/>
+            </a:prstGeom>
+            <a:noFill/>
+          </p:spPr>
+          <p:txBody>
+            <a:bodyPr wrap="none" rtlCol="0">
+              <a:spAutoFit/>
+            </a:bodyPr>
+            <a:lstStyle/>
+            <a:p>
+              <a:r>
+                <a:rPr lang="en-US" altLang="zh-TW" dirty="0"/>
+                <a:t>Row 3 : </a:t>
+              </a:r>
+              <a:endParaRPr lang="zh-TW" altLang="en-US" dirty="0"/>
+            </a:p>
+          </p:txBody>
+        </p:sp>
+        <p:sp>
+          <p:nvSpPr>
+            <p:cNvPr id="13" name="文字方塊 12">
+              <a:extLst>
+                <a:ext uri="{FF2B5EF4-FFF2-40B4-BE49-F238E27FC236}">
+                  <a16:creationId xmlns:a16="http://schemas.microsoft.com/office/drawing/2014/main" id="{40B568D4-708C-4A20-874E-60BE7925E66C}"/>
+                </a:ext>
+              </a:extLst>
+            </p:cNvPr>
+            <p:cNvSpPr txBox="1"/>
+            <p:nvPr/>
+          </p:nvSpPr>
+          <p:spPr>
+            <a:xfrm>
+              <a:off x="-18845" y="2506158"/>
+              <a:ext cx="841897" cy="307777"/>
+            </a:xfrm>
+            <a:prstGeom prst="rect">
+              <a:avLst/>
+            </a:prstGeom>
+            <a:noFill/>
+          </p:spPr>
+          <p:txBody>
+            <a:bodyPr wrap="none" rtlCol="0">
+              <a:spAutoFit/>
+            </a:bodyPr>
+            <a:lstStyle/>
+            <a:p>
+              <a:r>
+                <a:rPr lang="en-US" altLang="zh-TW" dirty="0"/>
+                <a:t>Row 4 : </a:t>
+              </a:r>
+              <a:endParaRPr lang="zh-TW" altLang="en-US" dirty="0"/>
+            </a:p>
+          </p:txBody>
+        </p:sp>
+        <p:sp>
+          <p:nvSpPr>
+            <p:cNvPr id="17" name="文字方塊 16">
+              <a:extLst>
+                <a:ext uri="{FF2B5EF4-FFF2-40B4-BE49-F238E27FC236}">
+                  <a16:creationId xmlns:a16="http://schemas.microsoft.com/office/drawing/2014/main" id="{986EDA99-C82E-4A4F-AD11-A711DD3C1717}"/>
+                </a:ext>
+              </a:extLst>
+            </p:cNvPr>
+            <p:cNvSpPr txBox="1"/>
+            <p:nvPr/>
+          </p:nvSpPr>
+          <p:spPr>
+            <a:xfrm>
+              <a:off x="-18845" y="2721527"/>
+              <a:ext cx="841897" cy="307777"/>
+            </a:xfrm>
+            <a:prstGeom prst="rect">
+              <a:avLst/>
+            </a:prstGeom>
+            <a:noFill/>
+          </p:spPr>
+          <p:txBody>
+            <a:bodyPr wrap="none" rtlCol="0">
+              <a:spAutoFit/>
+            </a:bodyPr>
+            <a:lstStyle/>
+            <a:p>
+              <a:r>
+                <a:rPr lang="en-US" altLang="zh-TW" dirty="0"/>
+                <a:t>Row 5 : </a:t>
+              </a:r>
+              <a:endParaRPr lang="zh-TW" altLang="en-US" dirty="0"/>
+            </a:p>
+          </p:txBody>
+        </p:sp>
+        <p:sp>
+          <p:nvSpPr>
+            <p:cNvPr id="18" name="文字方塊 17">
+              <a:extLst>
+                <a:ext uri="{FF2B5EF4-FFF2-40B4-BE49-F238E27FC236}">
+                  <a16:creationId xmlns:a16="http://schemas.microsoft.com/office/drawing/2014/main" id="{EBE3E695-999C-47A3-9DF4-AACF8E3E6942}"/>
+                </a:ext>
+              </a:extLst>
+            </p:cNvPr>
+            <p:cNvSpPr txBox="1"/>
+            <p:nvPr/>
+          </p:nvSpPr>
+          <p:spPr>
+            <a:xfrm>
+              <a:off x="-18845" y="2936896"/>
+              <a:ext cx="841897" cy="307777"/>
+            </a:xfrm>
+            <a:prstGeom prst="rect">
+              <a:avLst/>
+            </a:prstGeom>
+            <a:noFill/>
+          </p:spPr>
+          <p:txBody>
+            <a:bodyPr wrap="none" rtlCol="0">
+              <a:spAutoFit/>
+            </a:bodyPr>
+            <a:lstStyle/>
+            <a:p>
+              <a:r>
+                <a:rPr lang="en-US" altLang="zh-TW" dirty="0"/>
+                <a:t>Row 6 : </a:t>
+              </a:r>
+              <a:endParaRPr lang="zh-TW" altLang="en-US" dirty="0"/>
+            </a:p>
+          </p:txBody>
+        </p:sp>
+        <p:sp>
+          <p:nvSpPr>
+            <p:cNvPr id="19" name="文字方塊 18">
+              <a:extLst>
+                <a:ext uri="{FF2B5EF4-FFF2-40B4-BE49-F238E27FC236}">
+                  <a16:creationId xmlns:a16="http://schemas.microsoft.com/office/drawing/2014/main" id="{98F175B8-4000-4D8A-AD1A-0A4BC355EBF5}"/>
+                </a:ext>
+              </a:extLst>
+            </p:cNvPr>
+            <p:cNvSpPr txBox="1"/>
+            <p:nvPr/>
+          </p:nvSpPr>
+          <p:spPr>
+            <a:xfrm>
+              <a:off x="-18845" y="3152265"/>
+              <a:ext cx="841897" cy="307777"/>
+            </a:xfrm>
+            <a:prstGeom prst="rect">
+              <a:avLst/>
+            </a:prstGeom>
+            <a:noFill/>
+          </p:spPr>
+          <p:txBody>
+            <a:bodyPr wrap="none" rtlCol="0">
+              <a:spAutoFit/>
+            </a:bodyPr>
+            <a:lstStyle/>
+            <a:p>
+              <a:r>
+                <a:rPr lang="en-US" altLang="zh-TW" dirty="0"/>
+                <a:t>Row 7 : </a:t>
+              </a:r>
+              <a:endParaRPr lang="zh-TW" altLang="en-US" dirty="0"/>
+            </a:p>
+          </p:txBody>
+        </p:sp>
+        <p:sp>
+          <p:nvSpPr>
+            <p:cNvPr id="20" name="文字方塊 19">
+              <a:extLst>
+                <a:ext uri="{FF2B5EF4-FFF2-40B4-BE49-F238E27FC236}">
+                  <a16:creationId xmlns:a16="http://schemas.microsoft.com/office/drawing/2014/main" id="{C089E020-EC70-4083-91A4-ED6513827A17}"/>
+                </a:ext>
+              </a:extLst>
+            </p:cNvPr>
+            <p:cNvSpPr txBox="1"/>
+            <p:nvPr/>
+          </p:nvSpPr>
+          <p:spPr>
+            <a:xfrm>
+              <a:off x="-18845" y="3367634"/>
+              <a:ext cx="841897" cy="307777"/>
+            </a:xfrm>
+            <a:prstGeom prst="rect">
+              <a:avLst/>
+            </a:prstGeom>
+            <a:noFill/>
+          </p:spPr>
+          <p:txBody>
+            <a:bodyPr wrap="none" rtlCol="0">
+              <a:spAutoFit/>
+            </a:bodyPr>
+            <a:lstStyle/>
+            <a:p>
+              <a:r>
+                <a:rPr lang="en-US" altLang="zh-TW" dirty="0"/>
+                <a:t>Row 8 : </a:t>
+              </a:r>
+              <a:endParaRPr lang="zh-TW" altLang="en-US" dirty="0"/>
+            </a:p>
+          </p:txBody>
+        </p:sp>
+        <p:sp>
+          <p:nvSpPr>
+            <p:cNvPr id="21" name="文字方塊 20">
+              <a:extLst>
+                <a:ext uri="{FF2B5EF4-FFF2-40B4-BE49-F238E27FC236}">
+                  <a16:creationId xmlns:a16="http://schemas.microsoft.com/office/drawing/2014/main" id="{C3C50A77-82C5-449F-8CD3-D3E6C7437E39}"/>
+                </a:ext>
+              </a:extLst>
+            </p:cNvPr>
+            <p:cNvSpPr txBox="1"/>
+            <p:nvPr/>
+          </p:nvSpPr>
+          <p:spPr>
+            <a:xfrm>
+              <a:off x="-18845" y="3583002"/>
+              <a:ext cx="841897" cy="307777"/>
+            </a:xfrm>
+            <a:prstGeom prst="rect">
+              <a:avLst/>
+            </a:prstGeom>
+            <a:noFill/>
+          </p:spPr>
+          <p:txBody>
+            <a:bodyPr wrap="none" rtlCol="0">
+              <a:spAutoFit/>
+            </a:bodyPr>
+            <a:lstStyle/>
+            <a:p>
+              <a:r>
+                <a:rPr lang="en-US" altLang="zh-TW" dirty="0"/>
+                <a:t>Row 9 : </a:t>
+              </a:r>
+              <a:endParaRPr lang="zh-TW" altLang="en-US" dirty="0"/>
+            </a:p>
+          </p:txBody>
+        </p:sp>
+      </p:grpSp>
+      <p:sp>
+        <p:nvSpPr>
+          <p:cNvPr id="24" name="文字方塊 23">
+            <a:extLst>
+              <a:ext uri="{FF2B5EF4-FFF2-40B4-BE49-F238E27FC236}">
+                <a16:creationId xmlns:a16="http://schemas.microsoft.com/office/drawing/2014/main" id="{B2734BDF-A2B2-48BE-A112-C70272D2EB53}"/>
+              </a:ext>
+            </a:extLst>
+          </p:cNvPr>
+          <p:cNvSpPr txBox="1"/>
+          <p:nvPr/>
+        </p:nvSpPr>
+        <p:spPr>
+          <a:xfrm>
+            <a:off x="4709658" y="1925174"/>
+            <a:ext cx="2978701" cy="523220"/>
+          </a:xfrm>
+          <a:prstGeom prst="rect">
+            <a:avLst/>
+          </a:prstGeom>
+          <a:noFill/>
+        </p:spPr>
+        <p:txBody>
+          <a:bodyPr wrap="square" rtlCol="0">
+            <a:spAutoFit/>
+          </a:bodyPr>
+          <a:lstStyle/>
+          <a:p>
+            <a:r>
+              <a:rPr lang="en-US" altLang="zh-TW" dirty="0"/>
+              <a:t>Row 2 : 	         1           1 </a:t>
+            </a:r>
+          </a:p>
+          <a:p>
+            <a:r>
+              <a:rPr lang="en-US" altLang="zh-TW" dirty="0"/>
+              <a:t>      Player Start Point</a:t>
+            </a:r>
+            <a:endParaRPr lang="zh-TW" altLang="en-US" dirty="0"/>
+          </a:p>
+        </p:txBody>
+      </p:sp>
+      <p:sp>
+        <p:nvSpPr>
+          <p:cNvPr id="25" name="文字方塊 24">
+            <a:extLst>
+              <a:ext uri="{FF2B5EF4-FFF2-40B4-BE49-F238E27FC236}">
+                <a16:creationId xmlns:a16="http://schemas.microsoft.com/office/drawing/2014/main" id="{C9BEA575-0217-4527-A3F6-FCCDA0441CF4}"/>
+              </a:ext>
+            </a:extLst>
+          </p:cNvPr>
+          <p:cNvSpPr txBox="1"/>
+          <p:nvPr/>
+        </p:nvSpPr>
+        <p:spPr>
+          <a:xfrm>
+            <a:off x="4709657" y="2492080"/>
+            <a:ext cx="1955985" cy="523220"/>
+          </a:xfrm>
+          <a:prstGeom prst="rect">
+            <a:avLst/>
+          </a:prstGeom>
+          <a:noFill/>
+        </p:spPr>
+        <p:txBody>
+          <a:bodyPr wrap="none" rtlCol="0">
+            <a:spAutoFit/>
+          </a:bodyPr>
+          <a:lstStyle/>
+          <a:p>
+            <a:r>
+              <a:rPr lang="en-US" altLang="zh-TW" dirty="0"/>
+              <a:t>Row 3 :                1</a:t>
+            </a:r>
+          </a:p>
+          <a:p>
+            <a:r>
+              <a:rPr lang="en-US" altLang="zh-TW" dirty="0"/>
+              <a:t>      How many Goal ? </a:t>
+            </a:r>
+            <a:endParaRPr lang="zh-TW" altLang="en-US" dirty="0"/>
+          </a:p>
+        </p:txBody>
+      </p:sp>
+      <p:sp>
+        <p:nvSpPr>
+          <p:cNvPr id="26" name="文字方塊 25">
+            <a:extLst>
+              <a:ext uri="{FF2B5EF4-FFF2-40B4-BE49-F238E27FC236}">
+                <a16:creationId xmlns:a16="http://schemas.microsoft.com/office/drawing/2014/main" id="{BD9DEA8D-A487-4198-9F8F-B9B2EF94ACD5}"/>
+              </a:ext>
+            </a:extLst>
+          </p:cNvPr>
+          <p:cNvSpPr txBox="1"/>
+          <p:nvPr/>
+        </p:nvSpPr>
+        <p:spPr>
+          <a:xfrm>
+            <a:off x="4709657" y="3058986"/>
+            <a:ext cx="2646878" cy="523220"/>
+          </a:xfrm>
+          <a:prstGeom prst="rect">
+            <a:avLst/>
+          </a:prstGeom>
+          <a:noFill/>
+        </p:spPr>
+        <p:txBody>
+          <a:bodyPr wrap="none" rtlCol="0">
+            <a:spAutoFit/>
+          </a:bodyPr>
+          <a:lstStyle/>
+          <a:p>
+            <a:r>
+              <a:rPr lang="en-US" altLang="zh-TW" dirty="0"/>
+              <a:t>Row 4 :                3           3</a:t>
+            </a:r>
+          </a:p>
+          <a:p>
+            <a:r>
+              <a:rPr lang="en-US" altLang="zh-TW" dirty="0"/>
+              <a:t>       Goal(s) = Column , Row  </a:t>
+            </a:r>
+            <a:endParaRPr lang="zh-TW" altLang="en-US" dirty="0"/>
+          </a:p>
+        </p:txBody>
+      </p:sp>
+      <p:sp>
+        <p:nvSpPr>
+          <p:cNvPr id="27" name="文字方塊 26">
+            <a:extLst>
+              <a:ext uri="{FF2B5EF4-FFF2-40B4-BE49-F238E27FC236}">
+                <a16:creationId xmlns:a16="http://schemas.microsoft.com/office/drawing/2014/main" id="{7180E334-0750-4C44-86C8-404259561010}"/>
+              </a:ext>
+            </a:extLst>
+          </p:cNvPr>
+          <p:cNvSpPr txBox="1"/>
+          <p:nvPr/>
+        </p:nvSpPr>
+        <p:spPr>
+          <a:xfrm>
+            <a:off x="4717685" y="3625892"/>
+            <a:ext cx="2739853" cy="523220"/>
+          </a:xfrm>
+          <a:prstGeom prst="rect">
+            <a:avLst/>
+          </a:prstGeom>
+          <a:noFill/>
+        </p:spPr>
+        <p:txBody>
+          <a:bodyPr wrap="none" rtlCol="0">
+            <a:spAutoFit/>
+          </a:bodyPr>
+          <a:lstStyle/>
+          <a:p>
+            <a:r>
+              <a:rPr lang="en-US" altLang="zh-TW" dirty="0"/>
+              <a:t>Row 5 ~ 9 :  </a:t>
+            </a:r>
+          </a:p>
+          <a:p>
+            <a:r>
+              <a:rPr lang="zh-TW" altLang="en-US" dirty="0"/>
+              <a:t>       </a:t>
+            </a:r>
+            <a:r>
+              <a:rPr lang="en-US" altLang="zh-TW" dirty="0"/>
+              <a:t>NEXT PAGE TO</a:t>
+            </a:r>
+            <a:r>
+              <a:rPr lang="zh-TW" altLang="en-US" dirty="0"/>
+              <a:t> </a:t>
+            </a:r>
+            <a:r>
+              <a:rPr lang="en-US" altLang="zh-TW" dirty="0"/>
+              <a:t>EXPLANE</a:t>
+            </a:r>
+            <a:endParaRPr lang="zh-TW" altLang="en-US" dirty="0"/>
+          </a:p>
+        </p:txBody>
+      </p:sp>
+    </p:spTree>
+    <p:extLst>
+      <p:ext uri="{BB962C8B-B14F-4D97-AF65-F5344CB8AC3E}">
+        <p14:creationId xmlns:p14="http://schemas.microsoft.com/office/powerpoint/2010/main" val="3310928341"/>
+      </p:ext>
+    </p:extLst>
+  </p:cSld>
+  <p:clrMapOvr>
+    <a:masterClrMapping/>
+  </p:clrMapOvr>
+</p:sld>
+</file>
+
+<file path=ppt/slides/slide5.xml><?xml version="1.0" encoding="utf-8"?>
+<p:sld xmlns:a="http://schemas.openxmlformats.org/drawingml/2006/main" xmlns:r="http://schemas.openxmlformats.org/officeDocument/2006/relationships" xmlns:p="http://schemas.openxmlformats.org/presentationml/2006/main">
+  <p:cSld>
+    <p:spTree>
+      <p:nvGrpSpPr>
+        <p:cNvPr id="1" name=""/>
+        <p:cNvGrpSpPr/>
+        <p:nvPr/>
+      </p:nvGrpSpPr>
+      <p:grpSpPr>
+        <a:xfrm>
+          <a:off x="0" y="0"/>
+          <a:ext cx="0" cy="0"/>
+          <a:chOff x="0" y="0"/>
+          <a:chExt cx="0" cy="0"/>
+        </a:xfrm>
+      </p:grpSpPr>
+      <p:sp>
+        <p:nvSpPr>
+          <p:cNvPr id="2" name="標題 1">
+            <a:extLst>
+              <a:ext uri="{FF2B5EF4-FFF2-40B4-BE49-F238E27FC236}">
+                <a16:creationId xmlns:a16="http://schemas.microsoft.com/office/drawing/2014/main" id="{28EBD806-9C49-401C-944E-5B376046A1B4}"/>
+              </a:ext>
+            </a:extLst>
+          </p:cNvPr>
+          <p:cNvSpPr>
+            <a:spLocks noGrp="1"/>
+          </p:cNvSpPr>
+          <p:nvPr>
+            <p:ph type="title"/>
+          </p:nvPr>
+        </p:nvSpPr>
+        <p:spPr>
+          <a:xfrm>
+            <a:off x="1381250" y="922668"/>
+            <a:ext cx="3878400" cy="435600"/>
+          </a:xfrm>
+        </p:spPr>
+        <p:txBody>
+          <a:bodyPr/>
+          <a:lstStyle/>
+          <a:p>
+            <a:r>
+              <a:rPr lang="zh-TW" altLang="en-US" dirty="0"/>
+              <a:t>簡介製作過程</a:t>
+            </a:r>
+          </a:p>
+        </p:txBody>
+      </p:sp>
+      <p:sp>
+        <p:nvSpPr>
+          <p:cNvPr id="4" name="投影片編號版面配置區 3">
+            <a:extLst>
+              <a:ext uri="{FF2B5EF4-FFF2-40B4-BE49-F238E27FC236}">
+                <a16:creationId xmlns:a16="http://schemas.microsoft.com/office/drawing/2014/main" id="{48F8ED85-6C3D-4F21-BF61-CC4CF168AF02}"/>
+              </a:ext>
+            </a:extLst>
+          </p:cNvPr>
+          <p:cNvSpPr>
+            <a:spLocks noGrp="1"/>
+          </p:cNvSpPr>
+          <p:nvPr>
+            <p:ph type="sldNum" idx="12"/>
+          </p:nvPr>
+        </p:nvSpPr>
+        <p:spPr/>
+        <p:txBody>
+          <a:bodyPr/>
+          <a:lstStyle/>
+          <a:p>
+            <a:pPr marL="0" lvl="0" indent="0" algn="r" rtl="0">
+              <a:spcBef>
+                <a:spcPts val="0"/>
+              </a:spcBef>
+              <a:spcAft>
+                <a:spcPts val="0"/>
+              </a:spcAft>
+              <a:buNone/>
+            </a:pPr>
+            <a:fld id="{00000000-1234-1234-1234-123412341234}" type="slidenum">
+              <a:rPr lang="en" smtClean="0"/>
+              <a:t>5</a:t>
+            </a:fld>
+            <a:endParaRPr lang="en"/>
+          </a:p>
+        </p:txBody>
+      </p:sp>
+      <p:grpSp>
+        <p:nvGrpSpPr>
+          <p:cNvPr id="24" name="群組 23">
+            <a:extLst>
+              <a:ext uri="{FF2B5EF4-FFF2-40B4-BE49-F238E27FC236}">
+                <a16:creationId xmlns:a16="http://schemas.microsoft.com/office/drawing/2014/main" id="{9CA3D04F-71CB-4747-BF73-C55ACBE6F050}"/>
+              </a:ext>
+            </a:extLst>
+          </p:cNvPr>
+          <p:cNvGrpSpPr/>
+          <p:nvPr/>
+        </p:nvGrpSpPr>
+        <p:grpSpPr>
+          <a:xfrm>
+            <a:off x="5974536" y="1723770"/>
+            <a:ext cx="1788206" cy="2774340"/>
+            <a:chOff x="5245298" y="1189963"/>
+            <a:chExt cx="1953552" cy="3030869"/>
+          </a:xfrm>
+        </p:grpSpPr>
+        <p:grpSp>
+          <p:nvGrpSpPr>
+            <p:cNvPr id="10" name="群組 9">
+              <a:extLst>
+                <a:ext uri="{FF2B5EF4-FFF2-40B4-BE49-F238E27FC236}">
+                  <a16:creationId xmlns:a16="http://schemas.microsoft.com/office/drawing/2014/main" id="{F6326C64-6272-452B-A8CC-6D6AE16F49CF}"/>
+                </a:ext>
+              </a:extLst>
+            </p:cNvPr>
+            <p:cNvGrpSpPr/>
+            <p:nvPr/>
+          </p:nvGrpSpPr>
+          <p:grpSpPr>
+            <a:xfrm>
+              <a:off x="5259650" y="3704910"/>
+              <a:ext cx="1939200" cy="515922"/>
+              <a:chOff x="1381250" y="2055828"/>
+              <a:chExt cx="1939200" cy="515922"/>
+            </a:xfrm>
+          </p:grpSpPr>
+          <p:pic>
+            <p:nvPicPr>
+              <p:cNvPr id="5" name="圖片 4">
+                <a:extLst>
+                  <a:ext uri="{FF2B5EF4-FFF2-40B4-BE49-F238E27FC236}">
+                    <a16:creationId xmlns:a16="http://schemas.microsoft.com/office/drawing/2014/main" id="{5B707426-0986-4FF3-BD11-EFB505FE354F}"/>
+                  </a:ext>
+                </a:extLst>
+              </p:cNvPr>
+              <p:cNvPicPr>
+                <a:picLocks noChangeAspect="1"/>
+              </p:cNvPicPr>
+              <p:nvPr/>
+            </p:nvPicPr>
+            <p:blipFill>
+              <a:blip r:embed="rId2"/>
+              <a:stretch>
+                <a:fillRect/>
+              </a:stretch>
+            </p:blipFill>
+            <p:spPr>
+              <a:xfrm>
+                <a:off x="1381250" y="2055828"/>
+                <a:ext cx="580412" cy="515922"/>
+              </a:xfrm>
+              <a:prstGeom prst="rect">
+                <a:avLst/>
+              </a:prstGeom>
+            </p:spPr>
+          </p:pic>
+          <p:sp>
+            <p:nvSpPr>
+              <p:cNvPr id="6" name="文字版面配置區 3">
+                <a:extLst>
+                  <a:ext uri="{FF2B5EF4-FFF2-40B4-BE49-F238E27FC236}">
+                    <a16:creationId xmlns:a16="http://schemas.microsoft.com/office/drawing/2014/main" id="{938C2CAA-21E5-4A5A-BB78-7AD632C0D49B}"/>
+                  </a:ext>
+                </a:extLst>
+              </p:cNvPr>
+              <p:cNvSpPr txBox="1">
+                <a:spLocks/>
+              </p:cNvSpPr>
+              <p:nvPr/>
+            </p:nvSpPr>
+            <p:spPr>
+              <a:xfrm>
+                <a:off x="2117918" y="2146955"/>
+                <a:ext cx="1202532" cy="333668"/>
+              </a:xfrm>
+              <a:prstGeom prst="rect">
+                <a:avLst/>
+              </a:prstGeom>
+            </p:spPr>
+            <p:txBody>
+              <a:bodyPr/>
+              <a:lstStyle>
+                <a:defPPr marR="0" lvl="0" algn="l" rtl="0">
+                  <a:lnSpc>
+                    <a:spcPct val="100000"/>
+                  </a:lnSpc>
+                  <a:spcBef>
+                    <a:spcPts val="0"/>
+                  </a:spcBef>
+                  <a:spcAft>
+                    <a:spcPts val="0"/>
+                  </a:spcAft>
+                </a:defPPr>
+                <a:lvl1pPr marR="0" lvl="0" algn="l" rtl="0">
+                  <a:lnSpc>
+                    <a:spcPct val="100000"/>
+                  </a:lnSpc>
+                  <a:spcBef>
+                    <a:spcPts val="0"/>
+                  </a:spcBef>
+                  <a:spcAft>
+                    <a:spcPts val="0"/>
+                  </a:spcAft>
+                  <a:buClr>
+                    <a:srgbClr val="000000"/>
+                  </a:buClr>
+                  <a:buFont typeface="Arial"/>
+                  <a:defRPr sz="1400" b="0" i="0" u="none" strike="noStrike" cap="none">
+                    <a:solidFill>
+                      <a:srgbClr val="000000"/>
+                    </a:solidFill>
+                    <a:latin typeface="Arial"/>
+                    <a:ea typeface="Arial"/>
+                    <a:cs typeface="Arial"/>
+                    <a:sym typeface="Arial"/>
+                  </a:defRPr>
+                </a:lvl1pPr>
+                <a:lvl2pPr marR="0" lvl="1" algn="l" rtl="0">
+                  <a:lnSpc>
+                    <a:spcPct val="100000"/>
+                  </a:lnSpc>
+                  <a:spcBef>
+                    <a:spcPts val="0"/>
+                  </a:spcBef>
+                  <a:spcAft>
+                    <a:spcPts val="0"/>
+                  </a:spcAft>
+                  <a:buClr>
+                    <a:srgbClr val="000000"/>
+                  </a:buClr>
+                  <a:buFont typeface="Arial"/>
+                  <a:defRPr sz="1400" b="0" i="0" u="none" strike="noStrike" cap="none">
+                    <a:solidFill>
+                      <a:srgbClr val="000000"/>
+                    </a:solidFill>
+                    <a:latin typeface="Arial"/>
+                    <a:ea typeface="Arial"/>
+                    <a:cs typeface="Arial"/>
+                    <a:sym typeface="Arial"/>
+                  </a:defRPr>
+                </a:lvl2pPr>
+                <a:lvl3pPr marR="0" lvl="2" algn="l" rtl="0">
+                  <a:lnSpc>
+                    <a:spcPct val="100000"/>
+                  </a:lnSpc>
+                  <a:spcBef>
+                    <a:spcPts val="0"/>
+                  </a:spcBef>
+                  <a:spcAft>
+                    <a:spcPts val="0"/>
+                  </a:spcAft>
+                  <a:buClr>
+                    <a:srgbClr val="000000"/>
+                  </a:buClr>
+                  <a:buFont typeface="Arial"/>
+                  <a:defRPr sz="1400" b="0" i="0" u="none" strike="noStrike" cap="none">
+                    <a:solidFill>
+                      <a:srgbClr val="000000"/>
+                    </a:solidFill>
+                    <a:latin typeface="Arial"/>
+                    <a:ea typeface="Arial"/>
+                    <a:cs typeface="Arial"/>
+                    <a:sym typeface="Arial"/>
+                  </a:defRPr>
+                </a:lvl3pPr>
+                <a:lvl4pPr marR="0" lvl="3" algn="l" rtl="0">
+                  <a:lnSpc>
+                    <a:spcPct val="100000"/>
+                  </a:lnSpc>
+                  <a:spcBef>
+                    <a:spcPts val="0"/>
+                  </a:spcBef>
+                  <a:spcAft>
+                    <a:spcPts val="0"/>
+                  </a:spcAft>
+                  <a:buClr>
+                    <a:srgbClr val="000000"/>
+                  </a:buClr>
+                  <a:buFont typeface="Arial"/>
+                  <a:defRPr sz="1400" b="0" i="0" u="none" strike="noStrike" cap="none">
+                    <a:solidFill>
+                      <a:srgbClr val="000000"/>
+                    </a:solidFill>
+                    <a:latin typeface="Arial"/>
+                    <a:ea typeface="Arial"/>
+                    <a:cs typeface="Arial"/>
+                    <a:sym typeface="Arial"/>
+                  </a:defRPr>
+                </a:lvl4pPr>
+                <a:lvl5pPr marR="0" lvl="4" algn="l" rtl="0">
+                  <a:lnSpc>
+                    <a:spcPct val="100000"/>
+                  </a:lnSpc>
+                  <a:spcBef>
+                    <a:spcPts val="0"/>
+                  </a:spcBef>
+                  <a:spcAft>
+                    <a:spcPts val="0"/>
+                  </a:spcAft>
+                  <a:buClr>
+                    <a:srgbClr val="000000"/>
+                  </a:buClr>
+                  <a:buFont typeface="Arial"/>
+                  <a:defRPr sz="1400" b="0" i="0" u="none" strike="noStrike" cap="none">
+                    <a:solidFill>
+                      <a:srgbClr val="000000"/>
+                    </a:solidFill>
+                    <a:latin typeface="Arial"/>
+                    <a:ea typeface="Arial"/>
+                    <a:cs typeface="Arial"/>
+                    <a:sym typeface="Arial"/>
+                  </a:defRPr>
+                </a:lvl5pPr>
+                <a:lvl6pPr marR="0" lvl="5" algn="l" rtl="0">
+                  <a:lnSpc>
+                    <a:spcPct val="100000"/>
+                  </a:lnSpc>
+                  <a:spcBef>
+                    <a:spcPts val="0"/>
+                  </a:spcBef>
+                  <a:spcAft>
+                    <a:spcPts val="0"/>
+                  </a:spcAft>
+                  <a:buClr>
+                    <a:srgbClr val="000000"/>
+                  </a:buClr>
+                  <a:buFont typeface="Arial"/>
+                  <a:defRPr sz="1400" b="0" i="0" u="none" strike="noStrike" cap="none">
+                    <a:solidFill>
+                      <a:srgbClr val="000000"/>
+                    </a:solidFill>
+                    <a:latin typeface="Arial"/>
+                    <a:ea typeface="Arial"/>
+                    <a:cs typeface="Arial"/>
+                    <a:sym typeface="Arial"/>
+                  </a:defRPr>
+                </a:lvl6pPr>
+                <a:lvl7pPr marR="0" lvl="6" algn="l" rtl="0">
+                  <a:lnSpc>
+                    <a:spcPct val="100000"/>
+                  </a:lnSpc>
+                  <a:spcBef>
+                    <a:spcPts val="0"/>
+                  </a:spcBef>
+                  <a:spcAft>
+                    <a:spcPts val="0"/>
+                  </a:spcAft>
+                  <a:buClr>
+                    <a:srgbClr val="000000"/>
+                  </a:buClr>
+                  <a:buFont typeface="Arial"/>
+                  <a:defRPr sz="1400" b="0" i="0" u="none" strike="noStrike" cap="none">
+                    <a:solidFill>
+                      <a:srgbClr val="000000"/>
+                    </a:solidFill>
+                    <a:latin typeface="Arial"/>
+                    <a:ea typeface="Arial"/>
+                    <a:cs typeface="Arial"/>
+                    <a:sym typeface="Arial"/>
+                  </a:defRPr>
+                </a:lvl7pPr>
+                <a:lvl8pPr marR="0" lvl="7" algn="l" rtl="0">
+                  <a:lnSpc>
+                    <a:spcPct val="100000"/>
+                  </a:lnSpc>
+                  <a:spcBef>
+                    <a:spcPts val="0"/>
+                  </a:spcBef>
+                  <a:spcAft>
+                    <a:spcPts val="0"/>
+                  </a:spcAft>
+                  <a:buClr>
+                    <a:srgbClr val="000000"/>
+                  </a:buClr>
+                  <a:buFont typeface="Arial"/>
+                  <a:defRPr sz="1400" b="0" i="0" u="none" strike="noStrike" cap="none">
+                    <a:solidFill>
+                      <a:srgbClr val="000000"/>
+                    </a:solidFill>
+                    <a:latin typeface="Arial"/>
+                    <a:ea typeface="Arial"/>
+                    <a:cs typeface="Arial"/>
+                    <a:sym typeface="Arial"/>
+                  </a:defRPr>
+                </a:lvl8pPr>
+                <a:lvl9pPr marR="0" lvl="8" algn="l" rtl="0">
+                  <a:lnSpc>
+                    <a:spcPct val="100000"/>
+                  </a:lnSpc>
+                  <a:spcBef>
+                    <a:spcPts val="0"/>
+                  </a:spcBef>
+                  <a:spcAft>
+                    <a:spcPts val="0"/>
+                  </a:spcAft>
+                  <a:buClr>
+                    <a:srgbClr val="000000"/>
+                  </a:buClr>
+                  <a:buFont typeface="Arial"/>
+                  <a:defRPr sz="1400" b="0" i="0" u="none" strike="noStrike" cap="none">
+                    <a:solidFill>
+                      <a:srgbClr val="000000"/>
+                    </a:solidFill>
+                    <a:latin typeface="Arial"/>
+                    <a:ea typeface="Arial"/>
+                    <a:cs typeface="Arial"/>
+                    <a:sym typeface="Arial"/>
+                  </a:defRPr>
+                </a:lvl9pPr>
+              </a:lstStyle>
+              <a:p>
+                <a:r>
+                  <a:rPr lang="zh-TW" altLang="en-US" sz="2000" b="1" dirty="0"/>
+                  <a:t> </a:t>
+                </a:r>
+                <a:r>
+                  <a:rPr lang="en-US" altLang="zh-TW" sz="2000" b="1" dirty="0"/>
+                  <a:t>4</a:t>
+                </a:r>
+                <a:r>
+                  <a:rPr lang="zh-TW" altLang="en-US" sz="2000" b="1" dirty="0"/>
+                  <a:t> </a:t>
+                </a:r>
+                <a:r>
+                  <a:rPr lang="en-US" altLang="zh-TW" sz="2000" b="1" dirty="0"/>
+                  <a:t>(</a:t>
+                </a:r>
+                <a:r>
+                  <a:rPr lang="zh-TW" altLang="en-US" sz="2000" b="1" dirty="0"/>
+                  <a:t>牆外</a:t>
+                </a:r>
+                <a:r>
+                  <a:rPr lang="en-US" altLang="zh-TW" sz="2000" b="1" dirty="0"/>
+                  <a:t>)</a:t>
+                </a:r>
+                <a:endParaRPr lang="zh-TW" altLang="en-US" sz="2000" b="1" dirty="0"/>
+              </a:p>
+            </p:txBody>
+          </p:sp>
+        </p:grpSp>
+        <p:grpSp>
+          <p:nvGrpSpPr>
+            <p:cNvPr id="11" name="群組 10">
+              <a:extLst>
+                <a:ext uri="{FF2B5EF4-FFF2-40B4-BE49-F238E27FC236}">
+                  <a16:creationId xmlns:a16="http://schemas.microsoft.com/office/drawing/2014/main" id="{061A85F2-5AD4-42DD-91BF-4F5E362AD888}"/>
+                </a:ext>
+              </a:extLst>
+            </p:cNvPr>
+            <p:cNvGrpSpPr/>
+            <p:nvPr/>
+          </p:nvGrpSpPr>
+          <p:grpSpPr>
+            <a:xfrm>
+              <a:off x="5259650" y="3181784"/>
+              <a:ext cx="1939200" cy="435600"/>
+              <a:chOff x="1381250" y="3349633"/>
+              <a:chExt cx="1939200" cy="435600"/>
+            </a:xfrm>
+          </p:grpSpPr>
+          <p:pic>
+            <p:nvPicPr>
+              <p:cNvPr id="7" name="圖片 6">
+                <a:extLst>
+                  <a:ext uri="{FF2B5EF4-FFF2-40B4-BE49-F238E27FC236}">
+                    <a16:creationId xmlns:a16="http://schemas.microsoft.com/office/drawing/2014/main" id="{58DB0B67-6C55-4B9E-94BF-BC0F04EF88C5}"/>
+                  </a:ext>
+                </a:extLst>
+              </p:cNvPr>
+              <p:cNvPicPr>
+                <a:picLocks noChangeAspect="1"/>
+              </p:cNvPicPr>
+              <p:nvPr/>
+            </p:nvPicPr>
+            <p:blipFill>
+              <a:blip r:embed="rId3"/>
+              <a:stretch>
+                <a:fillRect/>
+              </a:stretch>
+            </p:blipFill>
+            <p:spPr>
+              <a:xfrm>
+                <a:off x="1381250" y="3349633"/>
+                <a:ext cx="601543" cy="435600"/>
+              </a:xfrm>
+              <a:prstGeom prst="rect">
+                <a:avLst/>
+              </a:prstGeom>
+            </p:spPr>
+          </p:pic>
+          <p:sp>
+            <p:nvSpPr>
+              <p:cNvPr id="8" name="文字版面配置區 3">
+                <a:extLst>
+                  <a:ext uri="{FF2B5EF4-FFF2-40B4-BE49-F238E27FC236}">
+                    <a16:creationId xmlns:a16="http://schemas.microsoft.com/office/drawing/2014/main" id="{9911495D-00E5-48AD-955B-E2D4A976CEA6}"/>
+                  </a:ext>
+                </a:extLst>
+              </p:cNvPr>
+              <p:cNvSpPr txBox="1">
+                <a:spLocks/>
+              </p:cNvSpPr>
+              <p:nvPr/>
+            </p:nvSpPr>
+            <p:spPr>
+              <a:xfrm>
+                <a:off x="2117918" y="3400599"/>
+                <a:ext cx="1202532" cy="333668"/>
+              </a:xfrm>
+              <a:prstGeom prst="rect">
+                <a:avLst/>
+              </a:prstGeom>
+            </p:spPr>
+            <p:txBody>
+              <a:bodyPr/>
+              <a:lstStyle>
+                <a:defPPr marR="0" lvl="0" algn="l" rtl="0">
+                  <a:lnSpc>
+                    <a:spcPct val="100000"/>
+                  </a:lnSpc>
+                  <a:spcBef>
+                    <a:spcPts val="0"/>
+                  </a:spcBef>
+                  <a:spcAft>
+                    <a:spcPts val="0"/>
+                  </a:spcAft>
+                </a:defPPr>
+                <a:lvl1pPr marR="0" lvl="0" algn="l" rtl="0">
+                  <a:lnSpc>
+                    <a:spcPct val="100000"/>
+                  </a:lnSpc>
+                  <a:spcBef>
+                    <a:spcPts val="0"/>
+                  </a:spcBef>
+                  <a:spcAft>
+                    <a:spcPts val="0"/>
+                  </a:spcAft>
+                  <a:buClr>
+                    <a:srgbClr val="000000"/>
+                  </a:buClr>
+                  <a:buFont typeface="Arial"/>
+                  <a:defRPr sz="1400" b="0" i="0" u="none" strike="noStrike" cap="none">
+                    <a:solidFill>
+                      <a:srgbClr val="000000"/>
+                    </a:solidFill>
+                    <a:latin typeface="Arial"/>
+                    <a:ea typeface="Arial"/>
+                    <a:cs typeface="Arial"/>
+                    <a:sym typeface="Arial"/>
+                  </a:defRPr>
+                </a:lvl1pPr>
+                <a:lvl2pPr marR="0" lvl="1" algn="l" rtl="0">
+                  <a:lnSpc>
+                    <a:spcPct val="100000"/>
+                  </a:lnSpc>
+                  <a:spcBef>
+                    <a:spcPts val="0"/>
+                  </a:spcBef>
+                  <a:spcAft>
+                    <a:spcPts val="0"/>
+                  </a:spcAft>
+                  <a:buClr>
+                    <a:srgbClr val="000000"/>
+                  </a:buClr>
+                  <a:buFont typeface="Arial"/>
+                  <a:defRPr sz="1400" b="0" i="0" u="none" strike="noStrike" cap="none">
+                    <a:solidFill>
+                      <a:srgbClr val="000000"/>
+                    </a:solidFill>
+                    <a:latin typeface="Arial"/>
+                    <a:ea typeface="Arial"/>
+                    <a:cs typeface="Arial"/>
+                    <a:sym typeface="Arial"/>
+                  </a:defRPr>
+                </a:lvl2pPr>
+                <a:lvl3pPr marR="0" lvl="2" algn="l" rtl="0">
+                  <a:lnSpc>
+                    <a:spcPct val="100000"/>
+                  </a:lnSpc>
+                  <a:spcBef>
+                    <a:spcPts val="0"/>
+                  </a:spcBef>
+                  <a:spcAft>
+                    <a:spcPts val="0"/>
+                  </a:spcAft>
+                  <a:buClr>
+                    <a:srgbClr val="000000"/>
+                  </a:buClr>
+                  <a:buFont typeface="Arial"/>
+                  <a:defRPr sz="1400" b="0" i="0" u="none" strike="noStrike" cap="none">
+                    <a:solidFill>
+                      <a:srgbClr val="000000"/>
+                    </a:solidFill>
+                    <a:latin typeface="Arial"/>
+                    <a:ea typeface="Arial"/>
+                    <a:cs typeface="Arial"/>
+                    <a:sym typeface="Arial"/>
+                  </a:defRPr>
+                </a:lvl3pPr>
+                <a:lvl4pPr marR="0" lvl="3" algn="l" rtl="0">
+                  <a:lnSpc>
+                    <a:spcPct val="100000"/>
+                  </a:lnSpc>
+                  <a:spcBef>
+                    <a:spcPts val="0"/>
+                  </a:spcBef>
+                  <a:spcAft>
+                    <a:spcPts val="0"/>
+                  </a:spcAft>
+                  <a:buClr>
+                    <a:srgbClr val="000000"/>
+                  </a:buClr>
+                  <a:buFont typeface="Arial"/>
+                  <a:defRPr sz="1400" b="0" i="0" u="none" strike="noStrike" cap="none">
+                    <a:solidFill>
+                      <a:srgbClr val="000000"/>
+                    </a:solidFill>
+                    <a:latin typeface="Arial"/>
+                    <a:ea typeface="Arial"/>
+                    <a:cs typeface="Arial"/>
+                    <a:sym typeface="Arial"/>
+                  </a:defRPr>
+                </a:lvl4pPr>
+                <a:lvl5pPr marR="0" lvl="4" algn="l" rtl="0">
+                  <a:lnSpc>
+                    <a:spcPct val="100000"/>
+                  </a:lnSpc>
+                  <a:spcBef>
+                    <a:spcPts val="0"/>
+                  </a:spcBef>
+                  <a:spcAft>
+                    <a:spcPts val="0"/>
+                  </a:spcAft>
+                  <a:buClr>
+                    <a:srgbClr val="000000"/>
+                  </a:buClr>
+                  <a:buFont typeface="Arial"/>
+                  <a:defRPr sz="1400" b="0" i="0" u="none" strike="noStrike" cap="none">
+                    <a:solidFill>
+                      <a:srgbClr val="000000"/>
+                    </a:solidFill>
+                    <a:latin typeface="Arial"/>
+                    <a:ea typeface="Arial"/>
+                    <a:cs typeface="Arial"/>
+                    <a:sym typeface="Arial"/>
+                  </a:defRPr>
+                </a:lvl5pPr>
+                <a:lvl6pPr marR="0" lvl="5" algn="l" rtl="0">
+                  <a:lnSpc>
+                    <a:spcPct val="100000"/>
+                  </a:lnSpc>
+                  <a:spcBef>
+                    <a:spcPts val="0"/>
+                  </a:spcBef>
+                  <a:spcAft>
+                    <a:spcPts val="0"/>
+                  </a:spcAft>
+                  <a:buClr>
+                    <a:srgbClr val="000000"/>
+                  </a:buClr>
+                  <a:buFont typeface="Arial"/>
+                  <a:defRPr sz="1400" b="0" i="0" u="none" strike="noStrike" cap="none">
+                    <a:solidFill>
+                      <a:srgbClr val="000000"/>
+                    </a:solidFill>
+                    <a:latin typeface="Arial"/>
+                    <a:ea typeface="Arial"/>
+                    <a:cs typeface="Arial"/>
+                    <a:sym typeface="Arial"/>
+                  </a:defRPr>
+                </a:lvl6pPr>
+                <a:lvl7pPr marR="0" lvl="6" algn="l" rtl="0">
+                  <a:lnSpc>
+                    <a:spcPct val="100000"/>
+                  </a:lnSpc>
+                  <a:spcBef>
+                    <a:spcPts val="0"/>
+                  </a:spcBef>
+                  <a:spcAft>
+                    <a:spcPts val="0"/>
+                  </a:spcAft>
+                  <a:buClr>
+                    <a:srgbClr val="000000"/>
+                  </a:buClr>
+                  <a:buFont typeface="Arial"/>
+                  <a:defRPr sz="1400" b="0" i="0" u="none" strike="noStrike" cap="none">
+                    <a:solidFill>
+                      <a:srgbClr val="000000"/>
+                    </a:solidFill>
+                    <a:latin typeface="Arial"/>
+                    <a:ea typeface="Arial"/>
+                    <a:cs typeface="Arial"/>
+                    <a:sym typeface="Arial"/>
+                  </a:defRPr>
+                </a:lvl7pPr>
+                <a:lvl8pPr marR="0" lvl="7" algn="l" rtl="0">
+                  <a:lnSpc>
+                    <a:spcPct val="100000"/>
+                  </a:lnSpc>
+                  <a:spcBef>
+                    <a:spcPts val="0"/>
+                  </a:spcBef>
+                  <a:spcAft>
+                    <a:spcPts val="0"/>
+                  </a:spcAft>
+                  <a:buClr>
+                    <a:srgbClr val="000000"/>
+                  </a:buClr>
+                  <a:buFont typeface="Arial"/>
+                  <a:defRPr sz="1400" b="0" i="0" u="none" strike="noStrike" cap="none">
+                    <a:solidFill>
+                      <a:srgbClr val="000000"/>
+                    </a:solidFill>
+                    <a:latin typeface="Arial"/>
+                    <a:ea typeface="Arial"/>
+                    <a:cs typeface="Arial"/>
+                    <a:sym typeface="Arial"/>
+                  </a:defRPr>
+                </a:lvl8pPr>
+                <a:lvl9pPr marR="0" lvl="8" algn="l" rtl="0">
+                  <a:lnSpc>
+                    <a:spcPct val="100000"/>
+                  </a:lnSpc>
+                  <a:spcBef>
+                    <a:spcPts val="0"/>
+                  </a:spcBef>
+                  <a:spcAft>
+                    <a:spcPts val="0"/>
+                  </a:spcAft>
+                  <a:buClr>
+                    <a:srgbClr val="000000"/>
+                  </a:buClr>
+                  <a:buFont typeface="Arial"/>
+                  <a:defRPr sz="1400" b="0" i="0" u="none" strike="noStrike" cap="none">
+                    <a:solidFill>
+                      <a:srgbClr val="000000"/>
+                    </a:solidFill>
+                    <a:latin typeface="Arial"/>
+                    <a:ea typeface="Arial"/>
+                    <a:cs typeface="Arial"/>
+                    <a:sym typeface="Arial"/>
+                  </a:defRPr>
+                </a:lvl9pPr>
+              </a:lstStyle>
+              <a:p>
+                <a:r>
+                  <a:rPr lang="zh-TW" altLang="en-US" sz="2000" b="1" dirty="0"/>
+                  <a:t> </a:t>
+                </a:r>
+                <a:r>
+                  <a:rPr lang="en-US" altLang="zh-TW" sz="2000" b="1" dirty="0"/>
+                  <a:t>3</a:t>
+                </a:r>
+                <a:r>
+                  <a:rPr lang="zh-TW" altLang="en-US" sz="2000" b="1" dirty="0"/>
+                  <a:t> </a:t>
+                </a:r>
+                <a:r>
+                  <a:rPr lang="en-US" altLang="zh-TW" sz="2000" b="1" dirty="0"/>
+                  <a:t>(</a:t>
+                </a:r>
+                <a:r>
+                  <a:rPr lang="zh-TW" altLang="en-US" sz="2000" b="1" dirty="0"/>
+                  <a:t>牆壁</a:t>
+                </a:r>
+                <a:r>
+                  <a:rPr lang="en-US" altLang="zh-TW" sz="2000" b="1" dirty="0"/>
+                  <a:t>)</a:t>
+                </a:r>
+                <a:endParaRPr lang="zh-TW" altLang="en-US" sz="2000" b="1" dirty="0"/>
+              </a:p>
+            </p:txBody>
+          </p:sp>
+        </p:grpSp>
+        <p:grpSp>
+          <p:nvGrpSpPr>
+            <p:cNvPr id="16" name="群組 15">
+              <a:extLst>
+                <a:ext uri="{FF2B5EF4-FFF2-40B4-BE49-F238E27FC236}">
+                  <a16:creationId xmlns:a16="http://schemas.microsoft.com/office/drawing/2014/main" id="{19050ECE-F6FC-469C-8D16-C854A6ECE6A0}"/>
+                </a:ext>
+              </a:extLst>
+            </p:cNvPr>
+            <p:cNvGrpSpPr/>
+            <p:nvPr/>
+          </p:nvGrpSpPr>
+          <p:grpSpPr>
+            <a:xfrm>
+              <a:off x="5265146" y="1850326"/>
+              <a:ext cx="1933704" cy="574916"/>
+              <a:chOff x="5265146" y="1639750"/>
+              <a:chExt cx="1933704" cy="574916"/>
+            </a:xfrm>
+          </p:grpSpPr>
+          <p:pic>
+            <p:nvPicPr>
+              <p:cNvPr id="12" name="圖片 11">
+                <a:extLst>
+                  <a:ext uri="{FF2B5EF4-FFF2-40B4-BE49-F238E27FC236}">
+                    <a16:creationId xmlns:a16="http://schemas.microsoft.com/office/drawing/2014/main" id="{AA942103-3667-40A4-81D9-BC4297B0F471}"/>
+                  </a:ext>
+                </a:extLst>
+              </p:cNvPr>
+              <p:cNvPicPr>
+                <a:picLocks noChangeAspect="1"/>
+              </p:cNvPicPr>
+              <p:nvPr/>
+            </p:nvPicPr>
+            <p:blipFill>
+              <a:blip r:embed="rId4"/>
+              <a:stretch>
+                <a:fillRect/>
+              </a:stretch>
+            </p:blipFill>
+            <p:spPr>
+              <a:xfrm>
+                <a:off x="5265146" y="1639750"/>
+                <a:ext cx="574916" cy="574916"/>
+              </a:xfrm>
+              <a:prstGeom prst="rect">
+                <a:avLst/>
+              </a:prstGeom>
+            </p:spPr>
+          </p:pic>
+          <p:sp>
+            <p:nvSpPr>
+              <p:cNvPr id="13" name="文字版面配置區 3">
+                <a:extLst>
+                  <a:ext uri="{FF2B5EF4-FFF2-40B4-BE49-F238E27FC236}">
+                    <a16:creationId xmlns:a16="http://schemas.microsoft.com/office/drawing/2014/main" id="{E58C3DCC-8B64-4A38-9C37-CE4B5A797337}"/>
+                  </a:ext>
+                </a:extLst>
+              </p:cNvPr>
+              <p:cNvSpPr txBox="1">
+                <a:spLocks/>
+              </p:cNvSpPr>
+              <p:nvPr/>
+            </p:nvSpPr>
+            <p:spPr>
+              <a:xfrm>
+                <a:off x="5996318" y="1758665"/>
+                <a:ext cx="1202532" cy="333668"/>
+              </a:xfrm>
+              <a:prstGeom prst="rect">
+                <a:avLst/>
+              </a:prstGeom>
+            </p:spPr>
+            <p:txBody>
+              <a:bodyPr/>
+              <a:lstStyle>
+                <a:defPPr marR="0" lvl="0" algn="l" rtl="0">
+                  <a:lnSpc>
+                    <a:spcPct val="100000"/>
+                  </a:lnSpc>
+                  <a:spcBef>
+                    <a:spcPts val="0"/>
+                  </a:spcBef>
+                  <a:spcAft>
+                    <a:spcPts val="0"/>
+                  </a:spcAft>
+                </a:defPPr>
+                <a:lvl1pPr marR="0" lvl="0" algn="l" rtl="0">
+                  <a:lnSpc>
+                    <a:spcPct val="100000"/>
+                  </a:lnSpc>
+                  <a:spcBef>
+                    <a:spcPts val="0"/>
+                  </a:spcBef>
+                  <a:spcAft>
+                    <a:spcPts val="0"/>
+                  </a:spcAft>
+                  <a:buClr>
+                    <a:srgbClr val="000000"/>
+                  </a:buClr>
+                  <a:buFont typeface="Arial"/>
+                  <a:defRPr sz="1400" b="0" i="0" u="none" strike="noStrike" cap="none">
+                    <a:solidFill>
+                      <a:srgbClr val="000000"/>
+                    </a:solidFill>
+                    <a:latin typeface="Arial"/>
+                    <a:ea typeface="Arial"/>
+                    <a:cs typeface="Arial"/>
+                    <a:sym typeface="Arial"/>
+                  </a:defRPr>
+                </a:lvl1pPr>
+                <a:lvl2pPr marR="0" lvl="1" algn="l" rtl="0">
+                  <a:lnSpc>
+                    <a:spcPct val="100000"/>
+                  </a:lnSpc>
+                  <a:spcBef>
+                    <a:spcPts val="0"/>
+                  </a:spcBef>
+                  <a:spcAft>
+                    <a:spcPts val="0"/>
+                  </a:spcAft>
+                  <a:buClr>
+                    <a:srgbClr val="000000"/>
+                  </a:buClr>
+                  <a:buFont typeface="Arial"/>
+                  <a:defRPr sz="1400" b="0" i="0" u="none" strike="noStrike" cap="none">
+                    <a:solidFill>
+                      <a:srgbClr val="000000"/>
+                    </a:solidFill>
+                    <a:latin typeface="Arial"/>
+                    <a:ea typeface="Arial"/>
+                    <a:cs typeface="Arial"/>
+                    <a:sym typeface="Arial"/>
+                  </a:defRPr>
+                </a:lvl2pPr>
+                <a:lvl3pPr marR="0" lvl="2" algn="l" rtl="0">
+                  <a:lnSpc>
+                    <a:spcPct val="100000"/>
+                  </a:lnSpc>
+                  <a:spcBef>
+                    <a:spcPts val="0"/>
+                  </a:spcBef>
+                  <a:spcAft>
+                    <a:spcPts val="0"/>
+                  </a:spcAft>
+                  <a:buClr>
+                    <a:srgbClr val="000000"/>
+                  </a:buClr>
+                  <a:buFont typeface="Arial"/>
+                  <a:defRPr sz="1400" b="0" i="0" u="none" strike="noStrike" cap="none">
+                    <a:solidFill>
+                      <a:srgbClr val="000000"/>
+                    </a:solidFill>
+                    <a:latin typeface="Arial"/>
+                    <a:ea typeface="Arial"/>
+                    <a:cs typeface="Arial"/>
+                    <a:sym typeface="Arial"/>
+                  </a:defRPr>
+                </a:lvl3pPr>
+                <a:lvl4pPr marR="0" lvl="3" algn="l" rtl="0">
+                  <a:lnSpc>
+                    <a:spcPct val="100000"/>
+                  </a:lnSpc>
+                  <a:spcBef>
+                    <a:spcPts val="0"/>
+                  </a:spcBef>
+                  <a:spcAft>
+                    <a:spcPts val="0"/>
+                  </a:spcAft>
+                  <a:buClr>
+                    <a:srgbClr val="000000"/>
+                  </a:buClr>
+                  <a:buFont typeface="Arial"/>
+                  <a:defRPr sz="1400" b="0" i="0" u="none" strike="noStrike" cap="none">
+                    <a:solidFill>
+                      <a:srgbClr val="000000"/>
+                    </a:solidFill>
+                    <a:latin typeface="Arial"/>
+                    <a:ea typeface="Arial"/>
+                    <a:cs typeface="Arial"/>
+                    <a:sym typeface="Arial"/>
+                  </a:defRPr>
+                </a:lvl4pPr>
+                <a:lvl5pPr marR="0" lvl="4" algn="l" rtl="0">
+                  <a:lnSpc>
+                    <a:spcPct val="100000"/>
+                  </a:lnSpc>
+                  <a:spcBef>
+                    <a:spcPts val="0"/>
+                  </a:spcBef>
+                  <a:spcAft>
+                    <a:spcPts val="0"/>
+                  </a:spcAft>
+                  <a:buClr>
+                    <a:srgbClr val="000000"/>
+                  </a:buClr>
+                  <a:buFont typeface="Arial"/>
+                  <a:defRPr sz="1400" b="0" i="0" u="none" strike="noStrike" cap="none">
+                    <a:solidFill>
+                      <a:srgbClr val="000000"/>
+                    </a:solidFill>
+                    <a:latin typeface="Arial"/>
+                    <a:ea typeface="Arial"/>
+                    <a:cs typeface="Arial"/>
+                    <a:sym typeface="Arial"/>
+                  </a:defRPr>
+                </a:lvl5pPr>
+                <a:lvl6pPr marR="0" lvl="5" algn="l" rtl="0">
+                  <a:lnSpc>
+                    <a:spcPct val="100000"/>
+                  </a:lnSpc>
+                  <a:spcBef>
+                    <a:spcPts val="0"/>
+                  </a:spcBef>
+                  <a:spcAft>
+                    <a:spcPts val="0"/>
+                  </a:spcAft>
+                  <a:buClr>
+                    <a:srgbClr val="000000"/>
+                  </a:buClr>
+                  <a:buFont typeface="Arial"/>
+                  <a:defRPr sz="1400" b="0" i="0" u="none" strike="noStrike" cap="none">
+                    <a:solidFill>
+                      <a:srgbClr val="000000"/>
+                    </a:solidFill>
+                    <a:latin typeface="Arial"/>
+                    <a:ea typeface="Arial"/>
+                    <a:cs typeface="Arial"/>
+                    <a:sym typeface="Arial"/>
+                  </a:defRPr>
+                </a:lvl6pPr>
+                <a:lvl7pPr marR="0" lvl="6" algn="l" rtl="0">
+                  <a:lnSpc>
+                    <a:spcPct val="100000"/>
+                  </a:lnSpc>
+                  <a:spcBef>
+                    <a:spcPts val="0"/>
+                  </a:spcBef>
+                  <a:spcAft>
+                    <a:spcPts val="0"/>
+                  </a:spcAft>
+                  <a:buClr>
+                    <a:srgbClr val="000000"/>
+                  </a:buClr>
+                  <a:buFont typeface="Arial"/>
+                  <a:defRPr sz="1400" b="0" i="0" u="none" strike="noStrike" cap="none">
+                    <a:solidFill>
+                      <a:srgbClr val="000000"/>
+                    </a:solidFill>
+                    <a:latin typeface="Arial"/>
+                    <a:ea typeface="Arial"/>
+                    <a:cs typeface="Arial"/>
+                    <a:sym typeface="Arial"/>
+                  </a:defRPr>
+                </a:lvl7pPr>
+                <a:lvl8pPr marR="0" lvl="7" algn="l" rtl="0">
+                  <a:lnSpc>
+                    <a:spcPct val="100000"/>
+                  </a:lnSpc>
+                  <a:spcBef>
+                    <a:spcPts val="0"/>
+                  </a:spcBef>
+                  <a:spcAft>
+                    <a:spcPts val="0"/>
+                  </a:spcAft>
+                  <a:buClr>
+                    <a:srgbClr val="000000"/>
+                  </a:buClr>
+                  <a:buFont typeface="Arial"/>
+                  <a:defRPr sz="1400" b="0" i="0" u="none" strike="noStrike" cap="none">
+                    <a:solidFill>
+                      <a:srgbClr val="000000"/>
+                    </a:solidFill>
+                    <a:latin typeface="Arial"/>
+                    <a:ea typeface="Arial"/>
+                    <a:cs typeface="Arial"/>
+                    <a:sym typeface="Arial"/>
+                  </a:defRPr>
+                </a:lvl8pPr>
+                <a:lvl9pPr marR="0" lvl="8" algn="l" rtl="0">
+                  <a:lnSpc>
+                    <a:spcPct val="100000"/>
+                  </a:lnSpc>
+                  <a:spcBef>
+                    <a:spcPts val="0"/>
+                  </a:spcBef>
+                  <a:spcAft>
+                    <a:spcPts val="0"/>
+                  </a:spcAft>
+                  <a:buClr>
+                    <a:srgbClr val="000000"/>
+                  </a:buClr>
+                  <a:buFont typeface="Arial"/>
+                  <a:defRPr sz="1400" b="0" i="0" u="none" strike="noStrike" cap="none">
+                    <a:solidFill>
+                      <a:srgbClr val="000000"/>
+                    </a:solidFill>
+                    <a:latin typeface="Arial"/>
+                    <a:ea typeface="Arial"/>
+                    <a:cs typeface="Arial"/>
+                    <a:sym typeface="Arial"/>
+                  </a:defRPr>
+                </a:lvl9pPr>
+              </a:lstStyle>
+              <a:p>
+                <a:r>
+                  <a:rPr lang="zh-TW" altLang="en-US" sz="2000" b="1" dirty="0"/>
+                  <a:t> </a:t>
+                </a:r>
+                <a:r>
+                  <a:rPr lang="en-US" altLang="zh-TW" sz="2000" b="1" dirty="0"/>
+                  <a:t>1</a:t>
+                </a:r>
+                <a:r>
+                  <a:rPr lang="zh-TW" altLang="en-US" sz="2000" b="1" dirty="0"/>
+                  <a:t> </a:t>
+                </a:r>
+                <a:r>
+                  <a:rPr lang="en-US" altLang="zh-TW" sz="2000" b="1" dirty="0"/>
+                  <a:t>(</a:t>
+                </a:r>
+                <a:r>
+                  <a:rPr lang="zh-TW" altLang="en-US" sz="2000" b="1" dirty="0"/>
+                  <a:t>角色</a:t>
+                </a:r>
+                <a:r>
+                  <a:rPr lang="en-US" altLang="zh-TW" sz="2000" b="1" dirty="0"/>
+                  <a:t>)</a:t>
+                </a:r>
+                <a:endParaRPr lang="zh-TW" altLang="en-US" sz="2000" b="1" dirty="0"/>
+              </a:p>
+            </p:txBody>
+          </p:sp>
+        </p:grpSp>
+        <p:grpSp>
+          <p:nvGrpSpPr>
+            <p:cNvPr id="19" name="群組 18">
+              <a:extLst>
+                <a:ext uri="{FF2B5EF4-FFF2-40B4-BE49-F238E27FC236}">
+                  <a16:creationId xmlns:a16="http://schemas.microsoft.com/office/drawing/2014/main" id="{EB90CA90-1371-4320-A5B2-F0429288FF95}"/>
+                </a:ext>
+              </a:extLst>
+            </p:cNvPr>
+            <p:cNvGrpSpPr/>
+            <p:nvPr/>
+          </p:nvGrpSpPr>
+          <p:grpSpPr>
+            <a:xfrm>
+              <a:off x="5259650" y="1189963"/>
+              <a:ext cx="1924848" cy="572838"/>
+              <a:chOff x="5274002" y="2267701"/>
+              <a:chExt cx="1924848" cy="572838"/>
+            </a:xfrm>
+          </p:grpSpPr>
+          <p:pic>
+            <p:nvPicPr>
+              <p:cNvPr id="20" name="圖片 19">
+                <a:extLst>
+                  <a:ext uri="{FF2B5EF4-FFF2-40B4-BE49-F238E27FC236}">
+                    <a16:creationId xmlns:a16="http://schemas.microsoft.com/office/drawing/2014/main" id="{43C98153-4A58-404A-AD29-D38FDEB3AC4E}"/>
+                  </a:ext>
+                </a:extLst>
+              </p:cNvPr>
+              <p:cNvPicPr>
+                <a:picLocks noChangeAspect="1"/>
+              </p:cNvPicPr>
+              <p:nvPr/>
+            </p:nvPicPr>
+            <p:blipFill>
+              <a:blip r:embed="rId5"/>
+              <a:stretch>
+                <a:fillRect/>
+              </a:stretch>
+            </p:blipFill>
+            <p:spPr>
+              <a:xfrm>
+                <a:off x="5274002" y="2267701"/>
+                <a:ext cx="572838" cy="572838"/>
+              </a:xfrm>
+              <a:prstGeom prst="rect">
+                <a:avLst/>
+              </a:prstGeom>
+            </p:spPr>
+          </p:pic>
+          <p:sp>
+            <p:nvSpPr>
+              <p:cNvPr id="21" name="文字版面配置區 3">
+                <a:extLst>
+                  <a:ext uri="{FF2B5EF4-FFF2-40B4-BE49-F238E27FC236}">
+                    <a16:creationId xmlns:a16="http://schemas.microsoft.com/office/drawing/2014/main" id="{F690D245-92AF-449D-A46B-379FD64A54D0}"/>
+                  </a:ext>
+                </a:extLst>
+              </p:cNvPr>
+              <p:cNvSpPr txBox="1">
+                <a:spLocks/>
+              </p:cNvSpPr>
+              <p:nvPr/>
+            </p:nvSpPr>
+            <p:spPr>
+              <a:xfrm>
+                <a:off x="5996318" y="2404916"/>
+                <a:ext cx="1202532" cy="333668"/>
+              </a:xfrm>
+              <a:prstGeom prst="rect">
+                <a:avLst/>
+              </a:prstGeom>
+            </p:spPr>
+            <p:txBody>
+              <a:bodyPr/>
+              <a:lstStyle>
+                <a:defPPr marR="0" lvl="0" algn="l" rtl="0">
+                  <a:lnSpc>
+                    <a:spcPct val="100000"/>
+                  </a:lnSpc>
+                  <a:spcBef>
+                    <a:spcPts val="0"/>
+                  </a:spcBef>
+                  <a:spcAft>
+                    <a:spcPts val="0"/>
+                  </a:spcAft>
+                </a:defPPr>
+                <a:lvl1pPr marR="0" lvl="0" algn="l" rtl="0">
+                  <a:lnSpc>
+                    <a:spcPct val="100000"/>
+                  </a:lnSpc>
+                  <a:spcBef>
+                    <a:spcPts val="0"/>
+                  </a:spcBef>
+                  <a:spcAft>
+                    <a:spcPts val="0"/>
+                  </a:spcAft>
+                  <a:buClr>
+                    <a:srgbClr val="000000"/>
+                  </a:buClr>
+                  <a:buFont typeface="Arial"/>
+                  <a:defRPr sz="1400" b="0" i="0" u="none" strike="noStrike" cap="none">
+                    <a:solidFill>
+                      <a:srgbClr val="000000"/>
+                    </a:solidFill>
+                    <a:latin typeface="Arial"/>
+                    <a:ea typeface="Arial"/>
+                    <a:cs typeface="Arial"/>
+                    <a:sym typeface="Arial"/>
+                  </a:defRPr>
+                </a:lvl1pPr>
+                <a:lvl2pPr marR="0" lvl="1" algn="l" rtl="0">
+                  <a:lnSpc>
+                    <a:spcPct val="100000"/>
+                  </a:lnSpc>
+                  <a:spcBef>
+                    <a:spcPts val="0"/>
+                  </a:spcBef>
+                  <a:spcAft>
+                    <a:spcPts val="0"/>
+                  </a:spcAft>
+                  <a:buClr>
+                    <a:srgbClr val="000000"/>
+                  </a:buClr>
+                  <a:buFont typeface="Arial"/>
+                  <a:defRPr sz="1400" b="0" i="0" u="none" strike="noStrike" cap="none">
+                    <a:solidFill>
+                      <a:srgbClr val="000000"/>
+                    </a:solidFill>
+                    <a:latin typeface="Arial"/>
+                    <a:ea typeface="Arial"/>
+                    <a:cs typeface="Arial"/>
+                    <a:sym typeface="Arial"/>
+                  </a:defRPr>
+                </a:lvl2pPr>
+                <a:lvl3pPr marR="0" lvl="2" algn="l" rtl="0">
+                  <a:lnSpc>
+                    <a:spcPct val="100000"/>
+                  </a:lnSpc>
+                  <a:spcBef>
+                    <a:spcPts val="0"/>
+                  </a:spcBef>
+                  <a:spcAft>
+                    <a:spcPts val="0"/>
+                  </a:spcAft>
+                  <a:buClr>
+                    <a:srgbClr val="000000"/>
+                  </a:buClr>
+                  <a:buFont typeface="Arial"/>
+                  <a:defRPr sz="1400" b="0" i="0" u="none" strike="noStrike" cap="none">
+                    <a:solidFill>
+                      <a:srgbClr val="000000"/>
+                    </a:solidFill>
+                    <a:latin typeface="Arial"/>
+                    <a:ea typeface="Arial"/>
+                    <a:cs typeface="Arial"/>
+                    <a:sym typeface="Arial"/>
+                  </a:defRPr>
+                </a:lvl3pPr>
+                <a:lvl4pPr marR="0" lvl="3" algn="l" rtl="0">
+                  <a:lnSpc>
+                    <a:spcPct val="100000"/>
+                  </a:lnSpc>
+                  <a:spcBef>
+                    <a:spcPts val="0"/>
+                  </a:spcBef>
+                  <a:spcAft>
+                    <a:spcPts val="0"/>
+                  </a:spcAft>
+                  <a:buClr>
+                    <a:srgbClr val="000000"/>
+                  </a:buClr>
+                  <a:buFont typeface="Arial"/>
+                  <a:defRPr sz="1400" b="0" i="0" u="none" strike="noStrike" cap="none">
+                    <a:solidFill>
+                      <a:srgbClr val="000000"/>
+                    </a:solidFill>
+                    <a:latin typeface="Arial"/>
+                    <a:ea typeface="Arial"/>
+                    <a:cs typeface="Arial"/>
+                    <a:sym typeface="Arial"/>
+                  </a:defRPr>
+                </a:lvl4pPr>
+                <a:lvl5pPr marR="0" lvl="4" algn="l" rtl="0">
+                  <a:lnSpc>
+                    <a:spcPct val="100000"/>
+                  </a:lnSpc>
+                  <a:spcBef>
+                    <a:spcPts val="0"/>
+                  </a:spcBef>
+                  <a:spcAft>
+                    <a:spcPts val="0"/>
+                  </a:spcAft>
+                  <a:buClr>
+                    <a:srgbClr val="000000"/>
+                  </a:buClr>
+                  <a:buFont typeface="Arial"/>
+                  <a:defRPr sz="1400" b="0" i="0" u="none" strike="noStrike" cap="none">
+                    <a:solidFill>
+                      <a:srgbClr val="000000"/>
+                    </a:solidFill>
+                    <a:latin typeface="Arial"/>
+                    <a:ea typeface="Arial"/>
+                    <a:cs typeface="Arial"/>
+                    <a:sym typeface="Arial"/>
+                  </a:defRPr>
+                </a:lvl5pPr>
+                <a:lvl6pPr marR="0" lvl="5" algn="l" rtl="0">
+                  <a:lnSpc>
+                    <a:spcPct val="100000"/>
+                  </a:lnSpc>
+                  <a:spcBef>
+                    <a:spcPts val="0"/>
+                  </a:spcBef>
+                  <a:spcAft>
+                    <a:spcPts val="0"/>
+                  </a:spcAft>
+                  <a:buClr>
+                    <a:srgbClr val="000000"/>
+                  </a:buClr>
+                  <a:buFont typeface="Arial"/>
+                  <a:defRPr sz="1400" b="0" i="0" u="none" strike="noStrike" cap="none">
+                    <a:solidFill>
+                      <a:srgbClr val="000000"/>
+                    </a:solidFill>
+                    <a:latin typeface="Arial"/>
+                    <a:ea typeface="Arial"/>
+                    <a:cs typeface="Arial"/>
+                    <a:sym typeface="Arial"/>
+                  </a:defRPr>
+                </a:lvl6pPr>
+                <a:lvl7pPr marR="0" lvl="6" algn="l" rtl="0">
+                  <a:lnSpc>
+                    <a:spcPct val="100000"/>
+                  </a:lnSpc>
+                  <a:spcBef>
+                    <a:spcPts val="0"/>
+                  </a:spcBef>
+                  <a:spcAft>
+                    <a:spcPts val="0"/>
+                  </a:spcAft>
+                  <a:buClr>
+                    <a:srgbClr val="000000"/>
+                  </a:buClr>
+                  <a:buFont typeface="Arial"/>
+                  <a:defRPr sz="1400" b="0" i="0" u="none" strike="noStrike" cap="none">
+                    <a:solidFill>
+                      <a:srgbClr val="000000"/>
+                    </a:solidFill>
+                    <a:latin typeface="Arial"/>
+                    <a:ea typeface="Arial"/>
+                    <a:cs typeface="Arial"/>
+                    <a:sym typeface="Arial"/>
+                  </a:defRPr>
+                </a:lvl7pPr>
+                <a:lvl8pPr marR="0" lvl="7" algn="l" rtl="0">
+                  <a:lnSpc>
+                    <a:spcPct val="100000"/>
+                  </a:lnSpc>
+                  <a:spcBef>
+                    <a:spcPts val="0"/>
+                  </a:spcBef>
+                  <a:spcAft>
+                    <a:spcPts val="0"/>
+                  </a:spcAft>
+                  <a:buClr>
+                    <a:srgbClr val="000000"/>
+                  </a:buClr>
+                  <a:buFont typeface="Arial"/>
+                  <a:defRPr sz="1400" b="0" i="0" u="none" strike="noStrike" cap="none">
+                    <a:solidFill>
+                      <a:srgbClr val="000000"/>
+                    </a:solidFill>
+                    <a:latin typeface="Arial"/>
+                    <a:ea typeface="Arial"/>
+                    <a:cs typeface="Arial"/>
+                    <a:sym typeface="Arial"/>
+                  </a:defRPr>
+                </a:lvl8pPr>
+                <a:lvl9pPr marR="0" lvl="8" algn="l" rtl="0">
+                  <a:lnSpc>
+                    <a:spcPct val="100000"/>
+                  </a:lnSpc>
+                  <a:spcBef>
+                    <a:spcPts val="0"/>
+                  </a:spcBef>
+                  <a:spcAft>
+                    <a:spcPts val="0"/>
+                  </a:spcAft>
+                  <a:buClr>
+                    <a:srgbClr val="000000"/>
+                  </a:buClr>
+                  <a:buFont typeface="Arial"/>
+                  <a:defRPr sz="1400" b="0" i="0" u="none" strike="noStrike" cap="none">
+                    <a:solidFill>
+                      <a:srgbClr val="000000"/>
+                    </a:solidFill>
+                    <a:latin typeface="Arial"/>
+                    <a:ea typeface="Arial"/>
+                    <a:cs typeface="Arial"/>
+                    <a:sym typeface="Arial"/>
+                  </a:defRPr>
+                </a:lvl9pPr>
+              </a:lstStyle>
+              <a:p>
+                <a:r>
+                  <a:rPr lang="zh-TW" altLang="en-US" sz="2000" b="1" dirty="0"/>
+                  <a:t> </a:t>
+                </a:r>
+                <a:r>
+                  <a:rPr lang="en-US" altLang="zh-TW" sz="2000" b="1" dirty="0"/>
+                  <a:t>0</a:t>
+                </a:r>
+                <a:r>
+                  <a:rPr lang="zh-TW" altLang="en-US" sz="2000" b="1" dirty="0"/>
+                  <a:t> </a:t>
+                </a:r>
+                <a:r>
+                  <a:rPr lang="en-US" altLang="zh-TW" sz="2000" b="1" dirty="0"/>
+                  <a:t>(</a:t>
+                </a:r>
+                <a:r>
+                  <a:rPr lang="zh-TW" altLang="en-US" sz="2000" b="1" dirty="0"/>
+                  <a:t>路徑</a:t>
+                </a:r>
+                <a:r>
+                  <a:rPr lang="en-US" altLang="zh-TW" sz="2000" b="1" dirty="0"/>
+                  <a:t>)</a:t>
+                </a:r>
+                <a:endParaRPr lang="zh-TW" altLang="en-US" sz="2000" b="1" dirty="0"/>
+              </a:p>
+            </p:txBody>
+          </p:sp>
+        </p:grpSp>
+        <p:grpSp>
+          <p:nvGrpSpPr>
+            <p:cNvPr id="23" name="群組 22">
+              <a:extLst>
+                <a:ext uri="{FF2B5EF4-FFF2-40B4-BE49-F238E27FC236}">
+                  <a16:creationId xmlns:a16="http://schemas.microsoft.com/office/drawing/2014/main" id="{3C3C976D-EEDF-4CCA-9815-9B8E9EAC14B6}"/>
+                </a:ext>
+              </a:extLst>
+            </p:cNvPr>
+            <p:cNvGrpSpPr/>
+            <p:nvPr/>
+          </p:nvGrpSpPr>
+          <p:grpSpPr>
+            <a:xfrm>
+              <a:off x="5245298" y="2512767"/>
+              <a:ext cx="1953552" cy="581491"/>
+              <a:chOff x="5245298" y="2523013"/>
+              <a:chExt cx="1953552" cy="581491"/>
+            </a:xfrm>
+          </p:grpSpPr>
+          <p:sp>
+            <p:nvSpPr>
+              <p:cNvPr id="15" name="文字版面配置區 3">
+                <a:extLst>
+                  <a:ext uri="{FF2B5EF4-FFF2-40B4-BE49-F238E27FC236}">
+                    <a16:creationId xmlns:a16="http://schemas.microsoft.com/office/drawing/2014/main" id="{7135164F-D1A9-4A33-8E63-DE12B2BE0EFB}"/>
+                  </a:ext>
+                </a:extLst>
+              </p:cNvPr>
+              <p:cNvSpPr txBox="1">
+                <a:spLocks/>
+              </p:cNvSpPr>
+              <p:nvPr/>
+            </p:nvSpPr>
+            <p:spPr>
+              <a:xfrm>
+                <a:off x="5996318" y="2646924"/>
+                <a:ext cx="1202532" cy="333668"/>
+              </a:xfrm>
+              <a:prstGeom prst="rect">
+                <a:avLst/>
+              </a:prstGeom>
+            </p:spPr>
+            <p:txBody>
+              <a:bodyPr/>
+              <a:lstStyle>
+                <a:defPPr marR="0" lvl="0" algn="l" rtl="0">
+                  <a:lnSpc>
+                    <a:spcPct val="100000"/>
+                  </a:lnSpc>
+                  <a:spcBef>
+                    <a:spcPts val="0"/>
+                  </a:spcBef>
+                  <a:spcAft>
+                    <a:spcPts val="0"/>
+                  </a:spcAft>
+                </a:defPPr>
+                <a:lvl1pPr marR="0" lvl="0" algn="l" rtl="0">
+                  <a:lnSpc>
+                    <a:spcPct val="100000"/>
+                  </a:lnSpc>
+                  <a:spcBef>
+                    <a:spcPts val="0"/>
+                  </a:spcBef>
+                  <a:spcAft>
+                    <a:spcPts val="0"/>
+                  </a:spcAft>
+                  <a:buClr>
+                    <a:srgbClr val="000000"/>
+                  </a:buClr>
+                  <a:buFont typeface="Arial"/>
+                  <a:defRPr sz="1400" b="0" i="0" u="none" strike="noStrike" cap="none">
+                    <a:solidFill>
+                      <a:srgbClr val="000000"/>
+                    </a:solidFill>
+                    <a:latin typeface="Arial"/>
+                    <a:ea typeface="Arial"/>
+                    <a:cs typeface="Arial"/>
+                    <a:sym typeface="Arial"/>
+                  </a:defRPr>
+                </a:lvl1pPr>
+                <a:lvl2pPr marR="0" lvl="1" algn="l" rtl="0">
+                  <a:lnSpc>
+                    <a:spcPct val="100000"/>
+                  </a:lnSpc>
+                  <a:spcBef>
+                    <a:spcPts val="0"/>
+                  </a:spcBef>
+                  <a:spcAft>
+                    <a:spcPts val="0"/>
+                  </a:spcAft>
+                  <a:buClr>
+                    <a:srgbClr val="000000"/>
+                  </a:buClr>
+                  <a:buFont typeface="Arial"/>
+                  <a:defRPr sz="1400" b="0" i="0" u="none" strike="noStrike" cap="none">
+                    <a:solidFill>
+                      <a:srgbClr val="000000"/>
+                    </a:solidFill>
+                    <a:latin typeface="Arial"/>
+                    <a:ea typeface="Arial"/>
+                    <a:cs typeface="Arial"/>
+                    <a:sym typeface="Arial"/>
+                  </a:defRPr>
+                </a:lvl2pPr>
+                <a:lvl3pPr marR="0" lvl="2" algn="l" rtl="0">
+                  <a:lnSpc>
+                    <a:spcPct val="100000"/>
+                  </a:lnSpc>
+                  <a:spcBef>
+                    <a:spcPts val="0"/>
+                  </a:spcBef>
+                  <a:spcAft>
+                    <a:spcPts val="0"/>
+                  </a:spcAft>
+                  <a:buClr>
+                    <a:srgbClr val="000000"/>
+                  </a:buClr>
+                  <a:buFont typeface="Arial"/>
+                  <a:defRPr sz="1400" b="0" i="0" u="none" strike="noStrike" cap="none">
+                    <a:solidFill>
+                      <a:srgbClr val="000000"/>
+                    </a:solidFill>
+                    <a:latin typeface="Arial"/>
+                    <a:ea typeface="Arial"/>
+                    <a:cs typeface="Arial"/>
+                    <a:sym typeface="Arial"/>
+                  </a:defRPr>
+                </a:lvl3pPr>
+                <a:lvl4pPr marR="0" lvl="3" algn="l" rtl="0">
+                  <a:lnSpc>
+                    <a:spcPct val="100000"/>
+                  </a:lnSpc>
+                  <a:spcBef>
+                    <a:spcPts val="0"/>
+                  </a:spcBef>
+                  <a:spcAft>
+                    <a:spcPts val="0"/>
+                  </a:spcAft>
+                  <a:buClr>
+                    <a:srgbClr val="000000"/>
+                  </a:buClr>
+                  <a:buFont typeface="Arial"/>
+                  <a:defRPr sz="1400" b="0" i="0" u="none" strike="noStrike" cap="none">
+                    <a:solidFill>
+                      <a:srgbClr val="000000"/>
+                    </a:solidFill>
+                    <a:latin typeface="Arial"/>
+                    <a:ea typeface="Arial"/>
+                    <a:cs typeface="Arial"/>
+                    <a:sym typeface="Arial"/>
+                  </a:defRPr>
+                </a:lvl4pPr>
+                <a:lvl5pPr marR="0" lvl="4" algn="l" rtl="0">
+                  <a:lnSpc>
+                    <a:spcPct val="100000"/>
+                  </a:lnSpc>
+                  <a:spcBef>
+                    <a:spcPts val="0"/>
+                  </a:spcBef>
+                  <a:spcAft>
+                    <a:spcPts val="0"/>
+                  </a:spcAft>
+                  <a:buClr>
+                    <a:srgbClr val="000000"/>
+                  </a:buClr>
+                  <a:buFont typeface="Arial"/>
+                  <a:defRPr sz="1400" b="0" i="0" u="none" strike="noStrike" cap="none">
+                    <a:solidFill>
+                      <a:srgbClr val="000000"/>
+                    </a:solidFill>
+                    <a:latin typeface="Arial"/>
+                    <a:ea typeface="Arial"/>
+                    <a:cs typeface="Arial"/>
+                    <a:sym typeface="Arial"/>
+                  </a:defRPr>
+                </a:lvl5pPr>
+                <a:lvl6pPr marR="0" lvl="5" algn="l" rtl="0">
+                  <a:lnSpc>
+                    <a:spcPct val="100000"/>
+                  </a:lnSpc>
+                  <a:spcBef>
+                    <a:spcPts val="0"/>
+                  </a:spcBef>
+                  <a:spcAft>
+                    <a:spcPts val="0"/>
+                  </a:spcAft>
+                  <a:buClr>
+                    <a:srgbClr val="000000"/>
+                  </a:buClr>
+                  <a:buFont typeface="Arial"/>
+                  <a:defRPr sz="1400" b="0" i="0" u="none" strike="noStrike" cap="none">
+                    <a:solidFill>
+                      <a:srgbClr val="000000"/>
+                    </a:solidFill>
+                    <a:latin typeface="Arial"/>
+                    <a:ea typeface="Arial"/>
+                    <a:cs typeface="Arial"/>
+                    <a:sym typeface="Arial"/>
+                  </a:defRPr>
+                </a:lvl6pPr>
+                <a:lvl7pPr marR="0" lvl="6" algn="l" rtl="0">
+                  <a:lnSpc>
+                    <a:spcPct val="100000"/>
+                  </a:lnSpc>
+                  <a:spcBef>
+                    <a:spcPts val="0"/>
+                  </a:spcBef>
+                  <a:spcAft>
+                    <a:spcPts val="0"/>
+                  </a:spcAft>
+                  <a:buClr>
+                    <a:srgbClr val="000000"/>
+                  </a:buClr>
+                  <a:buFont typeface="Arial"/>
+                  <a:defRPr sz="1400" b="0" i="0" u="none" strike="noStrike" cap="none">
+                    <a:solidFill>
+                      <a:srgbClr val="000000"/>
+                    </a:solidFill>
+                    <a:latin typeface="Arial"/>
+                    <a:ea typeface="Arial"/>
+                    <a:cs typeface="Arial"/>
+                    <a:sym typeface="Arial"/>
+                  </a:defRPr>
+                </a:lvl7pPr>
+                <a:lvl8pPr marR="0" lvl="7" algn="l" rtl="0">
+                  <a:lnSpc>
+                    <a:spcPct val="100000"/>
+                  </a:lnSpc>
+                  <a:spcBef>
+                    <a:spcPts val="0"/>
+                  </a:spcBef>
+                  <a:spcAft>
+                    <a:spcPts val="0"/>
+                  </a:spcAft>
+                  <a:buClr>
+                    <a:srgbClr val="000000"/>
+                  </a:buClr>
+                  <a:buFont typeface="Arial"/>
+                  <a:defRPr sz="1400" b="0" i="0" u="none" strike="noStrike" cap="none">
+                    <a:solidFill>
+                      <a:srgbClr val="000000"/>
+                    </a:solidFill>
+                    <a:latin typeface="Arial"/>
+                    <a:ea typeface="Arial"/>
+                    <a:cs typeface="Arial"/>
+                    <a:sym typeface="Arial"/>
+                  </a:defRPr>
+                </a:lvl8pPr>
+                <a:lvl9pPr marR="0" lvl="8" algn="l" rtl="0">
+                  <a:lnSpc>
+                    <a:spcPct val="100000"/>
+                  </a:lnSpc>
+                  <a:spcBef>
+                    <a:spcPts val="0"/>
+                  </a:spcBef>
+                  <a:spcAft>
+                    <a:spcPts val="0"/>
+                  </a:spcAft>
+                  <a:buClr>
+                    <a:srgbClr val="000000"/>
+                  </a:buClr>
+                  <a:buFont typeface="Arial"/>
+                  <a:defRPr sz="1400" b="0" i="0" u="none" strike="noStrike" cap="none">
+                    <a:solidFill>
+                      <a:srgbClr val="000000"/>
+                    </a:solidFill>
+                    <a:latin typeface="Arial"/>
+                    <a:ea typeface="Arial"/>
+                    <a:cs typeface="Arial"/>
+                    <a:sym typeface="Arial"/>
+                  </a:defRPr>
+                </a:lvl9pPr>
+              </a:lstStyle>
+              <a:p>
+                <a:r>
+                  <a:rPr lang="zh-TW" altLang="en-US" sz="2000" b="1" dirty="0"/>
+                  <a:t> </a:t>
+                </a:r>
+                <a:r>
+                  <a:rPr lang="en-US" altLang="zh-TW" sz="2000" b="1" dirty="0"/>
+                  <a:t>2</a:t>
+                </a:r>
+                <a:r>
+                  <a:rPr lang="zh-TW" altLang="en-US" sz="2000" b="1" dirty="0"/>
+                  <a:t> </a:t>
+                </a:r>
+                <a:r>
+                  <a:rPr lang="en-US" altLang="zh-TW" sz="2000" b="1" dirty="0"/>
+                  <a:t>(</a:t>
+                </a:r>
+                <a:r>
+                  <a:rPr lang="zh-TW" altLang="en-US" sz="2000" b="1" dirty="0"/>
+                  <a:t>箱子</a:t>
+                </a:r>
+                <a:r>
+                  <a:rPr lang="en-US" altLang="zh-TW" sz="2000" b="1" dirty="0"/>
+                  <a:t>)</a:t>
+                </a:r>
+                <a:endParaRPr lang="zh-TW" altLang="en-US" sz="2000" b="1" dirty="0"/>
+              </a:p>
+            </p:txBody>
+          </p:sp>
+          <p:pic>
+            <p:nvPicPr>
+              <p:cNvPr id="22" name="圖片 21">
+                <a:extLst>
+                  <a:ext uri="{FF2B5EF4-FFF2-40B4-BE49-F238E27FC236}">
+                    <a16:creationId xmlns:a16="http://schemas.microsoft.com/office/drawing/2014/main" id="{7069A075-15C2-41EB-85CF-8EBDD26637ED}"/>
+                  </a:ext>
+                </a:extLst>
+              </p:cNvPr>
+              <p:cNvPicPr>
+                <a:picLocks noChangeAspect="1"/>
+              </p:cNvPicPr>
+              <p:nvPr/>
+            </p:nvPicPr>
+            <p:blipFill>
+              <a:blip r:embed="rId6"/>
+              <a:stretch>
+                <a:fillRect/>
+              </a:stretch>
+            </p:blipFill>
+            <p:spPr>
+              <a:xfrm>
+                <a:off x="5245298" y="2523013"/>
+                <a:ext cx="601542" cy="581491"/>
+              </a:xfrm>
+              <a:prstGeom prst="rect">
+                <a:avLst/>
+              </a:prstGeom>
+            </p:spPr>
+          </p:pic>
+        </p:grpSp>
+      </p:grpSp>
+      <p:graphicFrame>
+        <p:nvGraphicFramePr>
+          <p:cNvPr id="26" name="表格 25">
+            <a:extLst>
+              <a:ext uri="{FF2B5EF4-FFF2-40B4-BE49-F238E27FC236}">
+                <a16:creationId xmlns:a16="http://schemas.microsoft.com/office/drawing/2014/main" id="{E375CAB5-38D6-4D93-BD71-3AD31AF58449}"/>
+              </a:ext>
+            </a:extLst>
+          </p:cNvPr>
+          <p:cNvGraphicFramePr>
+            <a:graphicFrameLocks noGrp="1"/>
+          </p:cNvGraphicFramePr>
+          <p:nvPr>
+            <p:extLst>
+              <p:ext uri="{D42A27DB-BD31-4B8C-83A1-F6EECF244321}">
+                <p14:modId xmlns:p14="http://schemas.microsoft.com/office/powerpoint/2010/main" val="4058483222"/>
+              </p:ext>
+            </p:extLst>
+          </p:nvPr>
+        </p:nvGraphicFramePr>
+        <p:xfrm>
+          <a:off x="2372625" y="2200273"/>
+          <a:ext cx="1515056" cy="1584960"/>
+        </p:xfrm>
+        <a:graphic>
+          <a:graphicData uri="http://schemas.openxmlformats.org/drawingml/2006/table">
+            <a:tbl>
+              <a:tblPr firstRow="1" bandRow="1">
+                <a:tableStyleId>{DE897CE7-4FA2-472E-B211-B6D4C5D2A7F1}</a:tableStyleId>
+              </a:tblPr>
+              <a:tblGrid>
+                <a:gridCol w="1515056">
+                  <a:extLst>
+                    <a:ext uri="{9D8B030D-6E8A-4147-A177-3AD203B41FA5}">
+                      <a16:colId xmlns:a16="http://schemas.microsoft.com/office/drawing/2014/main" val="1873258016"/>
+                    </a:ext>
+                  </a:extLst>
+                </a:gridCol>
+              </a:tblGrid>
+              <a:tr h="0">
+                <a:tc>
+                  <a:txBody>
+                    <a:bodyPr/>
+                    <a:lstStyle/>
+                    <a:p>
+                      <a:r>
+                        <a:rPr lang="en-US" altLang="zh-TW" dirty="0"/>
+                        <a:t>5 5</a:t>
+                      </a:r>
+                    </a:p>
+                    <a:p>
+                      <a:endParaRPr lang="en-US" altLang="zh-TW" dirty="0"/>
+                    </a:p>
+                    <a:p>
+                      <a:r>
+                        <a:rPr lang="en-US" altLang="zh-TW" dirty="0"/>
+                        <a:t>3 3 3 3 3</a:t>
+                      </a:r>
+                    </a:p>
+                    <a:p>
+                      <a:r>
+                        <a:rPr lang="en-US" altLang="zh-TW" dirty="0"/>
+                        <a:t>3 1 0 0 3</a:t>
+                      </a:r>
+                    </a:p>
+                    <a:p>
+                      <a:r>
+                        <a:rPr lang="en-US" altLang="zh-TW" dirty="0"/>
+                        <a:t>3 0 2 0 3</a:t>
+                      </a:r>
+                    </a:p>
+                    <a:p>
+                      <a:r>
+                        <a:rPr lang="en-US" altLang="zh-TW" dirty="0"/>
+                        <a:t>3 0 0 0 3</a:t>
+                      </a:r>
+                    </a:p>
+                    <a:p>
+                      <a:r>
+                        <a:rPr lang="en-US" altLang="zh-TW" dirty="0"/>
+                        <a:t>3 3 3 3 3</a:t>
+                      </a:r>
+                      <a:endParaRPr lang="zh-TW" altLang="en-US" dirty="0"/>
+                    </a:p>
+                  </a:txBody>
+                  <a:tcPr/>
+                </a:tc>
+                <a:extLst>
+                  <a:ext uri="{0D108BD9-81ED-4DB2-BD59-A6C34878D82A}">
+                    <a16:rowId xmlns:a16="http://schemas.microsoft.com/office/drawing/2014/main" val="811717474"/>
+                  </a:ext>
+                </a:extLst>
+              </a:tr>
+            </a:tbl>
+          </a:graphicData>
+        </a:graphic>
+      </p:graphicFrame>
+      <p:grpSp>
+        <p:nvGrpSpPr>
+          <p:cNvPr id="34" name="群組 33">
+            <a:extLst>
+              <a:ext uri="{FF2B5EF4-FFF2-40B4-BE49-F238E27FC236}">
+                <a16:creationId xmlns:a16="http://schemas.microsoft.com/office/drawing/2014/main" id="{C5765FFB-2D57-43DB-A26E-F484CBC1E46C}"/>
+              </a:ext>
+            </a:extLst>
+          </p:cNvPr>
+          <p:cNvGrpSpPr/>
+          <p:nvPr/>
+        </p:nvGrpSpPr>
+        <p:grpSpPr>
+          <a:xfrm>
+            <a:off x="1381250" y="2171494"/>
+            <a:ext cx="841905" cy="1621569"/>
+            <a:chOff x="2215039" y="1831272"/>
+            <a:chExt cx="841905" cy="1621569"/>
+          </a:xfrm>
+        </p:grpSpPr>
+        <p:sp>
+          <p:nvSpPr>
+            <p:cNvPr id="27" name="矩形 26">
+              <a:extLst>
+                <a:ext uri="{FF2B5EF4-FFF2-40B4-BE49-F238E27FC236}">
+                  <a16:creationId xmlns:a16="http://schemas.microsoft.com/office/drawing/2014/main" id="{AAFD4A02-F63C-4EE9-8E15-543B7286F5D2}"/>
+                </a:ext>
+              </a:extLst>
+            </p:cNvPr>
+            <p:cNvSpPr/>
+            <p:nvPr/>
+          </p:nvSpPr>
+          <p:spPr>
+            <a:xfrm>
+              <a:off x="2215047" y="1831272"/>
+              <a:ext cx="841897" cy="307777"/>
+            </a:xfrm>
+            <a:prstGeom prst="rect">
+              <a:avLst/>
+            </a:prstGeom>
+          </p:spPr>
+          <p:txBody>
+            <a:bodyPr wrap="none">
+              <a:spAutoFit/>
+            </a:bodyPr>
+            <a:lstStyle/>
+            <a:p>
+              <a:r>
+                <a:rPr lang="en-US" altLang="zh-TW" dirty="0"/>
+                <a:t>Row 1 : </a:t>
+              </a:r>
+              <a:endParaRPr lang="zh-TW" altLang="en-US" dirty="0"/>
+            </a:p>
+          </p:txBody>
+        </p:sp>
+        <p:grpSp>
+          <p:nvGrpSpPr>
+            <p:cNvPr id="33" name="群組 32">
+              <a:extLst>
+                <a:ext uri="{FF2B5EF4-FFF2-40B4-BE49-F238E27FC236}">
+                  <a16:creationId xmlns:a16="http://schemas.microsoft.com/office/drawing/2014/main" id="{2291FAD1-D9B4-412A-80A2-2B534290D3AD}"/>
+                </a:ext>
+              </a:extLst>
+            </p:cNvPr>
+            <p:cNvGrpSpPr/>
+            <p:nvPr/>
+          </p:nvGrpSpPr>
+          <p:grpSpPr>
+            <a:xfrm>
+              <a:off x="2215039" y="2263973"/>
+              <a:ext cx="841904" cy="1188868"/>
+              <a:chOff x="2215039" y="2263973"/>
+              <a:chExt cx="841904" cy="1188868"/>
+            </a:xfrm>
+          </p:grpSpPr>
+          <p:sp>
+            <p:nvSpPr>
+              <p:cNvPr id="28" name="矩形 27">
+                <a:extLst>
+                  <a:ext uri="{FF2B5EF4-FFF2-40B4-BE49-F238E27FC236}">
+                    <a16:creationId xmlns:a16="http://schemas.microsoft.com/office/drawing/2014/main" id="{6ECFBD51-4B05-4615-88B7-F94A35C4B132}"/>
+                  </a:ext>
+                </a:extLst>
+              </p:cNvPr>
+              <p:cNvSpPr/>
+              <p:nvPr/>
+            </p:nvSpPr>
+            <p:spPr>
+              <a:xfrm>
+                <a:off x="2215046" y="2263973"/>
+                <a:ext cx="841897" cy="307777"/>
+              </a:xfrm>
+              <a:prstGeom prst="rect">
+                <a:avLst/>
+              </a:prstGeom>
+            </p:spPr>
+            <p:txBody>
+              <a:bodyPr wrap="none">
+                <a:spAutoFit/>
+              </a:bodyPr>
+              <a:lstStyle/>
+              <a:p>
+                <a:r>
+                  <a:rPr lang="en-US" altLang="zh-TW" dirty="0"/>
+                  <a:t>Row 5 : </a:t>
+                </a:r>
+                <a:endParaRPr lang="zh-TW" altLang="en-US" dirty="0"/>
+              </a:p>
+            </p:txBody>
+          </p:sp>
+          <p:sp>
+            <p:nvSpPr>
+              <p:cNvPr id="29" name="矩形 28">
+                <a:extLst>
+                  <a:ext uri="{FF2B5EF4-FFF2-40B4-BE49-F238E27FC236}">
+                    <a16:creationId xmlns:a16="http://schemas.microsoft.com/office/drawing/2014/main" id="{A5CE313B-0A86-4377-9D51-4094AD589B48}"/>
+                  </a:ext>
+                </a:extLst>
+              </p:cNvPr>
+              <p:cNvSpPr/>
+              <p:nvPr/>
+            </p:nvSpPr>
+            <p:spPr>
+              <a:xfrm>
+                <a:off x="2215045" y="2488168"/>
+                <a:ext cx="841897" cy="307777"/>
+              </a:xfrm>
+              <a:prstGeom prst="rect">
+                <a:avLst/>
+              </a:prstGeom>
+            </p:spPr>
+            <p:txBody>
+              <a:bodyPr wrap="none">
+                <a:spAutoFit/>
+              </a:bodyPr>
+              <a:lstStyle/>
+              <a:p>
+                <a:r>
+                  <a:rPr lang="en-US" altLang="zh-TW" dirty="0"/>
+                  <a:t>Row 6 : </a:t>
+                </a:r>
+                <a:endParaRPr lang="zh-TW" altLang="en-US" dirty="0"/>
+              </a:p>
+            </p:txBody>
+          </p:sp>
+          <p:sp>
+            <p:nvSpPr>
+              <p:cNvPr id="30" name="矩形 29">
+                <a:extLst>
+                  <a:ext uri="{FF2B5EF4-FFF2-40B4-BE49-F238E27FC236}">
+                    <a16:creationId xmlns:a16="http://schemas.microsoft.com/office/drawing/2014/main" id="{4F096203-17B2-463A-995C-669EBF78A92A}"/>
+                  </a:ext>
+                </a:extLst>
+              </p:cNvPr>
+              <p:cNvSpPr/>
+              <p:nvPr/>
+            </p:nvSpPr>
+            <p:spPr>
+              <a:xfrm>
+                <a:off x="2215043" y="2712363"/>
+                <a:ext cx="841897" cy="307777"/>
+              </a:xfrm>
+              <a:prstGeom prst="rect">
+                <a:avLst/>
+              </a:prstGeom>
+            </p:spPr>
+            <p:txBody>
+              <a:bodyPr wrap="none">
+                <a:spAutoFit/>
+              </a:bodyPr>
+              <a:lstStyle/>
+              <a:p>
+                <a:r>
+                  <a:rPr lang="en-US" altLang="zh-TW" dirty="0"/>
+                  <a:t>Row 7 : </a:t>
+                </a:r>
+                <a:endParaRPr lang="zh-TW" altLang="en-US" dirty="0"/>
+              </a:p>
+            </p:txBody>
+          </p:sp>
+          <p:sp>
+            <p:nvSpPr>
+              <p:cNvPr id="31" name="矩形 30">
+                <a:extLst>
+                  <a:ext uri="{FF2B5EF4-FFF2-40B4-BE49-F238E27FC236}">
+                    <a16:creationId xmlns:a16="http://schemas.microsoft.com/office/drawing/2014/main" id="{7B0E4F4A-519E-46A9-A330-F9C75FD2BA2F}"/>
+                  </a:ext>
+                </a:extLst>
+              </p:cNvPr>
+              <p:cNvSpPr/>
+              <p:nvPr/>
+            </p:nvSpPr>
+            <p:spPr>
+              <a:xfrm>
+                <a:off x="2215039" y="2920869"/>
+                <a:ext cx="841897" cy="307777"/>
+              </a:xfrm>
+              <a:prstGeom prst="rect">
+                <a:avLst/>
+              </a:prstGeom>
+            </p:spPr>
+            <p:txBody>
+              <a:bodyPr wrap="none">
+                <a:spAutoFit/>
+              </a:bodyPr>
+              <a:lstStyle/>
+              <a:p>
+                <a:r>
+                  <a:rPr lang="en-US" altLang="zh-TW" dirty="0"/>
+                  <a:t>Row 8 : </a:t>
+                </a:r>
+                <a:endParaRPr lang="zh-TW" altLang="en-US" dirty="0"/>
+              </a:p>
+            </p:txBody>
+          </p:sp>
+          <p:sp>
+            <p:nvSpPr>
+              <p:cNvPr id="32" name="矩形 31">
+                <a:extLst>
+                  <a:ext uri="{FF2B5EF4-FFF2-40B4-BE49-F238E27FC236}">
+                    <a16:creationId xmlns:a16="http://schemas.microsoft.com/office/drawing/2014/main" id="{D6A15732-D25A-4FAA-9B2A-87E05FE9748A}"/>
+                  </a:ext>
+                </a:extLst>
+              </p:cNvPr>
+              <p:cNvSpPr/>
+              <p:nvPr/>
+            </p:nvSpPr>
+            <p:spPr>
+              <a:xfrm>
+                <a:off x="2215039" y="3145064"/>
+                <a:ext cx="841897" cy="307777"/>
+              </a:xfrm>
+              <a:prstGeom prst="rect">
+                <a:avLst/>
+              </a:prstGeom>
+            </p:spPr>
+            <p:txBody>
+              <a:bodyPr wrap="none">
+                <a:spAutoFit/>
+              </a:bodyPr>
+              <a:lstStyle/>
+              <a:p>
+                <a:r>
+                  <a:rPr lang="en-US" altLang="zh-TW" dirty="0"/>
+                  <a:t>Row 9 : </a:t>
+                </a:r>
+                <a:endParaRPr lang="zh-TW" altLang="en-US" dirty="0"/>
+              </a:p>
+            </p:txBody>
+          </p:sp>
+        </p:grpSp>
+      </p:grpSp>
+    </p:spTree>
+    <p:extLst>
+      <p:ext uri="{BB962C8B-B14F-4D97-AF65-F5344CB8AC3E}">
+        <p14:creationId xmlns:p14="http://schemas.microsoft.com/office/powerpoint/2010/main" val="3144082107"/>
+      </p:ext>
+    </p:extLst>
+  </p:cSld>
+  <p:clrMapOvr>
+    <a:masterClrMapping/>
+  </p:clrMapOvr>
+</p:sld>
+</file>
+
+<file path=ppt/slides/slide6.xml><?xml version="1.0" encoding="utf-8"?>
+<p:sld xmlns:a="http://schemas.openxmlformats.org/drawingml/2006/main" xmlns:r="http://schemas.openxmlformats.org/officeDocument/2006/relationships" xmlns:p="http://schemas.openxmlformats.org/presentationml/2006/main">
+  <p:cSld>
+    <p:spTree>
+      <p:nvGrpSpPr>
+        <p:cNvPr id="1" name=""/>
+        <p:cNvGrpSpPr/>
+        <p:nvPr/>
+      </p:nvGrpSpPr>
+      <p:grpSpPr>
+        <a:xfrm>
+          <a:off x="0" y="0"/>
+          <a:ext cx="0" cy="0"/>
+          <a:chOff x="0" y="0"/>
+          <a:chExt cx="0" cy="0"/>
+        </a:xfrm>
+      </p:grpSpPr>
+      <p:sp>
+        <p:nvSpPr>
+          <p:cNvPr id="2" name="標題 1">
+            <a:extLst>
+              <a:ext uri="{FF2B5EF4-FFF2-40B4-BE49-F238E27FC236}">
+                <a16:creationId xmlns:a16="http://schemas.microsoft.com/office/drawing/2014/main" id="{0C132A45-58DE-4E17-A946-D1DCF64A1E2A}"/>
+              </a:ext>
+            </a:extLst>
+          </p:cNvPr>
+          <p:cNvSpPr>
+            <a:spLocks noGrp="1"/>
+          </p:cNvSpPr>
+          <p:nvPr>
+            <p:ph type="title"/>
+          </p:nvPr>
+        </p:nvSpPr>
+        <p:spPr/>
+        <p:txBody>
+          <a:bodyPr/>
+          <a:lstStyle/>
+          <a:p>
+            <a:r>
+              <a:rPr lang="zh-TW" altLang="en-US" dirty="0"/>
+              <a:t>簡介製作過程</a:t>
+            </a:r>
+          </a:p>
+        </p:txBody>
+      </p:sp>
+      <p:sp>
+        <p:nvSpPr>
+          <p:cNvPr id="5" name="投影片編號版面配置區 4">
+            <a:extLst>
+              <a:ext uri="{FF2B5EF4-FFF2-40B4-BE49-F238E27FC236}">
+                <a16:creationId xmlns:a16="http://schemas.microsoft.com/office/drawing/2014/main" id="{80DAD46E-DC03-48D7-8351-BD57968AB3A5}"/>
+              </a:ext>
+            </a:extLst>
+          </p:cNvPr>
+          <p:cNvSpPr>
+            <a:spLocks noGrp="1"/>
+          </p:cNvSpPr>
+          <p:nvPr>
+            <p:ph type="sldNum" idx="12"/>
+          </p:nvPr>
+        </p:nvSpPr>
+        <p:spPr/>
+        <p:txBody>
+          <a:bodyPr/>
+          <a:lstStyle/>
+          <a:p>
+            <a:pPr marL="0" lvl="0" indent="0" algn="r" rtl="0">
+              <a:spcBef>
+                <a:spcPts val="0"/>
+              </a:spcBef>
+              <a:spcAft>
+                <a:spcPts val="0"/>
+              </a:spcAft>
+              <a:buNone/>
+            </a:pPr>
+            <a:fld id="{00000000-1234-1234-1234-123412341234}" type="slidenum">
+              <a:rPr lang="en" smtClean="0"/>
+              <a:t>6</a:t>
+            </a:fld>
+            <a:endParaRPr lang="en"/>
+          </a:p>
+        </p:txBody>
+      </p:sp>
+      <p:graphicFrame>
+        <p:nvGraphicFramePr>
+          <p:cNvPr id="6" name="表格 5">
+            <a:extLst>
+              <a:ext uri="{FF2B5EF4-FFF2-40B4-BE49-F238E27FC236}">
+                <a16:creationId xmlns:a16="http://schemas.microsoft.com/office/drawing/2014/main" id="{7D00A94B-EED8-4DC5-A4D6-F4A2F283D853}"/>
+              </a:ext>
+            </a:extLst>
+          </p:cNvPr>
+          <p:cNvGraphicFramePr>
+            <a:graphicFrameLocks noGrp="1"/>
+          </p:cNvGraphicFramePr>
+          <p:nvPr>
+            <p:extLst>
+              <p:ext uri="{D42A27DB-BD31-4B8C-83A1-F6EECF244321}">
+                <p14:modId xmlns:p14="http://schemas.microsoft.com/office/powerpoint/2010/main" val="2031905949"/>
+              </p:ext>
+            </p:extLst>
+          </p:nvPr>
+        </p:nvGraphicFramePr>
+        <p:xfrm>
+          <a:off x="1529530" y="1999759"/>
+          <a:ext cx="2659409" cy="2529840"/>
+        </p:xfrm>
+        <a:graphic>
+          <a:graphicData uri="http://schemas.openxmlformats.org/drawingml/2006/table">
+            <a:tbl>
+              <a:tblPr firstRow="1" bandRow="1">
+                <a:tableStyleId>{DE897CE7-4FA2-472E-B211-B6D4C5D2A7F1}</a:tableStyleId>
+              </a:tblPr>
+              <a:tblGrid>
+                <a:gridCol w="2659409">
+                  <a:extLst>
+                    <a:ext uri="{9D8B030D-6E8A-4147-A177-3AD203B41FA5}">
+                      <a16:colId xmlns:a16="http://schemas.microsoft.com/office/drawing/2014/main" val="4219791847"/>
+                    </a:ext>
+                  </a:extLst>
+                </a:gridCol>
+              </a:tblGrid>
+              <a:tr h="370840">
+                <a:tc>
+                  <a:txBody>
+                    <a:bodyPr/>
+                    <a:lstStyle/>
+                    <a:p>
+                      <a:pPr algn="ctr"/>
+                      <a:r>
+                        <a:rPr lang="en-US" altLang="zh-TW" sz="2000" spc="300" dirty="0"/>
+                        <a:t>4 4 3 3 3 4 4 4</a:t>
+                      </a:r>
+                    </a:p>
+                    <a:p>
+                      <a:pPr algn="ctr"/>
+                      <a:r>
+                        <a:rPr lang="en-US" altLang="zh-TW" sz="2000" spc="300" dirty="0"/>
+                        <a:t>4 4 3 0 3 4 4 4</a:t>
+                      </a:r>
+                    </a:p>
+                    <a:p>
+                      <a:pPr algn="ctr"/>
+                      <a:r>
+                        <a:rPr lang="en-US" altLang="zh-TW" sz="2000" spc="300" dirty="0"/>
+                        <a:t>4 4 3 0 3 3 3 3</a:t>
+                      </a:r>
+                    </a:p>
+                    <a:p>
+                      <a:pPr algn="ctr"/>
+                      <a:r>
+                        <a:rPr lang="en-US" altLang="zh-TW" sz="2000" spc="300" dirty="0"/>
+                        <a:t>3 3 3 2 0 2 0 3</a:t>
+                      </a:r>
+                    </a:p>
+                    <a:p>
+                      <a:pPr algn="ctr"/>
+                      <a:r>
+                        <a:rPr lang="en-US" altLang="zh-TW" sz="2000" spc="300" dirty="0"/>
+                        <a:t>3 0 0 2 1 3 3 3</a:t>
+                      </a:r>
+                    </a:p>
+                    <a:p>
+                      <a:pPr algn="ctr"/>
+                      <a:r>
+                        <a:rPr lang="en-US" altLang="zh-TW" sz="2000" spc="300" dirty="0"/>
+                        <a:t>3 3 3 3 2 3 4 4</a:t>
+                      </a:r>
+                    </a:p>
+                    <a:p>
+                      <a:pPr algn="ctr"/>
+                      <a:r>
+                        <a:rPr lang="en-US" altLang="zh-TW" sz="2000" spc="300" dirty="0"/>
+                        <a:t>4 4 4 3 0 3 4 4</a:t>
+                      </a:r>
+                    </a:p>
+                    <a:p>
+                      <a:pPr algn="ctr"/>
+                      <a:r>
+                        <a:rPr lang="en-US" altLang="zh-TW" sz="2000" spc="300" dirty="0"/>
+                        <a:t>4 4 4 3 3 3 4 4</a:t>
+                      </a:r>
+                    </a:p>
+                  </a:txBody>
+                  <a:tcPr/>
+                </a:tc>
+                <a:extLst>
+                  <a:ext uri="{0D108BD9-81ED-4DB2-BD59-A6C34878D82A}">
+                    <a16:rowId xmlns:a16="http://schemas.microsoft.com/office/drawing/2014/main" val="1385531660"/>
+                  </a:ext>
+                </a:extLst>
+              </a:tr>
+            </a:tbl>
+          </a:graphicData>
+        </a:graphic>
+      </p:graphicFrame>
+      <p:pic>
+        <p:nvPicPr>
+          <p:cNvPr id="7" name="圖片 6">
+            <a:extLst>
+              <a:ext uri="{FF2B5EF4-FFF2-40B4-BE49-F238E27FC236}">
+                <a16:creationId xmlns:a16="http://schemas.microsoft.com/office/drawing/2014/main" id="{7A2F66F7-C955-4F7D-846A-317D26E76F5E}"/>
+              </a:ext>
+            </a:extLst>
+          </p:cNvPr>
+          <p:cNvPicPr>
+            <a:picLocks noChangeAspect="1"/>
+          </p:cNvPicPr>
+          <p:nvPr/>
+        </p:nvPicPr>
+        <p:blipFill rotWithShape="1">
+          <a:blip r:embed="rId2"/>
+          <a:srcRect l="46738" t="52787" r="27347" b="2316"/>
+          <a:stretch/>
+        </p:blipFill>
+        <p:spPr>
+          <a:xfrm>
+            <a:off x="5259650" y="1969514"/>
+            <a:ext cx="2659408" cy="2590331"/>
+          </a:xfrm>
+          <a:prstGeom prst="rect">
+            <a:avLst/>
+          </a:prstGeom>
+          <a:solidFill>
+            <a:srgbClr val="FFFFFF">
+              <a:shade val="85000"/>
+            </a:srgbClr>
+          </a:solidFill>
+          <a:ln w="190500" cap="rnd">
+            <a:solidFill>
+              <a:srgbClr val="FFFFFF"/>
+            </a:solidFill>
+          </a:ln>
+          <a:effectLst>
+            <a:outerShdw blurRad="50000" algn="tl" rotWithShape="0">
+              <a:srgbClr val="000000">
+                <a:alpha val="41000"/>
+              </a:srgbClr>
+            </a:outerShdw>
+          </a:effectLst>
+          <a:scene3d>
+            <a:camera prst="orthographicFront"/>
+            <a:lightRig rig="twoPt" dir="t">
+              <a:rot lat="0" lon="0" rev="7800000"/>
+            </a:lightRig>
+          </a:scene3d>
+          <a:sp3d contourW="6350">
+            <a:bevelT w="50800" h="16510"/>
+            <a:contourClr>
+              <a:srgbClr val="C0C0C0"/>
+            </a:contourClr>
+          </a:sp3d>
+        </p:spPr>
+      </p:pic>
+    </p:spTree>
+    <p:extLst>
+      <p:ext uri="{BB962C8B-B14F-4D97-AF65-F5344CB8AC3E}">
+        <p14:creationId xmlns:p14="http://schemas.microsoft.com/office/powerpoint/2010/main" val="3571481482"/>
+      </p:ext>
+    </p:extLst>
+  </p:cSld>
+  <p:clrMapOvr>
+    <a:masterClrMapping/>
+  </p:clrMapOvr>
+</p:sld>
+</file>
+
+<file path=ppt/slides/slide7.xml><?xml version="1.0" encoding="utf-8"?>
+<p:sld xmlns:a="http://schemas.openxmlformats.org/drawingml/2006/main" xmlns:r="http://schemas.openxmlformats.org/officeDocument/2006/relationships" xmlns:p="http://schemas.openxmlformats.org/presentationml/2006/main">
+  <p:cSld>
+    <p:spTree>
+      <p:nvGrpSpPr>
+        <p:cNvPr id="1" name=""/>
+        <p:cNvGrpSpPr/>
+        <p:nvPr/>
+      </p:nvGrpSpPr>
+      <p:grpSpPr>
+        <a:xfrm>
+          <a:off x="0" y="0"/>
+          <a:ext cx="0" cy="0"/>
+          <a:chOff x="0" y="0"/>
+          <a:chExt cx="0" cy="0"/>
+        </a:xfrm>
+      </p:grpSpPr>
+      <p:sp>
+        <p:nvSpPr>
+          <p:cNvPr id="2" name="標題 1">
+            <a:extLst>
+              <a:ext uri="{FF2B5EF4-FFF2-40B4-BE49-F238E27FC236}">
+                <a16:creationId xmlns:a16="http://schemas.microsoft.com/office/drawing/2014/main" id="{AE251506-A562-43A0-AB52-1FD87BB34FEC}"/>
+              </a:ext>
+            </a:extLst>
+          </p:cNvPr>
+          <p:cNvSpPr>
+            <a:spLocks noGrp="1"/>
+          </p:cNvSpPr>
+          <p:nvPr>
+            <p:ph type="title"/>
+          </p:nvPr>
+        </p:nvSpPr>
+        <p:spPr/>
+        <p:txBody>
+          <a:bodyPr/>
+          <a:lstStyle/>
+          <a:p>
+            <a:r>
+              <a:rPr lang="zh-TW" altLang="en-US" dirty="0"/>
+              <a:t>簡介製作過程</a:t>
+            </a:r>
+          </a:p>
+        </p:txBody>
+      </p:sp>
+      <p:sp>
+        <p:nvSpPr>
+          <p:cNvPr id="5" name="投影片編號版面配置區 4">
+            <a:extLst>
+              <a:ext uri="{FF2B5EF4-FFF2-40B4-BE49-F238E27FC236}">
+                <a16:creationId xmlns:a16="http://schemas.microsoft.com/office/drawing/2014/main" id="{8F7F80B7-3A55-4283-913D-CB9BEA671AA3}"/>
+              </a:ext>
+            </a:extLst>
+          </p:cNvPr>
+          <p:cNvSpPr>
+            <a:spLocks noGrp="1"/>
+          </p:cNvSpPr>
+          <p:nvPr>
+            <p:ph type="sldNum" idx="12"/>
+          </p:nvPr>
+        </p:nvSpPr>
+        <p:spPr/>
+        <p:txBody>
+          <a:bodyPr/>
+          <a:lstStyle/>
+          <a:p>
+            <a:pPr marL="0" lvl="0" indent="0" algn="r" rtl="0">
+              <a:spcBef>
+                <a:spcPts val="0"/>
+              </a:spcBef>
+              <a:spcAft>
+                <a:spcPts val="0"/>
+              </a:spcAft>
+              <a:buNone/>
+            </a:pPr>
+            <a:fld id="{00000000-1234-1234-1234-123412341234}" type="slidenum">
+              <a:rPr lang="en" smtClean="0"/>
+              <a:t>7</a:t>
+            </a:fld>
+            <a:endParaRPr lang="en"/>
+          </a:p>
+        </p:txBody>
+      </p:sp>
+      <p:graphicFrame>
+        <p:nvGraphicFramePr>
+          <p:cNvPr id="7" name="表格 6">
+            <a:extLst>
+              <a:ext uri="{FF2B5EF4-FFF2-40B4-BE49-F238E27FC236}">
+                <a16:creationId xmlns:a16="http://schemas.microsoft.com/office/drawing/2014/main" id="{FFE28590-95EC-44AD-9BF8-CEC822048AF1}"/>
+              </a:ext>
+            </a:extLst>
+          </p:cNvPr>
+          <p:cNvGraphicFramePr>
+            <a:graphicFrameLocks noGrp="1"/>
+          </p:cNvGraphicFramePr>
+          <p:nvPr>
+            <p:extLst>
+              <p:ext uri="{D42A27DB-BD31-4B8C-83A1-F6EECF244321}">
+                <p14:modId xmlns:p14="http://schemas.microsoft.com/office/powerpoint/2010/main" val="2131279387"/>
+              </p:ext>
+            </p:extLst>
+          </p:nvPr>
+        </p:nvGraphicFramePr>
+        <p:xfrm>
+          <a:off x="1405962" y="1838719"/>
+          <a:ext cx="3166038" cy="2834640"/>
+        </p:xfrm>
+        <a:graphic>
+          <a:graphicData uri="http://schemas.openxmlformats.org/drawingml/2006/table">
+            <a:tbl>
+              <a:tblPr firstRow="1" bandRow="1">
+                <a:tableStyleId>{DE897CE7-4FA2-472E-B211-B6D4C5D2A7F1}</a:tableStyleId>
+              </a:tblPr>
+              <a:tblGrid>
+                <a:gridCol w="3166038">
+                  <a:extLst>
+                    <a:ext uri="{9D8B030D-6E8A-4147-A177-3AD203B41FA5}">
+                      <a16:colId xmlns:a16="http://schemas.microsoft.com/office/drawing/2014/main" val="4219791847"/>
+                    </a:ext>
+                  </a:extLst>
+                </a:gridCol>
+              </a:tblGrid>
+              <a:tr h="370840">
+                <a:tc>
+                  <a:txBody>
+                    <a:bodyPr/>
+                    <a:lstStyle/>
+                    <a:p>
+                      <a:pPr algn="ctr"/>
+                      <a:r>
+                        <a:rPr lang="en-US" altLang="zh-TW" sz="2000" spc="300" dirty="0"/>
+                        <a:t>3 3 3 3 3 4 4 4 4</a:t>
+                      </a:r>
+                    </a:p>
+                    <a:p>
+                      <a:pPr algn="ctr"/>
+                      <a:r>
+                        <a:rPr lang="en-US" altLang="zh-TW" sz="2000" spc="300" dirty="0"/>
+                        <a:t>3 1 0 0 3 4 4 4 4</a:t>
+                      </a:r>
+                    </a:p>
+                    <a:p>
+                      <a:pPr algn="ctr"/>
+                      <a:r>
+                        <a:rPr lang="en-US" altLang="zh-TW" sz="2000" spc="300" dirty="0"/>
+                        <a:t>3 0 2 2 3 4 3 3 3</a:t>
+                      </a:r>
+                    </a:p>
+                    <a:p>
+                      <a:pPr algn="ctr"/>
+                      <a:r>
+                        <a:rPr lang="en-US" altLang="zh-TW" sz="2000" spc="300" dirty="0"/>
+                        <a:t>3 0 2 0 3 4 3 0 3</a:t>
+                      </a:r>
+                    </a:p>
+                    <a:p>
+                      <a:pPr algn="ctr"/>
+                      <a:r>
+                        <a:rPr lang="en-US" altLang="zh-TW" sz="2000" spc="300" dirty="0"/>
+                        <a:t>3 3 3 0 3 3 3 0 3</a:t>
+                      </a:r>
+                    </a:p>
+                    <a:p>
+                      <a:pPr algn="ctr"/>
+                      <a:r>
+                        <a:rPr lang="en-US" altLang="zh-TW" sz="2000" spc="300" dirty="0"/>
+                        <a:t>4 3 3 0 0 0 0 0 3</a:t>
+                      </a:r>
+                    </a:p>
+                    <a:p>
+                      <a:pPr algn="ctr"/>
+                      <a:r>
+                        <a:rPr lang="en-US" altLang="zh-TW" sz="2000" spc="300" dirty="0"/>
+                        <a:t>4 3 0 0 0 3 0 0 3</a:t>
+                      </a:r>
+                    </a:p>
+                    <a:p>
+                      <a:pPr algn="ctr"/>
+                      <a:r>
+                        <a:rPr lang="en-US" altLang="zh-TW" sz="2000" spc="300" dirty="0"/>
+                        <a:t>4 3 0 0 0 3 3 3 3</a:t>
+                      </a:r>
+                    </a:p>
+                    <a:p>
+                      <a:pPr algn="ctr"/>
+                      <a:r>
+                        <a:rPr lang="en-US" altLang="zh-TW" sz="2000" spc="300" dirty="0"/>
+                        <a:t>4 3 3 3 3 3 4 4 4</a:t>
+                      </a:r>
+                    </a:p>
+                  </a:txBody>
+                  <a:tcPr/>
+                </a:tc>
+                <a:extLst>
+                  <a:ext uri="{0D108BD9-81ED-4DB2-BD59-A6C34878D82A}">
+                    <a16:rowId xmlns:a16="http://schemas.microsoft.com/office/drawing/2014/main" val="1385531660"/>
+                  </a:ext>
+                </a:extLst>
+              </a:tr>
+            </a:tbl>
+          </a:graphicData>
+        </a:graphic>
+      </p:graphicFrame>
+      <p:pic>
+        <p:nvPicPr>
+          <p:cNvPr id="8" name="圖片 7">
+            <a:extLst>
+              <a:ext uri="{FF2B5EF4-FFF2-40B4-BE49-F238E27FC236}">
+                <a16:creationId xmlns:a16="http://schemas.microsoft.com/office/drawing/2014/main" id="{11A22CFC-21C3-43D7-8BB8-8E02D3B2B632}"/>
+              </a:ext>
+            </a:extLst>
+          </p:cNvPr>
+          <p:cNvPicPr>
+            <a:picLocks noChangeAspect="1"/>
+          </p:cNvPicPr>
+          <p:nvPr/>
+        </p:nvPicPr>
+        <p:blipFill>
+          <a:blip r:embed="rId2"/>
+          <a:stretch>
+            <a:fillRect/>
+          </a:stretch>
+        </p:blipFill>
+        <p:spPr>
+          <a:xfrm>
+            <a:off x="5370169" y="1739951"/>
+            <a:ext cx="3000375" cy="3009900"/>
+          </a:xfrm>
+          <a:prstGeom prst="rect">
+            <a:avLst/>
+          </a:prstGeom>
+          <a:solidFill>
+            <a:srgbClr val="FFFFFF">
+              <a:shade val="85000"/>
+            </a:srgbClr>
+          </a:solidFill>
+          <a:ln w="190500" cap="rnd">
+            <a:solidFill>
+              <a:srgbClr val="FFFFFF"/>
+            </a:solidFill>
+          </a:ln>
+          <a:effectLst>
+            <a:outerShdw blurRad="50000" algn="tl" rotWithShape="0">
+              <a:srgbClr val="000000">
+                <a:alpha val="41000"/>
+              </a:srgbClr>
+            </a:outerShdw>
+          </a:effectLst>
+          <a:scene3d>
+            <a:camera prst="orthographicFront"/>
+            <a:lightRig rig="twoPt" dir="t">
+              <a:rot lat="0" lon="0" rev="7800000"/>
+            </a:lightRig>
+          </a:scene3d>
+          <a:sp3d contourW="6350">
+            <a:bevelT w="50800" h="16510"/>
+            <a:contourClr>
+              <a:srgbClr val="C0C0C0"/>
+            </a:contourClr>
+          </a:sp3d>
+        </p:spPr>
+      </p:pic>
+    </p:spTree>
+    <p:extLst>
+      <p:ext uri="{BB962C8B-B14F-4D97-AF65-F5344CB8AC3E}">
+        <p14:creationId xmlns:p14="http://schemas.microsoft.com/office/powerpoint/2010/main" val="3989616831"/>
+      </p:ext>
+    </p:extLst>
+  </p:cSld>
+  <p:clrMapOvr>
+    <a:masterClrMapping/>
+  </p:clrMapOvr>
+</p:sld>
+</file>
+
+<file path=ppt/slides/slide8.xml><?xml version="1.0" encoding="utf-8"?>
+<p:sld xmlns:a="http://schemas.openxmlformats.org/drawingml/2006/main" xmlns:r="http://schemas.openxmlformats.org/officeDocument/2006/relationships" xmlns:p="http://schemas.openxmlformats.org/presentationml/2006/main">
+  <p:cSld>
+    <p:spTree>
+      <p:nvGrpSpPr>
+        <p:cNvPr id="1" name=""/>
+        <p:cNvGrpSpPr/>
+        <p:nvPr/>
+      </p:nvGrpSpPr>
+      <p:grpSpPr>
+        <a:xfrm>
+          <a:off x="0" y="0"/>
+          <a:ext cx="0" cy="0"/>
+          <a:chOff x="0" y="0"/>
+          <a:chExt cx="0" cy="0"/>
+        </a:xfrm>
+      </p:grpSpPr>
+      <p:sp>
+        <p:nvSpPr>
+          <p:cNvPr id="2" name="標題 1">
+            <a:extLst>
+              <a:ext uri="{FF2B5EF4-FFF2-40B4-BE49-F238E27FC236}">
+                <a16:creationId xmlns:a16="http://schemas.microsoft.com/office/drawing/2014/main" id="{7CDB171E-65B3-498F-ADB5-52460AFF14DF}"/>
+              </a:ext>
+            </a:extLst>
+          </p:cNvPr>
+          <p:cNvSpPr>
+            <a:spLocks noGrp="1"/>
+          </p:cNvSpPr>
+          <p:nvPr>
+            <p:ph type="title"/>
+          </p:nvPr>
+        </p:nvSpPr>
+        <p:spPr/>
+        <p:txBody>
+          <a:bodyPr/>
+          <a:lstStyle/>
+          <a:p>
+            <a:r>
+              <a:rPr lang="zh-TW" altLang="en-US" dirty="0"/>
+              <a:t>簡介製作過程</a:t>
+            </a:r>
+          </a:p>
+        </p:txBody>
+      </p:sp>
+      <p:sp>
+        <p:nvSpPr>
+          <p:cNvPr id="5" name="投影片編號版面配置區 4">
+            <a:extLst>
+              <a:ext uri="{FF2B5EF4-FFF2-40B4-BE49-F238E27FC236}">
+                <a16:creationId xmlns:a16="http://schemas.microsoft.com/office/drawing/2014/main" id="{565319AF-75E2-4832-A374-6EF432B2A8BB}"/>
+              </a:ext>
+            </a:extLst>
+          </p:cNvPr>
+          <p:cNvSpPr>
+            <a:spLocks noGrp="1"/>
+          </p:cNvSpPr>
+          <p:nvPr>
+            <p:ph type="sldNum" idx="12"/>
+          </p:nvPr>
+        </p:nvSpPr>
+        <p:spPr/>
+        <p:txBody>
+          <a:bodyPr/>
+          <a:lstStyle/>
+          <a:p>
+            <a:pPr marL="0" lvl="0" indent="0" algn="r" rtl="0">
+              <a:spcBef>
+                <a:spcPts val="0"/>
+              </a:spcBef>
+              <a:spcAft>
+                <a:spcPts val="0"/>
+              </a:spcAft>
+              <a:buNone/>
+            </a:pPr>
+            <a:fld id="{00000000-1234-1234-1234-123412341234}" type="slidenum">
+              <a:rPr lang="en" smtClean="0"/>
+              <a:t>8</a:t>
+            </a:fld>
+            <a:endParaRPr lang="en"/>
+          </a:p>
+        </p:txBody>
+      </p:sp>
+      <p:graphicFrame>
+        <p:nvGraphicFramePr>
+          <p:cNvPr id="6" name="表格 5">
+            <a:extLst>
+              <a:ext uri="{FF2B5EF4-FFF2-40B4-BE49-F238E27FC236}">
+                <a16:creationId xmlns:a16="http://schemas.microsoft.com/office/drawing/2014/main" id="{E79D300A-E2B3-4696-948D-9E83FC8D9AF3}"/>
+              </a:ext>
+            </a:extLst>
+          </p:cNvPr>
+          <p:cNvGraphicFramePr>
+            <a:graphicFrameLocks noGrp="1"/>
+          </p:cNvGraphicFramePr>
+          <p:nvPr>
+            <p:extLst>
+              <p:ext uri="{D42A27DB-BD31-4B8C-83A1-F6EECF244321}">
+                <p14:modId xmlns:p14="http://schemas.microsoft.com/office/powerpoint/2010/main" val="794652253"/>
+              </p:ext>
+            </p:extLst>
+          </p:nvPr>
+        </p:nvGraphicFramePr>
+        <p:xfrm>
+          <a:off x="912094" y="2121679"/>
+          <a:ext cx="3878400" cy="2225040"/>
+        </p:xfrm>
+        <a:graphic>
+          <a:graphicData uri="http://schemas.openxmlformats.org/drawingml/2006/table">
+            <a:tbl>
+              <a:tblPr firstRow="1" bandRow="1">
+                <a:tableStyleId>{DE897CE7-4FA2-472E-B211-B6D4C5D2A7F1}</a:tableStyleId>
+              </a:tblPr>
+              <a:tblGrid>
+                <a:gridCol w="3878400">
+                  <a:extLst>
+                    <a:ext uri="{9D8B030D-6E8A-4147-A177-3AD203B41FA5}">
+                      <a16:colId xmlns:a16="http://schemas.microsoft.com/office/drawing/2014/main" val="4219791847"/>
+                    </a:ext>
+                  </a:extLst>
+                </a:gridCol>
+              </a:tblGrid>
+              <a:tr h="370840">
+                <a:tc>
+                  <a:txBody>
+                    <a:bodyPr/>
+                    <a:lstStyle/>
+                    <a:p>
+                      <a:pPr algn="ctr"/>
+                      <a:r>
+                        <a:rPr lang="en-US" altLang="zh-TW" sz="2000" spc="300" dirty="0"/>
+                        <a:t>4 3 3 3 3 3 3 3 3 4 4</a:t>
+                      </a:r>
+                    </a:p>
+                    <a:p>
+                      <a:pPr algn="ctr"/>
+                      <a:r>
+                        <a:rPr lang="en-US" altLang="zh-TW" sz="2000" spc="300" dirty="0"/>
+                        <a:t>4 3 0 0 0 0 0 0 3 3 3</a:t>
+                      </a:r>
+                    </a:p>
+                    <a:p>
+                      <a:pPr algn="ctr"/>
+                      <a:r>
+                        <a:rPr lang="en-US" altLang="zh-TW" sz="2000" spc="300" dirty="0"/>
+                        <a:t>3 3 2 3 3 3 3 0 0 0 3</a:t>
+                      </a:r>
+                    </a:p>
+                    <a:p>
+                      <a:pPr algn="ctr"/>
+                      <a:r>
+                        <a:rPr lang="en-US" altLang="zh-TW" sz="2000" spc="300" dirty="0"/>
+                        <a:t>3 0 1 0 2 0 0 0 2 0 3</a:t>
+                      </a:r>
+                    </a:p>
+                    <a:p>
+                      <a:pPr algn="ctr"/>
+                      <a:r>
+                        <a:rPr lang="en-US" altLang="zh-TW" sz="2000" spc="300" dirty="0"/>
+                        <a:t>3 0 0 0 3 0 0 2 0 3 3</a:t>
+                      </a:r>
+                    </a:p>
+                    <a:p>
+                      <a:pPr algn="ctr"/>
+                      <a:r>
+                        <a:rPr lang="en-US" altLang="zh-TW" sz="2000" spc="300" dirty="0"/>
+                        <a:t>3 3 0 0 3 0 0 0 0 3 4</a:t>
+                      </a:r>
+                    </a:p>
+                    <a:p>
+                      <a:pPr algn="ctr"/>
+                      <a:r>
+                        <a:rPr lang="en-US" altLang="zh-TW" sz="2000" spc="300" dirty="0"/>
+                        <a:t>4 3 3 3 3 3 3 3 3 3 4</a:t>
+                      </a:r>
+                    </a:p>
+                  </a:txBody>
+                  <a:tcPr/>
+                </a:tc>
+                <a:extLst>
+                  <a:ext uri="{0D108BD9-81ED-4DB2-BD59-A6C34878D82A}">
+                    <a16:rowId xmlns:a16="http://schemas.microsoft.com/office/drawing/2014/main" val="1385531660"/>
+                  </a:ext>
+                </a:extLst>
+              </a:tr>
+            </a:tbl>
+          </a:graphicData>
+        </a:graphic>
+      </p:graphicFrame>
+      <p:pic>
+        <p:nvPicPr>
+          <p:cNvPr id="9" name="圖片 8">
+            <a:extLst>
+              <a:ext uri="{FF2B5EF4-FFF2-40B4-BE49-F238E27FC236}">
+                <a16:creationId xmlns:a16="http://schemas.microsoft.com/office/drawing/2014/main" id="{078BFE4C-8B86-4DC4-8842-F713090D8ECB}"/>
+              </a:ext>
+            </a:extLst>
+          </p:cNvPr>
+          <p:cNvPicPr>
+            <a:picLocks noChangeAspect="1"/>
+          </p:cNvPicPr>
+          <p:nvPr/>
+        </p:nvPicPr>
+        <p:blipFill>
+          <a:blip r:embed="rId2"/>
+          <a:stretch>
+            <a:fillRect/>
+          </a:stretch>
+        </p:blipFill>
+        <p:spPr>
+          <a:xfrm>
+            <a:off x="5131402" y="2057862"/>
+            <a:ext cx="3686175" cy="2352675"/>
+          </a:xfrm>
+          <a:prstGeom prst="rect">
+            <a:avLst/>
+          </a:prstGeom>
+          <a:solidFill>
+            <a:srgbClr val="FFFFFF">
+              <a:shade val="85000"/>
+            </a:srgbClr>
+          </a:solidFill>
+          <a:ln w="190500" cap="rnd">
+            <a:solidFill>
+              <a:srgbClr val="FFFFFF"/>
+            </a:solidFill>
+          </a:ln>
+          <a:effectLst>
+            <a:outerShdw blurRad="50000" algn="tl" rotWithShape="0">
+              <a:srgbClr val="000000">
+                <a:alpha val="41000"/>
+              </a:srgbClr>
+            </a:outerShdw>
+          </a:effectLst>
+          <a:scene3d>
+            <a:camera prst="orthographicFront"/>
+            <a:lightRig rig="twoPt" dir="t">
+              <a:rot lat="0" lon="0" rev="7800000"/>
+            </a:lightRig>
+          </a:scene3d>
+          <a:sp3d contourW="6350">
+            <a:bevelT w="50800" h="16510"/>
+            <a:contourClr>
+              <a:srgbClr val="C0C0C0"/>
+            </a:contourClr>
+          </a:sp3d>
+        </p:spPr>
+      </p:pic>
+    </p:spTree>
+    <p:extLst>
+      <p:ext uri="{BB962C8B-B14F-4D97-AF65-F5344CB8AC3E}">
+        <p14:creationId xmlns:p14="http://schemas.microsoft.com/office/powerpoint/2010/main" val="1216699629"/>
+      </p:ext>
+    </p:extLst>
+  </p:cSld>
+  <p:clrMapOvr>
+    <a:masterClrMapping/>
+  </p:clrMapOvr>
+</p:sld>
+</file>
+
+<file path=ppt/slides/slide9.xml><?xml version="1.0" encoding="utf-8"?>
 <p:sld xmlns:a="http://schemas.openxmlformats.org/drawingml/2006/main" xmlns:r="http://schemas.openxmlformats.org/officeDocument/2006/relationships" xmlns:p="http://schemas.openxmlformats.org/presentationml/2006/main">
   <p:cSld>
     <p:spTree>
@@ -6233,1633 +12633,7 @@
             </a:pPr>
             <a:fld id="{00000000-1234-1234-1234-123412341234}" type="slidenum">
               <a:rPr lang="en"/>
-              <a:t>4</a:t>
-            </a:fld>
-            <a:endParaRPr/>
-          </a:p>
-        </p:txBody>
-      </p:sp>
-      <p:sp>
-        <p:nvSpPr>
-          <p:cNvPr id="2" name="標題 1"/>
-          <p:cNvSpPr>
-            <a:spLocks noGrp="1"/>
-          </p:cNvSpPr>
-          <p:nvPr>
-            <p:ph type="title"/>
-          </p:nvPr>
-        </p:nvSpPr>
-        <p:spPr/>
-        <p:txBody>
-          <a:bodyPr/>
-          <a:lstStyle/>
-          <a:p>
-            <a:r>
-              <a:rPr lang="en-US" altLang="zh-TW" dirty="0" smtClean="0"/>
-              <a:t>Challenge</a:t>
-            </a:r>
-            <a:endParaRPr lang="zh-TW" altLang="en-US" dirty="0"/>
-          </a:p>
-        </p:txBody>
-      </p:sp>
-      <p:sp>
-        <p:nvSpPr>
-          <p:cNvPr id="11" name="Google Shape;125;p17"/>
-          <p:cNvSpPr txBox="1">
-            <a:spLocks/>
-          </p:cNvSpPr>
-          <p:nvPr/>
-        </p:nvSpPr>
-        <p:spPr>
-          <a:xfrm>
-            <a:off x="916458" y="1635687"/>
-            <a:ext cx="3340232" cy="2944859"/>
-          </a:xfrm>
-          <a:prstGeom prst="rect">
-            <a:avLst/>
-          </a:prstGeom>
-          <a:noFill/>
-          <a:ln>
-            <a:noFill/>
-          </a:ln>
-        </p:spPr>
-        <p:txBody>
-          <a:bodyPr spcFirstLastPara="1" wrap="square" lIns="91425" tIns="91425" rIns="91425" bIns="91425" anchor="t" anchorCtr="0">
-            <a:noAutofit/>
-          </a:bodyPr>
-          <a:lstStyle>
-            <a:defPPr marR="0" lvl="0" algn="l" rtl="0">
-              <a:lnSpc>
-                <a:spcPct val="100000"/>
-              </a:lnSpc>
-              <a:spcBef>
-                <a:spcPts val="0"/>
-              </a:spcBef>
-              <a:spcAft>
-                <a:spcPts val="0"/>
-              </a:spcAft>
-            </a:defPPr>
-            <a:lvl1pPr marL="457200" marR="0" lvl="0" indent="-381000" algn="l" rtl="0">
-              <a:lnSpc>
-                <a:spcPct val="100000"/>
-              </a:lnSpc>
-              <a:spcBef>
-                <a:spcPts val="600"/>
-              </a:spcBef>
-              <a:spcAft>
-                <a:spcPts val="0"/>
-              </a:spcAft>
-              <a:buClr>
-                <a:srgbClr val="FFCD00"/>
-              </a:buClr>
-              <a:buSzPts val="2400"/>
-              <a:buFont typeface="Quattrocento Sans"/>
-              <a:buChar char="◉"/>
-              <a:defRPr sz="2400" b="0" i="0" u="none" strike="noStrike" cap="none">
-                <a:solidFill>
-                  <a:srgbClr val="000000"/>
-                </a:solidFill>
-                <a:latin typeface="Quattrocento Sans"/>
-                <a:ea typeface="Quattrocento Sans"/>
-                <a:cs typeface="Quattrocento Sans"/>
-                <a:sym typeface="Quattrocento Sans"/>
-              </a:defRPr>
-            </a:lvl1pPr>
-            <a:lvl2pPr marL="914400" marR="0" lvl="1" indent="-355600" algn="l" rtl="0">
-              <a:lnSpc>
-                <a:spcPct val="100000"/>
-              </a:lnSpc>
-              <a:spcBef>
-                <a:spcPts val="0"/>
-              </a:spcBef>
-              <a:spcAft>
-                <a:spcPts val="0"/>
-              </a:spcAft>
-              <a:buClr>
-                <a:srgbClr val="FFCD00"/>
-              </a:buClr>
-              <a:buSzPts val="2000"/>
-              <a:buFont typeface="Quattrocento Sans"/>
-              <a:buChar char="○"/>
-              <a:defRPr sz="2000" b="0" i="0" u="none" strike="noStrike" cap="none">
-                <a:solidFill>
-                  <a:srgbClr val="000000"/>
-                </a:solidFill>
-                <a:latin typeface="Quattrocento Sans"/>
-                <a:ea typeface="Quattrocento Sans"/>
-                <a:cs typeface="Quattrocento Sans"/>
-                <a:sym typeface="Quattrocento Sans"/>
-              </a:defRPr>
-            </a:lvl2pPr>
-            <a:lvl3pPr marL="1371600" marR="0" lvl="2" indent="-355600" algn="l" rtl="0">
-              <a:lnSpc>
-                <a:spcPct val="100000"/>
-              </a:lnSpc>
-              <a:spcBef>
-                <a:spcPts val="0"/>
-              </a:spcBef>
-              <a:spcAft>
-                <a:spcPts val="0"/>
-              </a:spcAft>
-              <a:buClr>
-                <a:srgbClr val="FFCD00"/>
-              </a:buClr>
-              <a:buSzPts val="2000"/>
-              <a:buFont typeface="Quattrocento Sans"/>
-              <a:buChar char="■"/>
-              <a:defRPr sz="2000" b="0" i="0" u="none" strike="noStrike" cap="none">
-                <a:solidFill>
-                  <a:srgbClr val="000000"/>
-                </a:solidFill>
-                <a:latin typeface="Quattrocento Sans"/>
-                <a:ea typeface="Quattrocento Sans"/>
-                <a:cs typeface="Quattrocento Sans"/>
-                <a:sym typeface="Quattrocento Sans"/>
-              </a:defRPr>
-            </a:lvl3pPr>
-            <a:lvl4pPr marL="1828800" marR="0" lvl="3" indent="-342900" algn="l" rtl="0">
-              <a:lnSpc>
-                <a:spcPct val="100000"/>
-              </a:lnSpc>
-              <a:spcBef>
-                <a:spcPts val="0"/>
-              </a:spcBef>
-              <a:spcAft>
-                <a:spcPts val="0"/>
-              </a:spcAft>
-              <a:buClr>
-                <a:srgbClr val="FFCD00"/>
-              </a:buClr>
-              <a:buSzPts val="1800"/>
-              <a:buFont typeface="Quattrocento Sans"/>
-              <a:buChar char="●"/>
-              <a:defRPr sz="1800" b="0" i="0" u="none" strike="noStrike" cap="none">
-                <a:solidFill>
-                  <a:srgbClr val="000000"/>
-                </a:solidFill>
-                <a:latin typeface="Quattrocento Sans"/>
-                <a:ea typeface="Quattrocento Sans"/>
-                <a:cs typeface="Quattrocento Sans"/>
-                <a:sym typeface="Quattrocento Sans"/>
-              </a:defRPr>
-            </a:lvl4pPr>
-            <a:lvl5pPr marL="2286000" marR="0" lvl="4" indent="-342900" algn="l" rtl="0">
-              <a:lnSpc>
-                <a:spcPct val="100000"/>
-              </a:lnSpc>
-              <a:spcBef>
-                <a:spcPts val="0"/>
-              </a:spcBef>
-              <a:spcAft>
-                <a:spcPts val="0"/>
-              </a:spcAft>
-              <a:buClr>
-                <a:srgbClr val="FFCD00"/>
-              </a:buClr>
-              <a:buSzPts val="1800"/>
-              <a:buFont typeface="Quattrocento Sans"/>
-              <a:buChar char="○"/>
-              <a:defRPr sz="1800" b="0" i="0" u="none" strike="noStrike" cap="none">
-                <a:solidFill>
-                  <a:srgbClr val="000000"/>
-                </a:solidFill>
-                <a:latin typeface="Quattrocento Sans"/>
-                <a:ea typeface="Quattrocento Sans"/>
-                <a:cs typeface="Quattrocento Sans"/>
-                <a:sym typeface="Quattrocento Sans"/>
-              </a:defRPr>
-            </a:lvl5pPr>
-            <a:lvl6pPr marL="2743200" marR="0" lvl="5" indent="-342900" algn="l" rtl="0">
-              <a:lnSpc>
-                <a:spcPct val="100000"/>
-              </a:lnSpc>
-              <a:spcBef>
-                <a:spcPts val="0"/>
-              </a:spcBef>
-              <a:spcAft>
-                <a:spcPts val="0"/>
-              </a:spcAft>
-              <a:buClr>
-                <a:srgbClr val="FFCD00"/>
-              </a:buClr>
-              <a:buSzPts val="1800"/>
-              <a:buFont typeface="Quattrocento Sans"/>
-              <a:buChar char="■"/>
-              <a:defRPr sz="1800" b="0" i="0" u="none" strike="noStrike" cap="none">
-                <a:solidFill>
-                  <a:srgbClr val="000000"/>
-                </a:solidFill>
-                <a:latin typeface="Quattrocento Sans"/>
-                <a:ea typeface="Quattrocento Sans"/>
-                <a:cs typeface="Quattrocento Sans"/>
-                <a:sym typeface="Quattrocento Sans"/>
-              </a:defRPr>
-            </a:lvl6pPr>
-            <a:lvl7pPr marL="3200400" marR="0" lvl="6" indent="-342900" algn="l" rtl="0">
-              <a:lnSpc>
-                <a:spcPct val="100000"/>
-              </a:lnSpc>
-              <a:spcBef>
-                <a:spcPts val="0"/>
-              </a:spcBef>
-              <a:spcAft>
-                <a:spcPts val="0"/>
-              </a:spcAft>
-              <a:buClr>
-                <a:srgbClr val="FFCD00"/>
-              </a:buClr>
-              <a:buSzPts val="1800"/>
-              <a:buFont typeface="Quattrocento Sans"/>
-              <a:buChar char="●"/>
-              <a:defRPr sz="1800" b="0" i="0" u="none" strike="noStrike" cap="none">
-                <a:solidFill>
-                  <a:srgbClr val="000000"/>
-                </a:solidFill>
-                <a:latin typeface="Quattrocento Sans"/>
-                <a:ea typeface="Quattrocento Sans"/>
-                <a:cs typeface="Quattrocento Sans"/>
-                <a:sym typeface="Quattrocento Sans"/>
-              </a:defRPr>
-            </a:lvl7pPr>
-            <a:lvl8pPr marL="3657600" marR="0" lvl="7" indent="-342900" algn="l" rtl="0">
-              <a:lnSpc>
-                <a:spcPct val="100000"/>
-              </a:lnSpc>
-              <a:spcBef>
-                <a:spcPts val="0"/>
-              </a:spcBef>
-              <a:spcAft>
-                <a:spcPts val="0"/>
-              </a:spcAft>
-              <a:buClr>
-                <a:srgbClr val="FFCD00"/>
-              </a:buClr>
-              <a:buSzPts val="1800"/>
-              <a:buFont typeface="Quattrocento Sans"/>
-              <a:buChar char="○"/>
-              <a:defRPr sz="1800" b="0" i="0" u="none" strike="noStrike" cap="none">
-                <a:solidFill>
-                  <a:srgbClr val="000000"/>
-                </a:solidFill>
-                <a:latin typeface="Quattrocento Sans"/>
-                <a:ea typeface="Quattrocento Sans"/>
-                <a:cs typeface="Quattrocento Sans"/>
-                <a:sym typeface="Quattrocento Sans"/>
-              </a:defRPr>
-            </a:lvl8pPr>
-            <a:lvl9pPr marL="4114800" marR="0" lvl="8" indent="-342900" algn="l" rtl="0">
-              <a:lnSpc>
-                <a:spcPct val="100000"/>
-              </a:lnSpc>
-              <a:spcBef>
-                <a:spcPts val="0"/>
-              </a:spcBef>
-              <a:spcAft>
-                <a:spcPts val="0"/>
-              </a:spcAft>
-              <a:buClr>
-                <a:srgbClr val="FFCD00"/>
-              </a:buClr>
-              <a:buSzPts val="1800"/>
-              <a:buFont typeface="Quattrocento Sans"/>
-              <a:buChar char="■"/>
-              <a:defRPr sz="1800" b="0" i="0" u="none" strike="noStrike" cap="none">
-                <a:solidFill>
-                  <a:srgbClr val="000000"/>
-                </a:solidFill>
-                <a:latin typeface="Quattrocento Sans"/>
-                <a:ea typeface="Quattrocento Sans"/>
-                <a:cs typeface="Quattrocento Sans"/>
-                <a:sym typeface="Quattrocento Sans"/>
-              </a:defRPr>
-            </a:lvl9pPr>
-          </a:lstStyle>
-          <a:p>
-            <a:r>
-              <a:rPr lang="en-US" sz="1800" b="1" dirty="0" smtClean="0">
-                <a:latin typeface="Lora" panose="02020500000000000000" charset="0"/>
-              </a:rPr>
-              <a:t>Game </a:t>
-            </a:r>
-            <a:r>
-              <a:rPr lang="en-US" sz="1800" b="1" dirty="0" err="1" smtClean="0">
-                <a:latin typeface="Lora" panose="02020500000000000000" charset="0"/>
-              </a:rPr>
-              <a:t>implementaion</a:t>
-            </a:r>
-            <a:endParaRPr lang="en-US" sz="1800" b="1" dirty="0" smtClean="0">
-              <a:latin typeface="Lora" panose="02020500000000000000" charset="0"/>
-            </a:endParaRPr>
-          </a:p>
-          <a:p>
-            <a:pPr marL="0" indent="0">
-              <a:buNone/>
-            </a:pPr>
-            <a:r>
-              <a:rPr lang="en-US" sz="1600" dirty="0" smtClean="0">
-                <a:latin typeface="Lora" panose="02020500000000000000" charset="0"/>
-              </a:rPr>
-              <a:t>There is only </a:t>
-            </a:r>
-            <a:r>
-              <a:rPr lang="en-US" altLang="zh-TW" sz="1600" u="sng" dirty="0" err="1" smtClean="0">
-                <a:latin typeface="Lora" panose="02020500000000000000" charset="0"/>
-              </a:rPr>
-              <a:t>Sōkoban</a:t>
-            </a:r>
-            <a:r>
-              <a:rPr lang="en-US" altLang="zh-TW" sz="1600" dirty="0" smtClean="0">
-                <a:latin typeface="Lora" panose="02020500000000000000" charset="0"/>
-              </a:rPr>
-              <a:t> </a:t>
-            </a:r>
-            <a:r>
-              <a:rPr lang="en-US" sz="1600" dirty="0" smtClean="0">
-                <a:latin typeface="Lora" panose="02020500000000000000" charset="0"/>
-              </a:rPr>
-              <a:t>online version. We need </a:t>
-            </a:r>
-            <a:r>
-              <a:rPr lang="en-US" sz="1600" dirty="0">
-                <a:latin typeface="Lora" panose="02020500000000000000" charset="0"/>
-              </a:rPr>
-              <a:t>to craft </a:t>
-            </a:r>
-            <a:r>
-              <a:rPr lang="en-US" sz="1600" dirty="0" smtClean="0">
-                <a:latin typeface="Lora" panose="02020500000000000000" charset="0"/>
-              </a:rPr>
-              <a:t>a </a:t>
-            </a:r>
-            <a:r>
-              <a:rPr lang="en-US" sz="1600" u="sng" dirty="0" err="1" smtClean="0">
-                <a:latin typeface="Lora" panose="02020500000000000000" charset="0"/>
-              </a:rPr>
-              <a:t>Sōkoban</a:t>
-            </a:r>
-            <a:r>
-              <a:rPr lang="en-US" sz="1600" dirty="0" smtClean="0">
-                <a:latin typeface="Lora" panose="02020500000000000000" charset="0"/>
-              </a:rPr>
-              <a:t> game environment such that the agent can play in it.(No reverse engineering!)</a:t>
-            </a:r>
-            <a:endParaRPr lang="en-US" sz="1600" u="sng" dirty="0">
-              <a:latin typeface="Lora" panose="02020500000000000000" charset="0"/>
-            </a:endParaRPr>
-          </a:p>
-        </p:txBody>
-      </p:sp>
-      <p:sp>
-        <p:nvSpPr>
-          <p:cNvPr id="12" name="Google Shape;125;p17"/>
-          <p:cNvSpPr txBox="1">
-            <a:spLocks/>
-          </p:cNvSpPr>
-          <p:nvPr/>
-        </p:nvSpPr>
-        <p:spPr>
-          <a:xfrm>
-            <a:off x="4256690" y="1635686"/>
-            <a:ext cx="3699641" cy="2944860"/>
-          </a:xfrm>
-          <a:prstGeom prst="rect">
-            <a:avLst/>
-          </a:prstGeom>
-          <a:noFill/>
-          <a:ln>
-            <a:noFill/>
-          </a:ln>
-        </p:spPr>
-        <p:txBody>
-          <a:bodyPr spcFirstLastPara="1" wrap="square" lIns="91425" tIns="91425" rIns="91425" bIns="91425" anchor="t" anchorCtr="0">
-            <a:noAutofit/>
-          </a:bodyPr>
-          <a:lstStyle>
-            <a:defPPr marR="0" lvl="0" algn="l" rtl="0">
-              <a:lnSpc>
-                <a:spcPct val="100000"/>
-              </a:lnSpc>
-              <a:spcBef>
-                <a:spcPts val="0"/>
-              </a:spcBef>
-              <a:spcAft>
-                <a:spcPts val="0"/>
-              </a:spcAft>
-            </a:defPPr>
-            <a:lvl1pPr marL="457200" marR="0" lvl="0" indent="-381000" algn="l" rtl="0">
-              <a:lnSpc>
-                <a:spcPct val="100000"/>
-              </a:lnSpc>
-              <a:spcBef>
-                <a:spcPts val="600"/>
-              </a:spcBef>
-              <a:spcAft>
-                <a:spcPts val="0"/>
-              </a:spcAft>
-              <a:buClr>
-                <a:srgbClr val="FFCD00"/>
-              </a:buClr>
-              <a:buSzPts val="2400"/>
-              <a:buFont typeface="Quattrocento Sans"/>
-              <a:buChar char="◉"/>
-              <a:defRPr sz="2400" b="0" i="0" u="none" strike="noStrike" cap="none">
-                <a:solidFill>
-                  <a:srgbClr val="000000"/>
-                </a:solidFill>
-                <a:latin typeface="Quattrocento Sans"/>
-                <a:ea typeface="Quattrocento Sans"/>
-                <a:cs typeface="Quattrocento Sans"/>
-                <a:sym typeface="Quattrocento Sans"/>
-              </a:defRPr>
-            </a:lvl1pPr>
-            <a:lvl2pPr marL="914400" marR="0" lvl="1" indent="-355600" algn="l" rtl="0">
-              <a:lnSpc>
-                <a:spcPct val="100000"/>
-              </a:lnSpc>
-              <a:spcBef>
-                <a:spcPts val="0"/>
-              </a:spcBef>
-              <a:spcAft>
-                <a:spcPts val="0"/>
-              </a:spcAft>
-              <a:buClr>
-                <a:srgbClr val="FFCD00"/>
-              </a:buClr>
-              <a:buSzPts val="2000"/>
-              <a:buFont typeface="Quattrocento Sans"/>
-              <a:buChar char="○"/>
-              <a:defRPr sz="2000" b="0" i="0" u="none" strike="noStrike" cap="none">
-                <a:solidFill>
-                  <a:srgbClr val="000000"/>
-                </a:solidFill>
-                <a:latin typeface="Quattrocento Sans"/>
-                <a:ea typeface="Quattrocento Sans"/>
-                <a:cs typeface="Quattrocento Sans"/>
-                <a:sym typeface="Quattrocento Sans"/>
-              </a:defRPr>
-            </a:lvl2pPr>
-            <a:lvl3pPr marL="1371600" marR="0" lvl="2" indent="-355600" algn="l" rtl="0">
-              <a:lnSpc>
-                <a:spcPct val="100000"/>
-              </a:lnSpc>
-              <a:spcBef>
-                <a:spcPts val="0"/>
-              </a:spcBef>
-              <a:spcAft>
-                <a:spcPts val="0"/>
-              </a:spcAft>
-              <a:buClr>
-                <a:srgbClr val="FFCD00"/>
-              </a:buClr>
-              <a:buSzPts val="2000"/>
-              <a:buFont typeface="Quattrocento Sans"/>
-              <a:buChar char="■"/>
-              <a:defRPr sz="2000" b="0" i="0" u="none" strike="noStrike" cap="none">
-                <a:solidFill>
-                  <a:srgbClr val="000000"/>
-                </a:solidFill>
-                <a:latin typeface="Quattrocento Sans"/>
-                <a:ea typeface="Quattrocento Sans"/>
-                <a:cs typeface="Quattrocento Sans"/>
-                <a:sym typeface="Quattrocento Sans"/>
-              </a:defRPr>
-            </a:lvl3pPr>
-            <a:lvl4pPr marL="1828800" marR="0" lvl="3" indent="-342900" algn="l" rtl="0">
-              <a:lnSpc>
-                <a:spcPct val="100000"/>
-              </a:lnSpc>
-              <a:spcBef>
-                <a:spcPts val="0"/>
-              </a:spcBef>
-              <a:spcAft>
-                <a:spcPts val="0"/>
-              </a:spcAft>
-              <a:buClr>
-                <a:srgbClr val="FFCD00"/>
-              </a:buClr>
-              <a:buSzPts val="1800"/>
-              <a:buFont typeface="Quattrocento Sans"/>
-              <a:buChar char="●"/>
-              <a:defRPr sz="1800" b="0" i="0" u="none" strike="noStrike" cap="none">
-                <a:solidFill>
-                  <a:srgbClr val="000000"/>
-                </a:solidFill>
-                <a:latin typeface="Quattrocento Sans"/>
-                <a:ea typeface="Quattrocento Sans"/>
-                <a:cs typeface="Quattrocento Sans"/>
-                <a:sym typeface="Quattrocento Sans"/>
-              </a:defRPr>
-            </a:lvl4pPr>
-            <a:lvl5pPr marL="2286000" marR="0" lvl="4" indent="-342900" algn="l" rtl="0">
-              <a:lnSpc>
-                <a:spcPct val="100000"/>
-              </a:lnSpc>
-              <a:spcBef>
-                <a:spcPts val="0"/>
-              </a:spcBef>
-              <a:spcAft>
-                <a:spcPts val="0"/>
-              </a:spcAft>
-              <a:buClr>
-                <a:srgbClr val="FFCD00"/>
-              </a:buClr>
-              <a:buSzPts val="1800"/>
-              <a:buFont typeface="Quattrocento Sans"/>
-              <a:buChar char="○"/>
-              <a:defRPr sz="1800" b="0" i="0" u="none" strike="noStrike" cap="none">
-                <a:solidFill>
-                  <a:srgbClr val="000000"/>
-                </a:solidFill>
-                <a:latin typeface="Quattrocento Sans"/>
-                <a:ea typeface="Quattrocento Sans"/>
-                <a:cs typeface="Quattrocento Sans"/>
-                <a:sym typeface="Quattrocento Sans"/>
-              </a:defRPr>
-            </a:lvl5pPr>
-            <a:lvl6pPr marL="2743200" marR="0" lvl="5" indent="-342900" algn="l" rtl="0">
-              <a:lnSpc>
-                <a:spcPct val="100000"/>
-              </a:lnSpc>
-              <a:spcBef>
-                <a:spcPts val="0"/>
-              </a:spcBef>
-              <a:spcAft>
-                <a:spcPts val="0"/>
-              </a:spcAft>
-              <a:buClr>
-                <a:srgbClr val="FFCD00"/>
-              </a:buClr>
-              <a:buSzPts val="1800"/>
-              <a:buFont typeface="Quattrocento Sans"/>
-              <a:buChar char="■"/>
-              <a:defRPr sz="1800" b="0" i="0" u="none" strike="noStrike" cap="none">
-                <a:solidFill>
-                  <a:srgbClr val="000000"/>
-                </a:solidFill>
-                <a:latin typeface="Quattrocento Sans"/>
-                <a:ea typeface="Quattrocento Sans"/>
-                <a:cs typeface="Quattrocento Sans"/>
-                <a:sym typeface="Quattrocento Sans"/>
-              </a:defRPr>
-            </a:lvl6pPr>
-            <a:lvl7pPr marL="3200400" marR="0" lvl="6" indent="-342900" algn="l" rtl="0">
-              <a:lnSpc>
-                <a:spcPct val="100000"/>
-              </a:lnSpc>
-              <a:spcBef>
-                <a:spcPts val="0"/>
-              </a:spcBef>
-              <a:spcAft>
-                <a:spcPts val="0"/>
-              </a:spcAft>
-              <a:buClr>
-                <a:srgbClr val="FFCD00"/>
-              </a:buClr>
-              <a:buSzPts val="1800"/>
-              <a:buFont typeface="Quattrocento Sans"/>
-              <a:buChar char="●"/>
-              <a:defRPr sz="1800" b="0" i="0" u="none" strike="noStrike" cap="none">
-                <a:solidFill>
-                  <a:srgbClr val="000000"/>
-                </a:solidFill>
-                <a:latin typeface="Quattrocento Sans"/>
-                <a:ea typeface="Quattrocento Sans"/>
-                <a:cs typeface="Quattrocento Sans"/>
-                <a:sym typeface="Quattrocento Sans"/>
-              </a:defRPr>
-            </a:lvl7pPr>
-            <a:lvl8pPr marL="3657600" marR="0" lvl="7" indent="-342900" algn="l" rtl="0">
-              <a:lnSpc>
-                <a:spcPct val="100000"/>
-              </a:lnSpc>
-              <a:spcBef>
-                <a:spcPts val="0"/>
-              </a:spcBef>
-              <a:spcAft>
-                <a:spcPts val="0"/>
-              </a:spcAft>
-              <a:buClr>
-                <a:srgbClr val="FFCD00"/>
-              </a:buClr>
-              <a:buSzPts val="1800"/>
-              <a:buFont typeface="Quattrocento Sans"/>
-              <a:buChar char="○"/>
-              <a:defRPr sz="1800" b="0" i="0" u="none" strike="noStrike" cap="none">
-                <a:solidFill>
-                  <a:srgbClr val="000000"/>
-                </a:solidFill>
-                <a:latin typeface="Quattrocento Sans"/>
-                <a:ea typeface="Quattrocento Sans"/>
-                <a:cs typeface="Quattrocento Sans"/>
-                <a:sym typeface="Quattrocento Sans"/>
-              </a:defRPr>
-            </a:lvl8pPr>
-            <a:lvl9pPr marL="4114800" marR="0" lvl="8" indent="-342900" algn="l" rtl="0">
-              <a:lnSpc>
-                <a:spcPct val="100000"/>
-              </a:lnSpc>
-              <a:spcBef>
-                <a:spcPts val="0"/>
-              </a:spcBef>
-              <a:spcAft>
-                <a:spcPts val="0"/>
-              </a:spcAft>
-              <a:buClr>
-                <a:srgbClr val="FFCD00"/>
-              </a:buClr>
-              <a:buSzPts val="1800"/>
-              <a:buFont typeface="Quattrocento Sans"/>
-              <a:buChar char="■"/>
-              <a:defRPr sz="1800" b="0" i="0" u="none" strike="noStrike" cap="none">
-                <a:solidFill>
-                  <a:srgbClr val="000000"/>
-                </a:solidFill>
-                <a:latin typeface="Quattrocento Sans"/>
-                <a:ea typeface="Quattrocento Sans"/>
-                <a:cs typeface="Quattrocento Sans"/>
-                <a:sym typeface="Quattrocento Sans"/>
-              </a:defRPr>
-            </a:lvl9pPr>
-          </a:lstStyle>
-          <a:p>
-            <a:r>
-              <a:rPr lang="en-US" sz="1800" b="1" dirty="0" smtClean="0">
-                <a:latin typeface="Lora" panose="02020500000000000000" charset="0"/>
-              </a:rPr>
-              <a:t>Method design</a:t>
-            </a:r>
-            <a:endParaRPr lang="en-US" altLang="zh-TW" sz="1600" u="sng" dirty="0" smtClean="0">
-              <a:latin typeface="Lora" panose="02020500000000000000" charset="0"/>
-            </a:endParaRPr>
-          </a:p>
-          <a:p>
-            <a:pPr marL="76200" indent="0">
-              <a:buNone/>
-            </a:pPr>
-            <a:r>
-              <a:rPr lang="en-US" altLang="zh-TW" sz="1600" u="sng" dirty="0" err="1">
-                <a:latin typeface="Lora" panose="02020500000000000000" charset="0"/>
-              </a:rPr>
-              <a:t>Sōkoban</a:t>
-            </a:r>
-            <a:r>
-              <a:rPr lang="en-US" altLang="zh-TW" sz="1600" dirty="0">
-                <a:latin typeface="Lora" panose="02020500000000000000" charset="0"/>
-              </a:rPr>
-              <a:t> is a single agent and single goal game but it is difficult because it has many box, box can effect other boxes. And its </a:t>
-            </a:r>
-            <a:r>
-              <a:rPr lang="en-US" altLang="zh-TW" sz="1600" dirty="0" smtClean="0">
-                <a:latin typeface="Lora" panose="02020500000000000000" charset="0"/>
-              </a:rPr>
-              <a:t>rooms </a:t>
-            </a:r>
-            <a:r>
-              <a:rPr lang="en-US" altLang="zh-TW" sz="1600" dirty="0">
-                <a:latin typeface="Lora" panose="02020500000000000000" charset="0"/>
-              </a:rPr>
-              <a:t>have some narrow </a:t>
-            </a:r>
-            <a:r>
-              <a:rPr lang="en-US" altLang="zh-TW" sz="1600" dirty="0" smtClean="0">
-                <a:latin typeface="Lora" panose="02020500000000000000" charset="0"/>
-              </a:rPr>
-              <a:t>aisles </a:t>
-            </a:r>
-            <a:r>
-              <a:rPr lang="en-US" altLang="zh-TW" sz="1600" dirty="0">
-                <a:latin typeface="Lora" panose="02020500000000000000" charset="0"/>
-              </a:rPr>
-              <a:t>which is a obstacle for </a:t>
-            </a:r>
-            <a:r>
-              <a:rPr lang="en-US" altLang="zh-TW" sz="1600" dirty="0" smtClean="0">
-                <a:latin typeface="Lora" panose="02020500000000000000" charset="0"/>
-              </a:rPr>
-              <a:t>agent</a:t>
-            </a:r>
-            <a:r>
-              <a:rPr lang="en-US" altLang="zh-TW" sz="1600" dirty="0">
-                <a:latin typeface="Lora" panose="02020500000000000000" charset="0"/>
-              </a:rPr>
-              <a:t> </a:t>
-            </a:r>
-            <a:r>
-              <a:rPr lang="en-US" altLang="zh-TW" sz="1600" dirty="0" smtClean="0">
-                <a:latin typeface="Lora" panose="02020500000000000000" charset="0"/>
-              </a:rPr>
-              <a:t>and for boxes.</a:t>
-            </a:r>
-            <a:endParaRPr lang="en-US" altLang="zh-TW" sz="1600" dirty="0"/>
-          </a:p>
-        </p:txBody>
-      </p:sp>
-      <p:pic>
-        <p:nvPicPr>
-          <p:cNvPr id="4" name="圖片 3"/>
-          <p:cNvPicPr>
-            <a:picLocks noChangeAspect="1"/>
-          </p:cNvPicPr>
-          <p:nvPr/>
-        </p:nvPicPr>
-        <p:blipFill>
-          <a:blip r:embed="rId3">
-            <a:extLst>
-              <a:ext uri="{28A0092B-C50C-407E-A947-70E740481C1C}">
-                <a14:useLocalDpi xmlns:a14="http://schemas.microsoft.com/office/drawing/2010/main" val="0"/>
-              </a:ext>
-            </a:extLst>
-          </a:blip>
-          <a:stretch>
-            <a:fillRect/>
-          </a:stretch>
-        </p:blipFill>
-        <p:spPr>
-          <a:xfrm>
-            <a:off x="6757988" y="171664"/>
-            <a:ext cx="1677867" cy="1864296"/>
-          </a:xfrm>
-          <a:prstGeom prst="rect">
-            <a:avLst/>
-          </a:prstGeom>
-          <a:ln>
-            <a:noFill/>
-          </a:ln>
-          <a:effectLst>
-            <a:outerShdw blurRad="190500" algn="tl" rotWithShape="0">
-              <a:srgbClr val="000000">
-                <a:alpha val="70000"/>
-              </a:srgbClr>
-            </a:outerShdw>
-          </a:effectLst>
-        </p:spPr>
-      </p:pic>
-      <p:pic>
-        <p:nvPicPr>
-          <p:cNvPr id="3" name="圖片 2"/>
-          <p:cNvPicPr>
-            <a:picLocks noChangeAspect="1"/>
-          </p:cNvPicPr>
-          <p:nvPr/>
-        </p:nvPicPr>
-        <p:blipFill>
-          <a:blip r:embed="rId4"/>
-          <a:stretch>
-            <a:fillRect/>
-          </a:stretch>
-        </p:blipFill>
-        <p:spPr>
-          <a:xfrm>
-            <a:off x="916458" y="984270"/>
-            <a:ext cx="218659" cy="308694"/>
-          </a:xfrm>
-          <a:prstGeom prst="rect">
-            <a:avLst/>
-          </a:prstGeom>
-        </p:spPr>
-      </p:pic>
-    </p:spTree>
-    <p:extLst>
-      <p:ext uri="{BB962C8B-B14F-4D97-AF65-F5344CB8AC3E}">
-        <p14:creationId xmlns:p14="http://schemas.microsoft.com/office/powerpoint/2010/main" val="2442380619"/>
-      </p:ext>
-    </p:extLst>
-  </p:cSld>
-  <p:clrMapOvr>
-    <a:masterClrMapping/>
-  </p:clrMapOvr>
-  <mc:AlternateContent xmlns:mc="http://schemas.openxmlformats.org/markup-compatibility/2006" xmlns:p14="http://schemas.microsoft.com/office/powerpoint/2010/main">
-    <mc:Choice Requires="p14">
-      <p:transition p14:dur="0"/>
-    </mc:Choice>
-    <mc:Fallback xmlns="">
-      <p:transition/>
-    </mc:Fallback>
-  </mc:AlternateContent>
-  <p:timing>
-    <p:tnLst>
-      <p:par>
-        <p:cTn id="1" dur="indefinite" restart="never" nodeType="tmRoot"/>
-      </p:par>
-    </p:tnLst>
-  </p:timing>
-</p:sld>
-</file>
-
-<file path=ppt/slides/slide5.xml><?xml version="1.0" encoding="utf-8"?>
-<p:sld xmlns:a="http://schemas.openxmlformats.org/drawingml/2006/main" xmlns:r="http://schemas.openxmlformats.org/officeDocument/2006/relationships" xmlns:p="http://schemas.openxmlformats.org/presentationml/2006/main">
-  <p:cSld>
-    <p:spTree>
-      <p:nvGrpSpPr>
-        <p:cNvPr id="1" name="Shape 123"/>
-        <p:cNvGrpSpPr/>
-        <p:nvPr/>
-      </p:nvGrpSpPr>
-      <p:grpSpPr>
-        <a:xfrm>
-          <a:off x="0" y="0"/>
-          <a:ext cx="0" cy="0"/>
-          <a:chOff x="0" y="0"/>
-          <a:chExt cx="0" cy="0"/>
-        </a:xfrm>
-      </p:grpSpPr>
-      <p:sp>
-        <p:nvSpPr>
-          <p:cNvPr id="131" name="Google Shape;131;p17"/>
-          <p:cNvSpPr txBox="1">
-            <a:spLocks noGrp="1"/>
-          </p:cNvSpPr>
-          <p:nvPr>
-            <p:ph type="sldNum" idx="12"/>
-          </p:nvPr>
-        </p:nvSpPr>
-        <p:spPr>
-          <a:xfrm>
-            <a:off x="8543227" y="4749851"/>
-            <a:ext cx="548700" cy="393600"/>
-          </a:xfrm>
-          <a:prstGeom prst="rect">
-            <a:avLst/>
-          </a:prstGeom>
-        </p:spPr>
-        <p:txBody>
-          <a:bodyPr spcFirstLastPara="1" wrap="square" lIns="91425" tIns="91425" rIns="91425" bIns="91425" anchor="t" anchorCtr="0">
-            <a:noAutofit/>
-          </a:bodyPr>
-          <a:lstStyle/>
-          <a:p>
-            <a:pPr marL="0" lvl="0" indent="0" algn="r" rtl="0">
-              <a:spcBef>
-                <a:spcPts val="0"/>
-              </a:spcBef>
-              <a:spcAft>
-                <a:spcPts val="0"/>
-              </a:spcAft>
-              <a:buNone/>
-            </a:pPr>
-            <a:fld id="{00000000-1234-1234-1234-123412341234}" type="slidenum">
-              <a:rPr lang="en"/>
-              <a:t>5</a:t>
-            </a:fld>
-            <a:endParaRPr/>
-          </a:p>
-        </p:txBody>
-      </p:sp>
-      <p:sp>
-        <p:nvSpPr>
-          <p:cNvPr id="2" name="標題 1"/>
-          <p:cNvSpPr>
-            <a:spLocks noGrp="1"/>
-          </p:cNvSpPr>
-          <p:nvPr>
-            <p:ph type="title"/>
-          </p:nvPr>
-        </p:nvSpPr>
-        <p:spPr/>
-        <p:txBody>
-          <a:bodyPr/>
-          <a:lstStyle/>
-          <a:p>
-            <a:r>
-              <a:rPr lang="en-US" altLang="zh-TW" dirty="0" smtClean="0"/>
-              <a:t>Potential Solution</a:t>
-            </a:r>
-            <a:endParaRPr lang="zh-TW" altLang="en-US" dirty="0"/>
-          </a:p>
-        </p:txBody>
-      </p:sp>
-      <p:sp>
-        <p:nvSpPr>
-          <p:cNvPr id="11" name="Google Shape;125;p17"/>
-          <p:cNvSpPr txBox="1">
-            <a:spLocks/>
-          </p:cNvSpPr>
-          <p:nvPr/>
-        </p:nvSpPr>
-        <p:spPr>
-          <a:xfrm>
-            <a:off x="916458" y="1635687"/>
-            <a:ext cx="3340232" cy="2944859"/>
-          </a:xfrm>
-          <a:prstGeom prst="rect">
-            <a:avLst/>
-          </a:prstGeom>
-          <a:noFill/>
-          <a:ln>
-            <a:noFill/>
-          </a:ln>
-        </p:spPr>
-        <p:txBody>
-          <a:bodyPr spcFirstLastPara="1" wrap="square" lIns="91425" tIns="91425" rIns="91425" bIns="91425" anchor="t" anchorCtr="0">
-            <a:noAutofit/>
-          </a:bodyPr>
-          <a:lstStyle>
-            <a:defPPr marR="0" lvl="0" algn="l" rtl="0">
-              <a:lnSpc>
-                <a:spcPct val="100000"/>
-              </a:lnSpc>
-              <a:spcBef>
-                <a:spcPts val="0"/>
-              </a:spcBef>
-              <a:spcAft>
-                <a:spcPts val="0"/>
-              </a:spcAft>
-            </a:defPPr>
-            <a:lvl1pPr marL="457200" marR="0" lvl="0" indent="-381000" algn="l" rtl="0">
-              <a:lnSpc>
-                <a:spcPct val="100000"/>
-              </a:lnSpc>
-              <a:spcBef>
-                <a:spcPts val="600"/>
-              </a:spcBef>
-              <a:spcAft>
-                <a:spcPts val="0"/>
-              </a:spcAft>
-              <a:buClr>
-                <a:srgbClr val="FFCD00"/>
-              </a:buClr>
-              <a:buSzPts val="2400"/>
-              <a:buFont typeface="Quattrocento Sans"/>
-              <a:buChar char="◉"/>
-              <a:defRPr sz="2400" b="0" i="0" u="none" strike="noStrike" cap="none">
-                <a:solidFill>
-                  <a:srgbClr val="000000"/>
-                </a:solidFill>
-                <a:latin typeface="Quattrocento Sans"/>
-                <a:ea typeface="Quattrocento Sans"/>
-                <a:cs typeface="Quattrocento Sans"/>
-                <a:sym typeface="Quattrocento Sans"/>
-              </a:defRPr>
-            </a:lvl1pPr>
-            <a:lvl2pPr marL="914400" marR="0" lvl="1" indent="-355600" algn="l" rtl="0">
-              <a:lnSpc>
-                <a:spcPct val="100000"/>
-              </a:lnSpc>
-              <a:spcBef>
-                <a:spcPts val="0"/>
-              </a:spcBef>
-              <a:spcAft>
-                <a:spcPts val="0"/>
-              </a:spcAft>
-              <a:buClr>
-                <a:srgbClr val="FFCD00"/>
-              </a:buClr>
-              <a:buSzPts val="2000"/>
-              <a:buFont typeface="Quattrocento Sans"/>
-              <a:buChar char="○"/>
-              <a:defRPr sz="2000" b="0" i="0" u="none" strike="noStrike" cap="none">
-                <a:solidFill>
-                  <a:srgbClr val="000000"/>
-                </a:solidFill>
-                <a:latin typeface="Quattrocento Sans"/>
-                <a:ea typeface="Quattrocento Sans"/>
-                <a:cs typeface="Quattrocento Sans"/>
-                <a:sym typeface="Quattrocento Sans"/>
-              </a:defRPr>
-            </a:lvl2pPr>
-            <a:lvl3pPr marL="1371600" marR="0" lvl="2" indent="-355600" algn="l" rtl="0">
-              <a:lnSpc>
-                <a:spcPct val="100000"/>
-              </a:lnSpc>
-              <a:spcBef>
-                <a:spcPts val="0"/>
-              </a:spcBef>
-              <a:spcAft>
-                <a:spcPts val="0"/>
-              </a:spcAft>
-              <a:buClr>
-                <a:srgbClr val="FFCD00"/>
-              </a:buClr>
-              <a:buSzPts val="2000"/>
-              <a:buFont typeface="Quattrocento Sans"/>
-              <a:buChar char="■"/>
-              <a:defRPr sz="2000" b="0" i="0" u="none" strike="noStrike" cap="none">
-                <a:solidFill>
-                  <a:srgbClr val="000000"/>
-                </a:solidFill>
-                <a:latin typeface="Quattrocento Sans"/>
-                <a:ea typeface="Quattrocento Sans"/>
-                <a:cs typeface="Quattrocento Sans"/>
-                <a:sym typeface="Quattrocento Sans"/>
-              </a:defRPr>
-            </a:lvl3pPr>
-            <a:lvl4pPr marL="1828800" marR="0" lvl="3" indent="-342900" algn="l" rtl="0">
-              <a:lnSpc>
-                <a:spcPct val="100000"/>
-              </a:lnSpc>
-              <a:spcBef>
-                <a:spcPts val="0"/>
-              </a:spcBef>
-              <a:spcAft>
-                <a:spcPts val="0"/>
-              </a:spcAft>
-              <a:buClr>
-                <a:srgbClr val="FFCD00"/>
-              </a:buClr>
-              <a:buSzPts val="1800"/>
-              <a:buFont typeface="Quattrocento Sans"/>
-              <a:buChar char="●"/>
-              <a:defRPr sz="1800" b="0" i="0" u="none" strike="noStrike" cap="none">
-                <a:solidFill>
-                  <a:srgbClr val="000000"/>
-                </a:solidFill>
-                <a:latin typeface="Quattrocento Sans"/>
-                <a:ea typeface="Quattrocento Sans"/>
-                <a:cs typeface="Quattrocento Sans"/>
-                <a:sym typeface="Quattrocento Sans"/>
-              </a:defRPr>
-            </a:lvl4pPr>
-            <a:lvl5pPr marL="2286000" marR="0" lvl="4" indent="-342900" algn="l" rtl="0">
-              <a:lnSpc>
-                <a:spcPct val="100000"/>
-              </a:lnSpc>
-              <a:spcBef>
-                <a:spcPts val="0"/>
-              </a:spcBef>
-              <a:spcAft>
-                <a:spcPts val="0"/>
-              </a:spcAft>
-              <a:buClr>
-                <a:srgbClr val="FFCD00"/>
-              </a:buClr>
-              <a:buSzPts val="1800"/>
-              <a:buFont typeface="Quattrocento Sans"/>
-              <a:buChar char="○"/>
-              <a:defRPr sz="1800" b="0" i="0" u="none" strike="noStrike" cap="none">
-                <a:solidFill>
-                  <a:srgbClr val="000000"/>
-                </a:solidFill>
-                <a:latin typeface="Quattrocento Sans"/>
-                <a:ea typeface="Quattrocento Sans"/>
-                <a:cs typeface="Quattrocento Sans"/>
-                <a:sym typeface="Quattrocento Sans"/>
-              </a:defRPr>
-            </a:lvl5pPr>
-            <a:lvl6pPr marL="2743200" marR="0" lvl="5" indent="-342900" algn="l" rtl="0">
-              <a:lnSpc>
-                <a:spcPct val="100000"/>
-              </a:lnSpc>
-              <a:spcBef>
-                <a:spcPts val="0"/>
-              </a:spcBef>
-              <a:spcAft>
-                <a:spcPts val="0"/>
-              </a:spcAft>
-              <a:buClr>
-                <a:srgbClr val="FFCD00"/>
-              </a:buClr>
-              <a:buSzPts val="1800"/>
-              <a:buFont typeface="Quattrocento Sans"/>
-              <a:buChar char="■"/>
-              <a:defRPr sz="1800" b="0" i="0" u="none" strike="noStrike" cap="none">
-                <a:solidFill>
-                  <a:srgbClr val="000000"/>
-                </a:solidFill>
-                <a:latin typeface="Quattrocento Sans"/>
-                <a:ea typeface="Quattrocento Sans"/>
-                <a:cs typeface="Quattrocento Sans"/>
-                <a:sym typeface="Quattrocento Sans"/>
-              </a:defRPr>
-            </a:lvl6pPr>
-            <a:lvl7pPr marL="3200400" marR="0" lvl="6" indent="-342900" algn="l" rtl="0">
-              <a:lnSpc>
-                <a:spcPct val="100000"/>
-              </a:lnSpc>
-              <a:spcBef>
-                <a:spcPts val="0"/>
-              </a:spcBef>
-              <a:spcAft>
-                <a:spcPts val="0"/>
-              </a:spcAft>
-              <a:buClr>
-                <a:srgbClr val="FFCD00"/>
-              </a:buClr>
-              <a:buSzPts val="1800"/>
-              <a:buFont typeface="Quattrocento Sans"/>
-              <a:buChar char="●"/>
-              <a:defRPr sz="1800" b="0" i="0" u="none" strike="noStrike" cap="none">
-                <a:solidFill>
-                  <a:srgbClr val="000000"/>
-                </a:solidFill>
-                <a:latin typeface="Quattrocento Sans"/>
-                <a:ea typeface="Quattrocento Sans"/>
-                <a:cs typeface="Quattrocento Sans"/>
-                <a:sym typeface="Quattrocento Sans"/>
-              </a:defRPr>
-            </a:lvl7pPr>
-            <a:lvl8pPr marL="3657600" marR="0" lvl="7" indent="-342900" algn="l" rtl="0">
-              <a:lnSpc>
-                <a:spcPct val="100000"/>
-              </a:lnSpc>
-              <a:spcBef>
-                <a:spcPts val="0"/>
-              </a:spcBef>
-              <a:spcAft>
-                <a:spcPts val="0"/>
-              </a:spcAft>
-              <a:buClr>
-                <a:srgbClr val="FFCD00"/>
-              </a:buClr>
-              <a:buSzPts val="1800"/>
-              <a:buFont typeface="Quattrocento Sans"/>
-              <a:buChar char="○"/>
-              <a:defRPr sz="1800" b="0" i="0" u="none" strike="noStrike" cap="none">
-                <a:solidFill>
-                  <a:srgbClr val="000000"/>
-                </a:solidFill>
-                <a:latin typeface="Quattrocento Sans"/>
-                <a:ea typeface="Quattrocento Sans"/>
-                <a:cs typeface="Quattrocento Sans"/>
-                <a:sym typeface="Quattrocento Sans"/>
-              </a:defRPr>
-            </a:lvl8pPr>
-            <a:lvl9pPr marL="4114800" marR="0" lvl="8" indent="-342900" algn="l" rtl="0">
-              <a:lnSpc>
-                <a:spcPct val="100000"/>
-              </a:lnSpc>
-              <a:spcBef>
-                <a:spcPts val="0"/>
-              </a:spcBef>
-              <a:spcAft>
-                <a:spcPts val="0"/>
-              </a:spcAft>
-              <a:buClr>
-                <a:srgbClr val="FFCD00"/>
-              </a:buClr>
-              <a:buSzPts val="1800"/>
-              <a:buFont typeface="Quattrocento Sans"/>
-              <a:buChar char="■"/>
-              <a:defRPr sz="1800" b="0" i="0" u="none" strike="noStrike" cap="none">
-                <a:solidFill>
-                  <a:srgbClr val="000000"/>
-                </a:solidFill>
-                <a:latin typeface="Quattrocento Sans"/>
-                <a:ea typeface="Quattrocento Sans"/>
-                <a:cs typeface="Quattrocento Sans"/>
-                <a:sym typeface="Quattrocento Sans"/>
-              </a:defRPr>
-            </a:lvl9pPr>
-          </a:lstStyle>
-          <a:p>
-            <a:r>
-              <a:rPr lang="en-US" sz="1800" b="1" dirty="0" smtClean="0">
-                <a:latin typeface="Lora" panose="02020500000000000000" charset="0"/>
-              </a:rPr>
-              <a:t>Solution for game </a:t>
-            </a:r>
-            <a:r>
-              <a:rPr lang="en-US" sz="1800" b="1" dirty="0" err="1" smtClean="0">
-                <a:latin typeface="Lora" panose="02020500000000000000" charset="0"/>
-              </a:rPr>
-              <a:t>implementaion</a:t>
-            </a:r>
-            <a:endParaRPr lang="en-US" sz="1800" b="1" dirty="0" smtClean="0">
-              <a:latin typeface="Lora" panose="02020500000000000000" charset="0"/>
-            </a:endParaRPr>
-          </a:p>
-          <a:p>
-            <a:pPr marL="0" indent="0">
-              <a:buNone/>
-            </a:pPr>
-            <a:r>
-              <a:rPr lang="en-US" sz="1600" dirty="0" smtClean="0">
-                <a:latin typeface="Lora" panose="02020500000000000000" charset="0"/>
-              </a:rPr>
-              <a:t>We will cost one or two weeks to implement the game and design a good environment for game agent.</a:t>
-            </a:r>
-            <a:endParaRPr lang="en-US" sz="1600" u="sng" dirty="0">
-              <a:latin typeface="Lora" panose="02020500000000000000" charset="0"/>
-            </a:endParaRPr>
-          </a:p>
-        </p:txBody>
-      </p:sp>
-      <p:sp>
-        <p:nvSpPr>
-          <p:cNvPr id="12" name="Google Shape;125;p17"/>
-          <p:cNvSpPr txBox="1">
-            <a:spLocks/>
-          </p:cNvSpPr>
-          <p:nvPr/>
-        </p:nvSpPr>
-        <p:spPr>
-          <a:xfrm>
-            <a:off x="4256690" y="1635686"/>
-            <a:ext cx="3699641" cy="2944860"/>
-          </a:xfrm>
-          <a:prstGeom prst="rect">
-            <a:avLst/>
-          </a:prstGeom>
-          <a:noFill/>
-          <a:ln>
-            <a:noFill/>
-          </a:ln>
-        </p:spPr>
-        <p:txBody>
-          <a:bodyPr spcFirstLastPara="1" wrap="square" lIns="91425" tIns="91425" rIns="91425" bIns="91425" anchor="t" anchorCtr="0">
-            <a:noAutofit/>
-          </a:bodyPr>
-          <a:lstStyle>
-            <a:defPPr marR="0" lvl="0" algn="l" rtl="0">
-              <a:lnSpc>
-                <a:spcPct val="100000"/>
-              </a:lnSpc>
-              <a:spcBef>
-                <a:spcPts val="0"/>
-              </a:spcBef>
-              <a:spcAft>
-                <a:spcPts val="0"/>
-              </a:spcAft>
-            </a:defPPr>
-            <a:lvl1pPr marL="457200" marR="0" lvl="0" indent="-381000" algn="l" rtl="0">
-              <a:lnSpc>
-                <a:spcPct val="100000"/>
-              </a:lnSpc>
-              <a:spcBef>
-                <a:spcPts val="600"/>
-              </a:spcBef>
-              <a:spcAft>
-                <a:spcPts val="0"/>
-              </a:spcAft>
-              <a:buClr>
-                <a:srgbClr val="FFCD00"/>
-              </a:buClr>
-              <a:buSzPts val="2400"/>
-              <a:buFont typeface="Quattrocento Sans"/>
-              <a:buChar char="◉"/>
-              <a:defRPr sz="2400" b="0" i="0" u="none" strike="noStrike" cap="none">
-                <a:solidFill>
-                  <a:srgbClr val="000000"/>
-                </a:solidFill>
-                <a:latin typeface="Quattrocento Sans"/>
-                <a:ea typeface="Quattrocento Sans"/>
-                <a:cs typeface="Quattrocento Sans"/>
-                <a:sym typeface="Quattrocento Sans"/>
-              </a:defRPr>
-            </a:lvl1pPr>
-            <a:lvl2pPr marL="914400" marR="0" lvl="1" indent="-355600" algn="l" rtl="0">
-              <a:lnSpc>
-                <a:spcPct val="100000"/>
-              </a:lnSpc>
-              <a:spcBef>
-                <a:spcPts val="0"/>
-              </a:spcBef>
-              <a:spcAft>
-                <a:spcPts val="0"/>
-              </a:spcAft>
-              <a:buClr>
-                <a:srgbClr val="FFCD00"/>
-              </a:buClr>
-              <a:buSzPts val="2000"/>
-              <a:buFont typeface="Quattrocento Sans"/>
-              <a:buChar char="○"/>
-              <a:defRPr sz="2000" b="0" i="0" u="none" strike="noStrike" cap="none">
-                <a:solidFill>
-                  <a:srgbClr val="000000"/>
-                </a:solidFill>
-                <a:latin typeface="Quattrocento Sans"/>
-                <a:ea typeface="Quattrocento Sans"/>
-                <a:cs typeface="Quattrocento Sans"/>
-                <a:sym typeface="Quattrocento Sans"/>
-              </a:defRPr>
-            </a:lvl2pPr>
-            <a:lvl3pPr marL="1371600" marR="0" lvl="2" indent="-355600" algn="l" rtl="0">
-              <a:lnSpc>
-                <a:spcPct val="100000"/>
-              </a:lnSpc>
-              <a:spcBef>
-                <a:spcPts val="0"/>
-              </a:spcBef>
-              <a:spcAft>
-                <a:spcPts val="0"/>
-              </a:spcAft>
-              <a:buClr>
-                <a:srgbClr val="FFCD00"/>
-              </a:buClr>
-              <a:buSzPts val="2000"/>
-              <a:buFont typeface="Quattrocento Sans"/>
-              <a:buChar char="■"/>
-              <a:defRPr sz="2000" b="0" i="0" u="none" strike="noStrike" cap="none">
-                <a:solidFill>
-                  <a:srgbClr val="000000"/>
-                </a:solidFill>
-                <a:latin typeface="Quattrocento Sans"/>
-                <a:ea typeface="Quattrocento Sans"/>
-                <a:cs typeface="Quattrocento Sans"/>
-                <a:sym typeface="Quattrocento Sans"/>
-              </a:defRPr>
-            </a:lvl3pPr>
-            <a:lvl4pPr marL="1828800" marR="0" lvl="3" indent="-342900" algn="l" rtl="0">
-              <a:lnSpc>
-                <a:spcPct val="100000"/>
-              </a:lnSpc>
-              <a:spcBef>
-                <a:spcPts val="0"/>
-              </a:spcBef>
-              <a:spcAft>
-                <a:spcPts val="0"/>
-              </a:spcAft>
-              <a:buClr>
-                <a:srgbClr val="FFCD00"/>
-              </a:buClr>
-              <a:buSzPts val="1800"/>
-              <a:buFont typeface="Quattrocento Sans"/>
-              <a:buChar char="●"/>
-              <a:defRPr sz="1800" b="0" i="0" u="none" strike="noStrike" cap="none">
-                <a:solidFill>
-                  <a:srgbClr val="000000"/>
-                </a:solidFill>
-                <a:latin typeface="Quattrocento Sans"/>
-                <a:ea typeface="Quattrocento Sans"/>
-                <a:cs typeface="Quattrocento Sans"/>
-                <a:sym typeface="Quattrocento Sans"/>
-              </a:defRPr>
-            </a:lvl4pPr>
-            <a:lvl5pPr marL="2286000" marR="0" lvl="4" indent="-342900" algn="l" rtl="0">
-              <a:lnSpc>
-                <a:spcPct val="100000"/>
-              </a:lnSpc>
-              <a:spcBef>
-                <a:spcPts val="0"/>
-              </a:spcBef>
-              <a:spcAft>
-                <a:spcPts val="0"/>
-              </a:spcAft>
-              <a:buClr>
-                <a:srgbClr val="FFCD00"/>
-              </a:buClr>
-              <a:buSzPts val="1800"/>
-              <a:buFont typeface="Quattrocento Sans"/>
-              <a:buChar char="○"/>
-              <a:defRPr sz="1800" b="0" i="0" u="none" strike="noStrike" cap="none">
-                <a:solidFill>
-                  <a:srgbClr val="000000"/>
-                </a:solidFill>
-                <a:latin typeface="Quattrocento Sans"/>
-                <a:ea typeface="Quattrocento Sans"/>
-                <a:cs typeface="Quattrocento Sans"/>
-                <a:sym typeface="Quattrocento Sans"/>
-              </a:defRPr>
-            </a:lvl5pPr>
-            <a:lvl6pPr marL="2743200" marR="0" lvl="5" indent="-342900" algn="l" rtl="0">
-              <a:lnSpc>
-                <a:spcPct val="100000"/>
-              </a:lnSpc>
-              <a:spcBef>
-                <a:spcPts val="0"/>
-              </a:spcBef>
-              <a:spcAft>
-                <a:spcPts val="0"/>
-              </a:spcAft>
-              <a:buClr>
-                <a:srgbClr val="FFCD00"/>
-              </a:buClr>
-              <a:buSzPts val="1800"/>
-              <a:buFont typeface="Quattrocento Sans"/>
-              <a:buChar char="■"/>
-              <a:defRPr sz="1800" b="0" i="0" u="none" strike="noStrike" cap="none">
-                <a:solidFill>
-                  <a:srgbClr val="000000"/>
-                </a:solidFill>
-                <a:latin typeface="Quattrocento Sans"/>
-                <a:ea typeface="Quattrocento Sans"/>
-                <a:cs typeface="Quattrocento Sans"/>
-                <a:sym typeface="Quattrocento Sans"/>
-              </a:defRPr>
-            </a:lvl6pPr>
-            <a:lvl7pPr marL="3200400" marR="0" lvl="6" indent="-342900" algn="l" rtl="0">
-              <a:lnSpc>
-                <a:spcPct val="100000"/>
-              </a:lnSpc>
-              <a:spcBef>
-                <a:spcPts val="0"/>
-              </a:spcBef>
-              <a:spcAft>
-                <a:spcPts val="0"/>
-              </a:spcAft>
-              <a:buClr>
-                <a:srgbClr val="FFCD00"/>
-              </a:buClr>
-              <a:buSzPts val="1800"/>
-              <a:buFont typeface="Quattrocento Sans"/>
-              <a:buChar char="●"/>
-              <a:defRPr sz="1800" b="0" i="0" u="none" strike="noStrike" cap="none">
-                <a:solidFill>
-                  <a:srgbClr val="000000"/>
-                </a:solidFill>
-                <a:latin typeface="Quattrocento Sans"/>
-                <a:ea typeface="Quattrocento Sans"/>
-                <a:cs typeface="Quattrocento Sans"/>
-                <a:sym typeface="Quattrocento Sans"/>
-              </a:defRPr>
-            </a:lvl7pPr>
-            <a:lvl8pPr marL="3657600" marR="0" lvl="7" indent="-342900" algn="l" rtl="0">
-              <a:lnSpc>
-                <a:spcPct val="100000"/>
-              </a:lnSpc>
-              <a:spcBef>
-                <a:spcPts val="0"/>
-              </a:spcBef>
-              <a:spcAft>
-                <a:spcPts val="0"/>
-              </a:spcAft>
-              <a:buClr>
-                <a:srgbClr val="FFCD00"/>
-              </a:buClr>
-              <a:buSzPts val="1800"/>
-              <a:buFont typeface="Quattrocento Sans"/>
-              <a:buChar char="○"/>
-              <a:defRPr sz="1800" b="0" i="0" u="none" strike="noStrike" cap="none">
-                <a:solidFill>
-                  <a:srgbClr val="000000"/>
-                </a:solidFill>
-                <a:latin typeface="Quattrocento Sans"/>
-                <a:ea typeface="Quattrocento Sans"/>
-                <a:cs typeface="Quattrocento Sans"/>
-                <a:sym typeface="Quattrocento Sans"/>
-              </a:defRPr>
-            </a:lvl8pPr>
-            <a:lvl9pPr marL="4114800" marR="0" lvl="8" indent="-342900" algn="l" rtl="0">
-              <a:lnSpc>
-                <a:spcPct val="100000"/>
-              </a:lnSpc>
-              <a:spcBef>
-                <a:spcPts val="0"/>
-              </a:spcBef>
-              <a:spcAft>
-                <a:spcPts val="0"/>
-              </a:spcAft>
-              <a:buClr>
-                <a:srgbClr val="FFCD00"/>
-              </a:buClr>
-              <a:buSzPts val="1800"/>
-              <a:buFont typeface="Quattrocento Sans"/>
-              <a:buChar char="■"/>
-              <a:defRPr sz="1800" b="0" i="0" u="none" strike="noStrike" cap="none">
-                <a:solidFill>
-                  <a:srgbClr val="000000"/>
-                </a:solidFill>
-                <a:latin typeface="Quattrocento Sans"/>
-                <a:ea typeface="Quattrocento Sans"/>
-                <a:cs typeface="Quattrocento Sans"/>
-                <a:sym typeface="Quattrocento Sans"/>
-              </a:defRPr>
-            </a:lvl9pPr>
-          </a:lstStyle>
-          <a:p>
-            <a:r>
-              <a:rPr lang="en-US" altLang="zh-TW" sz="1800" b="1" dirty="0" smtClean="0">
-                <a:latin typeface="Lora" panose="02020500000000000000" charset="0"/>
-              </a:rPr>
-              <a:t>Some idea for method design</a:t>
-            </a:r>
-            <a:endParaRPr lang="en-US" altLang="zh-TW" sz="1600" u="sng" dirty="0" smtClean="0">
-              <a:latin typeface="Lora" panose="02020500000000000000" charset="0"/>
-            </a:endParaRPr>
-          </a:p>
-          <a:p>
-            <a:pPr marL="76200" indent="0">
-              <a:buNone/>
-            </a:pPr>
-            <a:r>
-              <a:rPr lang="en-US" altLang="zh-TW" sz="1600" dirty="0" smtClean="0">
-                <a:latin typeface="Lora" panose="02020500000000000000" charset="0"/>
-              </a:rPr>
-              <a:t>We will find out all situations that the box could not push any more. I think it must be a constraint. May be we will use some CSP problem’s spirits.  </a:t>
-            </a:r>
-            <a:r>
-              <a:rPr lang="en-US" altLang="zh-TW" sz="1600" dirty="0" err="1" smtClean="0">
-                <a:latin typeface="Lora" panose="02020500000000000000" charset="0"/>
-              </a:rPr>
-              <a:t>Also,I</a:t>
-            </a:r>
-            <a:r>
-              <a:rPr lang="en-US" altLang="zh-TW" sz="1600" dirty="0" smtClean="0">
-                <a:latin typeface="Lora" panose="02020500000000000000" charset="0"/>
-              </a:rPr>
-              <a:t> will research which search method is suitable for </a:t>
-            </a:r>
-            <a:r>
-              <a:rPr lang="en-US" altLang="zh-TW" sz="1600" u="sng" dirty="0" err="1" smtClean="0">
-                <a:latin typeface="Lora" panose="02020500000000000000" charset="0"/>
-              </a:rPr>
-              <a:t>Sōkoban</a:t>
-            </a:r>
-            <a:r>
-              <a:rPr lang="en-US" altLang="zh-TW" sz="1600" dirty="0" smtClean="0">
-                <a:latin typeface="Lora" panose="02020500000000000000" charset="0"/>
-              </a:rPr>
-              <a:t>.</a:t>
-            </a:r>
-            <a:endParaRPr lang="en-US" altLang="zh-TW" sz="1600" dirty="0"/>
-          </a:p>
-        </p:txBody>
-      </p:sp>
-      <p:pic>
-        <p:nvPicPr>
-          <p:cNvPr id="3" name="圖片 2"/>
-          <p:cNvPicPr>
-            <a:picLocks noChangeAspect="1"/>
-          </p:cNvPicPr>
-          <p:nvPr/>
-        </p:nvPicPr>
-        <p:blipFill>
-          <a:blip r:embed="rId3"/>
-          <a:stretch>
-            <a:fillRect/>
-          </a:stretch>
-        </p:blipFill>
-        <p:spPr>
-          <a:xfrm>
-            <a:off x="916458" y="1011551"/>
-            <a:ext cx="257834" cy="257834"/>
-          </a:xfrm>
-          <a:prstGeom prst="rect">
-            <a:avLst/>
-          </a:prstGeom>
-        </p:spPr>
-      </p:pic>
-    </p:spTree>
-    <p:extLst>
-      <p:ext uri="{BB962C8B-B14F-4D97-AF65-F5344CB8AC3E}">
-        <p14:creationId xmlns:p14="http://schemas.microsoft.com/office/powerpoint/2010/main" val="2011568003"/>
-      </p:ext>
-    </p:extLst>
-  </p:cSld>
-  <p:clrMapOvr>
-    <a:masterClrMapping/>
-  </p:clrMapOvr>
-  <mc:AlternateContent xmlns:mc="http://schemas.openxmlformats.org/markup-compatibility/2006" xmlns:p14="http://schemas.microsoft.com/office/powerpoint/2010/main">
-    <mc:Choice Requires="p14">
-      <p:transition p14:dur="0"/>
-    </mc:Choice>
-    <mc:Fallback xmlns="">
-      <p:transition/>
-    </mc:Fallback>
-  </mc:AlternateContent>
-  <p:timing>
-    <p:tnLst>
-      <p:par>
-        <p:cTn id="1" dur="indefinite" restart="never" nodeType="tmRoot"/>
-      </p:par>
-    </p:tnLst>
-  </p:timing>
-</p:sld>
-</file>
-
-<file path=ppt/slides/slide6.xml><?xml version="1.0" encoding="utf-8"?>
-<p:sld xmlns:a="http://schemas.openxmlformats.org/drawingml/2006/main" xmlns:r="http://schemas.openxmlformats.org/officeDocument/2006/relationships" xmlns:p="http://schemas.openxmlformats.org/presentationml/2006/main">
-  <p:cSld>
-    <p:spTree>
-      <p:nvGrpSpPr>
-        <p:cNvPr id="1" name="Shape 123"/>
-        <p:cNvGrpSpPr/>
-        <p:nvPr/>
-      </p:nvGrpSpPr>
-      <p:grpSpPr>
-        <a:xfrm>
-          <a:off x="0" y="0"/>
-          <a:ext cx="0" cy="0"/>
-          <a:chOff x="0" y="0"/>
-          <a:chExt cx="0" cy="0"/>
-        </a:xfrm>
-      </p:grpSpPr>
-      <p:sp>
-        <p:nvSpPr>
-          <p:cNvPr id="131" name="Google Shape;131;p17"/>
-          <p:cNvSpPr txBox="1">
-            <a:spLocks noGrp="1"/>
-          </p:cNvSpPr>
-          <p:nvPr>
-            <p:ph type="sldNum" idx="12"/>
-          </p:nvPr>
-        </p:nvSpPr>
-        <p:spPr>
-          <a:xfrm>
-            <a:off x="8543227" y="4749851"/>
-            <a:ext cx="548700" cy="393600"/>
-          </a:xfrm>
-          <a:prstGeom prst="rect">
-            <a:avLst/>
-          </a:prstGeom>
-        </p:spPr>
-        <p:txBody>
-          <a:bodyPr spcFirstLastPara="1" wrap="square" lIns="91425" tIns="91425" rIns="91425" bIns="91425" anchor="t" anchorCtr="0">
-            <a:noAutofit/>
-          </a:bodyPr>
-          <a:lstStyle/>
-          <a:p>
-            <a:pPr marL="0" lvl="0" indent="0" algn="r" rtl="0">
-              <a:spcBef>
-                <a:spcPts val="0"/>
-              </a:spcBef>
-              <a:spcAft>
-                <a:spcPts val="0"/>
-              </a:spcAft>
-              <a:buNone/>
-            </a:pPr>
-            <a:fld id="{00000000-1234-1234-1234-123412341234}" type="slidenum">
-              <a:rPr lang="en"/>
-              <a:t>6</a:t>
+              <a:t>9</a:t>
             </a:fld>
             <a:endParaRPr/>
           </a:p>
@@ -8165,14 +12939,11 @@
               <a:buNone/>
             </a:pPr>
             <a:r>
-              <a:rPr lang="en-US" sz="1600" dirty="0" smtClean="0">
+              <a:rPr lang="en-US" sz="1600" dirty="0">
                 <a:latin typeface="Lora" panose="02020500000000000000" charset="0"/>
               </a:rPr>
               <a:t>Maybe in the future a carrier robot will suffer from this scenario in warehouse, then the method will solve such situation.</a:t>
             </a:r>
-            <a:endParaRPr lang="en-US" sz="1600" dirty="0">
-              <a:latin typeface="Lora" panose="02020500000000000000" charset="0"/>
-            </a:endParaRPr>
           </a:p>
         </p:txBody>
       </p:sp>
@@ -8350,906 +13121,6 @@
   <p:clrMapOvr>
     <a:masterClrMapping/>
   </p:clrMapOvr>
-  <mc:AlternateContent xmlns:mc="http://schemas.openxmlformats.org/markup-compatibility/2006" xmlns:p14="http://schemas.microsoft.com/office/powerpoint/2010/main">
-    <mc:Choice Requires="p14">
-      <p:transition p14:dur="0"/>
-    </mc:Choice>
-    <mc:Fallback xmlns="">
-      <p:transition/>
-    </mc:Fallback>
-  </mc:AlternateContent>
-  <p:timing>
-    <p:tnLst>
-      <p:par>
-        <p:cTn id="1" dur="indefinite" restart="never" nodeType="tmRoot"/>
-      </p:par>
-    </p:tnLst>
-  </p:timing>
-</p:sld>
-</file>
-
-<file path=ppt/slides/slide7.xml><?xml version="1.0" encoding="utf-8"?>
-<p:sld xmlns:a="http://schemas.openxmlformats.org/drawingml/2006/main" xmlns:r="http://schemas.openxmlformats.org/officeDocument/2006/relationships" xmlns:p="http://schemas.openxmlformats.org/presentationml/2006/main">
-  <p:cSld>
-    <p:spTree>
-      <p:nvGrpSpPr>
-        <p:cNvPr id="1" name="Shape 156"/>
-        <p:cNvGrpSpPr/>
-        <p:nvPr/>
-      </p:nvGrpSpPr>
-      <p:grpSpPr>
-        <a:xfrm>
-          <a:off x="0" y="0"/>
-          <a:ext cx="0" cy="0"/>
-          <a:chOff x="0" y="0"/>
-          <a:chExt cx="0" cy="0"/>
-        </a:xfrm>
-      </p:grpSpPr>
-      <p:sp>
-        <p:nvSpPr>
-          <p:cNvPr id="157" name="Google Shape;157;p19"/>
-          <p:cNvSpPr txBox="1">
-            <a:spLocks noGrp="1"/>
-          </p:cNvSpPr>
-          <p:nvPr>
-            <p:ph type="body" idx="1"/>
-          </p:nvPr>
-        </p:nvSpPr>
-        <p:spPr>
-          <a:xfrm>
-            <a:off x="1381250" y="1524000"/>
-            <a:ext cx="3425400" cy="651641"/>
-          </a:xfrm>
-          <a:prstGeom prst="rect">
-            <a:avLst/>
-          </a:prstGeom>
-        </p:spPr>
-        <p:txBody>
-          <a:bodyPr spcFirstLastPara="1" wrap="square" lIns="91425" tIns="91425" rIns="91425" bIns="91425" anchor="t" anchorCtr="0">
-            <a:noAutofit/>
-          </a:bodyPr>
-          <a:lstStyle/>
-          <a:p>
-            <a:pPr marL="0" lvl="0" indent="0" algn="l" rtl="0">
-              <a:spcBef>
-                <a:spcPts val="600"/>
-              </a:spcBef>
-              <a:spcAft>
-                <a:spcPts val="0"/>
-              </a:spcAft>
-              <a:buNone/>
-            </a:pPr>
-            <a:r>
-              <a:rPr lang="en" b="1" dirty="0" smtClean="0">
-                <a:highlight>
-                  <a:srgbClr val="FFCD00"/>
-                </a:highlight>
-                <a:latin typeface="Lora" panose="02020500000000000000" charset="0"/>
-              </a:rPr>
-              <a:t>Device and tools</a:t>
-            </a:r>
-            <a:endParaRPr lang="en" dirty="0">
-              <a:highlight>
-                <a:srgbClr val="FFCD00"/>
-              </a:highlight>
-              <a:latin typeface="Lora" panose="02020500000000000000" charset="0"/>
-            </a:endParaRPr>
-          </a:p>
-          <a:p>
-            <a:pPr marL="0" lvl="0" indent="0" algn="l" rtl="0">
-              <a:spcBef>
-                <a:spcPts val="600"/>
-              </a:spcBef>
-              <a:spcAft>
-                <a:spcPts val="0"/>
-              </a:spcAft>
-              <a:buNone/>
-            </a:pPr>
-            <a:endParaRPr lang="en-US" b="1" dirty="0">
-              <a:highlight>
-                <a:srgbClr val="FFCD00"/>
-              </a:highlight>
-            </a:endParaRPr>
-          </a:p>
-        </p:txBody>
-      </p:sp>
-      <p:sp>
-        <p:nvSpPr>
-          <p:cNvPr id="158" name="Google Shape;158;p19"/>
-          <p:cNvSpPr txBox="1">
-            <a:spLocks noGrp="1"/>
-          </p:cNvSpPr>
-          <p:nvPr>
-            <p:ph type="title"/>
-          </p:nvPr>
-        </p:nvSpPr>
-        <p:spPr>
-          <a:xfrm>
-            <a:off x="1381250" y="922668"/>
-            <a:ext cx="3878400" cy="435600"/>
-          </a:xfrm>
-          <a:prstGeom prst="rect">
-            <a:avLst/>
-          </a:prstGeom>
-        </p:spPr>
-        <p:txBody>
-          <a:bodyPr spcFirstLastPara="1" wrap="square" lIns="91425" tIns="91425" rIns="91425" bIns="91425" anchor="ctr" anchorCtr="0">
-            <a:noAutofit/>
-          </a:bodyPr>
-          <a:lstStyle/>
-          <a:p>
-            <a:pPr marL="0" lvl="0" indent="0" algn="l" rtl="0">
-              <a:spcBef>
-                <a:spcPts val="0"/>
-              </a:spcBef>
-              <a:spcAft>
-                <a:spcPts val="0"/>
-              </a:spcAft>
-              <a:buNone/>
-            </a:pPr>
-            <a:r>
-              <a:rPr lang="en-US" dirty="0" smtClean="0"/>
-              <a:t>Resource Required</a:t>
-            </a:r>
-            <a:endParaRPr dirty="0"/>
-          </a:p>
-        </p:txBody>
-      </p:sp>
-      <p:sp>
-        <p:nvSpPr>
-          <p:cNvPr id="159" name="Google Shape;159;p19"/>
-          <p:cNvSpPr txBox="1">
-            <a:spLocks noGrp="1"/>
-          </p:cNvSpPr>
-          <p:nvPr>
-            <p:ph type="body" idx="2"/>
-          </p:nvPr>
-        </p:nvSpPr>
-        <p:spPr>
-          <a:xfrm>
-            <a:off x="4806650" y="1518851"/>
-            <a:ext cx="3425400" cy="656790"/>
-          </a:xfrm>
-          <a:prstGeom prst="rect">
-            <a:avLst/>
-          </a:prstGeom>
-        </p:spPr>
-        <p:txBody>
-          <a:bodyPr spcFirstLastPara="1" wrap="square" lIns="91425" tIns="91425" rIns="91425" bIns="91425" anchor="t" anchorCtr="0">
-            <a:noAutofit/>
-          </a:bodyPr>
-          <a:lstStyle/>
-          <a:p>
-            <a:pPr marL="0" lvl="0" indent="0" algn="l" rtl="0">
-              <a:spcBef>
-                <a:spcPts val="600"/>
-              </a:spcBef>
-              <a:spcAft>
-                <a:spcPts val="0"/>
-              </a:spcAft>
-              <a:buNone/>
-            </a:pPr>
-            <a:r>
-              <a:rPr lang="en" b="1" dirty="0" smtClean="0">
-                <a:highlight>
-                  <a:srgbClr val="FFCD00"/>
-                </a:highlight>
-                <a:latin typeface="Lora" panose="02020500000000000000" charset="0"/>
-              </a:rPr>
-              <a:t>Human Resource</a:t>
-            </a:r>
-            <a:endParaRPr b="1" dirty="0">
-              <a:highlight>
-                <a:srgbClr val="FFCD00"/>
-              </a:highlight>
-              <a:latin typeface="Lora" panose="02020500000000000000" charset="0"/>
-            </a:endParaRPr>
-          </a:p>
-        </p:txBody>
-      </p:sp>
-      <p:sp>
-        <p:nvSpPr>
-          <p:cNvPr id="165" name="Google Shape;165;p19"/>
-          <p:cNvSpPr txBox="1">
-            <a:spLocks noGrp="1"/>
-          </p:cNvSpPr>
-          <p:nvPr>
-            <p:ph type="sldNum" idx="12"/>
-          </p:nvPr>
-        </p:nvSpPr>
-        <p:spPr>
-          <a:xfrm>
-            <a:off x="8543227" y="4749851"/>
-            <a:ext cx="548700" cy="393600"/>
-          </a:xfrm>
-          <a:prstGeom prst="rect">
-            <a:avLst/>
-          </a:prstGeom>
-        </p:spPr>
-        <p:txBody>
-          <a:bodyPr spcFirstLastPara="1" wrap="square" lIns="91425" tIns="91425" rIns="91425" bIns="91425" anchor="t" anchorCtr="0">
-            <a:noAutofit/>
-          </a:bodyPr>
-          <a:lstStyle/>
-          <a:p>
-            <a:pPr marL="0" lvl="0" indent="0" algn="r" rtl="0">
-              <a:spcBef>
-                <a:spcPts val="0"/>
-              </a:spcBef>
-              <a:spcAft>
-                <a:spcPts val="0"/>
-              </a:spcAft>
-              <a:buNone/>
-            </a:pPr>
-            <a:fld id="{00000000-1234-1234-1234-123412341234}" type="slidenum">
-              <a:rPr lang="en"/>
-              <a:t>7</a:t>
-            </a:fld>
-            <a:endParaRPr/>
-          </a:p>
-        </p:txBody>
-      </p:sp>
-      <p:sp>
-        <p:nvSpPr>
-          <p:cNvPr id="3" name="文字方塊 2"/>
-          <p:cNvSpPr txBox="1"/>
-          <p:nvPr/>
-        </p:nvSpPr>
-        <p:spPr>
-          <a:xfrm>
-            <a:off x="1381249" y="2175641"/>
-            <a:ext cx="2423495" cy="523220"/>
-          </a:xfrm>
-          <a:prstGeom prst="rect">
-            <a:avLst/>
-          </a:prstGeom>
-          <a:noFill/>
-        </p:spPr>
-        <p:txBody>
-          <a:bodyPr wrap="square" rtlCol="0">
-            <a:spAutoFit/>
-          </a:bodyPr>
-          <a:lstStyle/>
-          <a:p>
-            <a:pPr marL="285750" indent="-285750">
-              <a:buFont typeface="Arial" panose="020B0604020202020204" pitchFamily="34" charset="0"/>
-              <a:buChar char="•"/>
-            </a:pPr>
-            <a:r>
-              <a:rPr lang="en-US" altLang="zh-TW" dirty="0" smtClean="0">
-                <a:latin typeface="Lora" panose="02020500000000000000" charset="0"/>
-              </a:rPr>
-              <a:t>Computer or notebook</a:t>
-            </a:r>
-          </a:p>
-          <a:p>
-            <a:pPr marL="285750" indent="-285750">
-              <a:buFont typeface="Arial" panose="020B0604020202020204" pitchFamily="34" charset="0"/>
-              <a:buChar char="•"/>
-            </a:pPr>
-            <a:r>
-              <a:rPr lang="en-US" altLang="zh-TW" dirty="0" smtClean="0">
-                <a:latin typeface="Lora" panose="02020500000000000000" charset="0"/>
-              </a:rPr>
-              <a:t>Fresh liver</a:t>
-            </a:r>
-            <a:endParaRPr lang="zh-TW" altLang="en-US" dirty="0">
-              <a:latin typeface="Lora" panose="02020500000000000000" charset="0"/>
-            </a:endParaRPr>
-          </a:p>
-        </p:txBody>
-      </p:sp>
-      <p:sp>
-        <p:nvSpPr>
-          <p:cNvPr id="4" name="文字方塊 3"/>
-          <p:cNvSpPr txBox="1"/>
-          <p:nvPr/>
-        </p:nvSpPr>
-        <p:spPr>
-          <a:xfrm>
-            <a:off x="4806650" y="2175641"/>
-            <a:ext cx="2928964" cy="3108543"/>
-          </a:xfrm>
-          <a:prstGeom prst="rect">
-            <a:avLst/>
-          </a:prstGeom>
-          <a:noFill/>
-        </p:spPr>
-        <p:txBody>
-          <a:bodyPr wrap="square" rtlCol="0">
-            <a:spAutoFit/>
-          </a:bodyPr>
-          <a:lstStyle/>
-          <a:p>
-            <a:r>
-              <a:rPr lang="en-US" altLang="zh-TW" u="sng" dirty="0" smtClean="0">
-                <a:latin typeface="Lora" panose="02020500000000000000" charset="0"/>
-              </a:rPr>
-              <a:t>Terry Huang</a:t>
-            </a:r>
-          </a:p>
-          <a:p>
-            <a:r>
-              <a:rPr lang="en-US" altLang="zh-TW" dirty="0" smtClean="0">
-                <a:latin typeface="Lora" panose="02020500000000000000" charset="0"/>
-              </a:rPr>
-              <a:t>Task: </a:t>
-            </a:r>
-            <a:r>
-              <a:rPr lang="en-US" altLang="zh-TW" dirty="0">
-                <a:latin typeface="Lora" panose="02020500000000000000" charset="0"/>
-              </a:rPr>
-              <a:t>M</a:t>
-            </a:r>
-            <a:r>
-              <a:rPr lang="en-US" altLang="zh-TW" dirty="0" smtClean="0">
-                <a:latin typeface="Lora" panose="02020500000000000000" charset="0"/>
-              </a:rPr>
-              <a:t>ethod design</a:t>
-            </a:r>
-          </a:p>
-          <a:p>
-            <a:endParaRPr lang="en-US" altLang="zh-TW" dirty="0" smtClean="0">
-              <a:latin typeface="Lora" panose="02020500000000000000" charset="0"/>
-            </a:endParaRPr>
-          </a:p>
-          <a:p>
-            <a:r>
-              <a:rPr lang="en-US" altLang="zh-TW" u="sng" dirty="0" smtClean="0">
-                <a:latin typeface="Lora" panose="02020500000000000000" charset="0"/>
-              </a:rPr>
-              <a:t>Jacky Lin</a:t>
-            </a:r>
-          </a:p>
-          <a:p>
-            <a:r>
-              <a:rPr lang="en-US" altLang="zh-TW" dirty="0" smtClean="0">
-                <a:latin typeface="Lora" panose="02020500000000000000" charset="0"/>
-              </a:rPr>
-              <a:t>Task: </a:t>
-            </a:r>
-            <a:r>
-              <a:rPr lang="en-US" altLang="zh-TW" dirty="0">
-                <a:latin typeface="Lora" panose="02020500000000000000" charset="0"/>
-              </a:rPr>
-              <a:t>G</a:t>
-            </a:r>
-            <a:r>
-              <a:rPr lang="en-US" altLang="zh-TW" dirty="0" smtClean="0">
-                <a:latin typeface="Lora" panose="02020500000000000000" charset="0"/>
-              </a:rPr>
-              <a:t>ame implementation,</a:t>
-            </a:r>
-          </a:p>
-          <a:p>
-            <a:r>
-              <a:rPr lang="en-US" altLang="zh-TW" dirty="0" smtClean="0">
-                <a:latin typeface="Lora" panose="02020500000000000000" charset="0"/>
-              </a:rPr>
-              <a:t>Method design </a:t>
-            </a:r>
-          </a:p>
-          <a:p>
-            <a:endParaRPr lang="en-US" altLang="zh-TW" dirty="0" smtClean="0">
-              <a:latin typeface="Lora" panose="02020500000000000000" charset="0"/>
-            </a:endParaRPr>
-          </a:p>
-          <a:p>
-            <a:r>
-              <a:rPr lang="en-US" altLang="zh-TW" u="sng" dirty="0" err="1" smtClean="0">
-                <a:latin typeface="Lora" panose="02020500000000000000" charset="0"/>
-              </a:rPr>
-              <a:t>Jia</a:t>
-            </a:r>
-            <a:r>
-              <a:rPr lang="en-US" altLang="zh-TW" u="sng" dirty="0" smtClean="0">
-                <a:latin typeface="Lora" panose="02020500000000000000" charset="0"/>
-              </a:rPr>
-              <a:t> </a:t>
-            </a:r>
-            <a:r>
-              <a:rPr lang="en-US" altLang="zh-TW" u="sng" dirty="0" err="1">
-                <a:latin typeface="Lora" panose="02020500000000000000" charset="0"/>
-              </a:rPr>
-              <a:t>huan</a:t>
-            </a:r>
-            <a:r>
-              <a:rPr lang="en-US" altLang="zh-TW" u="sng" dirty="0">
-                <a:latin typeface="Lora" panose="02020500000000000000" charset="0"/>
-              </a:rPr>
-              <a:t> Hong</a:t>
-            </a:r>
-          </a:p>
-          <a:p>
-            <a:r>
-              <a:rPr lang="en-US" altLang="zh-TW" dirty="0" smtClean="0">
-                <a:latin typeface="Lora" panose="02020500000000000000" charset="0"/>
-              </a:rPr>
-              <a:t>Task: Presentation </a:t>
-            </a:r>
-            <a:r>
-              <a:rPr lang="en-US" altLang="zh-TW" dirty="0" err="1" smtClean="0">
-                <a:latin typeface="Lora" panose="02020500000000000000" charset="0"/>
-              </a:rPr>
-              <a:t>design,odds</a:t>
-            </a:r>
-            <a:r>
-              <a:rPr lang="en-US" altLang="zh-TW" dirty="0" smtClean="0">
-                <a:latin typeface="Lora" panose="02020500000000000000" charset="0"/>
-              </a:rPr>
-              <a:t> and ends</a:t>
-            </a:r>
-          </a:p>
-          <a:p>
-            <a:endParaRPr lang="en-US" altLang="zh-TW" dirty="0" smtClean="0"/>
-          </a:p>
-          <a:p>
-            <a:endParaRPr lang="en-US" altLang="zh-TW" dirty="0" smtClean="0"/>
-          </a:p>
-          <a:p>
-            <a:endParaRPr lang="en-US" altLang="zh-TW" dirty="0" smtClean="0"/>
-          </a:p>
-          <a:p>
-            <a:endParaRPr lang="en-US" altLang="zh-TW" dirty="0" smtClean="0"/>
-          </a:p>
-        </p:txBody>
-      </p:sp>
-      <p:pic>
-        <p:nvPicPr>
-          <p:cNvPr id="2" name="圖片 1"/>
-          <p:cNvPicPr>
-            <a:picLocks noChangeAspect="1"/>
-          </p:cNvPicPr>
-          <p:nvPr/>
-        </p:nvPicPr>
-        <p:blipFill>
-          <a:blip r:embed="rId3"/>
-          <a:stretch>
-            <a:fillRect/>
-          </a:stretch>
-        </p:blipFill>
-        <p:spPr>
-          <a:xfrm>
-            <a:off x="4471341" y="1670447"/>
-            <a:ext cx="335309" cy="353599"/>
-          </a:xfrm>
-          <a:prstGeom prst="rect">
-            <a:avLst/>
-          </a:prstGeom>
-        </p:spPr>
-      </p:pic>
-      <p:pic>
-        <p:nvPicPr>
-          <p:cNvPr id="5" name="圖片 4"/>
-          <p:cNvPicPr>
-            <a:picLocks noChangeAspect="1"/>
-          </p:cNvPicPr>
-          <p:nvPr/>
-        </p:nvPicPr>
-        <p:blipFill>
-          <a:blip r:embed="rId4"/>
-          <a:stretch>
-            <a:fillRect/>
-          </a:stretch>
-        </p:blipFill>
-        <p:spPr>
-          <a:xfrm>
-            <a:off x="978878" y="1670447"/>
-            <a:ext cx="402371" cy="377985"/>
-          </a:xfrm>
-          <a:prstGeom prst="rect">
-            <a:avLst/>
-          </a:prstGeom>
-        </p:spPr>
-      </p:pic>
-      <p:pic>
-        <p:nvPicPr>
-          <p:cNvPr id="6" name="圖片 5"/>
-          <p:cNvPicPr>
-            <a:picLocks noChangeAspect="1"/>
-          </p:cNvPicPr>
-          <p:nvPr/>
-        </p:nvPicPr>
-        <p:blipFill>
-          <a:blip r:embed="rId5"/>
-          <a:stretch>
-            <a:fillRect/>
-          </a:stretch>
-        </p:blipFill>
-        <p:spPr>
-          <a:xfrm>
-            <a:off x="889770" y="995321"/>
-            <a:ext cx="290293" cy="290293"/>
-          </a:xfrm>
-          <a:prstGeom prst="rect">
-            <a:avLst/>
-          </a:prstGeom>
-        </p:spPr>
-      </p:pic>
-    </p:spTree>
-    <p:extLst>
-      <p:ext uri="{BB962C8B-B14F-4D97-AF65-F5344CB8AC3E}">
-        <p14:creationId xmlns:p14="http://schemas.microsoft.com/office/powerpoint/2010/main" val="177175059"/>
-      </p:ext>
-    </p:extLst>
-  </p:cSld>
-  <p:clrMapOvr>
-    <a:masterClrMapping/>
-  </p:clrMapOvr>
-  <mc:AlternateContent xmlns:mc="http://schemas.openxmlformats.org/markup-compatibility/2006" xmlns:p14="http://schemas.microsoft.com/office/powerpoint/2010/main">
-    <mc:Choice Requires="p14">
-      <p:transition p14:dur="0"/>
-    </mc:Choice>
-    <mc:Fallback xmlns="">
-      <p:transition/>
-    </mc:Fallback>
-  </mc:AlternateContent>
-  <p:timing>
-    <p:tnLst>
-      <p:par>
-        <p:cTn id="1" dur="indefinite" restart="never" nodeType="tmRoot"/>
-      </p:par>
-    </p:tnLst>
-  </p:timing>
-</p:sld>
-</file>
-
-<file path=ppt/slides/slide8.xml><?xml version="1.0" encoding="utf-8"?>
-<p:sld xmlns:a="http://schemas.openxmlformats.org/drawingml/2006/main" xmlns:r="http://schemas.openxmlformats.org/officeDocument/2006/relationships" xmlns:p="http://schemas.openxmlformats.org/presentationml/2006/main">
-  <p:cSld>
-    <p:spTree>
-      <p:nvGrpSpPr>
-        <p:cNvPr id="1" name=""/>
-        <p:cNvGrpSpPr/>
-        <p:nvPr/>
-      </p:nvGrpSpPr>
-      <p:grpSpPr>
-        <a:xfrm>
-          <a:off x="0" y="0"/>
-          <a:ext cx="0" cy="0"/>
-          <a:chOff x="0" y="0"/>
-          <a:chExt cx="0" cy="0"/>
-        </a:xfrm>
-      </p:grpSpPr>
-      <p:sp>
-        <p:nvSpPr>
-          <p:cNvPr id="2" name="標題 1"/>
-          <p:cNvSpPr>
-            <a:spLocks noGrp="1"/>
-          </p:cNvSpPr>
-          <p:nvPr>
-            <p:ph type="title"/>
-          </p:nvPr>
-        </p:nvSpPr>
-        <p:spPr/>
-        <p:txBody>
-          <a:bodyPr/>
-          <a:lstStyle/>
-          <a:p>
-            <a:r>
-              <a:rPr lang="en-US" altLang="zh-TW" dirty="0"/>
-              <a:t>Schedule</a:t>
-            </a:r>
-            <a:endParaRPr lang="zh-TW" altLang="en-US" dirty="0"/>
-          </a:p>
-        </p:txBody>
-      </p:sp>
-      <p:sp>
-        <p:nvSpPr>
-          <p:cNvPr id="5" name="投影片編號版面配置區 4"/>
-          <p:cNvSpPr>
-            <a:spLocks noGrp="1"/>
-          </p:cNvSpPr>
-          <p:nvPr>
-            <p:ph type="sldNum" idx="12"/>
-          </p:nvPr>
-        </p:nvSpPr>
-        <p:spPr/>
-        <p:txBody>
-          <a:bodyPr/>
-          <a:lstStyle/>
-          <a:p>
-            <a:pPr marL="0" lvl="0" indent="0" algn="r" rtl="0">
-              <a:spcBef>
-                <a:spcPts val="0"/>
-              </a:spcBef>
-              <a:spcAft>
-                <a:spcPts val="0"/>
-              </a:spcAft>
-              <a:buNone/>
-            </a:pPr>
-            <a:fld id="{00000000-1234-1234-1234-123412341234}" type="slidenum">
-              <a:rPr lang="en" smtClean="0"/>
-              <a:t>8</a:t>
-            </a:fld>
-            <a:endParaRPr lang="en"/>
-          </a:p>
-        </p:txBody>
-      </p:sp>
-      <p:pic>
-        <p:nvPicPr>
-          <p:cNvPr id="3" name="圖片 2"/>
-          <p:cNvPicPr>
-            <a:picLocks noChangeAspect="1"/>
-          </p:cNvPicPr>
-          <p:nvPr/>
-        </p:nvPicPr>
-        <p:blipFill>
-          <a:blip r:embed="rId3"/>
-          <a:stretch>
-            <a:fillRect/>
-          </a:stretch>
-        </p:blipFill>
-        <p:spPr>
-          <a:xfrm>
-            <a:off x="884746" y="999929"/>
-            <a:ext cx="281903" cy="262462"/>
-          </a:xfrm>
-          <a:prstGeom prst="rect">
-            <a:avLst/>
-          </a:prstGeom>
-        </p:spPr>
-      </p:pic>
-      <p:pic>
-        <p:nvPicPr>
-          <p:cNvPr id="6" name="圖片 5"/>
-          <p:cNvPicPr>
-            <a:picLocks noChangeAspect="1"/>
-          </p:cNvPicPr>
-          <p:nvPr/>
-        </p:nvPicPr>
-        <p:blipFill>
-          <a:blip r:embed="rId4"/>
-          <a:stretch>
-            <a:fillRect/>
-          </a:stretch>
-        </p:blipFill>
-        <p:spPr>
-          <a:xfrm>
-            <a:off x="472966" y="2120610"/>
-            <a:ext cx="8250621" cy="1918533"/>
-          </a:xfrm>
-          <a:prstGeom prst="rect">
-            <a:avLst/>
-          </a:prstGeom>
-        </p:spPr>
-      </p:pic>
-    </p:spTree>
-    <p:extLst>
-      <p:ext uri="{BB962C8B-B14F-4D97-AF65-F5344CB8AC3E}">
-        <p14:creationId xmlns:p14="http://schemas.microsoft.com/office/powerpoint/2010/main" val="152638998"/>
-      </p:ext>
-    </p:extLst>
-  </p:cSld>
-  <p:clrMapOvr>
-    <a:masterClrMapping/>
-  </p:clrMapOvr>
-  <mc:AlternateContent xmlns:mc="http://schemas.openxmlformats.org/markup-compatibility/2006" xmlns:p14="http://schemas.microsoft.com/office/powerpoint/2010/main">
-    <mc:Choice Requires="p14">
-      <p:transition p14:dur="0"/>
-    </mc:Choice>
-    <mc:Fallback xmlns="">
-      <p:transition/>
-    </mc:Fallback>
-  </mc:AlternateContent>
-  <p:timing>
-    <p:tnLst>
-      <p:par>
-        <p:cTn id="1" dur="indefinite" restart="never" nodeType="tmRoot"/>
-      </p:par>
-    </p:tnLst>
-  </p:timing>
-</p:sld>
-</file>
-
-<file path=ppt/slides/slide9.xml><?xml version="1.0" encoding="utf-8"?>
-<p:sld xmlns:a="http://schemas.openxmlformats.org/drawingml/2006/main" xmlns:r="http://schemas.openxmlformats.org/officeDocument/2006/relationships" xmlns:p="http://schemas.openxmlformats.org/presentationml/2006/main">
-  <p:cSld>
-    <p:spTree>
-      <p:nvGrpSpPr>
-        <p:cNvPr id="1" name=""/>
-        <p:cNvGrpSpPr/>
-        <p:nvPr/>
-      </p:nvGrpSpPr>
-      <p:grpSpPr>
-        <a:xfrm>
-          <a:off x="0" y="0"/>
-          <a:ext cx="0" cy="0"/>
-          <a:chOff x="0" y="0"/>
-          <a:chExt cx="0" cy="0"/>
-        </a:xfrm>
-      </p:grpSpPr>
-      <p:sp>
-        <p:nvSpPr>
-          <p:cNvPr id="2" name="標題 1"/>
-          <p:cNvSpPr>
-            <a:spLocks noGrp="1"/>
-          </p:cNvSpPr>
-          <p:nvPr>
-            <p:ph type="title"/>
-          </p:nvPr>
-        </p:nvSpPr>
-        <p:spPr/>
-        <p:txBody>
-          <a:bodyPr/>
-          <a:lstStyle/>
-          <a:p>
-            <a:r>
-              <a:rPr lang="en-US" altLang="zh-TW" dirty="0" smtClean="0"/>
-              <a:t>Reference</a:t>
-            </a:r>
-            <a:endParaRPr lang="zh-TW" altLang="en-US" dirty="0"/>
-          </a:p>
-        </p:txBody>
-      </p:sp>
-      <p:sp>
-        <p:nvSpPr>
-          <p:cNvPr id="3" name="文字版面配置區 2"/>
-          <p:cNvSpPr>
-            <a:spLocks noGrp="1"/>
-          </p:cNvSpPr>
-          <p:nvPr>
-            <p:ph type="body" idx="1"/>
-          </p:nvPr>
-        </p:nvSpPr>
-        <p:spPr>
-          <a:xfrm>
-            <a:off x="788277" y="1618700"/>
-            <a:ext cx="7283668" cy="3231000"/>
-          </a:xfrm>
-        </p:spPr>
-        <p:txBody>
-          <a:bodyPr/>
-          <a:lstStyle/>
-          <a:p>
-            <a:r>
-              <a:rPr lang="en-US" altLang="zh-TW" dirty="0">
-                <a:latin typeface="Lora" panose="02020500000000000000" charset="0"/>
-                <a:hlinkClick r:id="rId2"/>
-              </a:rPr>
-              <a:t>SOKOBAN and other motion planning </a:t>
-            </a:r>
-            <a:r>
-              <a:rPr lang="en-US" altLang="zh-TW" dirty="0" smtClean="0">
-                <a:latin typeface="Lora" panose="02020500000000000000" charset="0"/>
-                <a:hlinkClick r:id="rId2"/>
-              </a:rPr>
-              <a:t>problems .</a:t>
-            </a:r>
-            <a:r>
-              <a:rPr lang="de-DE" altLang="zh-TW" dirty="0" smtClean="0">
-                <a:latin typeface="Lora" panose="02020500000000000000" charset="0"/>
-                <a:hlinkClick r:id="rId2"/>
-              </a:rPr>
-              <a:t>Dorit Dor .Uri Zwick. June </a:t>
-            </a:r>
-            <a:r>
-              <a:rPr lang="de-DE" altLang="zh-TW" dirty="0">
-                <a:latin typeface="Lora" panose="02020500000000000000" charset="0"/>
-                <a:hlinkClick r:id="rId2"/>
-              </a:rPr>
-              <a:t>25, 1996</a:t>
-            </a:r>
-            <a:endParaRPr lang="en-US" altLang="zh-TW" dirty="0">
-              <a:latin typeface="Lora" panose="02020500000000000000" charset="0"/>
-            </a:endParaRPr>
-          </a:p>
-          <a:p>
-            <a:r>
-              <a:rPr lang="en-US" altLang="zh-TW" dirty="0" smtClean="0">
-                <a:latin typeface="Lora" panose="02020500000000000000" charset="0"/>
-                <a:hlinkClick r:id="rId3"/>
-              </a:rPr>
-              <a:t>Willy A </a:t>
-            </a:r>
-            <a:r>
-              <a:rPr lang="en-US" altLang="zh-TW" dirty="0">
-                <a:latin typeface="Lora" panose="02020500000000000000" charset="0"/>
-                <a:hlinkClick r:id="rId3"/>
-              </a:rPr>
-              <a:t>Sokoban Solving Agent. Luis Rei, </a:t>
-            </a:r>
-            <a:r>
-              <a:rPr lang="en-US" altLang="zh-TW" dirty="0" err="1">
-                <a:latin typeface="Lora" panose="02020500000000000000" charset="0"/>
-                <a:hlinkClick r:id="rId3"/>
-              </a:rPr>
-              <a:t>Rui</a:t>
-            </a:r>
-            <a:r>
-              <a:rPr lang="en-US" altLang="zh-TW" dirty="0">
-                <a:latin typeface="Lora" panose="02020500000000000000" charset="0"/>
-                <a:hlinkClick r:id="rId3"/>
-              </a:rPr>
-              <a:t> Teixeira</a:t>
-            </a:r>
-            <a:endParaRPr lang="zh-TW" altLang="en-US" dirty="0">
-              <a:latin typeface="Lora" panose="02020500000000000000" charset="0"/>
-            </a:endParaRPr>
-          </a:p>
-        </p:txBody>
-      </p:sp>
-      <p:sp>
-        <p:nvSpPr>
-          <p:cNvPr id="5" name="投影片編號版面配置區 4"/>
-          <p:cNvSpPr>
-            <a:spLocks noGrp="1"/>
-          </p:cNvSpPr>
-          <p:nvPr>
-            <p:ph type="sldNum" idx="12"/>
-          </p:nvPr>
-        </p:nvSpPr>
-        <p:spPr/>
-        <p:txBody>
-          <a:bodyPr/>
-          <a:lstStyle/>
-          <a:p>
-            <a:pPr marL="0" lvl="0" indent="0" algn="r" rtl="0">
-              <a:spcBef>
-                <a:spcPts val="0"/>
-              </a:spcBef>
-              <a:spcAft>
-                <a:spcPts val="0"/>
-              </a:spcAft>
-              <a:buNone/>
-            </a:pPr>
-            <a:fld id="{00000000-1234-1234-1234-123412341234}" type="slidenum">
-              <a:rPr lang="en" smtClean="0"/>
-              <a:t>9</a:t>
-            </a:fld>
-            <a:endParaRPr lang="en"/>
-          </a:p>
-        </p:txBody>
-      </p:sp>
-      <p:pic>
-        <p:nvPicPr>
-          <p:cNvPr id="4" name="圖片 3"/>
-          <p:cNvPicPr>
-            <a:picLocks noChangeAspect="1"/>
-          </p:cNvPicPr>
-          <p:nvPr/>
-        </p:nvPicPr>
-        <p:blipFill>
-          <a:blip r:embed="rId4"/>
-          <a:stretch>
-            <a:fillRect/>
-          </a:stretch>
-        </p:blipFill>
-        <p:spPr>
-          <a:xfrm>
-            <a:off x="872360" y="1024764"/>
-            <a:ext cx="294289" cy="250145"/>
-          </a:xfrm>
-          <a:prstGeom prst="rect">
-            <a:avLst/>
-          </a:prstGeom>
-        </p:spPr>
-      </p:pic>
-    </p:spTree>
-    <p:extLst>
-      <p:ext uri="{BB962C8B-B14F-4D97-AF65-F5344CB8AC3E}">
-        <p14:creationId xmlns:p14="http://schemas.microsoft.com/office/powerpoint/2010/main" val="227442086"/>
-      </p:ext>
-    </p:extLst>
-  </p:cSld>
-  <p:clrMapOvr>
-    <a:masterClrMapping/>
-  </p:clrMapOvr>
-  <mc:AlternateContent xmlns:mc="http://schemas.openxmlformats.org/markup-compatibility/2006" xmlns:p14="http://schemas.microsoft.com/office/powerpoint/2010/main">
-    <mc:Choice Requires="p14">
-      <p:transition p14:dur="0"/>
-    </mc:Choice>
-    <mc:Fallback xmlns="">
-      <p:transition/>
-    </mc:Fallback>
-  </mc:AlternateContent>
-  <p:timing>
-    <p:tnLst>
-      <p:par>
-        <p:cTn id="1" dur="indefinite" restart="never" nodeType="tmRoot"/>
-      </p:par>
-    </p:tnLst>
-  </p:timing>
 </p:sld>
 </file>
 

--- a/Project/Team_1_project_proposal.pptx
+++ b/Project/Team_1_project_proposal.pptx
@@ -5,7 +5,7 @@
     <p:sldMasterId id="2147483658" r:id="rId1"/>
   </p:sldMasterIdLst>
   <p:notesMasterIdLst>
-    <p:notesMasterId r:id="rId18"/>
+    <p:notesMasterId r:id="rId22"/>
   </p:notesMasterIdLst>
   <p:sldIdLst>
     <p:sldId id="256" r:id="rId2"/>
@@ -19,28 +19,32 @@
     <p:sldId id="291" r:id="rId10"/>
     <p:sldId id="292" r:id="rId11"/>
     <p:sldId id="298" r:id="rId12"/>
-    <p:sldId id="286" r:id="rId13"/>
-    <p:sldId id="288" r:id="rId14"/>
-    <p:sldId id="287" r:id="rId15"/>
-    <p:sldId id="289" r:id="rId16"/>
-    <p:sldId id="290" r:id="rId17"/>
+    <p:sldId id="300" r:id="rId13"/>
+    <p:sldId id="299" r:id="rId14"/>
+    <p:sldId id="301" r:id="rId15"/>
+    <p:sldId id="302" r:id="rId16"/>
+    <p:sldId id="286" r:id="rId17"/>
+    <p:sldId id="288" r:id="rId18"/>
+    <p:sldId id="287" r:id="rId19"/>
+    <p:sldId id="289" r:id="rId20"/>
+    <p:sldId id="290" r:id="rId21"/>
   </p:sldIdLst>
   <p:sldSz cx="9144000" cy="5143500" type="screen16x9"/>
   <p:notesSz cx="6858000" cy="9144000"/>
   <p:embeddedFontLst>
     <p:embeddedFont>
       <p:font typeface="Lora" panose="02020500000000000000" charset="0"/>
-      <p:regular r:id="rId19"/>
-      <p:bold r:id="rId20"/>
-      <p:italic r:id="rId21"/>
-      <p:boldItalic r:id="rId22"/>
-    </p:embeddedFont>
-    <p:embeddedFont>
-      <p:font typeface="Quattrocento Sans" panose="02020500000000000000" charset="0"/>
       <p:regular r:id="rId23"/>
       <p:bold r:id="rId24"/>
       <p:italic r:id="rId25"/>
       <p:boldItalic r:id="rId26"/>
+    </p:embeddedFont>
+    <p:embeddedFont>
+      <p:font typeface="Quattrocento Sans" panose="02020500000000000000" charset="0"/>
+      <p:regular r:id="rId27"/>
+      <p:bold r:id="rId28"/>
+      <p:italic r:id="rId29"/>
+      <p:boldItalic r:id="rId30"/>
     </p:embeddedFont>
   </p:embeddedFontLst>
   <p:defaultTextStyle>
@@ -5394,7 +5398,10 @@
           <a:bodyPr/>
           <a:lstStyle/>
           <a:p>
-            <a:endParaRPr lang="zh-TW" altLang="en-US"/>
+            <a:r>
+              <a:rPr lang="zh-TW" altLang="en-US" dirty="0"/>
+              <a:t>討論結果</a:t>
+            </a:r>
           </a:p>
         </p:txBody>
       </p:sp>
@@ -5414,37 +5421,42 @@
             <p:ph type="body" idx="1"/>
           </p:nvPr>
         </p:nvSpPr>
-        <p:spPr/>
+        <p:spPr>
+          <a:xfrm>
+            <a:off x="1381249" y="2571750"/>
+            <a:ext cx="6934847" cy="568446"/>
+          </a:xfrm>
+        </p:spPr>
         <p:txBody>
           <a:bodyPr/>
           <a:lstStyle/>
           <a:p>
-            <a:endParaRPr lang="zh-TW" altLang="en-US"/>
-          </a:p>
-        </p:txBody>
-      </p:sp>
-      <p:sp>
-        <p:nvSpPr>
-          <p:cNvPr id="4" name="文字版面配置區 3">
-            <a:extLst>
-              <a:ext uri="{FF2B5EF4-FFF2-40B4-BE49-F238E27FC236}">
-                <a16:creationId xmlns:a16="http://schemas.microsoft.com/office/drawing/2014/main" id="{EBE5670C-1FC8-4636-BEC2-7D9168148C0D}"/>
-              </a:ext>
-            </a:extLst>
-          </p:cNvPr>
-          <p:cNvSpPr>
-            <a:spLocks noGrp="1"/>
-          </p:cNvSpPr>
-          <p:nvPr>
-            <p:ph type="body" idx="2"/>
-          </p:nvPr>
-        </p:nvSpPr>
-        <p:spPr/>
-        <p:txBody>
-          <a:bodyPr/>
-          <a:lstStyle/>
-          <a:p>
-            <a:endParaRPr lang="zh-TW" altLang="en-US"/>
+            <a:pPr marL="101600" indent="0">
+              <a:buNone/>
+            </a:pPr>
+            <a:r>
+              <a:rPr lang="en-US" altLang="zh-TW" dirty="0"/>
+              <a:t>Step 1 :</a:t>
+            </a:r>
+            <a:r>
+              <a:rPr lang="zh-TW" altLang="en-US" dirty="0"/>
+              <a:t>  先砍掉</a:t>
+            </a:r>
+            <a:r>
+              <a:rPr lang="zh-TW" altLang="en-US" b="1" dirty="0">
+                <a:solidFill>
+                  <a:schemeClr val="accent5">
+                    <a:lumMod val="75000"/>
+                  </a:schemeClr>
+                </a:solidFill>
+              </a:rPr>
+              <a:t>不可能的移動到的點</a:t>
+            </a:r>
+            <a:r>
+              <a:rPr lang="zh-TW" altLang="en-US" dirty="0"/>
+              <a:t>，減少搜索範圍。</a:t>
+            </a:r>
+            <a:endParaRPr lang="en-US" altLang="zh-TW" dirty="0"/>
           </a:p>
         </p:txBody>
       </p:sp>
@@ -5500,6 +5512,1048 @@
 </file>
 
 <file path=ppt/slides/slide12.xml><?xml version="1.0" encoding="utf-8"?>
+<p:sld xmlns:a="http://schemas.openxmlformats.org/drawingml/2006/main" xmlns:r="http://schemas.openxmlformats.org/officeDocument/2006/relationships" xmlns:p="http://schemas.openxmlformats.org/presentationml/2006/main">
+  <p:cSld>
+    <p:spTree>
+      <p:nvGrpSpPr>
+        <p:cNvPr id="1" name=""/>
+        <p:cNvGrpSpPr/>
+        <p:nvPr/>
+      </p:nvGrpSpPr>
+      <p:grpSpPr>
+        <a:xfrm>
+          <a:off x="0" y="0"/>
+          <a:ext cx="0" cy="0"/>
+          <a:chOff x="0" y="0"/>
+          <a:chExt cx="0" cy="0"/>
+        </a:xfrm>
+      </p:grpSpPr>
+      <p:sp>
+        <p:nvSpPr>
+          <p:cNvPr id="2" name="標題 1">
+            <a:extLst>
+              <a:ext uri="{FF2B5EF4-FFF2-40B4-BE49-F238E27FC236}">
+                <a16:creationId xmlns:a16="http://schemas.microsoft.com/office/drawing/2014/main" id="{21DDC372-5585-40BA-BF5F-CBAD3163DCED}"/>
+              </a:ext>
+            </a:extLst>
+          </p:cNvPr>
+          <p:cNvSpPr>
+            <a:spLocks noGrp="1"/>
+          </p:cNvSpPr>
+          <p:nvPr>
+            <p:ph type="title"/>
+          </p:nvPr>
+        </p:nvSpPr>
+        <p:spPr/>
+        <p:txBody>
+          <a:bodyPr/>
+          <a:lstStyle/>
+          <a:p>
+            <a:r>
+              <a:rPr lang="zh-TW" altLang="en-US" dirty="0"/>
+              <a:t>解說原因</a:t>
+            </a:r>
+          </a:p>
+        </p:txBody>
+      </p:sp>
+      <p:sp>
+        <p:nvSpPr>
+          <p:cNvPr id="5" name="投影片編號版面配置區 4">
+            <a:extLst>
+              <a:ext uri="{FF2B5EF4-FFF2-40B4-BE49-F238E27FC236}">
+                <a16:creationId xmlns:a16="http://schemas.microsoft.com/office/drawing/2014/main" id="{50029E61-3E99-460C-B2FC-54652E8A3164}"/>
+              </a:ext>
+            </a:extLst>
+          </p:cNvPr>
+          <p:cNvSpPr>
+            <a:spLocks noGrp="1"/>
+          </p:cNvSpPr>
+          <p:nvPr>
+            <p:ph type="sldNum" idx="12"/>
+          </p:nvPr>
+        </p:nvSpPr>
+        <p:spPr/>
+        <p:txBody>
+          <a:bodyPr/>
+          <a:lstStyle/>
+          <a:p>
+            <a:pPr marL="0" lvl="0" indent="0" algn="r" rtl="0">
+              <a:spcBef>
+                <a:spcPts val="0"/>
+              </a:spcBef>
+              <a:spcAft>
+                <a:spcPts val="0"/>
+              </a:spcAft>
+              <a:buNone/>
+            </a:pPr>
+            <a:fld id="{00000000-1234-1234-1234-123412341234}" type="slidenum">
+              <a:rPr lang="en" smtClean="0"/>
+              <a:t>12</a:t>
+            </a:fld>
+            <a:endParaRPr lang="en"/>
+          </a:p>
+        </p:txBody>
+      </p:sp>
+      <p:pic>
+        <p:nvPicPr>
+          <p:cNvPr id="6" name="圖片 5">
+            <a:extLst>
+              <a:ext uri="{FF2B5EF4-FFF2-40B4-BE49-F238E27FC236}">
+                <a16:creationId xmlns:a16="http://schemas.microsoft.com/office/drawing/2014/main" id="{8E318FE9-3868-470D-93A8-2CF1577E10F3}"/>
+              </a:ext>
+            </a:extLst>
+          </p:cNvPr>
+          <p:cNvPicPr>
+            <a:picLocks noChangeAspect="1"/>
+          </p:cNvPicPr>
+          <p:nvPr/>
+        </p:nvPicPr>
+        <p:blipFill>
+          <a:blip r:embed="rId2"/>
+          <a:stretch>
+            <a:fillRect/>
+          </a:stretch>
+        </p:blipFill>
+        <p:spPr>
+          <a:xfrm>
+            <a:off x="2998810" y="1589610"/>
+            <a:ext cx="3146380" cy="3160241"/>
+          </a:xfrm>
+          <a:prstGeom prst="rect">
+            <a:avLst/>
+          </a:prstGeom>
+        </p:spPr>
+      </p:pic>
+      <p:pic>
+        <p:nvPicPr>
+          <p:cNvPr id="8" name="圖片 7">
+            <a:extLst>
+              <a:ext uri="{FF2B5EF4-FFF2-40B4-BE49-F238E27FC236}">
+                <a16:creationId xmlns:a16="http://schemas.microsoft.com/office/drawing/2014/main" id="{F6BA58AA-C51C-4640-B3E2-790A0384B439}"/>
+              </a:ext>
+            </a:extLst>
+          </p:cNvPr>
+          <p:cNvPicPr>
+            <a:picLocks noChangeAspect="1"/>
+          </p:cNvPicPr>
+          <p:nvPr/>
+        </p:nvPicPr>
+        <p:blipFill>
+          <a:blip r:embed="rId3"/>
+          <a:stretch>
+            <a:fillRect/>
+          </a:stretch>
+        </p:blipFill>
+        <p:spPr>
+          <a:xfrm>
+            <a:off x="3000809" y="1589610"/>
+            <a:ext cx="3144381" cy="3130590"/>
+          </a:xfrm>
+          <a:prstGeom prst="rect">
+            <a:avLst/>
+          </a:prstGeom>
+        </p:spPr>
+      </p:pic>
+      <p:sp>
+        <p:nvSpPr>
+          <p:cNvPr id="9" name="文字方塊 8">
+            <a:extLst>
+              <a:ext uri="{FF2B5EF4-FFF2-40B4-BE49-F238E27FC236}">
+                <a16:creationId xmlns:a16="http://schemas.microsoft.com/office/drawing/2014/main" id="{A02E455F-5C13-4427-87EA-F1A6D94D8A5B}"/>
+              </a:ext>
+            </a:extLst>
+          </p:cNvPr>
+          <p:cNvSpPr txBox="1"/>
+          <p:nvPr/>
+        </p:nvSpPr>
+        <p:spPr>
+          <a:xfrm>
+            <a:off x="6314969" y="2954850"/>
+            <a:ext cx="2502608" cy="400110"/>
+          </a:xfrm>
+          <a:prstGeom prst="rect">
+            <a:avLst/>
+          </a:prstGeom>
+          <a:noFill/>
+        </p:spPr>
+        <p:txBody>
+          <a:bodyPr wrap="none" rtlCol="0">
+            <a:spAutoFit/>
+          </a:bodyPr>
+          <a:lstStyle/>
+          <a:p>
+            <a:r>
+              <a:rPr lang="en-US" altLang="zh-TW" sz="2000" dirty="0"/>
+              <a:t>(</a:t>
+            </a:r>
+            <a:r>
+              <a:rPr lang="zh-TW" altLang="en-US" sz="2000" dirty="0"/>
+              <a:t> 視角 </a:t>
+            </a:r>
+            <a:r>
+              <a:rPr lang="en-US" altLang="zh-TW" sz="2000" dirty="0"/>
+              <a:t>:</a:t>
+            </a:r>
+            <a:r>
+              <a:rPr lang="zh-TW" altLang="en-US" sz="2000" dirty="0"/>
+              <a:t> 箱子的狀態 </a:t>
+            </a:r>
+            <a:r>
+              <a:rPr lang="en-US" altLang="zh-TW" sz="2000" dirty="0"/>
+              <a:t>)</a:t>
+            </a:r>
+            <a:endParaRPr lang="zh-TW" altLang="en-US" sz="2000" dirty="0"/>
+          </a:p>
+        </p:txBody>
+      </p:sp>
+      <p:pic>
+        <p:nvPicPr>
+          <p:cNvPr id="10" name="圖片 9">
+            <a:extLst>
+              <a:ext uri="{FF2B5EF4-FFF2-40B4-BE49-F238E27FC236}">
+                <a16:creationId xmlns:a16="http://schemas.microsoft.com/office/drawing/2014/main" id="{9676C54D-0B76-4D7F-AB96-89CE3FC15854}"/>
+              </a:ext>
+            </a:extLst>
+          </p:cNvPr>
+          <p:cNvPicPr>
+            <a:picLocks noChangeAspect="1"/>
+          </p:cNvPicPr>
+          <p:nvPr/>
+        </p:nvPicPr>
+        <p:blipFill>
+          <a:blip r:embed="rId4"/>
+          <a:stretch>
+            <a:fillRect/>
+          </a:stretch>
+        </p:blipFill>
+        <p:spPr>
+          <a:xfrm>
+            <a:off x="2998810" y="1589610"/>
+            <a:ext cx="3146380" cy="3188146"/>
+          </a:xfrm>
+          <a:prstGeom prst="rect">
+            <a:avLst/>
+          </a:prstGeom>
+        </p:spPr>
+      </p:pic>
+    </p:spTree>
+    <p:extLst>
+      <p:ext uri="{BB962C8B-B14F-4D97-AF65-F5344CB8AC3E}">
+        <p14:creationId xmlns:p14="http://schemas.microsoft.com/office/powerpoint/2010/main" val="2805211985"/>
+      </p:ext>
+    </p:extLst>
+  </p:cSld>
+  <p:clrMapOvr>
+    <a:masterClrMapping/>
+  </p:clrMapOvr>
+  <p:timing>
+    <p:tnLst>
+      <p:par>
+        <p:cTn id="1" dur="indefinite" restart="never" nodeType="tmRoot">
+          <p:childTnLst>
+            <p:seq concurrent="1" nextAc="seek">
+              <p:cTn id="2" dur="indefinite" nodeType="mainSeq">
+                <p:childTnLst>
+                  <p:par>
+                    <p:cTn id="3" fill="hold">
+                      <p:stCondLst>
+                        <p:cond delay="indefinite"/>
+                      </p:stCondLst>
+                      <p:childTnLst>
+                        <p:par>
+                          <p:cTn id="4" fill="hold">
+                            <p:stCondLst>
+                              <p:cond delay="0"/>
+                            </p:stCondLst>
+                            <p:childTnLst>
+                              <p:par>
+                                <p:cTn id="5" presetID="10" presetClass="entr" presetSubtype="0" fill="hold" grpId="0" nodeType="clickEffect">
+                                  <p:stCondLst>
+                                    <p:cond delay="0"/>
+                                  </p:stCondLst>
+                                  <p:childTnLst>
+                                    <p:set>
+                                      <p:cBhvr>
+                                        <p:cTn id="6" dur="1" fill="hold">
+                                          <p:stCondLst>
+                                            <p:cond delay="0"/>
+                                          </p:stCondLst>
+                                        </p:cTn>
+                                        <p:tgtEl>
+                                          <p:spTgt spid="9"/>
+                                        </p:tgtEl>
+                                        <p:attrNameLst>
+                                          <p:attrName>style.visibility</p:attrName>
+                                        </p:attrNameLst>
+                                      </p:cBhvr>
+                                      <p:to>
+                                        <p:strVal val="visible"/>
+                                      </p:to>
+                                    </p:set>
+                                    <p:animEffect transition="in" filter="fade">
+                                      <p:cBhvr>
+                                        <p:cTn id="7" dur="500"/>
+                                        <p:tgtEl>
+                                          <p:spTgt spid="9"/>
+                                        </p:tgtEl>
+                                      </p:cBhvr>
+                                    </p:animEffect>
+                                  </p:childTnLst>
+                                </p:cTn>
+                              </p:par>
+                              <p:par>
+                                <p:cTn id="8" presetID="10" presetClass="entr" presetSubtype="0" fill="hold" nodeType="withEffect">
+                                  <p:stCondLst>
+                                    <p:cond delay="0"/>
+                                  </p:stCondLst>
+                                  <p:childTnLst>
+                                    <p:set>
+                                      <p:cBhvr>
+                                        <p:cTn id="9" dur="1" fill="hold">
+                                          <p:stCondLst>
+                                            <p:cond delay="0"/>
+                                          </p:stCondLst>
+                                        </p:cTn>
+                                        <p:tgtEl>
+                                          <p:spTgt spid="8"/>
+                                        </p:tgtEl>
+                                        <p:attrNameLst>
+                                          <p:attrName>style.visibility</p:attrName>
+                                        </p:attrNameLst>
+                                      </p:cBhvr>
+                                      <p:to>
+                                        <p:strVal val="visible"/>
+                                      </p:to>
+                                    </p:set>
+                                    <p:animEffect transition="in" filter="fade">
+                                      <p:cBhvr>
+                                        <p:cTn id="10" dur="500"/>
+                                        <p:tgtEl>
+                                          <p:spTgt spid="8"/>
+                                        </p:tgtEl>
+                                      </p:cBhvr>
+                                    </p:animEffect>
+                                  </p:childTnLst>
+                                </p:cTn>
+                              </p:par>
+                            </p:childTnLst>
+                          </p:cTn>
+                        </p:par>
+                      </p:childTnLst>
+                    </p:cTn>
+                  </p:par>
+                  <p:par>
+                    <p:cTn id="11" fill="hold">
+                      <p:stCondLst>
+                        <p:cond delay="indefinite"/>
+                      </p:stCondLst>
+                      <p:childTnLst>
+                        <p:par>
+                          <p:cTn id="12" fill="hold">
+                            <p:stCondLst>
+                              <p:cond delay="0"/>
+                            </p:stCondLst>
+                            <p:childTnLst>
+                              <p:par>
+                                <p:cTn id="13" presetID="10" presetClass="entr" presetSubtype="0" fill="hold" nodeType="clickEffect">
+                                  <p:stCondLst>
+                                    <p:cond delay="0"/>
+                                  </p:stCondLst>
+                                  <p:childTnLst>
+                                    <p:set>
+                                      <p:cBhvr>
+                                        <p:cTn id="14" dur="1" fill="hold">
+                                          <p:stCondLst>
+                                            <p:cond delay="0"/>
+                                          </p:stCondLst>
+                                        </p:cTn>
+                                        <p:tgtEl>
+                                          <p:spTgt spid="10"/>
+                                        </p:tgtEl>
+                                        <p:attrNameLst>
+                                          <p:attrName>style.visibility</p:attrName>
+                                        </p:attrNameLst>
+                                      </p:cBhvr>
+                                      <p:to>
+                                        <p:strVal val="visible"/>
+                                      </p:to>
+                                    </p:set>
+                                    <p:animEffect transition="in" filter="fade">
+                                      <p:cBhvr>
+                                        <p:cTn id="15" dur="500"/>
+                                        <p:tgtEl>
+                                          <p:spTgt spid="10"/>
+                                        </p:tgtEl>
+                                      </p:cBhvr>
+                                    </p:animEffect>
+                                  </p:childTnLst>
+                                </p:cTn>
+                              </p:par>
+                            </p:childTnLst>
+                          </p:cTn>
+                        </p:par>
+                      </p:childTnLst>
+                    </p:cTn>
+                  </p:par>
+                </p:childTnLst>
+              </p:cTn>
+              <p:prevCondLst>
+                <p:cond evt="onPrev" delay="0">
+                  <p:tgtEl>
+                    <p:sldTgt/>
+                  </p:tgtEl>
+                </p:cond>
+              </p:prevCondLst>
+              <p:nextCondLst>
+                <p:cond evt="onNext" delay="0">
+                  <p:tgtEl>
+                    <p:sldTgt/>
+                  </p:tgtEl>
+                </p:cond>
+              </p:nextCondLst>
+            </p:seq>
+          </p:childTnLst>
+        </p:cTn>
+      </p:par>
+    </p:tnLst>
+    <p:bldLst>
+      <p:bldP spid="9" grpId="0"/>
+    </p:bldLst>
+  </p:timing>
+</p:sld>
+</file>
+
+<file path=ppt/slides/slide13.xml><?xml version="1.0" encoding="utf-8"?>
+<p:sld xmlns:a="http://schemas.openxmlformats.org/drawingml/2006/main" xmlns:r="http://schemas.openxmlformats.org/officeDocument/2006/relationships" xmlns:p="http://schemas.openxmlformats.org/presentationml/2006/main">
+  <p:cSld>
+    <p:spTree>
+      <p:nvGrpSpPr>
+        <p:cNvPr id="1" name=""/>
+        <p:cNvGrpSpPr/>
+        <p:nvPr/>
+      </p:nvGrpSpPr>
+      <p:grpSpPr>
+        <a:xfrm>
+          <a:off x="0" y="0"/>
+          <a:ext cx="0" cy="0"/>
+          <a:chOff x="0" y="0"/>
+          <a:chExt cx="0" cy="0"/>
+        </a:xfrm>
+      </p:grpSpPr>
+      <p:sp>
+        <p:nvSpPr>
+          <p:cNvPr id="2" name="標題 1">
+            <a:extLst>
+              <a:ext uri="{FF2B5EF4-FFF2-40B4-BE49-F238E27FC236}">
+                <a16:creationId xmlns:a16="http://schemas.microsoft.com/office/drawing/2014/main" id="{21DDC372-5585-40BA-BF5F-CBAD3163DCED}"/>
+              </a:ext>
+            </a:extLst>
+          </p:cNvPr>
+          <p:cNvSpPr>
+            <a:spLocks noGrp="1"/>
+          </p:cNvSpPr>
+          <p:nvPr>
+            <p:ph type="title"/>
+          </p:nvPr>
+        </p:nvSpPr>
+        <p:spPr/>
+        <p:txBody>
+          <a:bodyPr/>
+          <a:lstStyle/>
+          <a:p>
+            <a:r>
+              <a:rPr lang="zh-TW" altLang="en-US" dirty="0"/>
+              <a:t>討論結果</a:t>
+            </a:r>
+          </a:p>
+        </p:txBody>
+      </p:sp>
+      <p:sp>
+        <p:nvSpPr>
+          <p:cNvPr id="3" name="文字版面配置區 2">
+            <a:extLst>
+              <a:ext uri="{FF2B5EF4-FFF2-40B4-BE49-F238E27FC236}">
+                <a16:creationId xmlns:a16="http://schemas.microsoft.com/office/drawing/2014/main" id="{0B6A8B69-E436-4585-97AD-44348B5775E2}"/>
+              </a:ext>
+            </a:extLst>
+          </p:cNvPr>
+          <p:cNvSpPr>
+            <a:spLocks noGrp="1"/>
+          </p:cNvSpPr>
+          <p:nvPr>
+            <p:ph type="body" idx="1"/>
+          </p:nvPr>
+        </p:nvSpPr>
+        <p:spPr>
+          <a:xfrm>
+            <a:off x="1381249" y="2571750"/>
+            <a:ext cx="6934847" cy="631014"/>
+          </a:xfrm>
+        </p:spPr>
+        <p:txBody>
+          <a:bodyPr/>
+          <a:lstStyle/>
+          <a:p>
+            <a:r>
+              <a:rPr lang="en-US" altLang="zh-TW" dirty="0"/>
+              <a:t>Step 2 :</a:t>
+            </a:r>
+            <a:r>
+              <a:rPr lang="zh-TW" altLang="en-US" dirty="0"/>
+              <a:t>  由箱子狀態的視角切入，將</a:t>
+            </a:r>
+            <a:r>
+              <a:rPr lang="zh-TW" altLang="en-US" b="1" dirty="0">
+                <a:solidFill>
+                  <a:schemeClr val="accent5">
+                    <a:lumMod val="75000"/>
+                  </a:schemeClr>
+                </a:solidFill>
+              </a:rPr>
+              <a:t>限制較多者先做</a:t>
+            </a:r>
+            <a:endParaRPr lang="en-US" altLang="zh-TW" b="1" dirty="0">
+              <a:solidFill>
+                <a:schemeClr val="accent5">
+                  <a:lumMod val="75000"/>
+                </a:schemeClr>
+              </a:solidFill>
+            </a:endParaRPr>
+          </a:p>
+        </p:txBody>
+      </p:sp>
+      <p:sp>
+        <p:nvSpPr>
+          <p:cNvPr id="5" name="投影片編號版面配置區 4">
+            <a:extLst>
+              <a:ext uri="{FF2B5EF4-FFF2-40B4-BE49-F238E27FC236}">
+                <a16:creationId xmlns:a16="http://schemas.microsoft.com/office/drawing/2014/main" id="{50029E61-3E99-460C-B2FC-54652E8A3164}"/>
+              </a:ext>
+            </a:extLst>
+          </p:cNvPr>
+          <p:cNvSpPr>
+            <a:spLocks noGrp="1"/>
+          </p:cNvSpPr>
+          <p:nvPr>
+            <p:ph type="sldNum" idx="12"/>
+          </p:nvPr>
+        </p:nvSpPr>
+        <p:spPr/>
+        <p:txBody>
+          <a:bodyPr/>
+          <a:lstStyle/>
+          <a:p>
+            <a:pPr marL="0" lvl="0" indent="0" algn="r" rtl="0">
+              <a:spcBef>
+                <a:spcPts val="0"/>
+              </a:spcBef>
+              <a:spcAft>
+                <a:spcPts val="0"/>
+              </a:spcAft>
+              <a:buNone/>
+            </a:pPr>
+            <a:fld id="{00000000-1234-1234-1234-123412341234}" type="slidenum">
+              <a:rPr lang="en" smtClean="0"/>
+              <a:t>13</a:t>
+            </a:fld>
+            <a:endParaRPr lang="en"/>
+          </a:p>
+        </p:txBody>
+      </p:sp>
+    </p:spTree>
+    <p:extLst>
+      <p:ext uri="{BB962C8B-B14F-4D97-AF65-F5344CB8AC3E}">
+        <p14:creationId xmlns:p14="http://schemas.microsoft.com/office/powerpoint/2010/main" val="3294778051"/>
+      </p:ext>
+    </p:extLst>
+  </p:cSld>
+  <p:clrMapOvr>
+    <a:masterClrMapping/>
+  </p:clrMapOvr>
+</p:sld>
+</file>
+
+<file path=ppt/slides/slide14.xml><?xml version="1.0" encoding="utf-8"?>
+<p:sld xmlns:a="http://schemas.openxmlformats.org/drawingml/2006/main" xmlns:r="http://schemas.openxmlformats.org/officeDocument/2006/relationships" xmlns:p="http://schemas.openxmlformats.org/presentationml/2006/main">
+  <p:cSld>
+    <p:spTree>
+      <p:nvGrpSpPr>
+        <p:cNvPr id="1" name=""/>
+        <p:cNvGrpSpPr/>
+        <p:nvPr/>
+      </p:nvGrpSpPr>
+      <p:grpSpPr>
+        <a:xfrm>
+          <a:off x="0" y="0"/>
+          <a:ext cx="0" cy="0"/>
+          <a:chOff x="0" y="0"/>
+          <a:chExt cx="0" cy="0"/>
+        </a:xfrm>
+      </p:grpSpPr>
+      <p:sp>
+        <p:nvSpPr>
+          <p:cNvPr id="2" name="標題 1">
+            <a:extLst>
+              <a:ext uri="{FF2B5EF4-FFF2-40B4-BE49-F238E27FC236}">
+                <a16:creationId xmlns:a16="http://schemas.microsoft.com/office/drawing/2014/main" id="{21DDC372-5585-40BA-BF5F-CBAD3163DCED}"/>
+              </a:ext>
+            </a:extLst>
+          </p:cNvPr>
+          <p:cNvSpPr>
+            <a:spLocks noGrp="1"/>
+          </p:cNvSpPr>
+          <p:nvPr>
+            <p:ph type="title"/>
+          </p:nvPr>
+        </p:nvSpPr>
+        <p:spPr/>
+        <p:txBody>
+          <a:bodyPr/>
+          <a:lstStyle/>
+          <a:p>
+            <a:r>
+              <a:rPr lang="zh-TW" altLang="en-US" dirty="0"/>
+              <a:t>解說原因</a:t>
+            </a:r>
+          </a:p>
+        </p:txBody>
+      </p:sp>
+      <p:sp>
+        <p:nvSpPr>
+          <p:cNvPr id="5" name="投影片編號版面配置區 4">
+            <a:extLst>
+              <a:ext uri="{FF2B5EF4-FFF2-40B4-BE49-F238E27FC236}">
+                <a16:creationId xmlns:a16="http://schemas.microsoft.com/office/drawing/2014/main" id="{50029E61-3E99-460C-B2FC-54652E8A3164}"/>
+              </a:ext>
+            </a:extLst>
+          </p:cNvPr>
+          <p:cNvSpPr>
+            <a:spLocks noGrp="1"/>
+          </p:cNvSpPr>
+          <p:nvPr>
+            <p:ph type="sldNum" idx="12"/>
+          </p:nvPr>
+        </p:nvSpPr>
+        <p:spPr/>
+        <p:txBody>
+          <a:bodyPr/>
+          <a:lstStyle/>
+          <a:p>
+            <a:pPr marL="0" lvl="0" indent="0" algn="r" rtl="0">
+              <a:spcBef>
+                <a:spcPts val="0"/>
+              </a:spcBef>
+              <a:spcAft>
+                <a:spcPts val="0"/>
+              </a:spcAft>
+              <a:buNone/>
+            </a:pPr>
+            <a:fld id="{00000000-1234-1234-1234-123412341234}" type="slidenum">
+              <a:rPr lang="en" smtClean="0"/>
+              <a:t>14</a:t>
+            </a:fld>
+            <a:endParaRPr lang="en"/>
+          </a:p>
+        </p:txBody>
+      </p:sp>
+      <p:pic>
+        <p:nvPicPr>
+          <p:cNvPr id="3" name="圖片 2">
+            <a:extLst>
+              <a:ext uri="{FF2B5EF4-FFF2-40B4-BE49-F238E27FC236}">
+                <a16:creationId xmlns:a16="http://schemas.microsoft.com/office/drawing/2014/main" id="{3CC0CF7B-687D-425A-BAE1-DDC77ED28C39}"/>
+              </a:ext>
+            </a:extLst>
+          </p:cNvPr>
+          <p:cNvPicPr>
+            <a:picLocks noChangeAspect="1"/>
+          </p:cNvPicPr>
+          <p:nvPr/>
+        </p:nvPicPr>
+        <p:blipFill>
+          <a:blip r:embed="rId2"/>
+          <a:stretch>
+            <a:fillRect/>
+          </a:stretch>
+        </p:blipFill>
+        <p:spPr>
+          <a:xfrm>
+            <a:off x="2741503" y="1455059"/>
+            <a:ext cx="3306965" cy="3294792"/>
+          </a:xfrm>
+          <a:prstGeom prst="rect">
+            <a:avLst/>
+          </a:prstGeom>
+        </p:spPr>
+      </p:pic>
+      <p:pic>
+        <p:nvPicPr>
+          <p:cNvPr id="7" name="圖片 6">
+            <a:extLst>
+              <a:ext uri="{FF2B5EF4-FFF2-40B4-BE49-F238E27FC236}">
+                <a16:creationId xmlns:a16="http://schemas.microsoft.com/office/drawing/2014/main" id="{D0EA18BA-7654-4ED6-A20C-14569A0E88B8}"/>
+              </a:ext>
+            </a:extLst>
+          </p:cNvPr>
+          <p:cNvPicPr>
+            <a:picLocks noChangeAspect="1"/>
+          </p:cNvPicPr>
+          <p:nvPr/>
+        </p:nvPicPr>
+        <p:blipFill>
+          <a:blip r:embed="rId3"/>
+          <a:stretch>
+            <a:fillRect/>
+          </a:stretch>
+        </p:blipFill>
+        <p:spPr>
+          <a:xfrm>
+            <a:off x="2753676" y="1455059"/>
+            <a:ext cx="3294792" cy="3294792"/>
+          </a:xfrm>
+          <a:prstGeom prst="rect">
+            <a:avLst/>
+          </a:prstGeom>
+        </p:spPr>
+      </p:pic>
+      <p:sp>
+        <p:nvSpPr>
+          <p:cNvPr id="12" name="文字方塊 11">
+            <a:extLst>
+              <a:ext uri="{FF2B5EF4-FFF2-40B4-BE49-F238E27FC236}">
+                <a16:creationId xmlns:a16="http://schemas.microsoft.com/office/drawing/2014/main" id="{CCF42E21-0FBE-4523-96DA-39FEE32AD076}"/>
+              </a:ext>
+            </a:extLst>
+          </p:cNvPr>
+          <p:cNvSpPr txBox="1"/>
+          <p:nvPr/>
+        </p:nvSpPr>
+        <p:spPr>
+          <a:xfrm>
+            <a:off x="6327142" y="2956950"/>
+            <a:ext cx="1236236" cy="400110"/>
+          </a:xfrm>
+          <a:prstGeom prst="rect">
+            <a:avLst/>
+          </a:prstGeom>
+          <a:noFill/>
+        </p:spPr>
+        <p:txBody>
+          <a:bodyPr wrap="none" rtlCol="0">
+            <a:spAutoFit/>
+          </a:bodyPr>
+          <a:lstStyle/>
+          <a:p>
+            <a:r>
+              <a:rPr lang="en-US" altLang="zh-TW" sz="2000" dirty="0"/>
+              <a:t>(</a:t>
+            </a:r>
+            <a:r>
+              <a:rPr lang="zh-TW" altLang="en-US" sz="2000" dirty="0"/>
+              <a:t> </a:t>
+            </a:r>
+            <a:r>
+              <a:rPr lang="en-US" altLang="zh-TW" sz="2000" dirty="0"/>
+              <a:t>Step 2</a:t>
+            </a:r>
+            <a:r>
+              <a:rPr lang="zh-TW" altLang="en-US" sz="2000" dirty="0"/>
+              <a:t> </a:t>
+            </a:r>
+            <a:r>
+              <a:rPr lang="en-US" altLang="zh-TW" sz="2000" dirty="0"/>
+              <a:t>)</a:t>
+            </a:r>
+            <a:endParaRPr lang="zh-TW" altLang="en-US" sz="2000" dirty="0"/>
+          </a:p>
+        </p:txBody>
+      </p:sp>
+    </p:spTree>
+    <p:extLst>
+      <p:ext uri="{BB962C8B-B14F-4D97-AF65-F5344CB8AC3E}">
+        <p14:creationId xmlns:p14="http://schemas.microsoft.com/office/powerpoint/2010/main" val="797716852"/>
+      </p:ext>
+    </p:extLst>
+  </p:cSld>
+  <p:clrMapOvr>
+    <a:masterClrMapping/>
+  </p:clrMapOvr>
+  <p:timing>
+    <p:tnLst>
+      <p:par>
+        <p:cTn id="1" dur="indefinite" restart="never" nodeType="tmRoot">
+          <p:childTnLst>
+            <p:seq concurrent="1" nextAc="seek">
+              <p:cTn id="2" dur="indefinite" nodeType="mainSeq">
+                <p:childTnLst>
+                  <p:par>
+                    <p:cTn id="3" fill="hold">
+                      <p:stCondLst>
+                        <p:cond delay="indefinite"/>
+                      </p:stCondLst>
+                      <p:childTnLst>
+                        <p:par>
+                          <p:cTn id="4" fill="hold">
+                            <p:stCondLst>
+                              <p:cond delay="0"/>
+                            </p:stCondLst>
+                            <p:childTnLst>
+                              <p:par>
+                                <p:cTn id="5" presetID="10" presetClass="entr" presetSubtype="0" fill="hold" nodeType="clickEffect">
+                                  <p:stCondLst>
+                                    <p:cond delay="0"/>
+                                  </p:stCondLst>
+                                  <p:childTnLst>
+                                    <p:set>
+                                      <p:cBhvr>
+                                        <p:cTn id="6" dur="1" fill="hold">
+                                          <p:stCondLst>
+                                            <p:cond delay="0"/>
+                                          </p:stCondLst>
+                                        </p:cTn>
+                                        <p:tgtEl>
+                                          <p:spTgt spid="7"/>
+                                        </p:tgtEl>
+                                        <p:attrNameLst>
+                                          <p:attrName>style.visibility</p:attrName>
+                                        </p:attrNameLst>
+                                      </p:cBhvr>
+                                      <p:to>
+                                        <p:strVal val="visible"/>
+                                      </p:to>
+                                    </p:set>
+                                    <p:animEffect transition="in" filter="fade">
+                                      <p:cBhvr>
+                                        <p:cTn id="7" dur="500"/>
+                                        <p:tgtEl>
+                                          <p:spTgt spid="7"/>
+                                        </p:tgtEl>
+                                      </p:cBhvr>
+                                    </p:animEffect>
+                                  </p:childTnLst>
+                                </p:cTn>
+                              </p:par>
+                              <p:par>
+                                <p:cTn id="8" presetID="10" presetClass="entr" presetSubtype="0" fill="hold" grpId="0" nodeType="withEffect">
+                                  <p:stCondLst>
+                                    <p:cond delay="0"/>
+                                  </p:stCondLst>
+                                  <p:childTnLst>
+                                    <p:set>
+                                      <p:cBhvr>
+                                        <p:cTn id="9" dur="1" fill="hold">
+                                          <p:stCondLst>
+                                            <p:cond delay="0"/>
+                                          </p:stCondLst>
+                                        </p:cTn>
+                                        <p:tgtEl>
+                                          <p:spTgt spid="12"/>
+                                        </p:tgtEl>
+                                        <p:attrNameLst>
+                                          <p:attrName>style.visibility</p:attrName>
+                                        </p:attrNameLst>
+                                      </p:cBhvr>
+                                      <p:to>
+                                        <p:strVal val="visible"/>
+                                      </p:to>
+                                    </p:set>
+                                    <p:animEffect transition="in" filter="fade">
+                                      <p:cBhvr>
+                                        <p:cTn id="10" dur="500"/>
+                                        <p:tgtEl>
+                                          <p:spTgt spid="12"/>
+                                        </p:tgtEl>
+                                      </p:cBhvr>
+                                    </p:animEffect>
+                                  </p:childTnLst>
+                                </p:cTn>
+                              </p:par>
+                            </p:childTnLst>
+                          </p:cTn>
+                        </p:par>
+                      </p:childTnLst>
+                    </p:cTn>
+                  </p:par>
+                </p:childTnLst>
+              </p:cTn>
+              <p:prevCondLst>
+                <p:cond evt="onPrev" delay="0">
+                  <p:tgtEl>
+                    <p:sldTgt/>
+                  </p:tgtEl>
+                </p:cond>
+              </p:prevCondLst>
+              <p:nextCondLst>
+                <p:cond evt="onNext" delay="0">
+                  <p:tgtEl>
+                    <p:sldTgt/>
+                  </p:tgtEl>
+                </p:cond>
+              </p:nextCondLst>
+            </p:seq>
+          </p:childTnLst>
+        </p:cTn>
+      </p:par>
+    </p:tnLst>
+    <p:bldLst>
+      <p:bldP spid="12" grpId="0"/>
+    </p:bldLst>
+  </p:timing>
+</p:sld>
+</file>
+
+<file path=ppt/slides/slide15.xml><?xml version="1.0" encoding="utf-8"?>
+<p:sld xmlns:a="http://schemas.openxmlformats.org/drawingml/2006/main" xmlns:r="http://schemas.openxmlformats.org/officeDocument/2006/relationships" xmlns:p="http://schemas.openxmlformats.org/presentationml/2006/main">
+  <p:cSld>
+    <p:spTree>
+      <p:nvGrpSpPr>
+        <p:cNvPr id="1" name=""/>
+        <p:cNvGrpSpPr/>
+        <p:nvPr/>
+      </p:nvGrpSpPr>
+      <p:grpSpPr>
+        <a:xfrm>
+          <a:off x="0" y="0"/>
+          <a:ext cx="0" cy="0"/>
+          <a:chOff x="0" y="0"/>
+          <a:chExt cx="0" cy="0"/>
+        </a:xfrm>
+      </p:grpSpPr>
+      <p:sp>
+        <p:nvSpPr>
+          <p:cNvPr id="2" name="標題 1">
+            <a:extLst>
+              <a:ext uri="{FF2B5EF4-FFF2-40B4-BE49-F238E27FC236}">
+                <a16:creationId xmlns:a16="http://schemas.microsoft.com/office/drawing/2014/main" id="{21DDC372-5585-40BA-BF5F-CBAD3163DCED}"/>
+              </a:ext>
+            </a:extLst>
+          </p:cNvPr>
+          <p:cNvSpPr>
+            <a:spLocks noGrp="1"/>
+          </p:cNvSpPr>
+          <p:nvPr>
+            <p:ph type="title"/>
+          </p:nvPr>
+        </p:nvSpPr>
+        <p:spPr/>
+        <p:txBody>
+          <a:bodyPr/>
+          <a:lstStyle/>
+          <a:p>
+            <a:r>
+              <a:rPr lang="zh-TW" altLang="en-US" dirty="0"/>
+              <a:t>討論結果</a:t>
+            </a:r>
+          </a:p>
+        </p:txBody>
+      </p:sp>
+      <p:sp>
+        <p:nvSpPr>
+          <p:cNvPr id="3" name="文字版面配置區 2">
+            <a:extLst>
+              <a:ext uri="{FF2B5EF4-FFF2-40B4-BE49-F238E27FC236}">
+                <a16:creationId xmlns:a16="http://schemas.microsoft.com/office/drawing/2014/main" id="{0B6A8B69-E436-4585-97AD-44348B5775E2}"/>
+              </a:ext>
+            </a:extLst>
+          </p:cNvPr>
+          <p:cNvSpPr>
+            <a:spLocks noGrp="1"/>
+          </p:cNvSpPr>
+          <p:nvPr>
+            <p:ph type="body" idx="1"/>
+          </p:nvPr>
+        </p:nvSpPr>
+        <p:spPr>
+          <a:xfrm>
+            <a:off x="1381249" y="2571750"/>
+            <a:ext cx="6934847" cy="897164"/>
+          </a:xfrm>
+        </p:spPr>
+        <p:txBody>
+          <a:bodyPr/>
+          <a:lstStyle/>
+          <a:p>
+            <a:r>
+              <a:rPr lang="en-US" altLang="zh-TW" dirty="0"/>
+              <a:t>Step 3 :</a:t>
+            </a:r>
+            <a:r>
+              <a:rPr lang="zh-TW" altLang="en-US" dirty="0"/>
+              <a:t>  將限制較多者，先執行是否有解。</a:t>
+            </a:r>
+            <a:br>
+              <a:rPr lang="en-US" altLang="zh-TW" dirty="0"/>
+            </a:br>
+            <a:r>
+              <a:rPr lang="en-US" altLang="zh-TW" dirty="0"/>
+              <a:t>	</a:t>
+            </a:r>
+            <a:r>
+              <a:rPr lang="zh-TW" altLang="en-US" dirty="0"/>
+              <a:t>　　若限制相同則將距離較近者，先執行是否有解。</a:t>
+            </a:r>
+            <a:endParaRPr lang="en-US" altLang="zh-TW" b="1" dirty="0">
+              <a:solidFill>
+                <a:schemeClr val="accent5">
+                  <a:lumMod val="75000"/>
+                </a:schemeClr>
+              </a:solidFill>
+            </a:endParaRPr>
+          </a:p>
+        </p:txBody>
+      </p:sp>
+      <p:sp>
+        <p:nvSpPr>
+          <p:cNvPr id="5" name="投影片編號版面配置區 4">
+            <a:extLst>
+              <a:ext uri="{FF2B5EF4-FFF2-40B4-BE49-F238E27FC236}">
+                <a16:creationId xmlns:a16="http://schemas.microsoft.com/office/drawing/2014/main" id="{50029E61-3E99-460C-B2FC-54652E8A3164}"/>
+              </a:ext>
+            </a:extLst>
+          </p:cNvPr>
+          <p:cNvSpPr>
+            <a:spLocks noGrp="1"/>
+          </p:cNvSpPr>
+          <p:nvPr>
+            <p:ph type="sldNum" idx="12"/>
+          </p:nvPr>
+        </p:nvSpPr>
+        <p:spPr/>
+        <p:txBody>
+          <a:bodyPr/>
+          <a:lstStyle/>
+          <a:p>
+            <a:pPr marL="0" lvl="0" indent="0" algn="r" rtl="0">
+              <a:spcBef>
+                <a:spcPts val="0"/>
+              </a:spcBef>
+              <a:spcAft>
+                <a:spcPts val="0"/>
+              </a:spcAft>
+              <a:buNone/>
+            </a:pPr>
+            <a:fld id="{00000000-1234-1234-1234-123412341234}" type="slidenum">
+              <a:rPr lang="en" smtClean="0"/>
+              <a:t>15</a:t>
+            </a:fld>
+            <a:endParaRPr lang="en"/>
+          </a:p>
+        </p:txBody>
+      </p:sp>
+    </p:spTree>
+    <p:extLst>
+      <p:ext uri="{BB962C8B-B14F-4D97-AF65-F5344CB8AC3E}">
+        <p14:creationId xmlns:p14="http://schemas.microsoft.com/office/powerpoint/2010/main" val="3791578194"/>
+      </p:ext>
+    </p:extLst>
+  </p:cSld>
+  <p:clrMapOvr>
+    <a:masterClrMapping/>
+  </p:clrMapOvr>
+</p:sld>
+</file>
+
+<file path=ppt/slides/slide16.xml><?xml version="1.0" encoding="utf-8"?>
 <p:sld xmlns:a="http://schemas.openxmlformats.org/drawingml/2006/main" xmlns:r="http://schemas.openxmlformats.org/officeDocument/2006/relationships" xmlns:p="http://schemas.openxmlformats.org/presentationml/2006/main">
   <p:cSld>
     <p:spTree>
@@ -5552,7 +6606,7 @@
             </a:pPr>
             <a:fld id="{00000000-1234-1234-1234-123412341234}" type="slidenum">
               <a:rPr lang="en"/>
-              <a:t>12</a:t>
+              <a:t>16</a:t>
             </a:fld>
             <a:endParaRPr/>
           </a:p>
@@ -6296,7 +7350,7 @@
 </p:sld>
 </file>
 
-<file path=ppt/slides/slide13.xml><?xml version="1.0" encoding="utf-8"?>
+<file path=ppt/slides/slide17.xml><?xml version="1.0" encoding="utf-8"?>
 <p:sld xmlns:a="http://schemas.openxmlformats.org/drawingml/2006/main" xmlns:r="http://schemas.openxmlformats.org/officeDocument/2006/relationships" xmlns:p="http://schemas.openxmlformats.org/presentationml/2006/main">
   <p:cSld>
     <p:spTree>
@@ -6349,7 +7403,7 @@
             </a:pPr>
             <a:fld id="{00000000-1234-1234-1234-123412341234}" type="slidenum">
               <a:rPr lang="en"/>
-              <a:t>13</a:t>
+              <a:t>17</a:t>
             </a:fld>
             <a:endParaRPr/>
           </a:p>
@@ -7041,7 +8095,7 @@
 </p:sld>
 </file>
 
-<file path=ppt/slides/slide14.xml><?xml version="1.0" encoding="utf-8"?>
+<file path=ppt/slides/slide18.xml><?xml version="1.0" encoding="utf-8"?>
 <p:sld xmlns:a="http://schemas.openxmlformats.org/drawingml/2006/main" xmlns:r="http://schemas.openxmlformats.org/officeDocument/2006/relationships" xmlns:p="http://schemas.openxmlformats.org/presentationml/2006/main">
   <p:cSld>
     <p:spTree>
@@ -7256,7 +8310,7 @@
             </a:pPr>
             <a:fld id="{00000000-1234-1234-1234-123412341234}" type="slidenum">
               <a:rPr lang="en"/>
-              <a:t>14</a:t>
+              <a:t>18</a:t>
             </a:fld>
             <a:endParaRPr/>
           </a:p>
@@ -7524,7 +8578,7 @@
 </p:sld>
 </file>
 
-<file path=ppt/slides/slide15.xml><?xml version="1.0" encoding="utf-8"?>
+<file path=ppt/slides/slide19.xml><?xml version="1.0" encoding="utf-8"?>
 <p:sld xmlns:a="http://schemas.openxmlformats.org/drawingml/2006/main" xmlns:r="http://schemas.openxmlformats.org/officeDocument/2006/relationships" xmlns:p="http://schemas.openxmlformats.org/presentationml/2006/main">
   <p:cSld>
     <p:spTree>
@@ -7590,7 +8644,7 @@
             </a:pPr>
             <a:fld id="{00000000-1234-1234-1234-123412341234}" type="slidenum">
               <a:rPr lang="en" smtClean="0"/>
-              <a:t>15</a:t>
+              <a:t>19</a:t>
             </a:fld>
             <a:endParaRPr lang="en"/>
           </a:p>
@@ -7717,7 +8771,7 @@
           <a:graphicData uri="http://schemas.openxmlformats.org/presentationml/2006/ole">
             <mc:AlternateContent xmlns:mc="http://schemas.openxmlformats.org/markup-compatibility/2006">
               <mc:Choice xmlns:v="urn:schemas-microsoft-com:vml" Requires="v">
-                <p:oleObj spid="_x0000_s1028" r:id="rId5" imgW="7200915" imgH="2727960" progId="Visio.Drawing.15">
+                <p:oleObj spid="_x0000_s1037" r:id="rId5" imgW="7200915" imgH="2727960" progId="Visio.Drawing.15">
                   <p:embed/>
                 </p:oleObj>
               </mc:Choice>
@@ -7775,7 +8829,477 @@
 </p:sld>
 </file>
 
-<file path=ppt/slides/slide16.xml><?xml version="1.0" encoding="utf-8"?>
+<file path=ppt/slides/slide2.xml><?xml version="1.0" encoding="utf-8"?>
+<p:sld xmlns:a="http://schemas.openxmlformats.org/drawingml/2006/main" xmlns:r="http://schemas.openxmlformats.org/officeDocument/2006/relationships" xmlns:p="http://schemas.openxmlformats.org/presentationml/2006/main">
+  <p:cSld>
+    <p:spTree>
+      <p:nvGrpSpPr>
+        <p:cNvPr id="1" name="Shape 84"/>
+        <p:cNvGrpSpPr/>
+        <p:nvPr/>
+      </p:nvGrpSpPr>
+      <p:grpSpPr>
+        <a:xfrm>
+          <a:off x="0" y="0"/>
+          <a:ext cx="0" cy="0"/>
+          <a:chOff x="0" y="0"/>
+          <a:chExt cx="0" cy="0"/>
+        </a:xfrm>
+      </p:grpSpPr>
+      <p:sp>
+        <p:nvSpPr>
+          <p:cNvPr id="85" name="Google Shape;85;p13"/>
+          <p:cNvSpPr/>
+          <p:nvPr/>
+        </p:nvSpPr>
+        <p:spPr>
+          <a:xfrm>
+            <a:off x="5650" y="4163500"/>
+            <a:ext cx="9144000" cy="979800"/>
+          </a:xfrm>
+          <a:prstGeom prst="rect">
+            <a:avLst/>
+          </a:prstGeom>
+          <a:solidFill>
+            <a:srgbClr val="FFCD00"/>
+          </a:solidFill>
+          <a:ln>
+            <a:noFill/>
+          </a:ln>
+        </p:spPr>
+        <p:txBody>
+          <a:bodyPr spcFirstLastPara="1" wrap="square" lIns="91425" tIns="91425" rIns="91425" bIns="91425" anchor="ctr" anchorCtr="0">
+            <a:noAutofit/>
+          </a:bodyPr>
+          <a:lstStyle/>
+          <a:p>
+            <a:pPr marL="0" lvl="0" indent="0" algn="l" rtl="0">
+              <a:spcBef>
+                <a:spcPts val="0"/>
+              </a:spcBef>
+              <a:spcAft>
+                <a:spcPts val="0"/>
+              </a:spcAft>
+              <a:buNone/>
+            </a:pPr>
+            <a:endParaRPr/>
+          </a:p>
+        </p:txBody>
+      </p:sp>
+      <p:sp>
+        <p:nvSpPr>
+          <p:cNvPr id="86" name="Google Shape;86;p13"/>
+          <p:cNvSpPr txBox="1">
+            <a:spLocks noGrp="1"/>
+          </p:cNvSpPr>
+          <p:nvPr>
+            <p:ph type="title"/>
+          </p:nvPr>
+        </p:nvSpPr>
+        <p:spPr>
+          <a:xfrm>
+            <a:off x="1381250" y="922668"/>
+            <a:ext cx="3878400" cy="435600"/>
+          </a:xfrm>
+          <a:prstGeom prst="rect">
+            <a:avLst/>
+          </a:prstGeom>
+        </p:spPr>
+        <p:txBody>
+          <a:bodyPr spcFirstLastPara="1" wrap="square" lIns="91425" tIns="91425" rIns="91425" bIns="91425" anchor="ctr" anchorCtr="0">
+            <a:noAutofit/>
+          </a:bodyPr>
+          <a:lstStyle/>
+          <a:p>
+            <a:pPr marL="0" lvl="0" indent="0" algn="l" rtl="0">
+              <a:spcBef>
+                <a:spcPts val="0"/>
+              </a:spcBef>
+              <a:spcAft>
+                <a:spcPts val="0"/>
+              </a:spcAft>
+              <a:buNone/>
+            </a:pPr>
+            <a:r>
+              <a:rPr lang="en" dirty="0"/>
+              <a:t>Project Statement</a:t>
+            </a:r>
+            <a:endParaRPr dirty="0"/>
+          </a:p>
+        </p:txBody>
+      </p:sp>
+      <p:sp>
+        <p:nvSpPr>
+          <p:cNvPr id="92" name="Google Shape;92;p13"/>
+          <p:cNvSpPr txBox="1"/>
+          <p:nvPr/>
+        </p:nvSpPr>
+        <p:spPr>
+          <a:xfrm>
+            <a:off x="1381249" y="1578150"/>
+            <a:ext cx="5671191" cy="2207100"/>
+          </a:xfrm>
+          <a:prstGeom prst="rect">
+            <a:avLst/>
+          </a:prstGeom>
+          <a:noFill/>
+          <a:ln>
+            <a:noFill/>
+          </a:ln>
+        </p:spPr>
+        <p:txBody>
+          <a:bodyPr spcFirstLastPara="1" wrap="square" lIns="91425" tIns="91425" rIns="91425" bIns="91425" anchor="t" anchorCtr="0">
+            <a:noAutofit/>
+          </a:bodyPr>
+          <a:lstStyle/>
+          <a:p>
+            <a:pPr lvl="0">
+              <a:lnSpc>
+                <a:spcPct val="200000"/>
+              </a:lnSpc>
+              <a:spcBef>
+                <a:spcPts val="600"/>
+              </a:spcBef>
+            </a:pPr>
+            <a:endParaRPr lang="en-US" altLang="zh-TW" sz="1600" dirty="0">
+              <a:latin typeface="Lora" panose="02020500000000000000" charset="0"/>
+            </a:endParaRPr>
+          </a:p>
+          <a:p>
+            <a:pPr lvl="0">
+              <a:spcBef>
+                <a:spcPts val="600"/>
+              </a:spcBef>
+            </a:pPr>
+            <a:r>
+              <a:rPr lang="zh-TW" altLang="en-US" sz="1600" u="sng" dirty="0">
+                <a:latin typeface="Lora" panose="02020500000000000000" charset="0"/>
+                <a:ea typeface="Quattrocento Sans"/>
+                <a:cs typeface="Quattrocento Sans"/>
+                <a:sym typeface="Quattrocento Sans"/>
+              </a:rPr>
+              <a:t>「推箱子」是款經典的遊戲，玩家只須推動箱子至目標地點來達成目標。而我們讓</a:t>
+            </a:r>
+            <a:r>
+              <a:rPr lang="en-US" altLang="zh-TW" sz="1600" u="sng" dirty="0">
+                <a:latin typeface="Lora" panose="02020500000000000000" charset="0"/>
+                <a:ea typeface="Quattrocento Sans"/>
+                <a:cs typeface="Quattrocento Sans"/>
+                <a:sym typeface="Quattrocento Sans"/>
+              </a:rPr>
+              <a:t>AI</a:t>
+            </a:r>
+            <a:r>
+              <a:rPr lang="zh-TW" altLang="en-US" sz="1600" u="sng" dirty="0">
+                <a:latin typeface="Lora" panose="02020500000000000000" charset="0"/>
+                <a:ea typeface="Quattrocento Sans"/>
+                <a:cs typeface="Quattrocento Sans"/>
+                <a:sym typeface="Quattrocento Sans"/>
+              </a:rPr>
+              <a:t>來玩這款遊戲，尋求解答。</a:t>
+            </a:r>
+            <a:endParaRPr lang="en-US" sz="1600" u="sng" dirty="0">
+              <a:latin typeface="Lora" panose="02020500000000000000" charset="0"/>
+              <a:ea typeface="Quattrocento Sans"/>
+              <a:cs typeface="Quattrocento Sans"/>
+              <a:sym typeface="Quattrocento Sans"/>
+            </a:endParaRPr>
+          </a:p>
+          <a:p>
+            <a:pPr lvl="0">
+              <a:spcBef>
+                <a:spcPts val="600"/>
+              </a:spcBef>
+            </a:pPr>
+            <a:r>
+              <a:rPr lang="en-US" sz="1600" dirty="0">
+                <a:latin typeface="Lora" panose="02020500000000000000" charset="0"/>
+                <a:ea typeface="Quattrocento Sans"/>
+                <a:cs typeface="Quattrocento Sans"/>
+                <a:sym typeface="Quattrocento Sans"/>
+              </a:rPr>
+              <a:t> </a:t>
+            </a:r>
+            <a:endParaRPr sz="1600" dirty="0">
+              <a:latin typeface="Lora" panose="02020500000000000000" charset="0"/>
+              <a:ea typeface="Quattrocento Sans"/>
+              <a:cs typeface="Quattrocento Sans"/>
+              <a:sym typeface="Quattrocento Sans"/>
+            </a:endParaRPr>
+          </a:p>
+        </p:txBody>
+      </p:sp>
+      <p:sp>
+        <p:nvSpPr>
+          <p:cNvPr id="94" name="Google Shape;94;p13"/>
+          <p:cNvSpPr txBox="1"/>
+          <p:nvPr/>
+        </p:nvSpPr>
+        <p:spPr>
+          <a:xfrm>
+            <a:off x="654550" y="4129912"/>
+            <a:ext cx="7846200" cy="826500"/>
+          </a:xfrm>
+          <a:prstGeom prst="rect">
+            <a:avLst/>
+          </a:prstGeom>
+          <a:noFill/>
+          <a:ln>
+            <a:noFill/>
+          </a:ln>
+        </p:spPr>
+        <p:txBody>
+          <a:bodyPr spcFirstLastPara="1" wrap="square" lIns="91425" tIns="91425" rIns="91425" bIns="91425" anchor="t" anchorCtr="0">
+            <a:noAutofit/>
+          </a:bodyPr>
+          <a:lstStyle/>
+          <a:p>
+            <a:pPr lvl="0">
+              <a:spcBef>
+                <a:spcPts val="1000"/>
+              </a:spcBef>
+            </a:pPr>
+            <a:r>
+              <a:rPr lang="en" sz="1100" b="1" i="1" dirty="0">
+                <a:latin typeface="Lora"/>
+                <a:ea typeface="Lora"/>
+                <a:cs typeface="Lora"/>
+                <a:sym typeface="Lora"/>
+              </a:rPr>
+              <a:t>The </a:t>
+            </a:r>
+            <a:r>
+              <a:rPr lang="en-US" altLang="zh-TW" sz="1100" b="1" u="sng" dirty="0" err="1">
+                <a:latin typeface="Lora" panose="02020500000000000000" charset="0"/>
+              </a:rPr>
+              <a:t>Sōkoban</a:t>
+            </a:r>
+            <a:r>
+              <a:rPr lang="en-US" altLang="zh-TW" sz="1100" b="1" u="sng" dirty="0">
+                <a:latin typeface="Lora" panose="02020500000000000000" charset="0"/>
+              </a:rPr>
+              <a:t> </a:t>
+            </a:r>
+            <a:r>
+              <a:rPr lang="en-US" altLang="zh-TW" sz="1100" b="1" dirty="0">
+                <a:latin typeface="Lora" panose="02020500000000000000" charset="0"/>
+              </a:rPr>
+              <a:t>game online: </a:t>
+            </a:r>
+            <a:r>
+              <a:rPr lang="en-US" altLang="zh-TW" sz="1100" b="1" dirty="0">
+                <a:latin typeface="Lora" panose="02020500000000000000" charset="0"/>
+                <a:hlinkClick r:id="rId3"/>
+              </a:rPr>
+              <a:t>http://my-gamer.com/games/gc11660.html</a:t>
+            </a:r>
+            <a:endParaRPr lang="en" sz="1100" b="1" i="1" dirty="0">
+              <a:latin typeface="Lora"/>
+              <a:ea typeface="Lora"/>
+              <a:cs typeface="Lora"/>
+              <a:sym typeface="Lora"/>
+            </a:endParaRPr>
+          </a:p>
+          <a:p>
+            <a:pPr lvl="0">
+              <a:spcBef>
+                <a:spcPts val="1000"/>
+              </a:spcBef>
+            </a:pPr>
+            <a:r>
+              <a:rPr lang="en" sz="1100" b="1" i="1" dirty="0">
+                <a:latin typeface="Lora"/>
+                <a:ea typeface="Lora"/>
+                <a:cs typeface="Lora"/>
+                <a:sym typeface="Lora"/>
+              </a:rPr>
+              <a:t>More info about the </a:t>
+            </a:r>
+            <a:r>
+              <a:rPr lang="en-US" altLang="zh-TW" sz="1100" b="1" u="sng" dirty="0" err="1">
+                <a:latin typeface="Lora" panose="02020500000000000000" charset="0"/>
+              </a:rPr>
+              <a:t>Sōkoban</a:t>
+            </a:r>
+            <a:r>
+              <a:rPr lang="en-US" altLang="zh-TW" sz="1100" b="1" u="sng" dirty="0">
+                <a:latin typeface="Lora" panose="02020500000000000000" charset="0"/>
+              </a:rPr>
+              <a:t> </a:t>
+            </a:r>
+            <a:r>
+              <a:rPr lang="en-US" altLang="zh-TW" sz="1100" b="1" dirty="0">
+                <a:latin typeface="Lora" panose="02020500000000000000" charset="0"/>
+              </a:rPr>
+              <a:t> game: </a:t>
+            </a:r>
+            <a:r>
+              <a:rPr lang="en-US" altLang="zh-TW" sz="1100" b="1" dirty="0">
+                <a:latin typeface="Lora" panose="02020500000000000000" charset="0"/>
+                <a:hlinkClick r:id="rId4"/>
+              </a:rPr>
+              <a:t>https://zh.wikipedia.org/wiki/%E5%80%89%E5%BA%AB%E7%95%AA</a:t>
+            </a:r>
+          </a:p>
+          <a:p>
+            <a:pPr lvl="0">
+              <a:spcBef>
+                <a:spcPts val="1000"/>
+              </a:spcBef>
+            </a:pPr>
+            <a:r>
+              <a:rPr lang="en" sz="1100" b="1" i="1" dirty="0">
+                <a:latin typeface="Lora"/>
+                <a:ea typeface="Lora"/>
+                <a:cs typeface="Lora"/>
+                <a:sym typeface="Lora"/>
+                <a:hlinkClick r:id="rId4"/>
+              </a:rPr>
+              <a:t> </a:t>
+            </a:r>
+            <a:endParaRPr sz="1100" b="1" i="1" dirty="0">
+              <a:latin typeface="Lora"/>
+              <a:ea typeface="Lora"/>
+              <a:cs typeface="Lora"/>
+              <a:sym typeface="Lora"/>
+            </a:endParaRPr>
+          </a:p>
+        </p:txBody>
+      </p:sp>
+      <p:sp>
+        <p:nvSpPr>
+          <p:cNvPr id="95" name="Google Shape;95;p13"/>
+          <p:cNvSpPr txBox="1">
+            <a:spLocks noGrp="1"/>
+          </p:cNvSpPr>
+          <p:nvPr>
+            <p:ph type="sldNum" idx="12"/>
+          </p:nvPr>
+        </p:nvSpPr>
+        <p:spPr>
+          <a:xfrm>
+            <a:off x="8543227" y="4749851"/>
+            <a:ext cx="548700" cy="393600"/>
+          </a:xfrm>
+          <a:prstGeom prst="rect">
+            <a:avLst/>
+          </a:prstGeom>
+        </p:spPr>
+        <p:txBody>
+          <a:bodyPr spcFirstLastPara="1" wrap="square" lIns="91425" tIns="91425" rIns="91425" bIns="91425" anchor="t" anchorCtr="0">
+            <a:noAutofit/>
+          </a:bodyPr>
+          <a:lstStyle/>
+          <a:p>
+            <a:pPr marL="0" lvl="0" indent="0" algn="r" rtl="0">
+              <a:spcBef>
+                <a:spcPts val="0"/>
+              </a:spcBef>
+              <a:spcAft>
+                <a:spcPts val="0"/>
+              </a:spcAft>
+              <a:buNone/>
+            </a:pPr>
+            <a:fld id="{00000000-1234-1234-1234-123412341234}" type="slidenum">
+              <a:rPr lang="en"/>
+              <a:t>2</a:t>
+            </a:fld>
+            <a:endParaRPr/>
+          </a:p>
+        </p:txBody>
+      </p:sp>
+      <p:pic>
+        <p:nvPicPr>
+          <p:cNvPr id="2" name="圖片 1"/>
+          <p:cNvPicPr>
+            <a:picLocks noChangeAspect="1"/>
+          </p:cNvPicPr>
+          <p:nvPr/>
+        </p:nvPicPr>
+        <p:blipFill rotWithShape="1">
+          <a:blip r:embed="rId5">
+            <a:extLst>
+              <a:ext uri="{28A0092B-C50C-407E-A947-70E740481C1C}">
+                <a14:useLocalDpi xmlns:a14="http://schemas.microsoft.com/office/drawing/2010/main" val="0"/>
+              </a:ext>
+            </a:extLst>
+          </a:blip>
+          <a:srcRect l="18936" t="15106" r="38228" b="12459"/>
+          <a:stretch/>
+        </p:blipFill>
+        <p:spPr>
+          <a:xfrm>
+            <a:off x="7115503" y="1597209"/>
+            <a:ext cx="1660635" cy="2228557"/>
+          </a:xfrm>
+          <a:prstGeom prst="rect">
+            <a:avLst/>
+          </a:prstGeom>
+          <a:solidFill>
+            <a:srgbClr val="FFFFFF">
+              <a:shade val="85000"/>
+            </a:srgbClr>
+          </a:solidFill>
+          <a:ln w="88900" cap="sq">
+            <a:solidFill>
+              <a:srgbClr val="FFFFFF"/>
+            </a:solidFill>
+            <a:miter lim="800000"/>
+          </a:ln>
+          <a:effectLst>
+            <a:outerShdw blurRad="55000" dist="18000" dir="5400000" algn="tl" rotWithShape="0">
+              <a:srgbClr val="000000">
+                <a:alpha val="40000"/>
+              </a:srgbClr>
+            </a:outerShdw>
+          </a:effectLst>
+          <a:scene3d>
+            <a:camera prst="orthographicFront"/>
+            <a:lightRig rig="twoPt" dir="t">
+              <a:rot lat="0" lon="0" rev="7200000"/>
+            </a:lightRig>
+          </a:scene3d>
+          <a:sp3d>
+            <a:bevelT w="25400" h="19050"/>
+            <a:contourClr>
+              <a:srgbClr val="FFFFFF"/>
+            </a:contourClr>
+          </a:sp3d>
+        </p:spPr>
+      </p:pic>
+      <p:pic>
+        <p:nvPicPr>
+          <p:cNvPr id="3" name="圖片 2"/>
+          <p:cNvPicPr>
+            <a:picLocks noChangeAspect="1"/>
+          </p:cNvPicPr>
+          <p:nvPr/>
+        </p:nvPicPr>
+        <p:blipFill>
+          <a:blip r:embed="rId6"/>
+          <a:stretch>
+            <a:fillRect/>
+          </a:stretch>
+        </p:blipFill>
+        <p:spPr>
+          <a:xfrm>
+            <a:off x="937296" y="1023240"/>
+            <a:ext cx="176801" cy="216429"/>
+          </a:xfrm>
+          <a:prstGeom prst="rect">
+            <a:avLst/>
+          </a:prstGeom>
+        </p:spPr>
+      </p:pic>
+    </p:spTree>
+  </p:cSld>
+  <p:clrMapOvr>
+    <a:masterClrMapping/>
+  </p:clrMapOvr>
+</p:sld>
+</file>
+
+<file path=ppt/slides/slide20.xml><?xml version="1.0" encoding="utf-8"?>
 <p:sld xmlns:a="http://schemas.openxmlformats.org/drawingml/2006/main" xmlns:r="http://schemas.openxmlformats.org/officeDocument/2006/relationships" xmlns:p="http://schemas.openxmlformats.org/presentationml/2006/main">
   <p:cSld>
     <p:spTree>
@@ -7907,7 +9431,7 @@
             </a:pPr>
             <a:fld id="{00000000-1234-1234-1234-123412341234}" type="slidenum">
               <a:rPr lang="en" smtClean="0"/>
-              <a:t>16</a:t>
+              <a:t>20</a:t>
             </a:fld>
             <a:endParaRPr lang="en"/>
           </a:p>
@@ -7943,470 +9467,6 @@
         <p14:creationId xmlns:p14="http://schemas.microsoft.com/office/powerpoint/2010/main" val="227442086"/>
       </p:ext>
     </p:extLst>
-  </p:cSld>
-  <p:clrMapOvr>
-    <a:masterClrMapping/>
-  </p:clrMapOvr>
-</p:sld>
-</file>
-
-<file path=ppt/slides/slide2.xml><?xml version="1.0" encoding="utf-8"?>
-<p:sld xmlns:a="http://schemas.openxmlformats.org/drawingml/2006/main" xmlns:r="http://schemas.openxmlformats.org/officeDocument/2006/relationships" xmlns:p="http://schemas.openxmlformats.org/presentationml/2006/main">
-  <p:cSld>
-    <p:spTree>
-      <p:nvGrpSpPr>
-        <p:cNvPr id="1" name="Shape 84"/>
-        <p:cNvGrpSpPr/>
-        <p:nvPr/>
-      </p:nvGrpSpPr>
-      <p:grpSpPr>
-        <a:xfrm>
-          <a:off x="0" y="0"/>
-          <a:ext cx="0" cy="0"/>
-          <a:chOff x="0" y="0"/>
-          <a:chExt cx="0" cy="0"/>
-        </a:xfrm>
-      </p:grpSpPr>
-      <p:sp>
-        <p:nvSpPr>
-          <p:cNvPr id="85" name="Google Shape;85;p13"/>
-          <p:cNvSpPr/>
-          <p:nvPr/>
-        </p:nvSpPr>
-        <p:spPr>
-          <a:xfrm>
-            <a:off x="5650" y="4163500"/>
-            <a:ext cx="9144000" cy="979800"/>
-          </a:xfrm>
-          <a:prstGeom prst="rect">
-            <a:avLst/>
-          </a:prstGeom>
-          <a:solidFill>
-            <a:srgbClr val="FFCD00"/>
-          </a:solidFill>
-          <a:ln>
-            <a:noFill/>
-          </a:ln>
-        </p:spPr>
-        <p:txBody>
-          <a:bodyPr spcFirstLastPara="1" wrap="square" lIns="91425" tIns="91425" rIns="91425" bIns="91425" anchor="ctr" anchorCtr="0">
-            <a:noAutofit/>
-          </a:bodyPr>
-          <a:lstStyle/>
-          <a:p>
-            <a:pPr marL="0" lvl="0" indent="0" algn="l" rtl="0">
-              <a:spcBef>
-                <a:spcPts val="0"/>
-              </a:spcBef>
-              <a:spcAft>
-                <a:spcPts val="0"/>
-              </a:spcAft>
-              <a:buNone/>
-            </a:pPr>
-            <a:endParaRPr/>
-          </a:p>
-        </p:txBody>
-      </p:sp>
-      <p:sp>
-        <p:nvSpPr>
-          <p:cNvPr id="86" name="Google Shape;86;p13"/>
-          <p:cNvSpPr txBox="1">
-            <a:spLocks noGrp="1"/>
-          </p:cNvSpPr>
-          <p:nvPr>
-            <p:ph type="title"/>
-          </p:nvPr>
-        </p:nvSpPr>
-        <p:spPr>
-          <a:xfrm>
-            <a:off x="1381250" y="922668"/>
-            <a:ext cx="3878400" cy="435600"/>
-          </a:xfrm>
-          <a:prstGeom prst="rect">
-            <a:avLst/>
-          </a:prstGeom>
-        </p:spPr>
-        <p:txBody>
-          <a:bodyPr spcFirstLastPara="1" wrap="square" lIns="91425" tIns="91425" rIns="91425" bIns="91425" anchor="ctr" anchorCtr="0">
-            <a:noAutofit/>
-          </a:bodyPr>
-          <a:lstStyle/>
-          <a:p>
-            <a:pPr marL="0" lvl="0" indent="0" algn="l" rtl="0">
-              <a:spcBef>
-                <a:spcPts val="0"/>
-              </a:spcBef>
-              <a:spcAft>
-                <a:spcPts val="0"/>
-              </a:spcAft>
-              <a:buNone/>
-            </a:pPr>
-            <a:r>
-              <a:rPr lang="en" dirty="0"/>
-              <a:t>Project Statement</a:t>
-            </a:r>
-            <a:endParaRPr dirty="0"/>
-          </a:p>
-        </p:txBody>
-      </p:sp>
-      <p:sp>
-        <p:nvSpPr>
-          <p:cNvPr id="92" name="Google Shape;92;p13"/>
-          <p:cNvSpPr txBox="1"/>
-          <p:nvPr/>
-        </p:nvSpPr>
-        <p:spPr>
-          <a:xfrm>
-            <a:off x="1381249" y="1578150"/>
-            <a:ext cx="5671191" cy="2207100"/>
-          </a:xfrm>
-          <a:prstGeom prst="rect">
-            <a:avLst/>
-          </a:prstGeom>
-          <a:noFill/>
-          <a:ln>
-            <a:noFill/>
-          </a:ln>
-        </p:spPr>
-        <p:txBody>
-          <a:bodyPr spcFirstLastPara="1" wrap="square" lIns="91425" tIns="91425" rIns="91425" bIns="91425" anchor="t" anchorCtr="0">
-            <a:noAutofit/>
-          </a:bodyPr>
-          <a:lstStyle/>
-          <a:p>
-            <a:pPr lvl="0">
-              <a:lnSpc>
-                <a:spcPct val="200000"/>
-              </a:lnSpc>
-              <a:spcBef>
-                <a:spcPts val="600"/>
-              </a:spcBef>
-            </a:pPr>
-            <a:r>
-              <a:rPr lang="en-US" altLang="zh-TW" sz="1600" u="sng" dirty="0" err="1">
-                <a:latin typeface="Lora" panose="02020500000000000000" charset="0"/>
-              </a:rPr>
-              <a:t>Sōkoban</a:t>
-            </a:r>
-            <a:r>
-              <a:rPr lang="en-US" altLang="zh-TW" sz="1600" dirty="0">
-                <a:latin typeface="Lora" panose="02020500000000000000" charset="0"/>
-              </a:rPr>
-              <a:t> is a classical puzzle game. Player need to control a porter to push the cargo to designated locations. We want to design an AI to play </a:t>
-            </a:r>
-            <a:r>
-              <a:rPr lang="en-US" altLang="zh-TW" sz="1600" u="sng" dirty="0" err="1">
-                <a:latin typeface="Lora" panose="02020500000000000000" charset="0"/>
-              </a:rPr>
-              <a:t>Sōkoban</a:t>
-            </a:r>
-            <a:r>
-              <a:rPr lang="en-US" altLang="zh-TW" sz="1600" dirty="0">
-                <a:latin typeface="Lora" panose="02020500000000000000" charset="0"/>
-              </a:rPr>
-              <a:t>.</a:t>
-            </a:r>
-          </a:p>
-          <a:p>
-            <a:pPr lvl="0">
-              <a:spcBef>
-                <a:spcPts val="600"/>
-              </a:spcBef>
-            </a:pPr>
-            <a:endParaRPr lang="en-US" sz="1600" u="sng" dirty="0">
-              <a:latin typeface="Lora" panose="02020500000000000000" charset="0"/>
-              <a:ea typeface="Quattrocento Sans"/>
-              <a:cs typeface="Quattrocento Sans"/>
-              <a:sym typeface="Quattrocento Sans"/>
-            </a:endParaRPr>
-          </a:p>
-          <a:p>
-            <a:pPr lvl="0">
-              <a:spcBef>
-                <a:spcPts val="600"/>
-              </a:spcBef>
-            </a:pPr>
-            <a:r>
-              <a:rPr lang="en-US" sz="1600" dirty="0">
-                <a:latin typeface="Lora" panose="02020500000000000000" charset="0"/>
-                <a:ea typeface="Quattrocento Sans"/>
-                <a:cs typeface="Quattrocento Sans"/>
-                <a:sym typeface="Quattrocento Sans"/>
-              </a:rPr>
-              <a:t> </a:t>
-            </a:r>
-            <a:endParaRPr sz="1600" dirty="0">
-              <a:latin typeface="Lora" panose="02020500000000000000" charset="0"/>
-              <a:ea typeface="Quattrocento Sans"/>
-              <a:cs typeface="Quattrocento Sans"/>
-              <a:sym typeface="Quattrocento Sans"/>
-            </a:endParaRPr>
-          </a:p>
-        </p:txBody>
-      </p:sp>
-      <p:sp>
-        <p:nvSpPr>
-          <p:cNvPr id="94" name="Google Shape;94;p13"/>
-          <p:cNvSpPr txBox="1"/>
-          <p:nvPr/>
-        </p:nvSpPr>
-        <p:spPr>
-          <a:xfrm>
-            <a:off x="654550" y="4129912"/>
-            <a:ext cx="7846200" cy="826500"/>
-          </a:xfrm>
-          <a:prstGeom prst="rect">
-            <a:avLst/>
-          </a:prstGeom>
-          <a:noFill/>
-          <a:ln>
-            <a:noFill/>
-          </a:ln>
-        </p:spPr>
-        <p:txBody>
-          <a:bodyPr spcFirstLastPara="1" wrap="square" lIns="91425" tIns="91425" rIns="91425" bIns="91425" anchor="t" anchorCtr="0">
-            <a:noAutofit/>
-          </a:bodyPr>
-          <a:lstStyle/>
-          <a:p>
-            <a:pPr lvl="0">
-              <a:spcBef>
-                <a:spcPts val="1000"/>
-              </a:spcBef>
-            </a:pPr>
-            <a:r>
-              <a:rPr lang="en" sz="1100" b="1" i="1" dirty="0">
-                <a:latin typeface="Lora"/>
-                <a:ea typeface="Lora"/>
-                <a:cs typeface="Lora"/>
-                <a:sym typeface="Lora"/>
-              </a:rPr>
-              <a:t>The </a:t>
-            </a:r>
-            <a:r>
-              <a:rPr lang="en-US" altLang="zh-TW" sz="1100" b="1" u="sng" dirty="0" err="1">
-                <a:latin typeface="Lora" panose="02020500000000000000" charset="0"/>
-              </a:rPr>
-              <a:t>Sōkoban</a:t>
-            </a:r>
-            <a:r>
-              <a:rPr lang="en-US" altLang="zh-TW" sz="1100" b="1" u="sng" dirty="0">
-                <a:latin typeface="Lora" panose="02020500000000000000" charset="0"/>
-              </a:rPr>
-              <a:t> </a:t>
-            </a:r>
-            <a:r>
-              <a:rPr lang="en-US" altLang="zh-TW" sz="1100" b="1" dirty="0">
-                <a:latin typeface="Lora" panose="02020500000000000000" charset="0"/>
-              </a:rPr>
-              <a:t>game online: </a:t>
-            </a:r>
-            <a:r>
-              <a:rPr lang="en-US" altLang="zh-TW" sz="1100" b="1" dirty="0">
-                <a:latin typeface="Lora" panose="02020500000000000000" charset="0"/>
-                <a:hlinkClick r:id="rId3"/>
-              </a:rPr>
-              <a:t>http://my-gamer.com/games/gc11660.html</a:t>
-            </a:r>
-            <a:endParaRPr lang="en" sz="1100" b="1" i="1" dirty="0">
-              <a:latin typeface="Lora"/>
-              <a:ea typeface="Lora"/>
-              <a:cs typeface="Lora"/>
-              <a:sym typeface="Lora"/>
-            </a:endParaRPr>
-          </a:p>
-          <a:p>
-            <a:pPr lvl="0">
-              <a:spcBef>
-                <a:spcPts val="1000"/>
-              </a:spcBef>
-            </a:pPr>
-            <a:r>
-              <a:rPr lang="en" sz="1100" b="1" i="1" dirty="0">
-                <a:latin typeface="Lora"/>
-                <a:ea typeface="Lora"/>
-                <a:cs typeface="Lora"/>
-                <a:sym typeface="Lora"/>
-              </a:rPr>
-              <a:t>More info about the </a:t>
-            </a:r>
-            <a:r>
-              <a:rPr lang="en-US" altLang="zh-TW" sz="1100" b="1" u="sng" dirty="0" err="1">
-                <a:latin typeface="Lora" panose="02020500000000000000" charset="0"/>
-              </a:rPr>
-              <a:t>Sōkoban</a:t>
-            </a:r>
-            <a:r>
-              <a:rPr lang="en-US" altLang="zh-TW" sz="1100" b="1" u="sng" dirty="0">
-                <a:latin typeface="Lora" panose="02020500000000000000" charset="0"/>
-              </a:rPr>
-              <a:t> </a:t>
-            </a:r>
-            <a:r>
-              <a:rPr lang="en-US" altLang="zh-TW" sz="1100" b="1" dirty="0">
-                <a:latin typeface="Lora" panose="02020500000000000000" charset="0"/>
-              </a:rPr>
-              <a:t> game: </a:t>
-            </a:r>
-            <a:r>
-              <a:rPr lang="en-US" altLang="zh-TW" sz="1100" b="1" dirty="0">
-                <a:latin typeface="Lora" panose="02020500000000000000" charset="0"/>
-                <a:hlinkClick r:id="rId4"/>
-              </a:rPr>
-              <a:t>https://zh.wikipedia.org/wiki/%E5%80%89%E5%BA%AB%E7%95%AA</a:t>
-            </a:r>
-          </a:p>
-          <a:p>
-            <a:pPr lvl="0">
-              <a:spcBef>
-                <a:spcPts val="1000"/>
-              </a:spcBef>
-            </a:pPr>
-            <a:r>
-              <a:rPr lang="en" sz="1100" b="1" i="1" dirty="0">
-                <a:latin typeface="Lora"/>
-                <a:ea typeface="Lora"/>
-                <a:cs typeface="Lora"/>
-                <a:sym typeface="Lora"/>
-                <a:hlinkClick r:id="rId4"/>
-              </a:rPr>
-              <a:t> </a:t>
-            </a:r>
-            <a:endParaRPr sz="1100" b="1" i="1" dirty="0">
-              <a:latin typeface="Lora"/>
-              <a:ea typeface="Lora"/>
-              <a:cs typeface="Lora"/>
-              <a:sym typeface="Lora"/>
-            </a:endParaRPr>
-          </a:p>
-        </p:txBody>
-      </p:sp>
-      <p:sp>
-        <p:nvSpPr>
-          <p:cNvPr id="95" name="Google Shape;95;p13"/>
-          <p:cNvSpPr txBox="1">
-            <a:spLocks noGrp="1"/>
-          </p:cNvSpPr>
-          <p:nvPr>
-            <p:ph type="sldNum" idx="12"/>
-          </p:nvPr>
-        </p:nvSpPr>
-        <p:spPr>
-          <a:xfrm>
-            <a:off x="8543227" y="4749851"/>
-            <a:ext cx="548700" cy="393600"/>
-          </a:xfrm>
-          <a:prstGeom prst="rect">
-            <a:avLst/>
-          </a:prstGeom>
-        </p:spPr>
-        <p:txBody>
-          <a:bodyPr spcFirstLastPara="1" wrap="square" lIns="91425" tIns="91425" rIns="91425" bIns="91425" anchor="t" anchorCtr="0">
-            <a:noAutofit/>
-          </a:bodyPr>
-          <a:lstStyle/>
-          <a:p>
-            <a:pPr marL="0" lvl="0" indent="0" algn="r" rtl="0">
-              <a:spcBef>
-                <a:spcPts val="0"/>
-              </a:spcBef>
-              <a:spcAft>
-                <a:spcPts val="0"/>
-              </a:spcAft>
-              <a:buNone/>
-            </a:pPr>
-            <a:fld id="{00000000-1234-1234-1234-123412341234}" type="slidenum">
-              <a:rPr lang="en"/>
-              <a:t>2</a:t>
-            </a:fld>
-            <a:endParaRPr/>
-          </a:p>
-        </p:txBody>
-      </p:sp>
-      <p:pic>
-        <p:nvPicPr>
-          <p:cNvPr id="2" name="圖片 1"/>
-          <p:cNvPicPr>
-            <a:picLocks noChangeAspect="1"/>
-          </p:cNvPicPr>
-          <p:nvPr/>
-        </p:nvPicPr>
-        <p:blipFill rotWithShape="1">
-          <a:blip r:embed="rId5">
-            <a:extLst>
-              <a:ext uri="{28A0092B-C50C-407E-A947-70E740481C1C}">
-                <a14:useLocalDpi xmlns:a14="http://schemas.microsoft.com/office/drawing/2010/main" val="0"/>
-              </a:ext>
-            </a:extLst>
-          </a:blip>
-          <a:srcRect l="18936" t="15106" r="38228" b="12459"/>
-          <a:stretch/>
-        </p:blipFill>
-        <p:spPr>
-          <a:xfrm>
-            <a:off x="7115503" y="1597209"/>
-            <a:ext cx="1660635" cy="2228557"/>
-          </a:xfrm>
-          <a:prstGeom prst="rect">
-            <a:avLst/>
-          </a:prstGeom>
-          <a:solidFill>
-            <a:srgbClr val="FFFFFF">
-              <a:shade val="85000"/>
-            </a:srgbClr>
-          </a:solidFill>
-          <a:ln w="88900" cap="sq">
-            <a:solidFill>
-              <a:srgbClr val="FFFFFF"/>
-            </a:solidFill>
-            <a:miter lim="800000"/>
-          </a:ln>
-          <a:effectLst>
-            <a:outerShdw blurRad="55000" dist="18000" dir="5400000" algn="tl" rotWithShape="0">
-              <a:srgbClr val="000000">
-                <a:alpha val="40000"/>
-              </a:srgbClr>
-            </a:outerShdw>
-          </a:effectLst>
-          <a:scene3d>
-            <a:camera prst="orthographicFront"/>
-            <a:lightRig rig="twoPt" dir="t">
-              <a:rot lat="0" lon="0" rev="7200000"/>
-            </a:lightRig>
-          </a:scene3d>
-          <a:sp3d>
-            <a:bevelT w="25400" h="19050"/>
-            <a:contourClr>
-              <a:srgbClr val="FFFFFF"/>
-            </a:contourClr>
-          </a:sp3d>
-        </p:spPr>
-      </p:pic>
-      <p:pic>
-        <p:nvPicPr>
-          <p:cNvPr id="3" name="圖片 2"/>
-          <p:cNvPicPr>
-            <a:picLocks noChangeAspect="1"/>
-          </p:cNvPicPr>
-          <p:nvPr/>
-        </p:nvPicPr>
-        <p:blipFill>
-          <a:blip r:embed="rId6"/>
-          <a:stretch>
-            <a:fillRect/>
-          </a:stretch>
-        </p:blipFill>
-        <p:spPr>
-          <a:xfrm>
-            <a:off x="937296" y="1023240"/>
-            <a:ext cx="176801" cy="216429"/>
-          </a:xfrm>
-          <a:prstGeom prst="rect">
-            <a:avLst/>
-          </a:prstGeom>
-        </p:spPr>
-      </p:pic>
-    </p:spTree>
   </p:cSld>
   <p:clrMapOvr>
     <a:masterClrMapping/>
@@ -8521,8 +9581,8 @@
         </p:nvSpPr>
         <p:spPr>
           <a:xfrm>
-            <a:off x="1515686" y="1504010"/>
-            <a:ext cx="6112627" cy="2480159"/>
+            <a:off x="1048644" y="1865540"/>
+            <a:ext cx="7669465" cy="1412419"/>
           </a:xfrm>
           <a:prstGeom prst="rect">
             <a:avLst/>
@@ -8538,67 +9598,43 @@
           </a:bodyPr>
           <a:lstStyle/>
           <a:p>
-            <a:pPr lvl="0">
-              <a:spcBef>
-                <a:spcPts val="600"/>
-              </a:spcBef>
-            </a:pPr>
             <a:r>
-              <a:rPr lang="en-US" altLang="zh-TW" sz="1600" b="1" dirty="0" err="1">
-                <a:latin typeface="Lora" panose="02020500000000000000" charset="0"/>
-              </a:rPr>
-              <a:t>Sōkoban</a:t>
+              <a:rPr lang="zh-TW" altLang="zh-TW" sz="2000" dirty="0"/>
+              <a:t>「推箱子」是款十分容易辨識結果的遊戲，</a:t>
+            </a:r>
+            <a:br>
+              <a:rPr lang="en-US" altLang="zh-TW" sz="2000" dirty="0"/>
+            </a:br>
+            <a:r>
+              <a:rPr lang="zh-TW" altLang="zh-TW" sz="2000" dirty="0"/>
+              <a:t>也因這項原因在結果的觀察上能清楚的看出我們的想法是否出錯，</a:t>
+            </a:r>
+            <a:br>
+              <a:rPr lang="en-US" altLang="zh-TW" sz="2000" dirty="0"/>
+            </a:br>
+            <a:r>
+              <a:rPr lang="zh-TW" altLang="en-US" sz="2000" dirty="0"/>
+              <a:t>這是</a:t>
             </a:r>
             <a:r>
-              <a:rPr lang="zh-TW" altLang="en-US" sz="1600" dirty="0">
-                <a:latin typeface="Lora" panose="02020500000000000000" charset="0"/>
-              </a:rPr>
-              <a:t> </a:t>
+              <a:rPr lang="zh-TW" altLang="zh-TW" sz="2000" dirty="0"/>
+              <a:t>由於我們的想法會影響</a:t>
             </a:r>
             <a:r>
-              <a:rPr lang="en-US" altLang="zh-TW" sz="1600" dirty="0">
-                <a:latin typeface="Lora" panose="02020500000000000000" charset="0"/>
-              </a:rPr>
-              <a:t>is a good </a:t>
+              <a:rPr lang="en-US" altLang="zh-TW" sz="2000" dirty="0"/>
+              <a:t>agent</a:t>
             </a:r>
             <a:r>
-              <a:rPr lang="en-US" altLang="zh-TW" dirty="0"/>
-              <a:t>Puzzle game in design . </a:t>
+              <a:rPr lang="zh-TW" altLang="zh-TW" sz="2000" dirty="0"/>
+              <a:t>自身找到的解答，</a:t>
             </a:r>
             <a:br>
-              <a:rPr lang="en-US" altLang="zh-TW" dirty="0"/>
-            </a:br>
-            <a:br>
-              <a:rPr lang="en-US" altLang="zh-TW" dirty="0"/>
+              <a:rPr lang="en-US" altLang="zh-TW" sz="2000" dirty="0"/>
             </a:br>
             <a:r>
-              <a:rPr lang="en-US" altLang="zh-TW" dirty="0"/>
-              <a:t>In this game, you can use some math formula or algorithm to prove that does the solution exist in this case. </a:t>
+              <a:rPr lang="zh-TW" altLang="zh-TW" sz="2000" dirty="0"/>
+              <a:t>這也是我們為何使用它來做本次專案的動機。</a:t>
             </a:r>
-            <a:br>
-              <a:rPr lang="en-US" altLang="zh-TW" dirty="0"/>
-            </a:br>
-            <a:br>
-              <a:rPr lang="en-US" altLang="zh-TW" dirty="0"/>
-            </a:br>
-            <a:r>
-              <a:rPr lang="en-US" altLang="zh-TW" dirty="0"/>
-              <a:t>In Player perspective, It also can let player step by step to prove that does the player thinking is right in this level.</a:t>
-            </a:r>
-          </a:p>
-          <a:p>
-            <a:pPr lvl="0">
-              <a:spcBef>
-                <a:spcPts val="600"/>
-              </a:spcBef>
-            </a:pPr>
-            <a:r>
-              <a:rPr lang="en-US" altLang="zh-TW" dirty="0"/>
-              <a:t>To sum up, it’s easily recognizable and that’s why we would like to used it to do this project.</a:t>
-            </a:r>
-            <a:endParaRPr lang="en-US" altLang="zh-TW" sz="1600" u="sng" dirty="0">
-              <a:latin typeface="Lora" panose="02020500000000000000" charset="0"/>
-            </a:endParaRPr>
           </a:p>
         </p:txBody>
       </p:sp>
@@ -8916,13 +9952,13 @@
           <p:nvPr>
             <p:extLst>
               <p:ext uri="{D42A27DB-BD31-4B8C-83A1-F6EECF244321}">
-                <p14:modId xmlns:p14="http://schemas.microsoft.com/office/powerpoint/2010/main" val="3925121757"/>
+                <p14:modId xmlns:p14="http://schemas.microsoft.com/office/powerpoint/2010/main" val="4087256384"/>
               </p:ext>
             </p:extLst>
           </p:nvPr>
         </p:nvGraphicFramePr>
         <p:xfrm>
-          <a:off x="1109403" y="1860051"/>
+          <a:off x="1541888" y="1860051"/>
           <a:ext cx="3030112" cy="2011680"/>
         </p:xfrm>
         <a:graphic>
@@ -9027,7 +10063,7 @@
         </p:nvSpPr>
         <p:spPr>
           <a:xfrm>
-            <a:off x="1854635" y="4220832"/>
+            <a:off x="2274763" y="4220832"/>
             <a:ext cx="1159292" cy="307777"/>
           </a:xfrm>
           <a:prstGeom prst="rect">
@@ -9056,48 +10092,6 @@
           </a:p>
         </p:txBody>
       </p:sp>
-      <p:sp>
-        <p:nvSpPr>
-          <p:cNvPr id="9" name="文字方塊 8">
-            <a:extLst>
-              <a:ext uri="{FF2B5EF4-FFF2-40B4-BE49-F238E27FC236}">
-                <a16:creationId xmlns:a16="http://schemas.microsoft.com/office/drawing/2014/main" id="{8C8D44F3-23A3-4068-8EE4-66C4A4E08F07}"/>
-              </a:ext>
-            </a:extLst>
-          </p:cNvPr>
-          <p:cNvSpPr txBox="1"/>
-          <p:nvPr/>
-        </p:nvSpPr>
-        <p:spPr>
-          <a:xfrm>
-            <a:off x="4709659" y="1358268"/>
-            <a:ext cx="2492990" cy="523220"/>
-          </a:xfrm>
-          <a:prstGeom prst="rect">
-            <a:avLst/>
-          </a:prstGeom>
-          <a:noFill/>
-        </p:spPr>
-        <p:txBody>
-          <a:bodyPr wrap="none" rtlCol="0">
-            <a:spAutoFit/>
-          </a:bodyPr>
-          <a:lstStyle/>
-          <a:p>
-            <a:r>
-              <a:rPr lang="en-US" altLang="zh-TW" dirty="0"/>
-              <a:t>Row 1 :                5           5</a:t>
-            </a:r>
-          </a:p>
-          <a:p>
-            <a:r>
-              <a:rPr lang="en-US" altLang="zh-TW" dirty="0"/>
-              <a:t>       ( Graph ) Column * Row </a:t>
-            </a:r>
-            <a:endParaRPr lang="zh-TW" altLang="en-US" dirty="0"/>
-          </a:p>
-        </p:txBody>
-      </p:sp>
       <p:grpSp>
         <p:nvGrpSpPr>
           <p:cNvPr id="22" name="群組 21">
@@ -9112,7 +10106,7 @@
         </p:nvGrpSpPr>
         <p:grpSpPr>
           <a:xfrm>
-            <a:off x="267506" y="1847694"/>
+            <a:off x="687634" y="1847694"/>
             <a:ext cx="841897" cy="2030728"/>
             <a:chOff x="-18845" y="1860051"/>
             <a:chExt cx="841897" cy="2030728"/>
@@ -9443,186 +10437,391 @@
           </p:txBody>
         </p:sp>
       </p:grpSp>
-      <p:sp>
-        <p:nvSpPr>
-          <p:cNvPr id="24" name="文字方塊 23">
+      <p:grpSp>
+        <p:nvGrpSpPr>
+          <p:cNvPr id="6" name="群組 5">
             <a:extLst>
               <a:ext uri="{FF2B5EF4-FFF2-40B4-BE49-F238E27FC236}">
-                <a16:creationId xmlns:a16="http://schemas.microsoft.com/office/drawing/2014/main" id="{B2734BDF-A2B2-48BE-A112-C70272D2EB53}"/>
+                <a16:creationId xmlns:a16="http://schemas.microsoft.com/office/drawing/2014/main" id="{9590F486-69B8-4A8A-B05B-EC48A3FC6A2D}"/>
               </a:ext>
             </a:extLst>
           </p:cNvPr>
-          <p:cNvSpPr txBox="1"/>
+          <p:cNvGrpSpPr/>
           <p:nvPr/>
-        </p:nvSpPr>
-        <p:spPr>
+        </p:nvGrpSpPr>
+        <p:grpSpPr>
           <a:xfrm>
-            <a:off x="4709658" y="1925174"/>
-            <a:ext cx="2978701" cy="523220"/>
+            <a:off x="5259650" y="1683005"/>
+            <a:ext cx="2978702" cy="2790844"/>
+            <a:chOff x="4709657" y="1358268"/>
+            <a:chExt cx="2978702" cy="2790844"/>
           </a:xfrm>
-          <a:prstGeom prst="rect">
-            <a:avLst/>
-          </a:prstGeom>
-          <a:noFill/>
-        </p:spPr>
-        <p:txBody>
-          <a:bodyPr wrap="square" rtlCol="0">
-            <a:spAutoFit/>
-          </a:bodyPr>
-          <a:lstStyle/>
-          <a:p>
-            <a:r>
-              <a:rPr lang="en-US" altLang="zh-TW" dirty="0"/>
-              <a:t>Row 2 : 	         1           1 </a:t>
-            </a:r>
-          </a:p>
-          <a:p>
-            <a:r>
-              <a:rPr lang="en-US" altLang="zh-TW" dirty="0"/>
-              <a:t>      Player Start Point</a:t>
-            </a:r>
-            <a:endParaRPr lang="zh-TW" altLang="en-US" dirty="0"/>
-          </a:p>
-        </p:txBody>
-      </p:sp>
-      <p:sp>
-        <p:nvSpPr>
-          <p:cNvPr id="25" name="文字方塊 24">
-            <a:extLst>
-              <a:ext uri="{FF2B5EF4-FFF2-40B4-BE49-F238E27FC236}">
-                <a16:creationId xmlns:a16="http://schemas.microsoft.com/office/drawing/2014/main" id="{C9BEA575-0217-4527-A3F6-FCCDA0441CF4}"/>
-              </a:ext>
-            </a:extLst>
-          </p:cNvPr>
-          <p:cNvSpPr txBox="1"/>
-          <p:nvPr/>
-        </p:nvSpPr>
-        <p:spPr>
-          <a:xfrm>
-            <a:off x="4709657" y="2492080"/>
-            <a:ext cx="1955985" cy="523220"/>
-          </a:xfrm>
-          <a:prstGeom prst="rect">
-            <a:avLst/>
-          </a:prstGeom>
-          <a:noFill/>
-        </p:spPr>
-        <p:txBody>
-          <a:bodyPr wrap="none" rtlCol="0">
-            <a:spAutoFit/>
-          </a:bodyPr>
-          <a:lstStyle/>
-          <a:p>
-            <a:r>
-              <a:rPr lang="en-US" altLang="zh-TW" dirty="0"/>
-              <a:t>Row 3 :                1</a:t>
-            </a:r>
-          </a:p>
-          <a:p>
-            <a:r>
-              <a:rPr lang="en-US" altLang="zh-TW" dirty="0"/>
-              <a:t>      How many Goal ? </a:t>
-            </a:r>
-            <a:endParaRPr lang="zh-TW" altLang="en-US" dirty="0"/>
-          </a:p>
-        </p:txBody>
-      </p:sp>
-      <p:sp>
-        <p:nvSpPr>
-          <p:cNvPr id="26" name="文字方塊 25">
-            <a:extLst>
-              <a:ext uri="{FF2B5EF4-FFF2-40B4-BE49-F238E27FC236}">
-                <a16:creationId xmlns:a16="http://schemas.microsoft.com/office/drawing/2014/main" id="{BD9DEA8D-A487-4198-9F8F-B9B2EF94ACD5}"/>
-              </a:ext>
-            </a:extLst>
-          </p:cNvPr>
-          <p:cNvSpPr txBox="1"/>
-          <p:nvPr/>
-        </p:nvSpPr>
-        <p:spPr>
-          <a:xfrm>
-            <a:off x="4709657" y="3058986"/>
-            <a:ext cx="2646878" cy="523220"/>
-          </a:xfrm>
-          <a:prstGeom prst="rect">
-            <a:avLst/>
-          </a:prstGeom>
-          <a:noFill/>
-        </p:spPr>
-        <p:txBody>
-          <a:bodyPr wrap="none" rtlCol="0">
-            <a:spAutoFit/>
-          </a:bodyPr>
-          <a:lstStyle/>
-          <a:p>
-            <a:r>
-              <a:rPr lang="en-US" altLang="zh-TW" dirty="0"/>
-              <a:t>Row 4 :                3           3</a:t>
-            </a:r>
-          </a:p>
-          <a:p>
-            <a:r>
-              <a:rPr lang="en-US" altLang="zh-TW" dirty="0"/>
-              <a:t>       Goal(s) = Column , Row  </a:t>
-            </a:r>
-            <a:endParaRPr lang="zh-TW" altLang="en-US" dirty="0"/>
-          </a:p>
-        </p:txBody>
-      </p:sp>
-      <p:sp>
-        <p:nvSpPr>
-          <p:cNvPr id="27" name="文字方塊 26">
-            <a:extLst>
-              <a:ext uri="{FF2B5EF4-FFF2-40B4-BE49-F238E27FC236}">
-                <a16:creationId xmlns:a16="http://schemas.microsoft.com/office/drawing/2014/main" id="{7180E334-0750-4C44-86C8-404259561010}"/>
-              </a:ext>
-            </a:extLst>
-          </p:cNvPr>
-          <p:cNvSpPr txBox="1"/>
-          <p:nvPr/>
-        </p:nvSpPr>
-        <p:spPr>
-          <a:xfrm>
-            <a:off x="4717685" y="3625892"/>
-            <a:ext cx="2739853" cy="523220"/>
-          </a:xfrm>
-          <a:prstGeom prst="rect">
-            <a:avLst/>
-          </a:prstGeom>
-          <a:noFill/>
-        </p:spPr>
-        <p:txBody>
-          <a:bodyPr wrap="none" rtlCol="0">
-            <a:spAutoFit/>
-          </a:bodyPr>
-          <a:lstStyle/>
-          <a:p>
-            <a:r>
-              <a:rPr lang="en-US" altLang="zh-TW" dirty="0"/>
-              <a:t>Row 5 ~ 9 :  </a:t>
-            </a:r>
-          </a:p>
-          <a:p>
-            <a:r>
-              <a:rPr lang="zh-TW" altLang="en-US" dirty="0"/>
-              <a:t>       </a:t>
-            </a:r>
-            <a:r>
-              <a:rPr lang="en-US" altLang="zh-TW" dirty="0"/>
-              <a:t>NEXT PAGE TO</a:t>
-            </a:r>
-            <a:r>
-              <a:rPr lang="zh-TW" altLang="en-US" dirty="0"/>
-              <a:t> </a:t>
-            </a:r>
-            <a:r>
-              <a:rPr lang="en-US" altLang="zh-TW" dirty="0"/>
-              <a:t>EXPLANE</a:t>
-            </a:r>
-            <a:endParaRPr lang="zh-TW" altLang="en-US" dirty="0"/>
-          </a:p>
-        </p:txBody>
-      </p:sp>
+        </p:grpSpPr>
+        <p:sp>
+          <p:nvSpPr>
+            <p:cNvPr id="9" name="文字方塊 8">
+              <a:extLst>
+                <a:ext uri="{FF2B5EF4-FFF2-40B4-BE49-F238E27FC236}">
+                  <a16:creationId xmlns:a16="http://schemas.microsoft.com/office/drawing/2014/main" id="{8C8D44F3-23A3-4068-8EE4-66C4A4E08F07}"/>
+                </a:ext>
+              </a:extLst>
+            </p:cNvPr>
+            <p:cNvSpPr txBox="1"/>
+            <p:nvPr/>
+          </p:nvSpPr>
+          <p:spPr>
+            <a:xfrm>
+              <a:off x="4709659" y="1358268"/>
+              <a:ext cx="2492990" cy="523220"/>
+            </a:xfrm>
+            <a:prstGeom prst="rect">
+              <a:avLst/>
+            </a:prstGeom>
+            <a:noFill/>
+          </p:spPr>
+          <p:txBody>
+            <a:bodyPr wrap="none" rtlCol="0">
+              <a:spAutoFit/>
+            </a:bodyPr>
+            <a:lstStyle/>
+            <a:p>
+              <a:r>
+                <a:rPr lang="en-US" altLang="zh-TW" dirty="0"/>
+                <a:t>Row 1 :                </a:t>
+              </a:r>
+              <a:r>
+                <a:rPr lang="en-US" altLang="zh-TW" dirty="0">
+                  <a:solidFill>
+                    <a:srgbClr val="0070C0"/>
+                  </a:solidFill>
+                </a:rPr>
+                <a:t>5</a:t>
+              </a:r>
+              <a:r>
+                <a:rPr lang="en-US" altLang="zh-TW" dirty="0"/>
+                <a:t>           </a:t>
+              </a:r>
+              <a:r>
+                <a:rPr lang="en-US" altLang="zh-TW" dirty="0">
+                  <a:solidFill>
+                    <a:schemeClr val="accent5">
+                      <a:lumMod val="75000"/>
+                    </a:schemeClr>
+                  </a:solidFill>
+                </a:rPr>
+                <a:t>5</a:t>
+              </a:r>
+            </a:p>
+            <a:p>
+              <a:r>
+                <a:rPr lang="en-US" altLang="zh-TW" dirty="0"/>
+                <a:t>       ( Graph ) </a:t>
+              </a:r>
+              <a:r>
+                <a:rPr lang="en-US" altLang="zh-TW" dirty="0">
+                  <a:solidFill>
+                    <a:srgbClr val="0070C0"/>
+                  </a:solidFill>
+                </a:rPr>
+                <a:t>Column</a:t>
+              </a:r>
+              <a:r>
+                <a:rPr lang="en-US" altLang="zh-TW" dirty="0"/>
+                <a:t> * </a:t>
+              </a:r>
+              <a:r>
+                <a:rPr lang="en-US" altLang="zh-TW" dirty="0">
+                  <a:solidFill>
+                    <a:schemeClr val="accent5">
+                      <a:lumMod val="75000"/>
+                    </a:schemeClr>
+                  </a:solidFill>
+                </a:rPr>
+                <a:t>Row</a:t>
+              </a:r>
+              <a:r>
+                <a:rPr lang="en-US" altLang="zh-TW" dirty="0"/>
+                <a:t> </a:t>
+              </a:r>
+              <a:endParaRPr lang="zh-TW" altLang="en-US" dirty="0"/>
+            </a:p>
+          </p:txBody>
+        </p:sp>
+        <p:sp>
+          <p:nvSpPr>
+            <p:cNvPr id="24" name="文字方塊 23">
+              <a:extLst>
+                <a:ext uri="{FF2B5EF4-FFF2-40B4-BE49-F238E27FC236}">
+                  <a16:creationId xmlns:a16="http://schemas.microsoft.com/office/drawing/2014/main" id="{B2734BDF-A2B2-48BE-A112-C70272D2EB53}"/>
+                </a:ext>
+              </a:extLst>
+            </p:cNvPr>
+            <p:cNvSpPr txBox="1"/>
+            <p:nvPr/>
+          </p:nvSpPr>
+          <p:spPr>
+            <a:xfrm>
+              <a:off x="4709658" y="1925174"/>
+              <a:ext cx="2978701" cy="523220"/>
+            </a:xfrm>
+            <a:prstGeom prst="rect">
+              <a:avLst/>
+            </a:prstGeom>
+            <a:noFill/>
+          </p:spPr>
+          <p:txBody>
+            <a:bodyPr wrap="square" rtlCol="0">
+              <a:spAutoFit/>
+            </a:bodyPr>
+            <a:lstStyle/>
+            <a:p>
+              <a:r>
+                <a:rPr lang="en-US" altLang="zh-TW" dirty="0"/>
+                <a:t>Row 2 : 	         </a:t>
+              </a:r>
+              <a:r>
+                <a:rPr lang="en-US" altLang="zh-TW" dirty="0">
+                  <a:solidFill>
+                    <a:srgbClr val="0070C0"/>
+                  </a:solidFill>
+                </a:rPr>
+                <a:t>1</a:t>
+              </a:r>
+              <a:r>
+                <a:rPr lang="en-US" altLang="zh-TW" dirty="0"/>
+                <a:t>           </a:t>
+              </a:r>
+              <a:r>
+                <a:rPr lang="en-US" altLang="zh-TW" dirty="0">
+                  <a:solidFill>
+                    <a:schemeClr val="accent5">
+                      <a:lumMod val="75000"/>
+                    </a:schemeClr>
+                  </a:solidFill>
+                </a:rPr>
+                <a:t>1</a:t>
+              </a:r>
+              <a:r>
+                <a:rPr lang="en-US" altLang="zh-TW" dirty="0"/>
+                <a:t> </a:t>
+              </a:r>
+            </a:p>
+            <a:p>
+              <a:r>
+                <a:rPr lang="en-US" altLang="zh-TW" dirty="0"/>
+                <a:t>      Player Start Point</a:t>
+              </a:r>
+              <a:endParaRPr lang="zh-TW" altLang="en-US" dirty="0"/>
+            </a:p>
+          </p:txBody>
+        </p:sp>
+        <p:sp>
+          <p:nvSpPr>
+            <p:cNvPr id="25" name="文字方塊 24">
+              <a:extLst>
+                <a:ext uri="{FF2B5EF4-FFF2-40B4-BE49-F238E27FC236}">
+                  <a16:creationId xmlns:a16="http://schemas.microsoft.com/office/drawing/2014/main" id="{C9BEA575-0217-4527-A3F6-FCCDA0441CF4}"/>
+                </a:ext>
+              </a:extLst>
+            </p:cNvPr>
+            <p:cNvSpPr txBox="1"/>
+            <p:nvPr/>
+          </p:nvSpPr>
+          <p:spPr>
+            <a:xfrm>
+              <a:off x="4709657" y="2492080"/>
+              <a:ext cx="1955985" cy="523220"/>
+            </a:xfrm>
+            <a:prstGeom prst="rect">
+              <a:avLst/>
+            </a:prstGeom>
+            <a:noFill/>
+          </p:spPr>
+          <p:txBody>
+            <a:bodyPr wrap="none" rtlCol="0">
+              <a:spAutoFit/>
+            </a:bodyPr>
+            <a:lstStyle/>
+            <a:p>
+              <a:r>
+                <a:rPr lang="en-US" altLang="zh-TW" dirty="0"/>
+                <a:t>Row 3 :                </a:t>
+              </a:r>
+              <a:r>
+                <a:rPr lang="en-US" altLang="zh-TW" dirty="0">
+                  <a:solidFill>
+                    <a:srgbClr val="00B050"/>
+                  </a:solidFill>
+                </a:rPr>
+                <a:t>1</a:t>
+              </a:r>
+            </a:p>
+            <a:p>
+              <a:r>
+                <a:rPr lang="en-US" altLang="zh-TW" dirty="0"/>
+                <a:t>      How many </a:t>
+              </a:r>
+              <a:r>
+                <a:rPr lang="en-US" altLang="zh-TW" dirty="0">
+                  <a:solidFill>
+                    <a:srgbClr val="00B050"/>
+                  </a:solidFill>
+                </a:rPr>
+                <a:t>Goal </a:t>
+              </a:r>
+              <a:r>
+                <a:rPr lang="en-US" altLang="zh-TW" dirty="0"/>
+                <a:t>? </a:t>
+              </a:r>
+              <a:endParaRPr lang="zh-TW" altLang="en-US" dirty="0"/>
+            </a:p>
+          </p:txBody>
+        </p:sp>
+        <p:sp>
+          <p:nvSpPr>
+            <p:cNvPr id="26" name="文字方塊 25">
+              <a:extLst>
+                <a:ext uri="{FF2B5EF4-FFF2-40B4-BE49-F238E27FC236}">
+                  <a16:creationId xmlns:a16="http://schemas.microsoft.com/office/drawing/2014/main" id="{BD9DEA8D-A487-4198-9F8F-B9B2EF94ACD5}"/>
+                </a:ext>
+              </a:extLst>
+            </p:cNvPr>
+            <p:cNvSpPr txBox="1"/>
+            <p:nvPr/>
+          </p:nvSpPr>
+          <p:spPr>
+            <a:xfrm>
+              <a:off x="4709657" y="3058986"/>
+              <a:ext cx="2646878" cy="523220"/>
+            </a:xfrm>
+            <a:prstGeom prst="rect">
+              <a:avLst/>
+            </a:prstGeom>
+            <a:noFill/>
+          </p:spPr>
+          <p:txBody>
+            <a:bodyPr wrap="none" rtlCol="0">
+              <a:spAutoFit/>
+            </a:bodyPr>
+            <a:lstStyle/>
+            <a:p>
+              <a:r>
+                <a:rPr lang="en-US" altLang="zh-TW" dirty="0"/>
+                <a:t>Row 4 :                </a:t>
+              </a:r>
+              <a:r>
+                <a:rPr lang="en-US" altLang="zh-TW" dirty="0">
+                  <a:solidFill>
+                    <a:srgbClr val="0070C0"/>
+                  </a:solidFill>
+                </a:rPr>
+                <a:t>3</a:t>
+              </a:r>
+              <a:r>
+                <a:rPr lang="en-US" altLang="zh-TW" dirty="0"/>
+                <a:t>           </a:t>
+              </a:r>
+              <a:r>
+                <a:rPr lang="en-US" altLang="zh-TW" dirty="0">
+                  <a:solidFill>
+                    <a:schemeClr val="accent5">
+                      <a:lumMod val="75000"/>
+                    </a:schemeClr>
+                  </a:solidFill>
+                </a:rPr>
+                <a:t>3</a:t>
+              </a:r>
+            </a:p>
+            <a:p>
+              <a:r>
+                <a:rPr lang="en-US" altLang="zh-TW" dirty="0"/>
+                <a:t>       Goal(s) = </a:t>
+              </a:r>
+              <a:r>
+                <a:rPr lang="en-US" altLang="zh-TW" dirty="0">
+                  <a:solidFill>
+                    <a:srgbClr val="0070C0"/>
+                  </a:solidFill>
+                </a:rPr>
+                <a:t>Column</a:t>
+              </a:r>
+              <a:r>
+                <a:rPr lang="en-US" altLang="zh-TW" dirty="0"/>
+                <a:t> , </a:t>
+              </a:r>
+              <a:r>
+                <a:rPr lang="en-US" altLang="zh-TW" dirty="0">
+                  <a:solidFill>
+                    <a:schemeClr val="accent5">
+                      <a:lumMod val="75000"/>
+                    </a:schemeClr>
+                  </a:solidFill>
+                </a:rPr>
+                <a:t>Row</a:t>
+              </a:r>
+              <a:r>
+                <a:rPr lang="en-US" altLang="zh-TW" dirty="0"/>
+                <a:t>  </a:t>
+              </a:r>
+              <a:endParaRPr lang="zh-TW" altLang="en-US" dirty="0"/>
+            </a:p>
+          </p:txBody>
+        </p:sp>
+        <p:sp>
+          <p:nvSpPr>
+            <p:cNvPr id="27" name="文字方塊 26">
+              <a:extLst>
+                <a:ext uri="{FF2B5EF4-FFF2-40B4-BE49-F238E27FC236}">
+                  <a16:creationId xmlns:a16="http://schemas.microsoft.com/office/drawing/2014/main" id="{7180E334-0750-4C44-86C8-404259561010}"/>
+                </a:ext>
+              </a:extLst>
+            </p:cNvPr>
+            <p:cNvSpPr txBox="1"/>
+            <p:nvPr/>
+          </p:nvSpPr>
+          <p:spPr>
+            <a:xfrm>
+              <a:off x="4717685" y="3625892"/>
+              <a:ext cx="2739853" cy="523220"/>
+            </a:xfrm>
+            <a:prstGeom prst="rect">
+              <a:avLst/>
+            </a:prstGeom>
+            <a:noFill/>
+          </p:spPr>
+          <p:txBody>
+            <a:bodyPr wrap="none" rtlCol="0">
+              <a:spAutoFit/>
+            </a:bodyPr>
+            <a:lstStyle/>
+            <a:p>
+              <a:r>
+                <a:rPr lang="en-US" altLang="zh-TW" dirty="0"/>
+                <a:t>Row 5 ~ 9 :  </a:t>
+              </a:r>
+            </a:p>
+            <a:p>
+              <a:r>
+                <a:rPr lang="zh-TW" altLang="en-US" dirty="0"/>
+                <a:t>       </a:t>
+              </a:r>
+              <a:r>
+                <a:rPr lang="en-US" altLang="zh-TW" dirty="0"/>
+                <a:t>NEXT PAGE TO</a:t>
+              </a:r>
+              <a:r>
+                <a:rPr lang="zh-TW" altLang="en-US" dirty="0"/>
+                <a:t> </a:t>
+              </a:r>
+              <a:r>
+                <a:rPr lang="en-US" altLang="zh-TW" dirty="0"/>
+                <a:t>EXPLANE</a:t>
+              </a:r>
+              <a:endParaRPr lang="zh-TW" altLang="en-US" dirty="0"/>
+            </a:p>
+          </p:txBody>
+        </p:sp>
+      </p:grpSp>
     </p:spTree>
     <p:extLst>
       <p:ext uri="{BB962C8B-B14F-4D97-AF65-F5344CB8AC3E}">
@@ -9724,1697 +10923,6 @@
           </a:p>
         </p:txBody>
       </p:sp>
-      <p:grpSp>
-        <p:nvGrpSpPr>
-          <p:cNvPr id="24" name="群組 23">
-            <a:extLst>
-              <a:ext uri="{FF2B5EF4-FFF2-40B4-BE49-F238E27FC236}">
-                <a16:creationId xmlns:a16="http://schemas.microsoft.com/office/drawing/2014/main" id="{9CA3D04F-71CB-4747-BF73-C55ACBE6F050}"/>
-              </a:ext>
-            </a:extLst>
-          </p:cNvPr>
-          <p:cNvGrpSpPr/>
-          <p:nvPr/>
-        </p:nvGrpSpPr>
-        <p:grpSpPr>
-          <a:xfrm>
-            <a:off x="5974536" y="1723770"/>
-            <a:ext cx="1788206" cy="2774340"/>
-            <a:chOff x="5245298" y="1189963"/>
-            <a:chExt cx="1953552" cy="3030869"/>
-          </a:xfrm>
-        </p:grpSpPr>
-        <p:grpSp>
-          <p:nvGrpSpPr>
-            <p:cNvPr id="10" name="群組 9">
-              <a:extLst>
-                <a:ext uri="{FF2B5EF4-FFF2-40B4-BE49-F238E27FC236}">
-                  <a16:creationId xmlns:a16="http://schemas.microsoft.com/office/drawing/2014/main" id="{F6326C64-6272-452B-A8CC-6D6AE16F49CF}"/>
-                </a:ext>
-              </a:extLst>
-            </p:cNvPr>
-            <p:cNvGrpSpPr/>
-            <p:nvPr/>
-          </p:nvGrpSpPr>
-          <p:grpSpPr>
-            <a:xfrm>
-              <a:off x="5259650" y="3704910"/>
-              <a:ext cx="1939200" cy="515922"/>
-              <a:chOff x="1381250" y="2055828"/>
-              <a:chExt cx="1939200" cy="515922"/>
-            </a:xfrm>
-          </p:grpSpPr>
-          <p:pic>
-            <p:nvPicPr>
-              <p:cNvPr id="5" name="圖片 4">
-                <a:extLst>
-                  <a:ext uri="{FF2B5EF4-FFF2-40B4-BE49-F238E27FC236}">
-                    <a16:creationId xmlns:a16="http://schemas.microsoft.com/office/drawing/2014/main" id="{5B707426-0986-4FF3-BD11-EFB505FE354F}"/>
-                  </a:ext>
-                </a:extLst>
-              </p:cNvPr>
-              <p:cNvPicPr>
-                <a:picLocks noChangeAspect="1"/>
-              </p:cNvPicPr>
-              <p:nvPr/>
-            </p:nvPicPr>
-            <p:blipFill>
-              <a:blip r:embed="rId2"/>
-              <a:stretch>
-                <a:fillRect/>
-              </a:stretch>
-            </p:blipFill>
-            <p:spPr>
-              <a:xfrm>
-                <a:off x="1381250" y="2055828"/>
-                <a:ext cx="580412" cy="515922"/>
-              </a:xfrm>
-              <a:prstGeom prst="rect">
-                <a:avLst/>
-              </a:prstGeom>
-            </p:spPr>
-          </p:pic>
-          <p:sp>
-            <p:nvSpPr>
-              <p:cNvPr id="6" name="文字版面配置區 3">
-                <a:extLst>
-                  <a:ext uri="{FF2B5EF4-FFF2-40B4-BE49-F238E27FC236}">
-                    <a16:creationId xmlns:a16="http://schemas.microsoft.com/office/drawing/2014/main" id="{938C2CAA-21E5-4A5A-BB78-7AD632C0D49B}"/>
-                  </a:ext>
-                </a:extLst>
-              </p:cNvPr>
-              <p:cNvSpPr txBox="1">
-                <a:spLocks/>
-              </p:cNvSpPr>
-              <p:nvPr/>
-            </p:nvSpPr>
-            <p:spPr>
-              <a:xfrm>
-                <a:off x="2117918" y="2146955"/>
-                <a:ext cx="1202532" cy="333668"/>
-              </a:xfrm>
-              <a:prstGeom prst="rect">
-                <a:avLst/>
-              </a:prstGeom>
-            </p:spPr>
-            <p:txBody>
-              <a:bodyPr/>
-              <a:lstStyle>
-                <a:defPPr marR="0" lvl="0" algn="l" rtl="0">
-                  <a:lnSpc>
-                    <a:spcPct val="100000"/>
-                  </a:lnSpc>
-                  <a:spcBef>
-                    <a:spcPts val="0"/>
-                  </a:spcBef>
-                  <a:spcAft>
-                    <a:spcPts val="0"/>
-                  </a:spcAft>
-                </a:defPPr>
-                <a:lvl1pPr marR="0" lvl="0" algn="l" rtl="0">
-                  <a:lnSpc>
-                    <a:spcPct val="100000"/>
-                  </a:lnSpc>
-                  <a:spcBef>
-                    <a:spcPts val="0"/>
-                  </a:spcBef>
-                  <a:spcAft>
-                    <a:spcPts val="0"/>
-                  </a:spcAft>
-                  <a:buClr>
-                    <a:srgbClr val="000000"/>
-                  </a:buClr>
-                  <a:buFont typeface="Arial"/>
-                  <a:defRPr sz="1400" b="0" i="0" u="none" strike="noStrike" cap="none">
-                    <a:solidFill>
-                      <a:srgbClr val="000000"/>
-                    </a:solidFill>
-                    <a:latin typeface="Arial"/>
-                    <a:ea typeface="Arial"/>
-                    <a:cs typeface="Arial"/>
-                    <a:sym typeface="Arial"/>
-                  </a:defRPr>
-                </a:lvl1pPr>
-                <a:lvl2pPr marR="0" lvl="1" algn="l" rtl="0">
-                  <a:lnSpc>
-                    <a:spcPct val="100000"/>
-                  </a:lnSpc>
-                  <a:spcBef>
-                    <a:spcPts val="0"/>
-                  </a:spcBef>
-                  <a:spcAft>
-                    <a:spcPts val="0"/>
-                  </a:spcAft>
-                  <a:buClr>
-                    <a:srgbClr val="000000"/>
-                  </a:buClr>
-                  <a:buFont typeface="Arial"/>
-                  <a:defRPr sz="1400" b="0" i="0" u="none" strike="noStrike" cap="none">
-                    <a:solidFill>
-                      <a:srgbClr val="000000"/>
-                    </a:solidFill>
-                    <a:latin typeface="Arial"/>
-                    <a:ea typeface="Arial"/>
-                    <a:cs typeface="Arial"/>
-                    <a:sym typeface="Arial"/>
-                  </a:defRPr>
-                </a:lvl2pPr>
-                <a:lvl3pPr marR="0" lvl="2" algn="l" rtl="0">
-                  <a:lnSpc>
-                    <a:spcPct val="100000"/>
-                  </a:lnSpc>
-                  <a:spcBef>
-                    <a:spcPts val="0"/>
-                  </a:spcBef>
-                  <a:spcAft>
-                    <a:spcPts val="0"/>
-                  </a:spcAft>
-                  <a:buClr>
-                    <a:srgbClr val="000000"/>
-                  </a:buClr>
-                  <a:buFont typeface="Arial"/>
-                  <a:defRPr sz="1400" b="0" i="0" u="none" strike="noStrike" cap="none">
-                    <a:solidFill>
-                      <a:srgbClr val="000000"/>
-                    </a:solidFill>
-                    <a:latin typeface="Arial"/>
-                    <a:ea typeface="Arial"/>
-                    <a:cs typeface="Arial"/>
-                    <a:sym typeface="Arial"/>
-                  </a:defRPr>
-                </a:lvl3pPr>
-                <a:lvl4pPr marR="0" lvl="3" algn="l" rtl="0">
-                  <a:lnSpc>
-                    <a:spcPct val="100000"/>
-                  </a:lnSpc>
-                  <a:spcBef>
-                    <a:spcPts val="0"/>
-                  </a:spcBef>
-                  <a:spcAft>
-                    <a:spcPts val="0"/>
-                  </a:spcAft>
-                  <a:buClr>
-                    <a:srgbClr val="000000"/>
-                  </a:buClr>
-                  <a:buFont typeface="Arial"/>
-                  <a:defRPr sz="1400" b="0" i="0" u="none" strike="noStrike" cap="none">
-                    <a:solidFill>
-                      <a:srgbClr val="000000"/>
-                    </a:solidFill>
-                    <a:latin typeface="Arial"/>
-                    <a:ea typeface="Arial"/>
-                    <a:cs typeface="Arial"/>
-                    <a:sym typeface="Arial"/>
-                  </a:defRPr>
-                </a:lvl4pPr>
-                <a:lvl5pPr marR="0" lvl="4" algn="l" rtl="0">
-                  <a:lnSpc>
-                    <a:spcPct val="100000"/>
-                  </a:lnSpc>
-                  <a:spcBef>
-                    <a:spcPts val="0"/>
-                  </a:spcBef>
-                  <a:spcAft>
-                    <a:spcPts val="0"/>
-                  </a:spcAft>
-                  <a:buClr>
-                    <a:srgbClr val="000000"/>
-                  </a:buClr>
-                  <a:buFont typeface="Arial"/>
-                  <a:defRPr sz="1400" b="0" i="0" u="none" strike="noStrike" cap="none">
-                    <a:solidFill>
-                      <a:srgbClr val="000000"/>
-                    </a:solidFill>
-                    <a:latin typeface="Arial"/>
-                    <a:ea typeface="Arial"/>
-                    <a:cs typeface="Arial"/>
-                    <a:sym typeface="Arial"/>
-                  </a:defRPr>
-                </a:lvl5pPr>
-                <a:lvl6pPr marR="0" lvl="5" algn="l" rtl="0">
-                  <a:lnSpc>
-                    <a:spcPct val="100000"/>
-                  </a:lnSpc>
-                  <a:spcBef>
-                    <a:spcPts val="0"/>
-                  </a:spcBef>
-                  <a:spcAft>
-                    <a:spcPts val="0"/>
-                  </a:spcAft>
-                  <a:buClr>
-                    <a:srgbClr val="000000"/>
-                  </a:buClr>
-                  <a:buFont typeface="Arial"/>
-                  <a:defRPr sz="1400" b="0" i="0" u="none" strike="noStrike" cap="none">
-                    <a:solidFill>
-                      <a:srgbClr val="000000"/>
-                    </a:solidFill>
-                    <a:latin typeface="Arial"/>
-                    <a:ea typeface="Arial"/>
-                    <a:cs typeface="Arial"/>
-                    <a:sym typeface="Arial"/>
-                  </a:defRPr>
-                </a:lvl6pPr>
-                <a:lvl7pPr marR="0" lvl="6" algn="l" rtl="0">
-                  <a:lnSpc>
-                    <a:spcPct val="100000"/>
-                  </a:lnSpc>
-                  <a:spcBef>
-                    <a:spcPts val="0"/>
-                  </a:spcBef>
-                  <a:spcAft>
-                    <a:spcPts val="0"/>
-                  </a:spcAft>
-                  <a:buClr>
-                    <a:srgbClr val="000000"/>
-                  </a:buClr>
-                  <a:buFont typeface="Arial"/>
-                  <a:defRPr sz="1400" b="0" i="0" u="none" strike="noStrike" cap="none">
-                    <a:solidFill>
-                      <a:srgbClr val="000000"/>
-                    </a:solidFill>
-                    <a:latin typeface="Arial"/>
-                    <a:ea typeface="Arial"/>
-                    <a:cs typeface="Arial"/>
-                    <a:sym typeface="Arial"/>
-                  </a:defRPr>
-                </a:lvl7pPr>
-                <a:lvl8pPr marR="0" lvl="7" algn="l" rtl="0">
-                  <a:lnSpc>
-                    <a:spcPct val="100000"/>
-                  </a:lnSpc>
-                  <a:spcBef>
-                    <a:spcPts val="0"/>
-                  </a:spcBef>
-                  <a:spcAft>
-                    <a:spcPts val="0"/>
-                  </a:spcAft>
-                  <a:buClr>
-                    <a:srgbClr val="000000"/>
-                  </a:buClr>
-                  <a:buFont typeface="Arial"/>
-                  <a:defRPr sz="1400" b="0" i="0" u="none" strike="noStrike" cap="none">
-                    <a:solidFill>
-                      <a:srgbClr val="000000"/>
-                    </a:solidFill>
-                    <a:latin typeface="Arial"/>
-                    <a:ea typeface="Arial"/>
-                    <a:cs typeface="Arial"/>
-                    <a:sym typeface="Arial"/>
-                  </a:defRPr>
-                </a:lvl8pPr>
-                <a:lvl9pPr marR="0" lvl="8" algn="l" rtl="0">
-                  <a:lnSpc>
-                    <a:spcPct val="100000"/>
-                  </a:lnSpc>
-                  <a:spcBef>
-                    <a:spcPts val="0"/>
-                  </a:spcBef>
-                  <a:spcAft>
-                    <a:spcPts val="0"/>
-                  </a:spcAft>
-                  <a:buClr>
-                    <a:srgbClr val="000000"/>
-                  </a:buClr>
-                  <a:buFont typeface="Arial"/>
-                  <a:defRPr sz="1400" b="0" i="0" u="none" strike="noStrike" cap="none">
-                    <a:solidFill>
-                      <a:srgbClr val="000000"/>
-                    </a:solidFill>
-                    <a:latin typeface="Arial"/>
-                    <a:ea typeface="Arial"/>
-                    <a:cs typeface="Arial"/>
-                    <a:sym typeface="Arial"/>
-                  </a:defRPr>
-                </a:lvl9pPr>
-              </a:lstStyle>
-              <a:p>
-                <a:r>
-                  <a:rPr lang="zh-TW" altLang="en-US" sz="2000" b="1" dirty="0"/>
-                  <a:t> </a:t>
-                </a:r>
-                <a:r>
-                  <a:rPr lang="en-US" altLang="zh-TW" sz="2000" b="1" dirty="0"/>
-                  <a:t>4</a:t>
-                </a:r>
-                <a:r>
-                  <a:rPr lang="zh-TW" altLang="en-US" sz="2000" b="1" dirty="0"/>
-                  <a:t> </a:t>
-                </a:r>
-                <a:r>
-                  <a:rPr lang="en-US" altLang="zh-TW" sz="2000" b="1" dirty="0"/>
-                  <a:t>(</a:t>
-                </a:r>
-                <a:r>
-                  <a:rPr lang="zh-TW" altLang="en-US" sz="2000" b="1" dirty="0"/>
-                  <a:t>牆外</a:t>
-                </a:r>
-                <a:r>
-                  <a:rPr lang="en-US" altLang="zh-TW" sz="2000" b="1" dirty="0"/>
-                  <a:t>)</a:t>
-                </a:r>
-                <a:endParaRPr lang="zh-TW" altLang="en-US" sz="2000" b="1" dirty="0"/>
-              </a:p>
-            </p:txBody>
-          </p:sp>
-        </p:grpSp>
-        <p:grpSp>
-          <p:nvGrpSpPr>
-            <p:cNvPr id="11" name="群組 10">
-              <a:extLst>
-                <a:ext uri="{FF2B5EF4-FFF2-40B4-BE49-F238E27FC236}">
-                  <a16:creationId xmlns:a16="http://schemas.microsoft.com/office/drawing/2014/main" id="{061A85F2-5AD4-42DD-91BF-4F5E362AD888}"/>
-                </a:ext>
-              </a:extLst>
-            </p:cNvPr>
-            <p:cNvGrpSpPr/>
-            <p:nvPr/>
-          </p:nvGrpSpPr>
-          <p:grpSpPr>
-            <a:xfrm>
-              <a:off x="5259650" y="3181784"/>
-              <a:ext cx="1939200" cy="435600"/>
-              <a:chOff x="1381250" y="3349633"/>
-              <a:chExt cx="1939200" cy="435600"/>
-            </a:xfrm>
-          </p:grpSpPr>
-          <p:pic>
-            <p:nvPicPr>
-              <p:cNvPr id="7" name="圖片 6">
-                <a:extLst>
-                  <a:ext uri="{FF2B5EF4-FFF2-40B4-BE49-F238E27FC236}">
-                    <a16:creationId xmlns:a16="http://schemas.microsoft.com/office/drawing/2014/main" id="{58DB0B67-6C55-4B9E-94BF-BC0F04EF88C5}"/>
-                  </a:ext>
-                </a:extLst>
-              </p:cNvPr>
-              <p:cNvPicPr>
-                <a:picLocks noChangeAspect="1"/>
-              </p:cNvPicPr>
-              <p:nvPr/>
-            </p:nvPicPr>
-            <p:blipFill>
-              <a:blip r:embed="rId3"/>
-              <a:stretch>
-                <a:fillRect/>
-              </a:stretch>
-            </p:blipFill>
-            <p:spPr>
-              <a:xfrm>
-                <a:off x="1381250" y="3349633"/>
-                <a:ext cx="601543" cy="435600"/>
-              </a:xfrm>
-              <a:prstGeom prst="rect">
-                <a:avLst/>
-              </a:prstGeom>
-            </p:spPr>
-          </p:pic>
-          <p:sp>
-            <p:nvSpPr>
-              <p:cNvPr id="8" name="文字版面配置區 3">
-                <a:extLst>
-                  <a:ext uri="{FF2B5EF4-FFF2-40B4-BE49-F238E27FC236}">
-                    <a16:creationId xmlns:a16="http://schemas.microsoft.com/office/drawing/2014/main" id="{9911495D-00E5-48AD-955B-E2D4A976CEA6}"/>
-                  </a:ext>
-                </a:extLst>
-              </p:cNvPr>
-              <p:cNvSpPr txBox="1">
-                <a:spLocks/>
-              </p:cNvSpPr>
-              <p:nvPr/>
-            </p:nvSpPr>
-            <p:spPr>
-              <a:xfrm>
-                <a:off x="2117918" y="3400599"/>
-                <a:ext cx="1202532" cy="333668"/>
-              </a:xfrm>
-              <a:prstGeom prst="rect">
-                <a:avLst/>
-              </a:prstGeom>
-            </p:spPr>
-            <p:txBody>
-              <a:bodyPr/>
-              <a:lstStyle>
-                <a:defPPr marR="0" lvl="0" algn="l" rtl="0">
-                  <a:lnSpc>
-                    <a:spcPct val="100000"/>
-                  </a:lnSpc>
-                  <a:spcBef>
-                    <a:spcPts val="0"/>
-                  </a:spcBef>
-                  <a:spcAft>
-                    <a:spcPts val="0"/>
-                  </a:spcAft>
-                </a:defPPr>
-                <a:lvl1pPr marR="0" lvl="0" algn="l" rtl="0">
-                  <a:lnSpc>
-                    <a:spcPct val="100000"/>
-                  </a:lnSpc>
-                  <a:spcBef>
-                    <a:spcPts val="0"/>
-                  </a:spcBef>
-                  <a:spcAft>
-                    <a:spcPts val="0"/>
-                  </a:spcAft>
-                  <a:buClr>
-                    <a:srgbClr val="000000"/>
-                  </a:buClr>
-                  <a:buFont typeface="Arial"/>
-                  <a:defRPr sz="1400" b="0" i="0" u="none" strike="noStrike" cap="none">
-                    <a:solidFill>
-                      <a:srgbClr val="000000"/>
-                    </a:solidFill>
-                    <a:latin typeface="Arial"/>
-                    <a:ea typeface="Arial"/>
-                    <a:cs typeface="Arial"/>
-                    <a:sym typeface="Arial"/>
-                  </a:defRPr>
-                </a:lvl1pPr>
-                <a:lvl2pPr marR="0" lvl="1" algn="l" rtl="0">
-                  <a:lnSpc>
-                    <a:spcPct val="100000"/>
-                  </a:lnSpc>
-                  <a:spcBef>
-                    <a:spcPts val="0"/>
-                  </a:spcBef>
-                  <a:spcAft>
-                    <a:spcPts val="0"/>
-                  </a:spcAft>
-                  <a:buClr>
-                    <a:srgbClr val="000000"/>
-                  </a:buClr>
-                  <a:buFont typeface="Arial"/>
-                  <a:defRPr sz="1400" b="0" i="0" u="none" strike="noStrike" cap="none">
-                    <a:solidFill>
-                      <a:srgbClr val="000000"/>
-                    </a:solidFill>
-                    <a:latin typeface="Arial"/>
-                    <a:ea typeface="Arial"/>
-                    <a:cs typeface="Arial"/>
-                    <a:sym typeface="Arial"/>
-                  </a:defRPr>
-                </a:lvl2pPr>
-                <a:lvl3pPr marR="0" lvl="2" algn="l" rtl="0">
-                  <a:lnSpc>
-                    <a:spcPct val="100000"/>
-                  </a:lnSpc>
-                  <a:spcBef>
-                    <a:spcPts val="0"/>
-                  </a:spcBef>
-                  <a:spcAft>
-                    <a:spcPts val="0"/>
-                  </a:spcAft>
-                  <a:buClr>
-                    <a:srgbClr val="000000"/>
-                  </a:buClr>
-                  <a:buFont typeface="Arial"/>
-                  <a:defRPr sz="1400" b="0" i="0" u="none" strike="noStrike" cap="none">
-                    <a:solidFill>
-                      <a:srgbClr val="000000"/>
-                    </a:solidFill>
-                    <a:latin typeface="Arial"/>
-                    <a:ea typeface="Arial"/>
-                    <a:cs typeface="Arial"/>
-                    <a:sym typeface="Arial"/>
-                  </a:defRPr>
-                </a:lvl3pPr>
-                <a:lvl4pPr marR="0" lvl="3" algn="l" rtl="0">
-                  <a:lnSpc>
-                    <a:spcPct val="100000"/>
-                  </a:lnSpc>
-                  <a:spcBef>
-                    <a:spcPts val="0"/>
-                  </a:spcBef>
-                  <a:spcAft>
-                    <a:spcPts val="0"/>
-                  </a:spcAft>
-                  <a:buClr>
-                    <a:srgbClr val="000000"/>
-                  </a:buClr>
-                  <a:buFont typeface="Arial"/>
-                  <a:defRPr sz="1400" b="0" i="0" u="none" strike="noStrike" cap="none">
-                    <a:solidFill>
-                      <a:srgbClr val="000000"/>
-                    </a:solidFill>
-                    <a:latin typeface="Arial"/>
-                    <a:ea typeface="Arial"/>
-                    <a:cs typeface="Arial"/>
-                    <a:sym typeface="Arial"/>
-                  </a:defRPr>
-                </a:lvl4pPr>
-                <a:lvl5pPr marR="0" lvl="4" algn="l" rtl="0">
-                  <a:lnSpc>
-                    <a:spcPct val="100000"/>
-                  </a:lnSpc>
-                  <a:spcBef>
-                    <a:spcPts val="0"/>
-                  </a:spcBef>
-                  <a:spcAft>
-                    <a:spcPts val="0"/>
-                  </a:spcAft>
-                  <a:buClr>
-                    <a:srgbClr val="000000"/>
-                  </a:buClr>
-                  <a:buFont typeface="Arial"/>
-                  <a:defRPr sz="1400" b="0" i="0" u="none" strike="noStrike" cap="none">
-                    <a:solidFill>
-                      <a:srgbClr val="000000"/>
-                    </a:solidFill>
-                    <a:latin typeface="Arial"/>
-                    <a:ea typeface="Arial"/>
-                    <a:cs typeface="Arial"/>
-                    <a:sym typeface="Arial"/>
-                  </a:defRPr>
-                </a:lvl5pPr>
-                <a:lvl6pPr marR="0" lvl="5" algn="l" rtl="0">
-                  <a:lnSpc>
-                    <a:spcPct val="100000"/>
-                  </a:lnSpc>
-                  <a:spcBef>
-                    <a:spcPts val="0"/>
-                  </a:spcBef>
-                  <a:spcAft>
-                    <a:spcPts val="0"/>
-                  </a:spcAft>
-                  <a:buClr>
-                    <a:srgbClr val="000000"/>
-                  </a:buClr>
-                  <a:buFont typeface="Arial"/>
-                  <a:defRPr sz="1400" b="0" i="0" u="none" strike="noStrike" cap="none">
-                    <a:solidFill>
-                      <a:srgbClr val="000000"/>
-                    </a:solidFill>
-                    <a:latin typeface="Arial"/>
-                    <a:ea typeface="Arial"/>
-                    <a:cs typeface="Arial"/>
-                    <a:sym typeface="Arial"/>
-                  </a:defRPr>
-                </a:lvl6pPr>
-                <a:lvl7pPr marR="0" lvl="6" algn="l" rtl="0">
-                  <a:lnSpc>
-                    <a:spcPct val="100000"/>
-                  </a:lnSpc>
-                  <a:spcBef>
-                    <a:spcPts val="0"/>
-                  </a:spcBef>
-                  <a:spcAft>
-                    <a:spcPts val="0"/>
-                  </a:spcAft>
-                  <a:buClr>
-                    <a:srgbClr val="000000"/>
-                  </a:buClr>
-                  <a:buFont typeface="Arial"/>
-                  <a:defRPr sz="1400" b="0" i="0" u="none" strike="noStrike" cap="none">
-                    <a:solidFill>
-                      <a:srgbClr val="000000"/>
-                    </a:solidFill>
-                    <a:latin typeface="Arial"/>
-                    <a:ea typeface="Arial"/>
-                    <a:cs typeface="Arial"/>
-                    <a:sym typeface="Arial"/>
-                  </a:defRPr>
-                </a:lvl7pPr>
-                <a:lvl8pPr marR="0" lvl="7" algn="l" rtl="0">
-                  <a:lnSpc>
-                    <a:spcPct val="100000"/>
-                  </a:lnSpc>
-                  <a:spcBef>
-                    <a:spcPts val="0"/>
-                  </a:spcBef>
-                  <a:spcAft>
-                    <a:spcPts val="0"/>
-                  </a:spcAft>
-                  <a:buClr>
-                    <a:srgbClr val="000000"/>
-                  </a:buClr>
-                  <a:buFont typeface="Arial"/>
-                  <a:defRPr sz="1400" b="0" i="0" u="none" strike="noStrike" cap="none">
-                    <a:solidFill>
-                      <a:srgbClr val="000000"/>
-                    </a:solidFill>
-                    <a:latin typeface="Arial"/>
-                    <a:ea typeface="Arial"/>
-                    <a:cs typeface="Arial"/>
-                    <a:sym typeface="Arial"/>
-                  </a:defRPr>
-                </a:lvl8pPr>
-                <a:lvl9pPr marR="0" lvl="8" algn="l" rtl="0">
-                  <a:lnSpc>
-                    <a:spcPct val="100000"/>
-                  </a:lnSpc>
-                  <a:spcBef>
-                    <a:spcPts val="0"/>
-                  </a:spcBef>
-                  <a:spcAft>
-                    <a:spcPts val="0"/>
-                  </a:spcAft>
-                  <a:buClr>
-                    <a:srgbClr val="000000"/>
-                  </a:buClr>
-                  <a:buFont typeface="Arial"/>
-                  <a:defRPr sz="1400" b="0" i="0" u="none" strike="noStrike" cap="none">
-                    <a:solidFill>
-                      <a:srgbClr val="000000"/>
-                    </a:solidFill>
-                    <a:latin typeface="Arial"/>
-                    <a:ea typeface="Arial"/>
-                    <a:cs typeface="Arial"/>
-                    <a:sym typeface="Arial"/>
-                  </a:defRPr>
-                </a:lvl9pPr>
-              </a:lstStyle>
-              <a:p>
-                <a:r>
-                  <a:rPr lang="zh-TW" altLang="en-US" sz="2000" b="1" dirty="0"/>
-                  <a:t> </a:t>
-                </a:r>
-                <a:r>
-                  <a:rPr lang="en-US" altLang="zh-TW" sz="2000" b="1" dirty="0"/>
-                  <a:t>3</a:t>
-                </a:r>
-                <a:r>
-                  <a:rPr lang="zh-TW" altLang="en-US" sz="2000" b="1" dirty="0"/>
-                  <a:t> </a:t>
-                </a:r>
-                <a:r>
-                  <a:rPr lang="en-US" altLang="zh-TW" sz="2000" b="1" dirty="0"/>
-                  <a:t>(</a:t>
-                </a:r>
-                <a:r>
-                  <a:rPr lang="zh-TW" altLang="en-US" sz="2000" b="1" dirty="0"/>
-                  <a:t>牆壁</a:t>
-                </a:r>
-                <a:r>
-                  <a:rPr lang="en-US" altLang="zh-TW" sz="2000" b="1" dirty="0"/>
-                  <a:t>)</a:t>
-                </a:r>
-                <a:endParaRPr lang="zh-TW" altLang="en-US" sz="2000" b="1" dirty="0"/>
-              </a:p>
-            </p:txBody>
-          </p:sp>
-        </p:grpSp>
-        <p:grpSp>
-          <p:nvGrpSpPr>
-            <p:cNvPr id="16" name="群組 15">
-              <a:extLst>
-                <a:ext uri="{FF2B5EF4-FFF2-40B4-BE49-F238E27FC236}">
-                  <a16:creationId xmlns:a16="http://schemas.microsoft.com/office/drawing/2014/main" id="{19050ECE-F6FC-469C-8D16-C854A6ECE6A0}"/>
-                </a:ext>
-              </a:extLst>
-            </p:cNvPr>
-            <p:cNvGrpSpPr/>
-            <p:nvPr/>
-          </p:nvGrpSpPr>
-          <p:grpSpPr>
-            <a:xfrm>
-              <a:off x="5265146" y="1850326"/>
-              <a:ext cx="1933704" cy="574916"/>
-              <a:chOff x="5265146" y="1639750"/>
-              <a:chExt cx="1933704" cy="574916"/>
-            </a:xfrm>
-          </p:grpSpPr>
-          <p:pic>
-            <p:nvPicPr>
-              <p:cNvPr id="12" name="圖片 11">
-                <a:extLst>
-                  <a:ext uri="{FF2B5EF4-FFF2-40B4-BE49-F238E27FC236}">
-                    <a16:creationId xmlns:a16="http://schemas.microsoft.com/office/drawing/2014/main" id="{AA942103-3667-40A4-81D9-BC4297B0F471}"/>
-                  </a:ext>
-                </a:extLst>
-              </p:cNvPr>
-              <p:cNvPicPr>
-                <a:picLocks noChangeAspect="1"/>
-              </p:cNvPicPr>
-              <p:nvPr/>
-            </p:nvPicPr>
-            <p:blipFill>
-              <a:blip r:embed="rId4"/>
-              <a:stretch>
-                <a:fillRect/>
-              </a:stretch>
-            </p:blipFill>
-            <p:spPr>
-              <a:xfrm>
-                <a:off x="5265146" y="1639750"/>
-                <a:ext cx="574916" cy="574916"/>
-              </a:xfrm>
-              <a:prstGeom prst="rect">
-                <a:avLst/>
-              </a:prstGeom>
-            </p:spPr>
-          </p:pic>
-          <p:sp>
-            <p:nvSpPr>
-              <p:cNvPr id="13" name="文字版面配置區 3">
-                <a:extLst>
-                  <a:ext uri="{FF2B5EF4-FFF2-40B4-BE49-F238E27FC236}">
-                    <a16:creationId xmlns:a16="http://schemas.microsoft.com/office/drawing/2014/main" id="{E58C3DCC-8B64-4A38-9C37-CE4B5A797337}"/>
-                  </a:ext>
-                </a:extLst>
-              </p:cNvPr>
-              <p:cNvSpPr txBox="1">
-                <a:spLocks/>
-              </p:cNvSpPr>
-              <p:nvPr/>
-            </p:nvSpPr>
-            <p:spPr>
-              <a:xfrm>
-                <a:off x="5996318" y="1758665"/>
-                <a:ext cx="1202532" cy="333668"/>
-              </a:xfrm>
-              <a:prstGeom prst="rect">
-                <a:avLst/>
-              </a:prstGeom>
-            </p:spPr>
-            <p:txBody>
-              <a:bodyPr/>
-              <a:lstStyle>
-                <a:defPPr marR="0" lvl="0" algn="l" rtl="0">
-                  <a:lnSpc>
-                    <a:spcPct val="100000"/>
-                  </a:lnSpc>
-                  <a:spcBef>
-                    <a:spcPts val="0"/>
-                  </a:spcBef>
-                  <a:spcAft>
-                    <a:spcPts val="0"/>
-                  </a:spcAft>
-                </a:defPPr>
-                <a:lvl1pPr marR="0" lvl="0" algn="l" rtl="0">
-                  <a:lnSpc>
-                    <a:spcPct val="100000"/>
-                  </a:lnSpc>
-                  <a:spcBef>
-                    <a:spcPts val="0"/>
-                  </a:spcBef>
-                  <a:spcAft>
-                    <a:spcPts val="0"/>
-                  </a:spcAft>
-                  <a:buClr>
-                    <a:srgbClr val="000000"/>
-                  </a:buClr>
-                  <a:buFont typeface="Arial"/>
-                  <a:defRPr sz="1400" b="0" i="0" u="none" strike="noStrike" cap="none">
-                    <a:solidFill>
-                      <a:srgbClr val="000000"/>
-                    </a:solidFill>
-                    <a:latin typeface="Arial"/>
-                    <a:ea typeface="Arial"/>
-                    <a:cs typeface="Arial"/>
-                    <a:sym typeface="Arial"/>
-                  </a:defRPr>
-                </a:lvl1pPr>
-                <a:lvl2pPr marR="0" lvl="1" algn="l" rtl="0">
-                  <a:lnSpc>
-                    <a:spcPct val="100000"/>
-                  </a:lnSpc>
-                  <a:spcBef>
-                    <a:spcPts val="0"/>
-                  </a:spcBef>
-                  <a:spcAft>
-                    <a:spcPts val="0"/>
-                  </a:spcAft>
-                  <a:buClr>
-                    <a:srgbClr val="000000"/>
-                  </a:buClr>
-                  <a:buFont typeface="Arial"/>
-                  <a:defRPr sz="1400" b="0" i="0" u="none" strike="noStrike" cap="none">
-                    <a:solidFill>
-                      <a:srgbClr val="000000"/>
-                    </a:solidFill>
-                    <a:latin typeface="Arial"/>
-                    <a:ea typeface="Arial"/>
-                    <a:cs typeface="Arial"/>
-                    <a:sym typeface="Arial"/>
-                  </a:defRPr>
-                </a:lvl2pPr>
-                <a:lvl3pPr marR="0" lvl="2" algn="l" rtl="0">
-                  <a:lnSpc>
-                    <a:spcPct val="100000"/>
-                  </a:lnSpc>
-                  <a:spcBef>
-                    <a:spcPts val="0"/>
-                  </a:spcBef>
-                  <a:spcAft>
-                    <a:spcPts val="0"/>
-                  </a:spcAft>
-                  <a:buClr>
-                    <a:srgbClr val="000000"/>
-                  </a:buClr>
-                  <a:buFont typeface="Arial"/>
-                  <a:defRPr sz="1400" b="0" i="0" u="none" strike="noStrike" cap="none">
-                    <a:solidFill>
-                      <a:srgbClr val="000000"/>
-                    </a:solidFill>
-                    <a:latin typeface="Arial"/>
-                    <a:ea typeface="Arial"/>
-                    <a:cs typeface="Arial"/>
-                    <a:sym typeface="Arial"/>
-                  </a:defRPr>
-                </a:lvl3pPr>
-                <a:lvl4pPr marR="0" lvl="3" algn="l" rtl="0">
-                  <a:lnSpc>
-                    <a:spcPct val="100000"/>
-                  </a:lnSpc>
-                  <a:spcBef>
-                    <a:spcPts val="0"/>
-                  </a:spcBef>
-                  <a:spcAft>
-                    <a:spcPts val="0"/>
-                  </a:spcAft>
-                  <a:buClr>
-                    <a:srgbClr val="000000"/>
-                  </a:buClr>
-                  <a:buFont typeface="Arial"/>
-                  <a:defRPr sz="1400" b="0" i="0" u="none" strike="noStrike" cap="none">
-                    <a:solidFill>
-                      <a:srgbClr val="000000"/>
-                    </a:solidFill>
-                    <a:latin typeface="Arial"/>
-                    <a:ea typeface="Arial"/>
-                    <a:cs typeface="Arial"/>
-                    <a:sym typeface="Arial"/>
-                  </a:defRPr>
-                </a:lvl4pPr>
-                <a:lvl5pPr marR="0" lvl="4" algn="l" rtl="0">
-                  <a:lnSpc>
-                    <a:spcPct val="100000"/>
-                  </a:lnSpc>
-                  <a:spcBef>
-                    <a:spcPts val="0"/>
-                  </a:spcBef>
-                  <a:spcAft>
-                    <a:spcPts val="0"/>
-                  </a:spcAft>
-                  <a:buClr>
-                    <a:srgbClr val="000000"/>
-                  </a:buClr>
-                  <a:buFont typeface="Arial"/>
-                  <a:defRPr sz="1400" b="0" i="0" u="none" strike="noStrike" cap="none">
-                    <a:solidFill>
-                      <a:srgbClr val="000000"/>
-                    </a:solidFill>
-                    <a:latin typeface="Arial"/>
-                    <a:ea typeface="Arial"/>
-                    <a:cs typeface="Arial"/>
-                    <a:sym typeface="Arial"/>
-                  </a:defRPr>
-                </a:lvl5pPr>
-                <a:lvl6pPr marR="0" lvl="5" algn="l" rtl="0">
-                  <a:lnSpc>
-                    <a:spcPct val="100000"/>
-                  </a:lnSpc>
-                  <a:spcBef>
-                    <a:spcPts val="0"/>
-                  </a:spcBef>
-                  <a:spcAft>
-                    <a:spcPts val="0"/>
-                  </a:spcAft>
-                  <a:buClr>
-                    <a:srgbClr val="000000"/>
-                  </a:buClr>
-                  <a:buFont typeface="Arial"/>
-                  <a:defRPr sz="1400" b="0" i="0" u="none" strike="noStrike" cap="none">
-                    <a:solidFill>
-                      <a:srgbClr val="000000"/>
-                    </a:solidFill>
-                    <a:latin typeface="Arial"/>
-                    <a:ea typeface="Arial"/>
-                    <a:cs typeface="Arial"/>
-                    <a:sym typeface="Arial"/>
-                  </a:defRPr>
-                </a:lvl6pPr>
-                <a:lvl7pPr marR="0" lvl="6" algn="l" rtl="0">
-                  <a:lnSpc>
-                    <a:spcPct val="100000"/>
-                  </a:lnSpc>
-                  <a:spcBef>
-                    <a:spcPts val="0"/>
-                  </a:spcBef>
-                  <a:spcAft>
-                    <a:spcPts val="0"/>
-                  </a:spcAft>
-                  <a:buClr>
-                    <a:srgbClr val="000000"/>
-                  </a:buClr>
-                  <a:buFont typeface="Arial"/>
-                  <a:defRPr sz="1400" b="0" i="0" u="none" strike="noStrike" cap="none">
-                    <a:solidFill>
-                      <a:srgbClr val="000000"/>
-                    </a:solidFill>
-                    <a:latin typeface="Arial"/>
-                    <a:ea typeface="Arial"/>
-                    <a:cs typeface="Arial"/>
-                    <a:sym typeface="Arial"/>
-                  </a:defRPr>
-                </a:lvl7pPr>
-                <a:lvl8pPr marR="0" lvl="7" algn="l" rtl="0">
-                  <a:lnSpc>
-                    <a:spcPct val="100000"/>
-                  </a:lnSpc>
-                  <a:spcBef>
-                    <a:spcPts val="0"/>
-                  </a:spcBef>
-                  <a:spcAft>
-                    <a:spcPts val="0"/>
-                  </a:spcAft>
-                  <a:buClr>
-                    <a:srgbClr val="000000"/>
-                  </a:buClr>
-                  <a:buFont typeface="Arial"/>
-                  <a:defRPr sz="1400" b="0" i="0" u="none" strike="noStrike" cap="none">
-                    <a:solidFill>
-                      <a:srgbClr val="000000"/>
-                    </a:solidFill>
-                    <a:latin typeface="Arial"/>
-                    <a:ea typeface="Arial"/>
-                    <a:cs typeface="Arial"/>
-                    <a:sym typeface="Arial"/>
-                  </a:defRPr>
-                </a:lvl8pPr>
-                <a:lvl9pPr marR="0" lvl="8" algn="l" rtl="0">
-                  <a:lnSpc>
-                    <a:spcPct val="100000"/>
-                  </a:lnSpc>
-                  <a:spcBef>
-                    <a:spcPts val="0"/>
-                  </a:spcBef>
-                  <a:spcAft>
-                    <a:spcPts val="0"/>
-                  </a:spcAft>
-                  <a:buClr>
-                    <a:srgbClr val="000000"/>
-                  </a:buClr>
-                  <a:buFont typeface="Arial"/>
-                  <a:defRPr sz="1400" b="0" i="0" u="none" strike="noStrike" cap="none">
-                    <a:solidFill>
-                      <a:srgbClr val="000000"/>
-                    </a:solidFill>
-                    <a:latin typeface="Arial"/>
-                    <a:ea typeface="Arial"/>
-                    <a:cs typeface="Arial"/>
-                    <a:sym typeface="Arial"/>
-                  </a:defRPr>
-                </a:lvl9pPr>
-              </a:lstStyle>
-              <a:p>
-                <a:r>
-                  <a:rPr lang="zh-TW" altLang="en-US" sz="2000" b="1" dirty="0"/>
-                  <a:t> </a:t>
-                </a:r>
-                <a:r>
-                  <a:rPr lang="en-US" altLang="zh-TW" sz="2000" b="1" dirty="0"/>
-                  <a:t>1</a:t>
-                </a:r>
-                <a:r>
-                  <a:rPr lang="zh-TW" altLang="en-US" sz="2000" b="1" dirty="0"/>
-                  <a:t> </a:t>
-                </a:r>
-                <a:r>
-                  <a:rPr lang="en-US" altLang="zh-TW" sz="2000" b="1" dirty="0"/>
-                  <a:t>(</a:t>
-                </a:r>
-                <a:r>
-                  <a:rPr lang="zh-TW" altLang="en-US" sz="2000" b="1" dirty="0"/>
-                  <a:t>角色</a:t>
-                </a:r>
-                <a:r>
-                  <a:rPr lang="en-US" altLang="zh-TW" sz="2000" b="1" dirty="0"/>
-                  <a:t>)</a:t>
-                </a:r>
-                <a:endParaRPr lang="zh-TW" altLang="en-US" sz="2000" b="1" dirty="0"/>
-              </a:p>
-            </p:txBody>
-          </p:sp>
-        </p:grpSp>
-        <p:grpSp>
-          <p:nvGrpSpPr>
-            <p:cNvPr id="19" name="群組 18">
-              <a:extLst>
-                <a:ext uri="{FF2B5EF4-FFF2-40B4-BE49-F238E27FC236}">
-                  <a16:creationId xmlns:a16="http://schemas.microsoft.com/office/drawing/2014/main" id="{EB90CA90-1371-4320-A5B2-F0429288FF95}"/>
-                </a:ext>
-              </a:extLst>
-            </p:cNvPr>
-            <p:cNvGrpSpPr/>
-            <p:nvPr/>
-          </p:nvGrpSpPr>
-          <p:grpSpPr>
-            <a:xfrm>
-              <a:off x="5259650" y="1189963"/>
-              <a:ext cx="1924848" cy="572838"/>
-              <a:chOff x="5274002" y="2267701"/>
-              <a:chExt cx="1924848" cy="572838"/>
-            </a:xfrm>
-          </p:grpSpPr>
-          <p:pic>
-            <p:nvPicPr>
-              <p:cNvPr id="20" name="圖片 19">
-                <a:extLst>
-                  <a:ext uri="{FF2B5EF4-FFF2-40B4-BE49-F238E27FC236}">
-                    <a16:creationId xmlns:a16="http://schemas.microsoft.com/office/drawing/2014/main" id="{43C98153-4A58-404A-AD29-D38FDEB3AC4E}"/>
-                  </a:ext>
-                </a:extLst>
-              </p:cNvPr>
-              <p:cNvPicPr>
-                <a:picLocks noChangeAspect="1"/>
-              </p:cNvPicPr>
-              <p:nvPr/>
-            </p:nvPicPr>
-            <p:blipFill>
-              <a:blip r:embed="rId5"/>
-              <a:stretch>
-                <a:fillRect/>
-              </a:stretch>
-            </p:blipFill>
-            <p:spPr>
-              <a:xfrm>
-                <a:off x="5274002" y="2267701"/>
-                <a:ext cx="572838" cy="572838"/>
-              </a:xfrm>
-              <a:prstGeom prst="rect">
-                <a:avLst/>
-              </a:prstGeom>
-            </p:spPr>
-          </p:pic>
-          <p:sp>
-            <p:nvSpPr>
-              <p:cNvPr id="21" name="文字版面配置區 3">
-                <a:extLst>
-                  <a:ext uri="{FF2B5EF4-FFF2-40B4-BE49-F238E27FC236}">
-                    <a16:creationId xmlns:a16="http://schemas.microsoft.com/office/drawing/2014/main" id="{F690D245-92AF-449D-A46B-379FD64A54D0}"/>
-                  </a:ext>
-                </a:extLst>
-              </p:cNvPr>
-              <p:cNvSpPr txBox="1">
-                <a:spLocks/>
-              </p:cNvSpPr>
-              <p:nvPr/>
-            </p:nvSpPr>
-            <p:spPr>
-              <a:xfrm>
-                <a:off x="5996318" y="2404916"/>
-                <a:ext cx="1202532" cy="333668"/>
-              </a:xfrm>
-              <a:prstGeom prst="rect">
-                <a:avLst/>
-              </a:prstGeom>
-            </p:spPr>
-            <p:txBody>
-              <a:bodyPr/>
-              <a:lstStyle>
-                <a:defPPr marR="0" lvl="0" algn="l" rtl="0">
-                  <a:lnSpc>
-                    <a:spcPct val="100000"/>
-                  </a:lnSpc>
-                  <a:spcBef>
-                    <a:spcPts val="0"/>
-                  </a:spcBef>
-                  <a:spcAft>
-                    <a:spcPts val="0"/>
-                  </a:spcAft>
-                </a:defPPr>
-                <a:lvl1pPr marR="0" lvl="0" algn="l" rtl="0">
-                  <a:lnSpc>
-                    <a:spcPct val="100000"/>
-                  </a:lnSpc>
-                  <a:spcBef>
-                    <a:spcPts val="0"/>
-                  </a:spcBef>
-                  <a:spcAft>
-                    <a:spcPts val="0"/>
-                  </a:spcAft>
-                  <a:buClr>
-                    <a:srgbClr val="000000"/>
-                  </a:buClr>
-                  <a:buFont typeface="Arial"/>
-                  <a:defRPr sz="1400" b="0" i="0" u="none" strike="noStrike" cap="none">
-                    <a:solidFill>
-                      <a:srgbClr val="000000"/>
-                    </a:solidFill>
-                    <a:latin typeface="Arial"/>
-                    <a:ea typeface="Arial"/>
-                    <a:cs typeface="Arial"/>
-                    <a:sym typeface="Arial"/>
-                  </a:defRPr>
-                </a:lvl1pPr>
-                <a:lvl2pPr marR="0" lvl="1" algn="l" rtl="0">
-                  <a:lnSpc>
-                    <a:spcPct val="100000"/>
-                  </a:lnSpc>
-                  <a:spcBef>
-                    <a:spcPts val="0"/>
-                  </a:spcBef>
-                  <a:spcAft>
-                    <a:spcPts val="0"/>
-                  </a:spcAft>
-                  <a:buClr>
-                    <a:srgbClr val="000000"/>
-                  </a:buClr>
-                  <a:buFont typeface="Arial"/>
-                  <a:defRPr sz="1400" b="0" i="0" u="none" strike="noStrike" cap="none">
-                    <a:solidFill>
-                      <a:srgbClr val="000000"/>
-                    </a:solidFill>
-                    <a:latin typeface="Arial"/>
-                    <a:ea typeface="Arial"/>
-                    <a:cs typeface="Arial"/>
-                    <a:sym typeface="Arial"/>
-                  </a:defRPr>
-                </a:lvl2pPr>
-                <a:lvl3pPr marR="0" lvl="2" algn="l" rtl="0">
-                  <a:lnSpc>
-                    <a:spcPct val="100000"/>
-                  </a:lnSpc>
-                  <a:spcBef>
-                    <a:spcPts val="0"/>
-                  </a:spcBef>
-                  <a:spcAft>
-                    <a:spcPts val="0"/>
-                  </a:spcAft>
-                  <a:buClr>
-                    <a:srgbClr val="000000"/>
-                  </a:buClr>
-                  <a:buFont typeface="Arial"/>
-                  <a:defRPr sz="1400" b="0" i="0" u="none" strike="noStrike" cap="none">
-                    <a:solidFill>
-                      <a:srgbClr val="000000"/>
-                    </a:solidFill>
-                    <a:latin typeface="Arial"/>
-                    <a:ea typeface="Arial"/>
-                    <a:cs typeface="Arial"/>
-                    <a:sym typeface="Arial"/>
-                  </a:defRPr>
-                </a:lvl3pPr>
-                <a:lvl4pPr marR="0" lvl="3" algn="l" rtl="0">
-                  <a:lnSpc>
-                    <a:spcPct val="100000"/>
-                  </a:lnSpc>
-                  <a:spcBef>
-                    <a:spcPts val="0"/>
-                  </a:spcBef>
-                  <a:spcAft>
-                    <a:spcPts val="0"/>
-                  </a:spcAft>
-                  <a:buClr>
-                    <a:srgbClr val="000000"/>
-                  </a:buClr>
-                  <a:buFont typeface="Arial"/>
-                  <a:defRPr sz="1400" b="0" i="0" u="none" strike="noStrike" cap="none">
-                    <a:solidFill>
-                      <a:srgbClr val="000000"/>
-                    </a:solidFill>
-                    <a:latin typeface="Arial"/>
-                    <a:ea typeface="Arial"/>
-                    <a:cs typeface="Arial"/>
-                    <a:sym typeface="Arial"/>
-                  </a:defRPr>
-                </a:lvl4pPr>
-                <a:lvl5pPr marR="0" lvl="4" algn="l" rtl="0">
-                  <a:lnSpc>
-                    <a:spcPct val="100000"/>
-                  </a:lnSpc>
-                  <a:spcBef>
-                    <a:spcPts val="0"/>
-                  </a:spcBef>
-                  <a:spcAft>
-                    <a:spcPts val="0"/>
-                  </a:spcAft>
-                  <a:buClr>
-                    <a:srgbClr val="000000"/>
-                  </a:buClr>
-                  <a:buFont typeface="Arial"/>
-                  <a:defRPr sz="1400" b="0" i="0" u="none" strike="noStrike" cap="none">
-                    <a:solidFill>
-                      <a:srgbClr val="000000"/>
-                    </a:solidFill>
-                    <a:latin typeface="Arial"/>
-                    <a:ea typeface="Arial"/>
-                    <a:cs typeface="Arial"/>
-                    <a:sym typeface="Arial"/>
-                  </a:defRPr>
-                </a:lvl5pPr>
-                <a:lvl6pPr marR="0" lvl="5" algn="l" rtl="0">
-                  <a:lnSpc>
-                    <a:spcPct val="100000"/>
-                  </a:lnSpc>
-                  <a:spcBef>
-                    <a:spcPts val="0"/>
-                  </a:spcBef>
-                  <a:spcAft>
-                    <a:spcPts val="0"/>
-                  </a:spcAft>
-                  <a:buClr>
-                    <a:srgbClr val="000000"/>
-                  </a:buClr>
-                  <a:buFont typeface="Arial"/>
-                  <a:defRPr sz="1400" b="0" i="0" u="none" strike="noStrike" cap="none">
-                    <a:solidFill>
-                      <a:srgbClr val="000000"/>
-                    </a:solidFill>
-                    <a:latin typeface="Arial"/>
-                    <a:ea typeface="Arial"/>
-                    <a:cs typeface="Arial"/>
-                    <a:sym typeface="Arial"/>
-                  </a:defRPr>
-                </a:lvl6pPr>
-                <a:lvl7pPr marR="0" lvl="6" algn="l" rtl="0">
-                  <a:lnSpc>
-                    <a:spcPct val="100000"/>
-                  </a:lnSpc>
-                  <a:spcBef>
-                    <a:spcPts val="0"/>
-                  </a:spcBef>
-                  <a:spcAft>
-                    <a:spcPts val="0"/>
-                  </a:spcAft>
-                  <a:buClr>
-                    <a:srgbClr val="000000"/>
-                  </a:buClr>
-                  <a:buFont typeface="Arial"/>
-                  <a:defRPr sz="1400" b="0" i="0" u="none" strike="noStrike" cap="none">
-                    <a:solidFill>
-                      <a:srgbClr val="000000"/>
-                    </a:solidFill>
-                    <a:latin typeface="Arial"/>
-                    <a:ea typeface="Arial"/>
-                    <a:cs typeface="Arial"/>
-                    <a:sym typeface="Arial"/>
-                  </a:defRPr>
-                </a:lvl7pPr>
-                <a:lvl8pPr marR="0" lvl="7" algn="l" rtl="0">
-                  <a:lnSpc>
-                    <a:spcPct val="100000"/>
-                  </a:lnSpc>
-                  <a:spcBef>
-                    <a:spcPts val="0"/>
-                  </a:spcBef>
-                  <a:spcAft>
-                    <a:spcPts val="0"/>
-                  </a:spcAft>
-                  <a:buClr>
-                    <a:srgbClr val="000000"/>
-                  </a:buClr>
-                  <a:buFont typeface="Arial"/>
-                  <a:defRPr sz="1400" b="0" i="0" u="none" strike="noStrike" cap="none">
-                    <a:solidFill>
-                      <a:srgbClr val="000000"/>
-                    </a:solidFill>
-                    <a:latin typeface="Arial"/>
-                    <a:ea typeface="Arial"/>
-                    <a:cs typeface="Arial"/>
-                    <a:sym typeface="Arial"/>
-                  </a:defRPr>
-                </a:lvl8pPr>
-                <a:lvl9pPr marR="0" lvl="8" algn="l" rtl="0">
-                  <a:lnSpc>
-                    <a:spcPct val="100000"/>
-                  </a:lnSpc>
-                  <a:spcBef>
-                    <a:spcPts val="0"/>
-                  </a:spcBef>
-                  <a:spcAft>
-                    <a:spcPts val="0"/>
-                  </a:spcAft>
-                  <a:buClr>
-                    <a:srgbClr val="000000"/>
-                  </a:buClr>
-                  <a:buFont typeface="Arial"/>
-                  <a:defRPr sz="1400" b="0" i="0" u="none" strike="noStrike" cap="none">
-                    <a:solidFill>
-                      <a:srgbClr val="000000"/>
-                    </a:solidFill>
-                    <a:latin typeface="Arial"/>
-                    <a:ea typeface="Arial"/>
-                    <a:cs typeface="Arial"/>
-                    <a:sym typeface="Arial"/>
-                  </a:defRPr>
-                </a:lvl9pPr>
-              </a:lstStyle>
-              <a:p>
-                <a:r>
-                  <a:rPr lang="zh-TW" altLang="en-US" sz="2000" b="1" dirty="0"/>
-                  <a:t> </a:t>
-                </a:r>
-                <a:r>
-                  <a:rPr lang="en-US" altLang="zh-TW" sz="2000" b="1" dirty="0"/>
-                  <a:t>0</a:t>
-                </a:r>
-                <a:r>
-                  <a:rPr lang="zh-TW" altLang="en-US" sz="2000" b="1" dirty="0"/>
-                  <a:t> </a:t>
-                </a:r>
-                <a:r>
-                  <a:rPr lang="en-US" altLang="zh-TW" sz="2000" b="1" dirty="0"/>
-                  <a:t>(</a:t>
-                </a:r>
-                <a:r>
-                  <a:rPr lang="zh-TW" altLang="en-US" sz="2000" b="1" dirty="0"/>
-                  <a:t>路徑</a:t>
-                </a:r>
-                <a:r>
-                  <a:rPr lang="en-US" altLang="zh-TW" sz="2000" b="1" dirty="0"/>
-                  <a:t>)</a:t>
-                </a:r>
-                <a:endParaRPr lang="zh-TW" altLang="en-US" sz="2000" b="1" dirty="0"/>
-              </a:p>
-            </p:txBody>
-          </p:sp>
-        </p:grpSp>
-        <p:grpSp>
-          <p:nvGrpSpPr>
-            <p:cNvPr id="23" name="群組 22">
-              <a:extLst>
-                <a:ext uri="{FF2B5EF4-FFF2-40B4-BE49-F238E27FC236}">
-                  <a16:creationId xmlns:a16="http://schemas.microsoft.com/office/drawing/2014/main" id="{3C3C976D-EEDF-4CCA-9815-9B8E9EAC14B6}"/>
-                </a:ext>
-              </a:extLst>
-            </p:cNvPr>
-            <p:cNvGrpSpPr/>
-            <p:nvPr/>
-          </p:nvGrpSpPr>
-          <p:grpSpPr>
-            <a:xfrm>
-              <a:off x="5245298" y="2512767"/>
-              <a:ext cx="1953552" cy="581491"/>
-              <a:chOff x="5245298" y="2523013"/>
-              <a:chExt cx="1953552" cy="581491"/>
-            </a:xfrm>
-          </p:grpSpPr>
-          <p:sp>
-            <p:nvSpPr>
-              <p:cNvPr id="15" name="文字版面配置區 3">
-                <a:extLst>
-                  <a:ext uri="{FF2B5EF4-FFF2-40B4-BE49-F238E27FC236}">
-                    <a16:creationId xmlns:a16="http://schemas.microsoft.com/office/drawing/2014/main" id="{7135164F-D1A9-4A33-8E63-DE12B2BE0EFB}"/>
-                  </a:ext>
-                </a:extLst>
-              </p:cNvPr>
-              <p:cNvSpPr txBox="1">
-                <a:spLocks/>
-              </p:cNvSpPr>
-              <p:nvPr/>
-            </p:nvSpPr>
-            <p:spPr>
-              <a:xfrm>
-                <a:off x="5996318" y="2646924"/>
-                <a:ext cx="1202532" cy="333668"/>
-              </a:xfrm>
-              <a:prstGeom prst="rect">
-                <a:avLst/>
-              </a:prstGeom>
-            </p:spPr>
-            <p:txBody>
-              <a:bodyPr/>
-              <a:lstStyle>
-                <a:defPPr marR="0" lvl="0" algn="l" rtl="0">
-                  <a:lnSpc>
-                    <a:spcPct val="100000"/>
-                  </a:lnSpc>
-                  <a:spcBef>
-                    <a:spcPts val="0"/>
-                  </a:spcBef>
-                  <a:spcAft>
-                    <a:spcPts val="0"/>
-                  </a:spcAft>
-                </a:defPPr>
-                <a:lvl1pPr marR="0" lvl="0" algn="l" rtl="0">
-                  <a:lnSpc>
-                    <a:spcPct val="100000"/>
-                  </a:lnSpc>
-                  <a:spcBef>
-                    <a:spcPts val="0"/>
-                  </a:spcBef>
-                  <a:spcAft>
-                    <a:spcPts val="0"/>
-                  </a:spcAft>
-                  <a:buClr>
-                    <a:srgbClr val="000000"/>
-                  </a:buClr>
-                  <a:buFont typeface="Arial"/>
-                  <a:defRPr sz="1400" b="0" i="0" u="none" strike="noStrike" cap="none">
-                    <a:solidFill>
-                      <a:srgbClr val="000000"/>
-                    </a:solidFill>
-                    <a:latin typeface="Arial"/>
-                    <a:ea typeface="Arial"/>
-                    <a:cs typeface="Arial"/>
-                    <a:sym typeface="Arial"/>
-                  </a:defRPr>
-                </a:lvl1pPr>
-                <a:lvl2pPr marR="0" lvl="1" algn="l" rtl="0">
-                  <a:lnSpc>
-                    <a:spcPct val="100000"/>
-                  </a:lnSpc>
-                  <a:spcBef>
-                    <a:spcPts val="0"/>
-                  </a:spcBef>
-                  <a:spcAft>
-                    <a:spcPts val="0"/>
-                  </a:spcAft>
-                  <a:buClr>
-                    <a:srgbClr val="000000"/>
-                  </a:buClr>
-                  <a:buFont typeface="Arial"/>
-                  <a:defRPr sz="1400" b="0" i="0" u="none" strike="noStrike" cap="none">
-                    <a:solidFill>
-                      <a:srgbClr val="000000"/>
-                    </a:solidFill>
-                    <a:latin typeface="Arial"/>
-                    <a:ea typeface="Arial"/>
-                    <a:cs typeface="Arial"/>
-                    <a:sym typeface="Arial"/>
-                  </a:defRPr>
-                </a:lvl2pPr>
-                <a:lvl3pPr marR="0" lvl="2" algn="l" rtl="0">
-                  <a:lnSpc>
-                    <a:spcPct val="100000"/>
-                  </a:lnSpc>
-                  <a:spcBef>
-                    <a:spcPts val="0"/>
-                  </a:spcBef>
-                  <a:spcAft>
-                    <a:spcPts val="0"/>
-                  </a:spcAft>
-                  <a:buClr>
-                    <a:srgbClr val="000000"/>
-                  </a:buClr>
-                  <a:buFont typeface="Arial"/>
-                  <a:defRPr sz="1400" b="0" i="0" u="none" strike="noStrike" cap="none">
-                    <a:solidFill>
-                      <a:srgbClr val="000000"/>
-                    </a:solidFill>
-                    <a:latin typeface="Arial"/>
-                    <a:ea typeface="Arial"/>
-                    <a:cs typeface="Arial"/>
-                    <a:sym typeface="Arial"/>
-                  </a:defRPr>
-                </a:lvl3pPr>
-                <a:lvl4pPr marR="0" lvl="3" algn="l" rtl="0">
-                  <a:lnSpc>
-                    <a:spcPct val="100000"/>
-                  </a:lnSpc>
-                  <a:spcBef>
-                    <a:spcPts val="0"/>
-                  </a:spcBef>
-                  <a:spcAft>
-                    <a:spcPts val="0"/>
-                  </a:spcAft>
-                  <a:buClr>
-                    <a:srgbClr val="000000"/>
-                  </a:buClr>
-                  <a:buFont typeface="Arial"/>
-                  <a:defRPr sz="1400" b="0" i="0" u="none" strike="noStrike" cap="none">
-                    <a:solidFill>
-                      <a:srgbClr val="000000"/>
-                    </a:solidFill>
-                    <a:latin typeface="Arial"/>
-                    <a:ea typeface="Arial"/>
-                    <a:cs typeface="Arial"/>
-                    <a:sym typeface="Arial"/>
-                  </a:defRPr>
-                </a:lvl4pPr>
-                <a:lvl5pPr marR="0" lvl="4" algn="l" rtl="0">
-                  <a:lnSpc>
-                    <a:spcPct val="100000"/>
-                  </a:lnSpc>
-                  <a:spcBef>
-                    <a:spcPts val="0"/>
-                  </a:spcBef>
-                  <a:spcAft>
-                    <a:spcPts val="0"/>
-                  </a:spcAft>
-                  <a:buClr>
-                    <a:srgbClr val="000000"/>
-                  </a:buClr>
-                  <a:buFont typeface="Arial"/>
-                  <a:defRPr sz="1400" b="0" i="0" u="none" strike="noStrike" cap="none">
-                    <a:solidFill>
-                      <a:srgbClr val="000000"/>
-                    </a:solidFill>
-                    <a:latin typeface="Arial"/>
-                    <a:ea typeface="Arial"/>
-                    <a:cs typeface="Arial"/>
-                    <a:sym typeface="Arial"/>
-                  </a:defRPr>
-                </a:lvl5pPr>
-                <a:lvl6pPr marR="0" lvl="5" algn="l" rtl="0">
-                  <a:lnSpc>
-                    <a:spcPct val="100000"/>
-                  </a:lnSpc>
-                  <a:spcBef>
-                    <a:spcPts val="0"/>
-                  </a:spcBef>
-                  <a:spcAft>
-                    <a:spcPts val="0"/>
-                  </a:spcAft>
-                  <a:buClr>
-                    <a:srgbClr val="000000"/>
-                  </a:buClr>
-                  <a:buFont typeface="Arial"/>
-                  <a:defRPr sz="1400" b="0" i="0" u="none" strike="noStrike" cap="none">
-                    <a:solidFill>
-                      <a:srgbClr val="000000"/>
-                    </a:solidFill>
-                    <a:latin typeface="Arial"/>
-                    <a:ea typeface="Arial"/>
-                    <a:cs typeface="Arial"/>
-                    <a:sym typeface="Arial"/>
-                  </a:defRPr>
-                </a:lvl6pPr>
-                <a:lvl7pPr marR="0" lvl="6" algn="l" rtl="0">
-                  <a:lnSpc>
-                    <a:spcPct val="100000"/>
-                  </a:lnSpc>
-                  <a:spcBef>
-                    <a:spcPts val="0"/>
-                  </a:spcBef>
-                  <a:spcAft>
-                    <a:spcPts val="0"/>
-                  </a:spcAft>
-                  <a:buClr>
-                    <a:srgbClr val="000000"/>
-                  </a:buClr>
-                  <a:buFont typeface="Arial"/>
-                  <a:defRPr sz="1400" b="0" i="0" u="none" strike="noStrike" cap="none">
-                    <a:solidFill>
-                      <a:srgbClr val="000000"/>
-                    </a:solidFill>
-                    <a:latin typeface="Arial"/>
-                    <a:ea typeface="Arial"/>
-                    <a:cs typeface="Arial"/>
-                    <a:sym typeface="Arial"/>
-                  </a:defRPr>
-                </a:lvl7pPr>
-                <a:lvl8pPr marR="0" lvl="7" algn="l" rtl="0">
-                  <a:lnSpc>
-                    <a:spcPct val="100000"/>
-                  </a:lnSpc>
-                  <a:spcBef>
-                    <a:spcPts val="0"/>
-                  </a:spcBef>
-                  <a:spcAft>
-                    <a:spcPts val="0"/>
-                  </a:spcAft>
-                  <a:buClr>
-                    <a:srgbClr val="000000"/>
-                  </a:buClr>
-                  <a:buFont typeface="Arial"/>
-                  <a:defRPr sz="1400" b="0" i="0" u="none" strike="noStrike" cap="none">
-                    <a:solidFill>
-                      <a:srgbClr val="000000"/>
-                    </a:solidFill>
-                    <a:latin typeface="Arial"/>
-                    <a:ea typeface="Arial"/>
-                    <a:cs typeface="Arial"/>
-                    <a:sym typeface="Arial"/>
-                  </a:defRPr>
-                </a:lvl8pPr>
-                <a:lvl9pPr marR="0" lvl="8" algn="l" rtl="0">
-                  <a:lnSpc>
-                    <a:spcPct val="100000"/>
-                  </a:lnSpc>
-                  <a:spcBef>
-                    <a:spcPts val="0"/>
-                  </a:spcBef>
-                  <a:spcAft>
-                    <a:spcPts val="0"/>
-                  </a:spcAft>
-                  <a:buClr>
-                    <a:srgbClr val="000000"/>
-                  </a:buClr>
-                  <a:buFont typeface="Arial"/>
-                  <a:defRPr sz="1400" b="0" i="0" u="none" strike="noStrike" cap="none">
-                    <a:solidFill>
-                      <a:srgbClr val="000000"/>
-                    </a:solidFill>
-                    <a:latin typeface="Arial"/>
-                    <a:ea typeface="Arial"/>
-                    <a:cs typeface="Arial"/>
-                    <a:sym typeface="Arial"/>
-                  </a:defRPr>
-                </a:lvl9pPr>
-              </a:lstStyle>
-              <a:p>
-                <a:r>
-                  <a:rPr lang="zh-TW" altLang="en-US" sz="2000" b="1" dirty="0"/>
-                  <a:t> </a:t>
-                </a:r>
-                <a:r>
-                  <a:rPr lang="en-US" altLang="zh-TW" sz="2000" b="1" dirty="0"/>
-                  <a:t>2</a:t>
-                </a:r>
-                <a:r>
-                  <a:rPr lang="zh-TW" altLang="en-US" sz="2000" b="1" dirty="0"/>
-                  <a:t> </a:t>
-                </a:r>
-                <a:r>
-                  <a:rPr lang="en-US" altLang="zh-TW" sz="2000" b="1" dirty="0"/>
-                  <a:t>(</a:t>
-                </a:r>
-                <a:r>
-                  <a:rPr lang="zh-TW" altLang="en-US" sz="2000" b="1" dirty="0"/>
-                  <a:t>箱子</a:t>
-                </a:r>
-                <a:r>
-                  <a:rPr lang="en-US" altLang="zh-TW" sz="2000" b="1" dirty="0"/>
-                  <a:t>)</a:t>
-                </a:r>
-                <a:endParaRPr lang="zh-TW" altLang="en-US" sz="2000" b="1" dirty="0"/>
-              </a:p>
-            </p:txBody>
-          </p:sp>
-          <p:pic>
-            <p:nvPicPr>
-              <p:cNvPr id="22" name="圖片 21">
-                <a:extLst>
-                  <a:ext uri="{FF2B5EF4-FFF2-40B4-BE49-F238E27FC236}">
-                    <a16:creationId xmlns:a16="http://schemas.microsoft.com/office/drawing/2014/main" id="{7069A075-15C2-41EB-85CF-8EBDD26637ED}"/>
-                  </a:ext>
-                </a:extLst>
-              </p:cNvPr>
-              <p:cNvPicPr>
-                <a:picLocks noChangeAspect="1"/>
-              </p:cNvPicPr>
-              <p:nvPr/>
-            </p:nvPicPr>
-            <p:blipFill>
-              <a:blip r:embed="rId6"/>
-              <a:stretch>
-                <a:fillRect/>
-              </a:stretch>
-            </p:blipFill>
-            <p:spPr>
-              <a:xfrm>
-                <a:off x="5245298" y="2523013"/>
-                <a:ext cx="601542" cy="581491"/>
-              </a:xfrm>
-              <a:prstGeom prst="rect">
-                <a:avLst/>
-              </a:prstGeom>
-            </p:spPr>
-          </p:pic>
-        </p:grpSp>
-      </p:grpSp>
       <p:graphicFrame>
         <p:nvGraphicFramePr>
           <p:cNvPr id="26" name="表格 25">
@@ -11430,7 +10938,7 @@
           <p:nvPr>
             <p:extLst>
               <p:ext uri="{D42A27DB-BD31-4B8C-83A1-F6EECF244321}">
-                <p14:modId xmlns:p14="http://schemas.microsoft.com/office/powerpoint/2010/main" val="4058483222"/>
+                <p14:modId xmlns:p14="http://schemas.microsoft.com/office/powerpoint/2010/main" val="1652046569"/>
               </p:ext>
             </p:extLst>
           </p:nvPr>
@@ -11461,8 +10969,26 @@
                     <a:lstStyle/>
                     <a:p>
                       <a:r>
+                        <a:rPr lang="en-US" altLang="zh-TW" dirty="0">
+                          <a:solidFill>
+                            <a:srgbClr val="0070C0"/>
+                          </a:solidFill>
+                        </a:rPr>
+                        <a:t>5</a:t>
+                      </a:r>
+                      <a:r>
                         <a:rPr lang="en-US" altLang="zh-TW" dirty="0"/>
-                        <a:t>5 5</a:t>
+                        <a:t> </a:t>
+                      </a:r>
+                      <a:r>
+                        <a:rPr lang="en-US" altLang="zh-TW" dirty="0">
+                          <a:solidFill>
+                            <a:schemeClr val="accent5">
+                              <a:lumMod val="75000"/>
+                            </a:schemeClr>
+                          </a:solidFill>
+                        </a:rPr>
+                        <a:t>5</a:t>
                       </a:r>
                     </a:p>
                     <a:p>
@@ -11764,6 +11290,1727 @@
           </p:sp>
         </p:grpSp>
       </p:grpSp>
+      <p:grpSp>
+        <p:nvGrpSpPr>
+          <p:cNvPr id="44" name="群組 43">
+            <a:extLst>
+              <a:ext uri="{FF2B5EF4-FFF2-40B4-BE49-F238E27FC236}">
+                <a16:creationId xmlns:a16="http://schemas.microsoft.com/office/drawing/2014/main" id="{817EB849-350C-4466-AF01-1C6DCFCC377E}"/>
+              </a:ext>
+            </a:extLst>
+          </p:cNvPr>
+          <p:cNvGrpSpPr/>
+          <p:nvPr/>
+        </p:nvGrpSpPr>
+        <p:grpSpPr>
+          <a:xfrm>
+            <a:off x="6847565" y="1661828"/>
+            <a:ext cx="1830353" cy="2640898"/>
+            <a:chOff x="5932389" y="1849371"/>
+            <a:chExt cx="1830353" cy="2640898"/>
+          </a:xfrm>
+        </p:grpSpPr>
+        <p:grpSp>
+          <p:nvGrpSpPr>
+            <p:cNvPr id="43" name="群組 42">
+              <a:extLst>
+                <a:ext uri="{FF2B5EF4-FFF2-40B4-BE49-F238E27FC236}">
+                  <a16:creationId xmlns:a16="http://schemas.microsoft.com/office/drawing/2014/main" id="{19117A9D-6C42-4C18-8E79-74842898722F}"/>
+                </a:ext>
+              </a:extLst>
+            </p:cNvPr>
+            <p:cNvGrpSpPr/>
+            <p:nvPr/>
+          </p:nvGrpSpPr>
+          <p:grpSpPr>
+            <a:xfrm>
+              <a:off x="6072487" y="4109269"/>
+              <a:ext cx="1690255" cy="381000"/>
+              <a:chOff x="6072487" y="4109269"/>
+              <a:chExt cx="1690255" cy="381000"/>
+            </a:xfrm>
+          </p:grpSpPr>
+          <p:sp>
+            <p:nvSpPr>
+              <p:cNvPr id="6" name="文字版面配置區 3">
+                <a:extLst>
+                  <a:ext uri="{FF2B5EF4-FFF2-40B4-BE49-F238E27FC236}">
+                    <a16:creationId xmlns:a16="http://schemas.microsoft.com/office/drawing/2014/main" id="{938C2CAA-21E5-4A5A-BB78-7AD632C0D49B}"/>
+                  </a:ext>
+                </a:extLst>
+              </p:cNvPr>
+              <p:cNvSpPr txBox="1">
+                <a:spLocks/>
+              </p:cNvSpPr>
+              <p:nvPr/>
+            </p:nvSpPr>
+            <p:spPr>
+              <a:xfrm>
+                <a:off x="6661991" y="4109269"/>
+                <a:ext cx="1100751" cy="305427"/>
+              </a:xfrm>
+              <a:prstGeom prst="rect">
+                <a:avLst/>
+              </a:prstGeom>
+            </p:spPr>
+            <p:txBody>
+              <a:bodyPr/>
+              <a:lstStyle>
+                <a:defPPr marR="0" lvl="0" algn="l" rtl="0">
+                  <a:lnSpc>
+                    <a:spcPct val="100000"/>
+                  </a:lnSpc>
+                  <a:spcBef>
+                    <a:spcPts val="0"/>
+                  </a:spcBef>
+                  <a:spcAft>
+                    <a:spcPts val="0"/>
+                  </a:spcAft>
+                </a:defPPr>
+                <a:lvl1pPr marR="0" lvl="0" algn="l" rtl="0">
+                  <a:lnSpc>
+                    <a:spcPct val="100000"/>
+                  </a:lnSpc>
+                  <a:spcBef>
+                    <a:spcPts val="0"/>
+                  </a:spcBef>
+                  <a:spcAft>
+                    <a:spcPts val="0"/>
+                  </a:spcAft>
+                  <a:buClr>
+                    <a:srgbClr val="000000"/>
+                  </a:buClr>
+                  <a:buFont typeface="Arial"/>
+                  <a:defRPr sz="1400" b="0" i="0" u="none" strike="noStrike" cap="none">
+                    <a:solidFill>
+                      <a:srgbClr val="000000"/>
+                    </a:solidFill>
+                    <a:latin typeface="Arial"/>
+                    <a:ea typeface="Arial"/>
+                    <a:cs typeface="Arial"/>
+                    <a:sym typeface="Arial"/>
+                  </a:defRPr>
+                </a:lvl1pPr>
+                <a:lvl2pPr marR="0" lvl="1" algn="l" rtl="0">
+                  <a:lnSpc>
+                    <a:spcPct val="100000"/>
+                  </a:lnSpc>
+                  <a:spcBef>
+                    <a:spcPts val="0"/>
+                  </a:spcBef>
+                  <a:spcAft>
+                    <a:spcPts val="0"/>
+                  </a:spcAft>
+                  <a:buClr>
+                    <a:srgbClr val="000000"/>
+                  </a:buClr>
+                  <a:buFont typeface="Arial"/>
+                  <a:defRPr sz="1400" b="0" i="0" u="none" strike="noStrike" cap="none">
+                    <a:solidFill>
+                      <a:srgbClr val="000000"/>
+                    </a:solidFill>
+                    <a:latin typeface="Arial"/>
+                    <a:ea typeface="Arial"/>
+                    <a:cs typeface="Arial"/>
+                    <a:sym typeface="Arial"/>
+                  </a:defRPr>
+                </a:lvl2pPr>
+                <a:lvl3pPr marR="0" lvl="2" algn="l" rtl="0">
+                  <a:lnSpc>
+                    <a:spcPct val="100000"/>
+                  </a:lnSpc>
+                  <a:spcBef>
+                    <a:spcPts val="0"/>
+                  </a:spcBef>
+                  <a:spcAft>
+                    <a:spcPts val="0"/>
+                  </a:spcAft>
+                  <a:buClr>
+                    <a:srgbClr val="000000"/>
+                  </a:buClr>
+                  <a:buFont typeface="Arial"/>
+                  <a:defRPr sz="1400" b="0" i="0" u="none" strike="noStrike" cap="none">
+                    <a:solidFill>
+                      <a:srgbClr val="000000"/>
+                    </a:solidFill>
+                    <a:latin typeface="Arial"/>
+                    <a:ea typeface="Arial"/>
+                    <a:cs typeface="Arial"/>
+                    <a:sym typeface="Arial"/>
+                  </a:defRPr>
+                </a:lvl3pPr>
+                <a:lvl4pPr marR="0" lvl="3" algn="l" rtl="0">
+                  <a:lnSpc>
+                    <a:spcPct val="100000"/>
+                  </a:lnSpc>
+                  <a:spcBef>
+                    <a:spcPts val="0"/>
+                  </a:spcBef>
+                  <a:spcAft>
+                    <a:spcPts val="0"/>
+                  </a:spcAft>
+                  <a:buClr>
+                    <a:srgbClr val="000000"/>
+                  </a:buClr>
+                  <a:buFont typeface="Arial"/>
+                  <a:defRPr sz="1400" b="0" i="0" u="none" strike="noStrike" cap="none">
+                    <a:solidFill>
+                      <a:srgbClr val="000000"/>
+                    </a:solidFill>
+                    <a:latin typeface="Arial"/>
+                    <a:ea typeface="Arial"/>
+                    <a:cs typeface="Arial"/>
+                    <a:sym typeface="Arial"/>
+                  </a:defRPr>
+                </a:lvl4pPr>
+                <a:lvl5pPr marR="0" lvl="4" algn="l" rtl="0">
+                  <a:lnSpc>
+                    <a:spcPct val="100000"/>
+                  </a:lnSpc>
+                  <a:spcBef>
+                    <a:spcPts val="0"/>
+                  </a:spcBef>
+                  <a:spcAft>
+                    <a:spcPts val="0"/>
+                  </a:spcAft>
+                  <a:buClr>
+                    <a:srgbClr val="000000"/>
+                  </a:buClr>
+                  <a:buFont typeface="Arial"/>
+                  <a:defRPr sz="1400" b="0" i="0" u="none" strike="noStrike" cap="none">
+                    <a:solidFill>
+                      <a:srgbClr val="000000"/>
+                    </a:solidFill>
+                    <a:latin typeface="Arial"/>
+                    <a:ea typeface="Arial"/>
+                    <a:cs typeface="Arial"/>
+                    <a:sym typeface="Arial"/>
+                  </a:defRPr>
+                </a:lvl5pPr>
+                <a:lvl6pPr marR="0" lvl="5" algn="l" rtl="0">
+                  <a:lnSpc>
+                    <a:spcPct val="100000"/>
+                  </a:lnSpc>
+                  <a:spcBef>
+                    <a:spcPts val="0"/>
+                  </a:spcBef>
+                  <a:spcAft>
+                    <a:spcPts val="0"/>
+                  </a:spcAft>
+                  <a:buClr>
+                    <a:srgbClr val="000000"/>
+                  </a:buClr>
+                  <a:buFont typeface="Arial"/>
+                  <a:defRPr sz="1400" b="0" i="0" u="none" strike="noStrike" cap="none">
+                    <a:solidFill>
+                      <a:srgbClr val="000000"/>
+                    </a:solidFill>
+                    <a:latin typeface="Arial"/>
+                    <a:ea typeface="Arial"/>
+                    <a:cs typeface="Arial"/>
+                    <a:sym typeface="Arial"/>
+                  </a:defRPr>
+                </a:lvl6pPr>
+                <a:lvl7pPr marR="0" lvl="6" algn="l" rtl="0">
+                  <a:lnSpc>
+                    <a:spcPct val="100000"/>
+                  </a:lnSpc>
+                  <a:spcBef>
+                    <a:spcPts val="0"/>
+                  </a:spcBef>
+                  <a:spcAft>
+                    <a:spcPts val="0"/>
+                  </a:spcAft>
+                  <a:buClr>
+                    <a:srgbClr val="000000"/>
+                  </a:buClr>
+                  <a:buFont typeface="Arial"/>
+                  <a:defRPr sz="1400" b="0" i="0" u="none" strike="noStrike" cap="none">
+                    <a:solidFill>
+                      <a:srgbClr val="000000"/>
+                    </a:solidFill>
+                    <a:latin typeface="Arial"/>
+                    <a:ea typeface="Arial"/>
+                    <a:cs typeface="Arial"/>
+                    <a:sym typeface="Arial"/>
+                  </a:defRPr>
+                </a:lvl7pPr>
+                <a:lvl8pPr marR="0" lvl="7" algn="l" rtl="0">
+                  <a:lnSpc>
+                    <a:spcPct val="100000"/>
+                  </a:lnSpc>
+                  <a:spcBef>
+                    <a:spcPts val="0"/>
+                  </a:spcBef>
+                  <a:spcAft>
+                    <a:spcPts val="0"/>
+                  </a:spcAft>
+                  <a:buClr>
+                    <a:srgbClr val="000000"/>
+                  </a:buClr>
+                  <a:buFont typeface="Arial"/>
+                  <a:defRPr sz="1400" b="0" i="0" u="none" strike="noStrike" cap="none">
+                    <a:solidFill>
+                      <a:srgbClr val="000000"/>
+                    </a:solidFill>
+                    <a:latin typeface="Arial"/>
+                    <a:ea typeface="Arial"/>
+                    <a:cs typeface="Arial"/>
+                    <a:sym typeface="Arial"/>
+                  </a:defRPr>
+                </a:lvl8pPr>
+                <a:lvl9pPr marR="0" lvl="8" algn="l" rtl="0">
+                  <a:lnSpc>
+                    <a:spcPct val="100000"/>
+                  </a:lnSpc>
+                  <a:spcBef>
+                    <a:spcPts val="0"/>
+                  </a:spcBef>
+                  <a:spcAft>
+                    <a:spcPts val="0"/>
+                  </a:spcAft>
+                  <a:buClr>
+                    <a:srgbClr val="000000"/>
+                  </a:buClr>
+                  <a:buFont typeface="Arial"/>
+                  <a:defRPr sz="1400" b="0" i="0" u="none" strike="noStrike" cap="none">
+                    <a:solidFill>
+                      <a:srgbClr val="000000"/>
+                    </a:solidFill>
+                    <a:latin typeface="Arial"/>
+                    <a:ea typeface="Arial"/>
+                    <a:cs typeface="Arial"/>
+                    <a:sym typeface="Arial"/>
+                  </a:defRPr>
+                </a:lvl9pPr>
+              </a:lstStyle>
+              <a:p>
+                <a:r>
+                  <a:rPr lang="zh-TW" altLang="en-US" sz="2000" b="1" dirty="0"/>
+                  <a:t> </a:t>
+                </a:r>
+                <a:r>
+                  <a:rPr lang="en-US" altLang="zh-TW" sz="2000" b="1" dirty="0"/>
+                  <a:t>4</a:t>
+                </a:r>
+                <a:r>
+                  <a:rPr lang="zh-TW" altLang="en-US" sz="2000" b="1" dirty="0"/>
+                  <a:t> </a:t>
+                </a:r>
+                <a:r>
+                  <a:rPr lang="en-US" altLang="zh-TW" sz="2000" b="1" dirty="0"/>
+                  <a:t>(</a:t>
+                </a:r>
+                <a:r>
+                  <a:rPr lang="zh-TW" altLang="en-US" sz="2000" b="1" dirty="0"/>
+                  <a:t>牆外</a:t>
+                </a:r>
+                <a:r>
+                  <a:rPr lang="en-US" altLang="zh-TW" sz="2000" b="1" dirty="0"/>
+                  <a:t>)</a:t>
+                </a:r>
+                <a:endParaRPr lang="zh-TW" altLang="en-US" sz="2000" b="1" dirty="0"/>
+              </a:p>
+            </p:txBody>
+          </p:sp>
+          <p:pic>
+            <p:nvPicPr>
+              <p:cNvPr id="9" name="圖片 8">
+                <a:extLst>
+                  <a:ext uri="{FF2B5EF4-FFF2-40B4-BE49-F238E27FC236}">
+                    <a16:creationId xmlns:a16="http://schemas.microsoft.com/office/drawing/2014/main" id="{395E8B99-A890-4FA6-BAF9-3E0AAE3CE993}"/>
+                  </a:ext>
+                </a:extLst>
+              </p:cNvPr>
+              <p:cNvPicPr>
+                <a:picLocks noChangeAspect="1"/>
+              </p:cNvPicPr>
+              <p:nvPr/>
+            </p:nvPicPr>
+            <p:blipFill>
+              <a:blip r:embed="rId2"/>
+              <a:stretch>
+                <a:fillRect/>
+              </a:stretch>
+            </p:blipFill>
+            <p:spPr>
+              <a:xfrm>
+                <a:off x="6072487" y="4109269"/>
+                <a:ext cx="381000" cy="381000"/>
+              </a:xfrm>
+              <a:prstGeom prst="rect">
+                <a:avLst/>
+              </a:prstGeom>
+            </p:spPr>
+          </p:pic>
+        </p:grpSp>
+        <p:grpSp>
+          <p:nvGrpSpPr>
+            <p:cNvPr id="42" name="群組 41">
+              <a:extLst>
+                <a:ext uri="{FF2B5EF4-FFF2-40B4-BE49-F238E27FC236}">
+                  <a16:creationId xmlns:a16="http://schemas.microsoft.com/office/drawing/2014/main" id="{0E356A04-B3E2-4BC3-A731-1A4191EF9E41}"/>
+                </a:ext>
+              </a:extLst>
+            </p:cNvPr>
+            <p:cNvGrpSpPr/>
+            <p:nvPr/>
+          </p:nvGrpSpPr>
+          <p:grpSpPr>
+            <a:xfrm>
+              <a:off x="6072487" y="3593658"/>
+              <a:ext cx="1690255" cy="389905"/>
+              <a:chOff x="6072487" y="3593658"/>
+              <a:chExt cx="1690255" cy="389905"/>
+            </a:xfrm>
+          </p:grpSpPr>
+          <p:sp>
+            <p:nvSpPr>
+              <p:cNvPr id="8" name="文字版面配置區 3">
+                <a:extLst>
+                  <a:ext uri="{FF2B5EF4-FFF2-40B4-BE49-F238E27FC236}">
+                    <a16:creationId xmlns:a16="http://schemas.microsoft.com/office/drawing/2014/main" id="{9911495D-00E5-48AD-955B-E2D4A976CEA6}"/>
+                  </a:ext>
+                </a:extLst>
+              </p:cNvPr>
+              <p:cNvSpPr txBox="1">
+                <a:spLocks/>
+              </p:cNvSpPr>
+              <p:nvPr/>
+            </p:nvSpPr>
+            <p:spPr>
+              <a:xfrm>
+                <a:off x="6661991" y="3593658"/>
+                <a:ext cx="1100751" cy="305426"/>
+              </a:xfrm>
+              <a:prstGeom prst="rect">
+                <a:avLst/>
+              </a:prstGeom>
+            </p:spPr>
+            <p:txBody>
+              <a:bodyPr/>
+              <a:lstStyle>
+                <a:defPPr marR="0" lvl="0" algn="l" rtl="0">
+                  <a:lnSpc>
+                    <a:spcPct val="100000"/>
+                  </a:lnSpc>
+                  <a:spcBef>
+                    <a:spcPts val="0"/>
+                  </a:spcBef>
+                  <a:spcAft>
+                    <a:spcPts val="0"/>
+                  </a:spcAft>
+                </a:defPPr>
+                <a:lvl1pPr marR="0" lvl="0" algn="l" rtl="0">
+                  <a:lnSpc>
+                    <a:spcPct val="100000"/>
+                  </a:lnSpc>
+                  <a:spcBef>
+                    <a:spcPts val="0"/>
+                  </a:spcBef>
+                  <a:spcAft>
+                    <a:spcPts val="0"/>
+                  </a:spcAft>
+                  <a:buClr>
+                    <a:srgbClr val="000000"/>
+                  </a:buClr>
+                  <a:buFont typeface="Arial"/>
+                  <a:defRPr sz="1400" b="0" i="0" u="none" strike="noStrike" cap="none">
+                    <a:solidFill>
+                      <a:srgbClr val="000000"/>
+                    </a:solidFill>
+                    <a:latin typeface="Arial"/>
+                    <a:ea typeface="Arial"/>
+                    <a:cs typeface="Arial"/>
+                    <a:sym typeface="Arial"/>
+                  </a:defRPr>
+                </a:lvl1pPr>
+                <a:lvl2pPr marR="0" lvl="1" algn="l" rtl="0">
+                  <a:lnSpc>
+                    <a:spcPct val="100000"/>
+                  </a:lnSpc>
+                  <a:spcBef>
+                    <a:spcPts val="0"/>
+                  </a:spcBef>
+                  <a:spcAft>
+                    <a:spcPts val="0"/>
+                  </a:spcAft>
+                  <a:buClr>
+                    <a:srgbClr val="000000"/>
+                  </a:buClr>
+                  <a:buFont typeface="Arial"/>
+                  <a:defRPr sz="1400" b="0" i="0" u="none" strike="noStrike" cap="none">
+                    <a:solidFill>
+                      <a:srgbClr val="000000"/>
+                    </a:solidFill>
+                    <a:latin typeface="Arial"/>
+                    <a:ea typeface="Arial"/>
+                    <a:cs typeface="Arial"/>
+                    <a:sym typeface="Arial"/>
+                  </a:defRPr>
+                </a:lvl2pPr>
+                <a:lvl3pPr marR="0" lvl="2" algn="l" rtl="0">
+                  <a:lnSpc>
+                    <a:spcPct val="100000"/>
+                  </a:lnSpc>
+                  <a:spcBef>
+                    <a:spcPts val="0"/>
+                  </a:spcBef>
+                  <a:spcAft>
+                    <a:spcPts val="0"/>
+                  </a:spcAft>
+                  <a:buClr>
+                    <a:srgbClr val="000000"/>
+                  </a:buClr>
+                  <a:buFont typeface="Arial"/>
+                  <a:defRPr sz="1400" b="0" i="0" u="none" strike="noStrike" cap="none">
+                    <a:solidFill>
+                      <a:srgbClr val="000000"/>
+                    </a:solidFill>
+                    <a:latin typeface="Arial"/>
+                    <a:ea typeface="Arial"/>
+                    <a:cs typeface="Arial"/>
+                    <a:sym typeface="Arial"/>
+                  </a:defRPr>
+                </a:lvl3pPr>
+                <a:lvl4pPr marR="0" lvl="3" algn="l" rtl="0">
+                  <a:lnSpc>
+                    <a:spcPct val="100000"/>
+                  </a:lnSpc>
+                  <a:spcBef>
+                    <a:spcPts val="0"/>
+                  </a:spcBef>
+                  <a:spcAft>
+                    <a:spcPts val="0"/>
+                  </a:spcAft>
+                  <a:buClr>
+                    <a:srgbClr val="000000"/>
+                  </a:buClr>
+                  <a:buFont typeface="Arial"/>
+                  <a:defRPr sz="1400" b="0" i="0" u="none" strike="noStrike" cap="none">
+                    <a:solidFill>
+                      <a:srgbClr val="000000"/>
+                    </a:solidFill>
+                    <a:latin typeface="Arial"/>
+                    <a:ea typeface="Arial"/>
+                    <a:cs typeface="Arial"/>
+                    <a:sym typeface="Arial"/>
+                  </a:defRPr>
+                </a:lvl4pPr>
+                <a:lvl5pPr marR="0" lvl="4" algn="l" rtl="0">
+                  <a:lnSpc>
+                    <a:spcPct val="100000"/>
+                  </a:lnSpc>
+                  <a:spcBef>
+                    <a:spcPts val="0"/>
+                  </a:spcBef>
+                  <a:spcAft>
+                    <a:spcPts val="0"/>
+                  </a:spcAft>
+                  <a:buClr>
+                    <a:srgbClr val="000000"/>
+                  </a:buClr>
+                  <a:buFont typeface="Arial"/>
+                  <a:defRPr sz="1400" b="0" i="0" u="none" strike="noStrike" cap="none">
+                    <a:solidFill>
+                      <a:srgbClr val="000000"/>
+                    </a:solidFill>
+                    <a:latin typeface="Arial"/>
+                    <a:ea typeface="Arial"/>
+                    <a:cs typeface="Arial"/>
+                    <a:sym typeface="Arial"/>
+                  </a:defRPr>
+                </a:lvl5pPr>
+                <a:lvl6pPr marR="0" lvl="5" algn="l" rtl="0">
+                  <a:lnSpc>
+                    <a:spcPct val="100000"/>
+                  </a:lnSpc>
+                  <a:spcBef>
+                    <a:spcPts val="0"/>
+                  </a:spcBef>
+                  <a:spcAft>
+                    <a:spcPts val="0"/>
+                  </a:spcAft>
+                  <a:buClr>
+                    <a:srgbClr val="000000"/>
+                  </a:buClr>
+                  <a:buFont typeface="Arial"/>
+                  <a:defRPr sz="1400" b="0" i="0" u="none" strike="noStrike" cap="none">
+                    <a:solidFill>
+                      <a:srgbClr val="000000"/>
+                    </a:solidFill>
+                    <a:latin typeface="Arial"/>
+                    <a:ea typeface="Arial"/>
+                    <a:cs typeface="Arial"/>
+                    <a:sym typeface="Arial"/>
+                  </a:defRPr>
+                </a:lvl6pPr>
+                <a:lvl7pPr marR="0" lvl="6" algn="l" rtl="0">
+                  <a:lnSpc>
+                    <a:spcPct val="100000"/>
+                  </a:lnSpc>
+                  <a:spcBef>
+                    <a:spcPts val="0"/>
+                  </a:spcBef>
+                  <a:spcAft>
+                    <a:spcPts val="0"/>
+                  </a:spcAft>
+                  <a:buClr>
+                    <a:srgbClr val="000000"/>
+                  </a:buClr>
+                  <a:buFont typeface="Arial"/>
+                  <a:defRPr sz="1400" b="0" i="0" u="none" strike="noStrike" cap="none">
+                    <a:solidFill>
+                      <a:srgbClr val="000000"/>
+                    </a:solidFill>
+                    <a:latin typeface="Arial"/>
+                    <a:ea typeface="Arial"/>
+                    <a:cs typeface="Arial"/>
+                    <a:sym typeface="Arial"/>
+                  </a:defRPr>
+                </a:lvl7pPr>
+                <a:lvl8pPr marR="0" lvl="7" algn="l" rtl="0">
+                  <a:lnSpc>
+                    <a:spcPct val="100000"/>
+                  </a:lnSpc>
+                  <a:spcBef>
+                    <a:spcPts val="0"/>
+                  </a:spcBef>
+                  <a:spcAft>
+                    <a:spcPts val="0"/>
+                  </a:spcAft>
+                  <a:buClr>
+                    <a:srgbClr val="000000"/>
+                  </a:buClr>
+                  <a:buFont typeface="Arial"/>
+                  <a:defRPr sz="1400" b="0" i="0" u="none" strike="noStrike" cap="none">
+                    <a:solidFill>
+                      <a:srgbClr val="000000"/>
+                    </a:solidFill>
+                    <a:latin typeface="Arial"/>
+                    <a:ea typeface="Arial"/>
+                    <a:cs typeface="Arial"/>
+                    <a:sym typeface="Arial"/>
+                  </a:defRPr>
+                </a:lvl8pPr>
+                <a:lvl9pPr marR="0" lvl="8" algn="l" rtl="0">
+                  <a:lnSpc>
+                    <a:spcPct val="100000"/>
+                  </a:lnSpc>
+                  <a:spcBef>
+                    <a:spcPts val="0"/>
+                  </a:spcBef>
+                  <a:spcAft>
+                    <a:spcPts val="0"/>
+                  </a:spcAft>
+                  <a:buClr>
+                    <a:srgbClr val="000000"/>
+                  </a:buClr>
+                  <a:buFont typeface="Arial"/>
+                  <a:defRPr sz="1400" b="0" i="0" u="none" strike="noStrike" cap="none">
+                    <a:solidFill>
+                      <a:srgbClr val="000000"/>
+                    </a:solidFill>
+                    <a:latin typeface="Arial"/>
+                    <a:ea typeface="Arial"/>
+                    <a:cs typeface="Arial"/>
+                    <a:sym typeface="Arial"/>
+                  </a:defRPr>
+                </a:lvl9pPr>
+              </a:lstStyle>
+              <a:p>
+                <a:r>
+                  <a:rPr lang="zh-TW" altLang="en-US" sz="2000" b="1" dirty="0"/>
+                  <a:t> </a:t>
+                </a:r>
+                <a:r>
+                  <a:rPr lang="en-US" altLang="zh-TW" sz="2000" b="1" dirty="0"/>
+                  <a:t>3</a:t>
+                </a:r>
+                <a:r>
+                  <a:rPr lang="zh-TW" altLang="en-US" sz="2000" b="1" dirty="0"/>
+                  <a:t> </a:t>
+                </a:r>
+                <a:r>
+                  <a:rPr lang="en-US" altLang="zh-TW" sz="2000" b="1" dirty="0"/>
+                  <a:t>(</a:t>
+                </a:r>
+                <a:r>
+                  <a:rPr lang="zh-TW" altLang="en-US" sz="2000" b="1" dirty="0"/>
+                  <a:t>牆壁</a:t>
+                </a:r>
+                <a:r>
+                  <a:rPr lang="en-US" altLang="zh-TW" sz="2000" b="1" dirty="0"/>
+                  <a:t>)</a:t>
+                </a:r>
+                <a:endParaRPr lang="zh-TW" altLang="en-US" sz="2000" b="1" dirty="0"/>
+              </a:p>
+            </p:txBody>
+          </p:sp>
+          <p:pic>
+            <p:nvPicPr>
+              <p:cNvPr id="17" name="圖片 16">
+                <a:extLst>
+                  <a:ext uri="{FF2B5EF4-FFF2-40B4-BE49-F238E27FC236}">
+                    <a16:creationId xmlns:a16="http://schemas.microsoft.com/office/drawing/2014/main" id="{18FE2932-FDC0-4DEE-88CC-84CCB399889D}"/>
+                  </a:ext>
+                </a:extLst>
+              </p:cNvPr>
+              <p:cNvPicPr>
+                <a:picLocks noChangeAspect="1"/>
+              </p:cNvPicPr>
+              <p:nvPr/>
+            </p:nvPicPr>
+            <p:blipFill>
+              <a:blip r:embed="rId3"/>
+              <a:stretch>
+                <a:fillRect/>
+              </a:stretch>
+            </p:blipFill>
+            <p:spPr>
+              <a:xfrm>
+                <a:off x="6072487" y="3602563"/>
+                <a:ext cx="381000" cy="381000"/>
+              </a:xfrm>
+              <a:prstGeom prst="rect">
+                <a:avLst/>
+              </a:prstGeom>
+            </p:spPr>
+          </p:pic>
+        </p:grpSp>
+        <p:grpSp>
+          <p:nvGrpSpPr>
+            <p:cNvPr id="41" name="群組 40">
+              <a:extLst>
+                <a:ext uri="{FF2B5EF4-FFF2-40B4-BE49-F238E27FC236}">
+                  <a16:creationId xmlns:a16="http://schemas.microsoft.com/office/drawing/2014/main" id="{A6A2B080-24AB-494F-B9AF-F2DAB472CBB6}"/>
+                </a:ext>
+              </a:extLst>
+            </p:cNvPr>
+            <p:cNvGrpSpPr/>
+            <p:nvPr/>
+          </p:nvGrpSpPr>
+          <p:grpSpPr>
+            <a:xfrm>
+              <a:off x="6072487" y="3048037"/>
+              <a:ext cx="1690255" cy="381033"/>
+              <a:chOff x="6072487" y="3048037"/>
+              <a:chExt cx="1690255" cy="381033"/>
+            </a:xfrm>
+          </p:grpSpPr>
+          <p:sp>
+            <p:nvSpPr>
+              <p:cNvPr id="15" name="文字版面配置區 3">
+                <a:extLst>
+                  <a:ext uri="{FF2B5EF4-FFF2-40B4-BE49-F238E27FC236}">
+                    <a16:creationId xmlns:a16="http://schemas.microsoft.com/office/drawing/2014/main" id="{7135164F-D1A9-4A33-8E63-DE12B2BE0EFB}"/>
+                  </a:ext>
+                </a:extLst>
+              </p:cNvPr>
+              <p:cNvSpPr txBox="1">
+                <a:spLocks/>
+              </p:cNvSpPr>
+              <p:nvPr/>
+            </p:nvSpPr>
+            <p:spPr>
+              <a:xfrm>
+                <a:off x="6661991" y="3048037"/>
+                <a:ext cx="1100751" cy="305427"/>
+              </a:xfrm>
+              <a:prstGeom prst="rect">
+                <a:avLst/>
+              </a:prstGeom>
+            </p:spPr>
+            <p:txBody>
+              <a:bodyPr/>
+              <a:lstStyle>
+                <a:defPPr marR="0" lvl="0" algn="l" rtl="0">
+                  <a:lnSpc>
+                    <a:spcPct val="100000"/>
+                  </a:lnSpc>
+                  <a:spcBef>
+                    <a:spcPts val="0"/>
+                  </a:spcBef>
+                  <a:spcAft>
+                    <a:spcPts val="0"/>
+                  </a:spcAft>
+                </a:defPPr>
+                <a:lvl1pPr marR="0" lvl="0" algn="l" rtl="0">
+                  <a:lnSpc>
+                    <a:spcPct val="100000"/>
+                  </a:lnSpc>
+                  <a:spcBef>
+                    <a:spcPts val="0"/>
+                  </a:spcBef>
+                  <a:spcAft>
+                    <a:spcPts val="0"/>
+                  </a:spcAft>
+                  <a:buClr>
+                    <a:srgbClr val="000000"/>
+                  </a:buClr>
+                  <a:buFont typeface="Arial"/>
+                  <a:defRPr sz="1400" b="0" i="0" u="none" strike="noStrike" cap="none">
+                    <a:solidFill>
+                      <a:srgbClr val="000000"/>
+                    </a:solidFill>
+                    <a:latin typeface="Arial"/>
+                    <a:ea typeface="Arial"/>
+                    <a:cs typeface="Arial"/>
+                    <a:sym typeface="Arial"/>
+                  </a:defRPr>
+                </a:lvl1pPr>
+                <a:lvl2pPr marR="0" lvl="1" algn="l" rtl="0">
+                  <a:lnSpc>
+                    <a:spcPct val="100000"/>
+                  </a:lnSpc>
+                  <a:spcBef>
+                    <a:spcPts val="0"/>
+                  </a:spcBef>
+                  <a:spcAft>
+                    <a:spcPts val="0"/>
+                  </a:spcAft>
+                  <a:buClr>
+                    <a:srgbClr val="000000"/>
+                  </a:buClr>
+                  <a:buFont typeface="Arial"/>
+                  <a:defRPr sz="1400" b="0" i="0" u="none" strike="noStrike" cap="none">
+                    <a:solidFill>
+                      <a:srgbClr val="000000"/>
+                    </a:solidFill>
+                    <a:latin typeface="Arial"/>
+                    <a:ea typeface="Arial"/>
+                    <a:cs typeface="Arial"/>
+                    <a:sym typeface="Arial"/>
+                  </a:defRPr>
+                </a:lvl2pPr>
+                <a:lvl3pPr marR="0" lvl="2" algn="l" rtl="0">
+                  <a:lnSpc>
+                    <a:spcPct val="100000"/>
+                  </a:lnSpc>
+                  <a:spcBef>
+                    <a:spcPts val="0"/>
+                  </a:spcBef>
+                  <a:spcAft>
+                    <a:spcPts val="0"/>
+                  </a:spcAft>
+                  <a:buClr>
+                    <a:srgbClr val="000000"/>
+                  </a:buClr>
+                  <a:buFont typeface="Arial"/>
+                  <a:defRPr sz="1400" b="0" i="0" u="none" strike="noStrike" cap="none">
+                    <a:solidFill>
+                      <a:srgbClr val="000000"/>
+                    </a:solidFill>
+                    <a:latin typeface="Arial"/>
+                    <a:ea typeface="Arial"/>
+                    <a:cs typeface="Arial"/>
+                    <a:sym typeface="Arial"/>
+                  </a:defRPr>
+                </a:lvl3pPr>
+                <a:lvl4pPr marR="0" lvl="3" algn="l" rtl="0">
+                  <a:lnSpc>
+                    <a:spcPct val="100000"/>
+                  </a:lnSpc>
+                  <a:spcBef>
+                    <a:spcPts val="0"/>
+                  </a:spcBef>
+                  <a:spcAft>
+                    <a:spcPts val="0"/>
+                  </a:spcAft>
+                  <a:buClr>
+                    <a:srgbClr val="000000"/>
+                  </a:buClr>
+                  <a:buFont typeface="Arial"/>
+                  <a:defRPr sz="1400" b="0" i="0" u="none" strike="noStrike" cap="none">
+                    <a:solidFill>
+                      <a:srgbClr val="000000"/>
+                    </a:solidFill>
+                    <a:latin typeface="Arial"/>
+                    <a:ea typeface="Arial"/>
+                    <a:cs typeface="Arial"/>
+                    <a:sym typeface="Arial"/>
+                  </a:defRPr>
+                </a:lvl4pPr>
+                <a:lvl5pPr marR="0" lvl="4" algn="l" rtl="0">
+                  <a:lnSpc>
+                    <a:spcPct val="100000"/>
+                  </a:lnSpc>
+                  <a:spcBef>
+                    <a:spcPts val="0"/>
+                  </a:spcBef>
+                  <a:spcAft>
+                    <a:spcPts val="0"/>
+                  </a:spcAft>
+                  <a:buClr>
+                    <a:srgbClr val="000000"/>
+                  </a:buClr>
+                  <a:buFont typeface="Arial"/>
+                  <a:defRPr sz="1400" b="0" i="0" u="none" strike="noStrike" cap="none">
+                    <a:solidFill>
+                      <a:srgbClr val="000000"/>
+                    </a:solidFill>
+                    <a:latin typeface="Arial"/>
+                    <a:ea typeface="Arial"/>
+                    <a:cs typeface="Arial"/>
+                    <a:sym typeface="Arial"/>
+                  </a:defRPr>
+                </a:lvl5pPr>
+                <a:lvl6pPr marR="0" lvl="5" algn="l" rtl="0">
+                  <a:lnSpc>
+                    <a:spcPct val="100000"/>
+                  </a:lnSpc>
+                  <a:spcBef>
+                    <a:spcPts val="0"/>
+                  </a:spcBef>
+                  <a:spcAft>
+                    <a:spcPts val="0"/>
+                  </a:spcAft>
+                  <a:buClr>
+                    <a:srgbClr val="000000"/>
+                  </a:buClr>
+                  <a:buFont typeface="Arial"/>
+                  <a:defRPr sz="1400" b="0" i="0" u="none" strike="noStrike" cap="none">
+                    <a:solidFill>
+                      <a:srgbClr val="000000"/>
+                    </a:solidFill>
+                    <a:latin typeface="Arial"/>
+                    <a:ea typeface="Arial"/>
+                    <a:cs typeface="Arial"/>
+                    <a:sym typeface="Arial"/>
+                  </a:defRPr>
+                </a:lvl6pPr>
+                <a:lvl7pPr marR="0" lvl="6" algn="l" rtl="0">
+                  <a:lnSpc>
+                    <a:spcPct val="100000"/>
+                  </a:lnSpc>
+                  <a:spcBef>
+                    <a:spcPts val="0"/>
+                  </a:spcBef>
+                  <a:spcAft>
+                    <a:spcPts val="0"/>
+                  </a:spcAft>
+                  <a:buClr>
+                    <a:srgbClr val="000000"/>
+                  </a:buClr>
+                  <a:buFont typeface="Arial"/>
+                  <a:defRPr sz="1400" b="0" i="0" u="none" strike="noStrike" cap="none">
+                    <a:solidFill>
+                      <a:srgbClr val="000000"/>
+                    </a:solidFill>
+                    <a:latin typeface="Arial"/>
+                    <a:ea typeface="Arial"/>
+                    <a:cs typeface="Arial"/>
+                    <a:sym typeface="Arial"/>
+                  </a:defRPr>
+                </a:lvl7pPr>
+                <a:lvl8pPr marR="0" lvl="7" algn="l" rtl="0">
+                  <a:lnSpc>
+                    <a:spcPct val="100000"/>
+                  </a:lnSpc>
+                  <a:spcBef>
+                    <a:spcPts val="0"/>
+                  </a:spcBef>
+                  <a:spcAft>
+                    <a:spcPts val="0"/>
+                  </a:spcAft>
+                  <a:buClr>
+                    <a:srgbClr val="000000"/>
+                  </a:buClr>
+                  <a:buFont typeface="Arial"/>
+                  <a:defRPr sz="1400" b="0" i="0" u="none" strike="noStrike" cap="none">
+                    <a:solidFill>
+                      <a:srgbClr val="000000"/>
+                    </a:solidFill>
+                    <a:latin typeface="Arial"/>
+                    <a:ea typeface="Arial"/>
+                    <a:cs typeface="Arial"/>
+                    <a:sym typeface="Arial"/>
+                  </a:defRPr>
+                </a:lvl8pPr>
+                <a:lvl9pPr marR="0" lvl="8" algn="l" rtl="0">
+                  <a:lnSpc>
+                    <a:spcPct val="100000"/>
+                  </a:lnSpc>
+                  <a:spcBef>
+                    <a:spcPts val="0"/>
+                  </a:spcBef>
+                  <a:spcAft>
+                    <a:spcPts val="0"/>
+                  </a:spcAft>
+                  <a:buClr>
+                    <a:srgbClr val="000000"/>
+                  </a:buClr>
+                  <a:buFont typeface="Arial"/>
+                  <a:defRPr sz="1400" b="0" i="0" u="none" strike="noStrike" cap="none">
+                    <a:solidFill>
+                      <a:srgbClr val="000000"/>
+                    </a:solidFill>
+                    <a:latin typeface="Arial"/>
+                    <a:ea typeface="Arial"/>
+                    <a:cs typeface="Arial"/>
+                    <a:sym typeface="Arial"/>
+                  </a:defRPr>
+                </a:lvl9pPr>
+              </a:lstStyle>
+              <a:p>
+                <a:r>
+                  <a:rPr lang="zh-TW" altLang="en-US" sz="2000" b="1" dirty="0"/>
+                  <a:t> </a:t>
+                </a:r>
+                <a:r>
+                  <a:rPr lang="en-US" altLang="zh-TW" sz="2000" b="1" dirty="0"/>
+                  <a:t>2</a:t>
+                </a:r>
+                <a:r>
+                  <a:rPr lang="zh-TW" altLang="en-US" sz="2000" b="1" dirty="0"/>
+                  <a:t> </a:t>
+                </a:r>
+                <a:r>
+                  <a:rPr lang="en-US" altLang="zh-TW" sz="2000" b="1" dirty="0"/>
+                  <a:t>(</a:t>
+                </a:r>
+                <a:r>
+                  <a:rPr lang="zh-TW" altLang="en-US" sz="2000" b="1" dirty="0"/>
+                  <a:t>箱子</a:t>
+                </a:r>
+                <a:r>
+                  <a:rPr lang="en-US" altLang="zh-TW" sz="2000" b="1" dirty="0"/>
+                  <a:t>)</a:t>
+                </a:r>
+                <a:endParaRPr lang="zh-TW" altLang="en-US" sz="2000" b="1" dirty="0"/>
+              </a:p>
+            </p:txBody>
+          </p:sp>
+          <p:pic>
+            <p:nvPicPr>
+              <p:cNvPr id="25" name="圖片 24">
+                <a:extLst>
+                  <a:ext uri="{FF2B5EF4-FFF2-40B4-BE49-F238E27FC236}">
+                    <a16:creationId xmlns:a16="http://schemas.microsoft.com/office/drawing/2014/main" id="{01B1E752-9DE6-4E0B-8E83-2003032C2764}"/>
+                  </a:ext>
+                </a:extLst>
+              </p:cNvPr>
+              <p:cNvPicPr>
+                <a:picLocks noChangeAspect="1"/>
+              </p:cNvPicPr>
+              <p:nvPr/>
+            </p:nvPicPr>
+            <p:blipFill>
+              <a:blip r:embed="rId4"/>
+              <a:stretch>
+                <a:fillRect/>
+              </a:stretch>
+            </p:blipFill>
+            <p:spPr>
+              <a:xfrm>
+                <a:off x="6072487" y="3048037"/>
+                <a:ext cx="381033" cy="381033"/>
+              </a:xfrm>
+              <a:prstGeom prst="rect">
+                <a:avLst/>
+              </a:prstGeom>
+            </p:spPr>
+          </p:pic>
+        </p:grpSp>
+        <p:grpSp>
+          <p:nvGrpSpPr>
+            <p:cNvPr id="40" name="群組 39">
+              <a:extLst>
+                <a:ext uri="{FF2B5EF4-FFF2-40B4-BE49-F238E27FC236}">
+                  <a16:creationId xmlns:a16="http://schemas.microsoft.com/office/drawing/2014/main" id="{7E8B9CFE-6E63-484C-9C7E-5749F518FFD9}"/>
+                </a:ext>
+              </a:extLst>
+            </p:cNvPr>
+            <p:cNvGrpSpPr/>
+            <p:nvPr/>
+          </p:nvGrpSpPr>
+          <p:grpSpPr>
+            <a:xfrm>
+              <a:off x="5932389" y="2322301"/>
+              <a:ext cx="1830353" cy="634921"/>
+              <a:chOff x="5932389" y="2322301"/>
+              <a:chExt cx="1830353" cy="634921"/>
+            </a:xfrm>
+          </p:grpSpPr>
+          <p:sp>
+            <p:nvSpPr>
+              <p:cNvPr id="13" name="文字版面配置區 3">
+                <a:extLst>
+                  <a:ext uri="{FF2B5EF4-FFF2-40B4-BE49-F238E27FC236}">
+                    <a16:creationId xmlns:a16="http://schemas.microsoft.com/office/drawing/2014/main" id="{E58C3DCC-8B64-4A38-9C37-CE4B5A797337}"/>
+                  </a:ext>
+                </a:extLst>
+              </p:cNvPr>
+              <p:cNvSpPr txBox="1">
+                <a:spLocks/>
+              </p:cNvSpPr>
+              <p:nvPr/>
+            </p:nvSpPr>
+            <p:spPr>
+              <a:xfrm>
+                <a:off x="6661991" y="2437091"/>
+                <a:ext cx="1100751" cy="305427"/>
+              </a:xfrm>
+              <a:prstGeom prst="rect">
+                <a:avLst/>
+              </a:prstGeom>
+            </p:spPr>
+            <p:txBody>
+              <a:bodyPr/>
+              <a:lstStyle>
+                <a:defPPr marR="0" lvl="0" algn="l" rtl="0">
+                  <a:lnSpc>
+                    <a:spcPct val="100000"/>
+                  </a:lnSpc>
+                  <a:spcBef>
+                    <a:spcPts val="0"/>
+                  </a:spcBef>
+                  <a:spcAft>
+                    <a:spcPts val="0"/>
+                  </a:spcAft>
+                </a:defPPr>
+                <a:lvl1pPr marR="0" lvl="0" algn="l" rtl="0">
+                  <a:lnSpc>
+                    <a:spcPct val="100000"/>
+                  </a:lnSpc>
+                  <a:spcBef>
+                    <a:spcPts val="0"/>
+                  </a:spcBef>
+                  <a:spcAft>
+                    <a:spcPts val="0"/>
+                  </a:spcAft>
+                  <a:buClr>
+                    <a:srgbClr val="000000"/>
+                  </a:buClr>
+                  <a:buFont typeface="Arial"/>
+                  <a:defRPr sz="1400" b="0" i="0" u="none" strike="noStrike" cap="none">
+                    <a:solidFill>
+                      <a:srgbClr val="000000"/>
+                    </a:solidFill>
+                    <a:latin typeface="Arial"/>
+                    <a:ea typeface="Arial"/>
+                    <a:cs typeface="Arial"/>
+                    <a:sym typeface="Arial"/>
+                  </a:defRPr>
+                </a:lvl1pPr>
+                <a:lvl2pPr marR="0" lvl="1" algn="l" rtl="0">
+                  <a:lnSpc>
+                    <a:spcPct val="100000"/>
+                  </a:lnSpc>
+                  <a:spcBef>
+                    <a:spcPts val="0"/>
+                  </a:spcBef>
+                  <a:spcAft>
+                    <a:spcPts val="0"/>
+                  </a:spcAft>
+                  <a:buClr>
+                    <a:srgbClr val="000000"/>
+                  </a:buClr>
+                  <a:buFont typeface="Arial"/>
+                  <a:defRPr sz="1400" b="0" i="0" u="none" strike="noStrike" cap="none">
+                    <a:solidFill>
+                      <a:srgbClr val="000000"/>
+                    </a:solidFill>
+                    <a:latin typeface="Arial"/>
+                    <a:ea typeface="Arial"/>
+                    <a:cs typeface="Arial"/>
+                    <a:sym typeface="Arial"/>
+                  </a:defRPr>
+                </a:lvl2pPr>
+                <a:lvl3pPr marR="0" lvl="2" algn="l" rtl="0">
+                  <a:lnSpc>
+                    <a:spcPct val="100000"/>
+                  </a:lnSpc>
+                  <a:spcBef>
+                    <a:spcPts val="0"/>
+                  </a:spcBef>
+                  <a:spcAft>
+                    <a:spcPts val="0"/>
+                  </a:spcAft>
+                  <a:buClr>
+                    <a:srgbClr val="000000"/>
+                  </a:buClr>
+                  <a:buFont typeface="Arial"/>
+                  <a:defRPr sz="1400" b="0" i="0" u="none" strike="noStrike" cap="none">
+                    <a:solidFill>
+                      <a:srgbClr val="000000"/>
+                    </a:solidFill>
+                    <a:latin typeface="Arial"/>
+                    <a:ea typeface="Arial"/>
+                    <a:cs typeface="Arial"/>
+                    <a:sym typeface="Arial"/>
+                  </a:defRPr>
+                </a:lvl3pPr>
+                <a:lvl4pPr marR="0" lvl="3" algn="l" rtl="0">
+                  <a:lnSpc>
+                    <a:spcPct val="100000"/>
+                  </a:lnSpc>
+                  <a:spcBef>
+                    <a:spcPts val="0"/>
+                  </a:spcBef>
+                  <a:spcAft>
+                    <a:spcPts val="0"/>
+                  </a:spcAft>
+                  <a:buClr>
+                    <a:srgbClr val="000000"/>
+                  </a:buClr>
+                  <a:buFont typeface="Arial"/>
+                  <a:defRPr sz="1400" b="0" i="0" u="none" strike="noStrike" cap="none">
+                    <a:solidFill>
+                      <a:srgbClr val="000000"/>
+                    </a:solidFill>
+                    <a:latin typeface="Arial"/>
+                    <a:ea typeface="Arial"/>
+                    <a:cs typeface="Arial"/>
+                    <a:sym typeface="Arial"/>
+                  </a:defRPr>
+                </a:lvl4pPr>
+                <a:lvl5pPr marR="0" lvl="4" algn="l" rtl="0">
+                  <a:lnSpc>
+                    <a:spcPct val="100000"/>
+                  </a:lnSpc>
+                  <a:spcBef>
+                    <a:spcPts val="0"/>
+                  </a:spcBef>
+                  <a:spcAft>
+                    <a:spcPts val="0"/>
+                  </a:spcAft>
+                  <a:buClr>
+                    <a:srgbClr val="000000"/>
+                  </a:buClr>
+                  <a:buFont typeface="Arial"/>
+                  <a:defRPr sz="1400" b="0" i="0" u="none" strike="noStrike" cap="none">
+                    <a:solidFill>
+                      <a:srgbClr val="000000"/>
+                    </a:solidFill>
+                    <a:latin typeface="Arial"/>
+                    <a:ea typeface="Arial"/>
+                    <a:cs typeface="Arial"/>
+                    <a:sym typeface="Arial"/>
+                  </a:defRPr>
+                </a:lvl5pPr>
+                <a:lvl6pPr marR="0" lvl="5" algn="l" rtl="0">
+                  <a:lnSpc>
+                    <a:spcPct val="100000"/>
+                  </a:lnSpc>
+                  <a:spcBef>
+                    <a:spcPts val="0"/>
+                  </a:spcBef>
+                  <a:spcAft>
+                    <a:spcPts val="0"/>
+                  </a:spcAft>
+                  <a:buClr>
+                    <a:srgbClr val="000000"/>
+                  </a:buClr>
+                  <a:buFont typeface="Arial"/>
+                  <a:defRPr sz="1400" b="0" i="0" u="none" strike="noStrike" cap="none">
+                    <a:solidFill>
+                      <a:srgbClr val="000000"/>
+                    </a:solidFill>
+                    <a:latin typeface="Arial"/>
+                    <a:ea typeface="Arial"/>
+                    <a:cs typeface="Arial"/>
+                    <a:sym typeface="Arial"/>
+                  </a:defRPr>
+                </a:lvl6pPr>
+                <a:lvl7pPr marR="0" lvl="6" algn="l" rtl="0">
+                  <a:lnSpc>
+                    <a:spcPct val="100000"/>
+                  </a:lnSpc>
+                  <a:spcBef>
+                    <a:spcPts val="0"/>
+                  </a:spcBef>
+                  <a:spcAft>
+                    <a:spcPts val="0"/>
+                  </a:spcAft>
+                  <a:buClr>
+                    <a:srgbClr val="000000"/>
+                  </a:buClr>
+                  <a:buFont typeface="Arial"/>
+                  <a:defRPr sz="1400" b="0" i="0" u="none" strike="noStrike" cap="none">
+                    <a:solidFill>
+                      <a:srgbClr val="000000"/>
+                    </a:solidFill>
+                    <a:latin typeface="Arial"/>
+                    <a:ea typeface="Arial"/>
+                    <a:cs typeface="Arial"/>
+                    <a:sym typeface="Arial"/>
+                  </a:defRPr>
+                </a:lvl7pPr>
+                <a:lvl8pPr marR="0" lvl="7" algn="l" rtl="0">
+                  <a:lnSpc>
+                    <a:spcPct val="100000"/>
+                  </a:lnSpc>
+                  <a:spcBef>
+                    <a:spcPts val="0"/>
+                  </a:spcBef>
+                  <a:spcAft>
+                    <a:spcPts val="0"/>
+                  </a:spcAft>
+                  <a:buClr>
+                    <a:srgbClr val="000000"/>
+                  </a:buClr>
+                  <a:buFont typeface="Arial"/>
+                  <a:defRPr sz="1400" b="0" i="0" u="none" strike="noStrike" cap="none">
+                    <a:solidFill>
+                      <a:srgbClr val="000000"/>
+                    </a:solidFill>
+                    <a:latin typeface="Arial"/>
+                    <a:ea typeface="Arial"/>
+                    <a:cs typeface="Arial"/>
+                    <a:sym typeface="Arial"/>
+                  </a:defRPr>
+                </a:lvl8pPr>
+                <a:lvl9pPr marR="0" lvl="8" algn="l" rtl="0">
+                  <a:lnSpc>
+                    <a:spcPct val="100000"/>
+                  </a:lnSpc>
+                  <a:spcBef>
+                    <a:spcPts val="0"/>
+                  </a:spcBef>
+                  <a:spcAft>
+                    <a:spcPts val="0"/>
+                  </a:spcAft>
+                  <a:buClr>
+                    <a:srgbClr val="000000"/>
+                  </a:buClr>
+                  <a:buFont typeface="Arial"/>
+                  <a:defRPr sz="1400" b="0" i="0" u="none" strike="noStrike" cap="none">
+                    <a:solidFill>
+                      <a:srgbClr val="000000"/>
+                    </a:solidFill>
+                    <a:latin typeface="Arial"/>
+                    <a:ea typeface="Arial"/>
+                    <a:cs typeface="Arial"/>
+                    <a:sym typeface="Arial"/>
+                  </a:defRPr>
+                </a:lvl9pPr>
+              </a:lstStyle>
+              <a:p>
+                <a:r>
+                  <a:rPr lang="zh-TW" altLang="en-US" sz="2000" b="1" dirty="0"/>
+                  <a:t> </a:t>
+                </a:r>
+                <a:r>
+                  <a:rPr lang="en-US" altLang="zh-TW" sz="2000" b="1" dirty="0"/>
+                  <a:t>1</a:t>
+                </a:r>
+                <a:r>
+                  <a:rPr lang="zh-TW" altLang="en-US" sz="2000" b="1" dirty="0"/>
+                  <a:t> </a:t>
+                </a:r>
+                <a:r>
+                  <a:rPr lang="en-US" altLang="zh-TW" sz="2000" b="1" dirty="0"/>
+                  <a:t>(</a:t>
+                </a:r>
+                <a:r>
+                  <a:rPr lang="zh-TW" altLang="en-US" sz="2000" b="1" dirty="0"/>
+                  <a:t>角色</a:t>
+                </a:r>
+                <a:r>
+                  <a:rPr lang="en-US" altLang="zh-TW" sz="2000" b="1" dirty="0"/>
+                  <a:t>)</a:t>
+                </a:r>
+                <a:endParaRPr lang="zh-TW" altLang="en-US" sz="2000" b="1" dirty="0"/>
+              </a:p>
+            </p:txBody>
+          </p:sp>
+          <p:pic>
+            <p:nvPicPr>
+              <p:cNvPr id="36" name="圖片 35">
+                <a:extLst>
+                  <a:ext uri="{FF2B5EF4-FFF2-40B4-BE49-F238E27FC236}">
+                    <a16:creationId xmlns:a16="http://schemas.microsoft.com/office/drawing/2014/main" id="{20A93EF9-7488-4DE5-9834-04C4FCCC6089}"/>
+                  </a:ext>
+                </a:extLst>
+              </p:cNvPr>
+              <p:cNvPicPr>
+                <a:picLocks noChangeAspect="1"/>
+              </p:cNvPicPr>
+              <p:nvPr/>
+            </p:nvPicPr>
+            <p:blipFill>
+              <a:blip r:embed="rId5"/>
+              <a:stretch>
+                <a:fillRect/>
+              </a:stretch>
+            </p:blipFill>
+            <p:spPr>
+              <a:xfrm>
+                <a:off x="5932389" y="2322301"/>
+                <a:ext cx="634921" cy="634921"/>
+              </a:xfrm>
+              <a:prstGeom prst="rect">
+                <a:avLst/>
+              </a:prstGeom>
+            </p:spPr>
+          </p:pic>
+        </p:grpSp>
+        <p:grpSp>
+          <p:nvGrpSpPr>
+            <p:cNvPr id="39" name="群組 38">
+              <a:extLst>
+                <a:ext uri="{FF2B5EF4-FFF2-40B4-BE49-F238E27FC236}">
+                  <a16:creationId xmlns:a16="http://schemas.microsoft.com/office/drawing/2014/main" id="{B99AACC0-CCA6-4DF5-9766-8482B2343738}"/>
+                </a:ext>
+              </a:extLst>
+            </p:cNvPr>
+            <p:cNvGrpSpPr/>
+            <p:nvPr/>
+          </p:nvGrpSpPr>
+          <p:grpSpPr>
+            <a:xfrm>
+              <a:off x="6072487" y="1849371"/>
+              <a:ext cx="1677117" cy="383908"/>
+              <a:chOff x="6072487" y="1849371"/>
+              <a:chExt cx="1677117" cy="383908"/>
+            </a:xfrm>
+          </p:grpSpPr>
+          <p:sp>
+            <p:nvSpPr>
+              <p:cNvPr id="21" name="文字版面配置區 3">
+                <a:extLst>
+                  <a:ext uri="{FF2B5EF4-FFF2-40B4-BE49-F238E27FC236}">
+                    <a16:creationId xmlns:a16="http://schemas.microsoft.com/office/drawing/2014/main" id="{F690D245-92AF-449D-A46B-379FD64A54D0}"/>
+                  </a:ext>
+                </a:extLst>
+              </p:cNvPr>
+              <p:cNvSpPr txBox="1">
+                <a:spLocks/>
+              </p:cNvSpPr>
+              <p:nvPr/>
+            </p:nvSpPr>
+            <p:spPr>
+              <a:xfrm>
+                <a:off x="6648853" y="1849371"/>
+                <a:ext cx="1100751" cy="305427"/>
+              </a:xfrm>
+              <a:prstGeom prst="rect">
+                <a:avLst/>
+              </a:prstGeom>
+            </p:spPr>
+            <p:txBody>
+              <a:bodyPr/>
+              <a:lstStyle>
+                <a:defPPr marR="0" lvl="0" algn="l" rtl="0">
+                  <a:lnSpc>
+                    <a:spcPct val="100000"/>
+                  </a:lnSpc>
+                  <a:spcBef>
+                    <a:spcPts val="0"/>
+                  </a:spcBef>
+                  <a:spcAft>
+                    <a:spcPts val="0"/>
+                  </a:spcAft>
+                </a:defPPr>
+                <a:lvl1pPr marR="0" lvl="0" algn="l" rtl="0">
+                  <a:lnSpc>
+                    <a:spcPct val="100000"/>
+                  </a:lnSpc>
+                  <a:spcBef>
+                    <a:spcPts val="0"/>
+                  </a:spcBef>
+                  <a:spcAft>
+                    <a:spcPts val="0"/>
+                  </a:spcAft>
+                  <a:buClr>
+                    <a:srgbClr val="000000"/>
+                  </a:buClr>
+                  <a:buFont typeface="Arial"/>
+                  <a:defRPr sz="1400" b="0" i="0" u="none" strike="noStrike" cap="none">
+                    <a:solidFill>
+                      <a:srgbClr val="000000"/>
+                    </a:solidFill>
+                    <a:latin typeface="Arial"/>
+                    <a:ea typeface="Arial"/>
+                    <a:cs typeface="Arial"/>
+                    <a:sym typeface="Arial"/>
+                  </a:defRPr>
+                </a:lvl1pPr>
+                <a:lvl2pPr marR="0" lvl="1" algn="l" rtl="0">
+                  <a:lnSpc>
+                    <a:spcPct val="100000"/>
+                  </a:lnSpc>
+                  <a:spcBef>
+                    <a:spcPts val="0"/>
+                  </a:spcBef>
+                  <a:spcAft>
+                    <a:spcPts val="0"/>
+                  </a:spcAft>
+                  <a:buClr>
+                    <a:srgbClr val="000000"/>
+                  </a:buClr>
+                  <a:buFont typeface="Arial"/>
+                  <a:defRPr sz="1400" b="0" i="0" u="none" strike="noStrike" cap="none">
+                    <a:solidFill>
+                      <a:srgbClr val="000000"/>
+                    </a:solidFill>
+                    <a:latin typeface="Arial"/>
+                    <a:ea typeface="Arial"/>
+                    <a:cs typeface="Arial"/>
+                    <a:sym typeface="Arial"/>
+                  </a:defRPr>
+                </a:lvl2pPr>
+                <a:lvl3pPr marR="0" lvl="2" algn="l" rtl="0">
+                  <a:lnSpc>
+                    <a:spcPct val="100000"/>
+                  </a:lnSpc>
+                  <a:spcBef>
+                    <a:spcPts val="0"/>
+                  </a:spcBef>
+                  <a:spcAft>
+                    <a:spcPts val="0"/>
+                  </a:spcAft>
+                  <a:buClr>
+                    <a:srgbClr val="000000"/>
+                  </a:buClr>
+                  <a:buFont typeface="Arial"/>
+                  <a:defRPr sz="1400" b="0" i="0" u="none" strike="noStrike" cap="none">
+                    <a:solidFill>
+                      <a:srgbClr val="000000"/>
+                    </a:solidFill>
+                    <a:latin typeface="Arial"/>
+                    <a:ea typeface="Arial"/>
+                    <a:cs typeface="Arial"/>
+                    <a:sym typeface="Arial"/>
+                  </a:defRPr>
+                </a:lvl3pPr>
+                <a:lvl4pPr marR="0" lvl="3" algn="l" rtl="0">
+                  <a:lnSpc>
+                    <a:spcPct val="100000"/>
+                  </a:lnSpc>
+                  <a:spcBef>
+                    <a:spcPts val="0"/>
+                  </a:spcBef>
+                  <a:spcAft>
+                    <a:spcPts val="0"/>
+                  </a:spcAft>
+                  <a:buClr>
+                    <a:srgbClr val="000000"/>
+                  </a:buClr>
+                  <a:buFont typeface="Arial"/>
+                  <a:defRPr sz="1400" b="0" i="0" u="none" strike="noStrike" cap="none">
+                    <a:solidFill>
+                      <a:srgbClr val="000000"/>
+                    </a:solidFill>
+                    <a:latin typeface="Arial"/>
+                    <a:ea typeface="Arial"/>
+                    <a:cs typeface="Arial"/>
+                    <a:sym typeface="Arial"/>
+                  </a:defRPr>
+                </a:lvl4pPr>
+                <a:lvl5pPr marR="0" lvl="4" algn="l" rtl="0">
+                  <a:lnSpc>
+                    <a:spcPct val="100000"/>
+                  </a:lnSpc>
+                  <a:spcBef>
+                    <a:spcPts val="0"/>
+                  </a:spcBef>
+                  <a:spcAft>
+                    <a:spcPts val="0"/>
+                  </a:spcAft>
+                  <a:buClr>
+                    <a:srgbClr val="000000"/>
+                  </a:buClr>
+                  <a:buFont typeface="Arial"/>
+                  <a:defRPr sz="1400" b="0" i="0" u="none" strike="noStrike" cap="none">
+                    <a:solidFill>
+                      <a:srgbClr val="000000"/>
+                    </a:solidFill>
+                    <a:latin typeface="Arial"/>
+                    <a:ea typeface="Arial"/>
+                    <a:cs typeface="Arial"/>
+                    <a:sym typeface="Arial"/>
+                  </a:defRPr>
+                </a:lvl5pPr>
+                <a:lvl6pPr marR="0" lvl="5" algn="l" rtl="0">
+                  <a:lnSpc>
+                    <a:spcPct val="100000"/>
+                  </a:lnSpc>
+                  <a:spcBef>
+                    <a:spcPts val="0"/>
+                  </a:spcBef>
+                  <a:spcAft>
+                    <a:spcPts val="0"/>
+                  </a:spcAft>
+                  <a:buClr>
+                    <a:srgbClr val="000000"/>
+                  </a:buClr>
+                  <a:buFont typeface="Arial"/>
+                  <a:defRPr sz="1400" b="0" i="0" u="none" strike="noStrike" cap="none">
+                    <a:solidFill>
+                      <a:srgbClr val="000000"/>
+                    </a:solidFill>
+                    <a:latin typeface="Arial"/>
+                    <a:ea typeface="Arial"/>
+                    <a:cs typeface="Arial"/>
+                    <a:sym typeface="Arial"/>
+                  </a:defRPr>
+                </a:lvl6pPr>
+                <a:lvl7pPr marR="0" lvl="6" algn="l" rtl="0">
+                  <a:lnSpc>
+                    <a:spcPct val="100000"/>
+                  </a:lnSpc>
+                  <a:spcBef>
+                    <a:spcPts val="0"/>
+                  </a:spcBef>
+                  <a:spcAft>
+                    <a:spcPts val="0"/>
+                  </a:spcAft>
+                  <a:buClr>
+                    <a:srgbClr val="000000"/>
+                  </a:buClr>
+                  <a:buFont typeface="Arial"/>
+                  <a:defRPr sz="1400" b="0" i="0" u="none" strike="noStrike" cap="none">
+                    <a:solidFill>
+                      <a:srgbClr val="000000"/>
+                    </a:solidFill>
+                    <a:latin typeface="Arial"/>
+                    <a:ea typeface="Arial"/>
+                    <a:cs typeface="Arial"/>
+                    <a:sym typeface="Arial"/>
+                  </a:defRPr>
+                </a:lvl7pPr>
+                <a:lvl8pPr marR="0" lvl="7" algn="l" rtl="0">
+                  <a:lnSpc>
+                    <a:spcPct val="100000"/>
+                  </a:lnSpc>
+                  <a:spcBef>
+                    <a:spcPts val="0"/>
+                  </a:spcBef>
+                  <a:spcAft>
+                    <a:spcPts val="0"/>
+                  </a:spcAft>
+                  <a:buClr>
+                    <a:srgbClr val="000000"/>
+                  </a:buClr>
+                  <a:buFont typeface="Arial"/>
+                  <a:defRPr sz="1400" b="0" i="0" u="none" strike="noStrike" cap="none">
+                    <a:solidFill>
+                      <a:srgbClr val="000000"/>
+                    </a:solidFill>
+                    <a:latin typeface="Arial"/>
+                    <a:ea typeface="Arial"/>
+                    <a:cs typeface="Arial"/>
+                    <a:sym typeface="Arial"/>
+                  </a:defRPr>
+                </a:lvl8pPr>
+                <a:lvl9pPr marR="0" lvl="8" algn="l" rtl="0">
+                  <a:lnSpc>
+                    <a:spcPct val="100000"/>
+                  </a:lnSpc>
+                  <a:spcBef>
+                    <a:spcPts val="0"/>
+                  </a:spcBef>
+                  <a:spcAft>
+                    <a:spcPts val="0"/>
+                  </a:spcAft>
+                  <a:buClr>
+                    <a:srgbClr val="000000"/>
+                  </a:buClr>
+                  <a:buFont typeface="Arial"/>
+                  <a:defRPr sz="1400" b="0" i="0" u="none" strike="noStrike" cap="none">
+                    <a:solidFill>
+                      <a:srgbClr val="000000"/>
+                    </a:solidFill>
+                    <a:latin typeface="Arial"/>
+                    <a:ea typeface="Arial"/>
+                    <a:cs typeface="Arial"/>
+                    <a:sym typeface="Arial"/>
+                  </a:defRPr>
+                </a:lvl9pPr>
+              </a:lstStyle>
+              <a:p>
+                <a:r>
+                  <a:rPr lang="zh-TW" altLang="en-US" sz="2000" b="1" dirty="0"/>
+                  <a:t> </a:t>
+                </a:r>
+                <a:r>
+                  <a:rPr lang="en-US" altLang="zh-TW" sz="2000" b="1" dirty="0"/>
+                  <a:t>0</a:t>
+                </a:r>
+                <a:r>
+                  <a:rPr lang="zh-TW" altLang="en-US" sz="2000" b="1" dirty="0"/>
+                  <a:t> </a:t>
+                </a:r>
+                <a:r>
+                  <a:rPr lang="en-US" altLang="zh-TW" sz="2000" b="1" dirty="0"/>
+                  <a:t>(</a:t>
+                </a:r>
+                <a:r>
+                  <a:rPr lang="zh-TW" altLang="en-US" sz="2000" b="1" dirty="0"/>
+                  <a:t>路徑</a:t>
+                </a:r>
+                <a:r>
+                  <a:rPr lang="en-US" altLang="zh-TW" sz="2000" b="1" dirty="0"/>
+                  <a:t>)</a:t>
+                </a:r>
+                <a:endParaRPr lang="zh-TW" altLang="en-US" sz="2000" b="1" dirty="0"/>
+              </a:p>
+            </p:txBody>
+          </p:sp>
+          <p:pic>
+            <p:nvPicPr>
+              <p:cNvPr id="38" name="圖片 37">
+                <a:extLst>
+                  <a:ext uri="{FF2B5EF4-FFF2-40B4-BE49-F238E27FC236}">
+                    <a16:creationId xmlns:a16="http://schemas.microsoft.com/office/drawing/2014/main" id="{850283ED-7CC2-4A62-8EE3-F813F6AAE73D}"/>
+                  </a:ext>
+                </a:extLst>
+              </p:cNvPr>
+              <p:cNvPicPr>
+                <a:picLocks noChangeAspect="1"/>
+              </p:cNvPicPr>
+              <p:nvPr/>
+            </p:nvPicPr>
+            <p:blipFill>
+              <a:blip r:embed="rId6"/>
+              <a:stretch>
+                <a:fillRect/>
+              </a:stretch>
+            </p:blipFill>
+            <p:spPr>
+              <a:xfrm>
+                <a:off x="6072487" y="1852279"/>
+                <a:ext cx="381000" cy="381000"/>
+              </a:xfrm>
+              <a:prstGeom prst="rect">
+                <a:avLst/>
+              </a:prstGeom>
+            </p:spPr>
+          </p:pic>
+        </p:grpSp>
+      </p:grpSp>
+      <p:pic>
+        <p:nvPicPr>
+          <p:cNvPr id="45" name="圖片 44">
+            <a:extLst>
+              <a:ext uri="{FF2B5EF4-FFF2-40B4-BE49-F238E27FC236}">
+                <a16:creationId xmlns:a16="http://schemas.microsoft.com/office/drawing/2014/main" id="{6FEA38B1-18AD-4AAB-80BC-897779236E25}"/>
+              </a:ext>
+            </a:extLst>
+          </p:cNvPr>
+          <p:cNvPicPr>
+            <a:picLocks noChangeAspect="1"/>
+          </p:cNvPicPr>
+          <p:nvPr/>
+        </p:nvPicPr>
+        <p:blipFill>
+          <a:blip r:embed="rId7"/>
+          <a:stretch>
+            <a:fillRect/>
+          </a:stretch>
+        </p:blipFill>
+        <p:spPr>
+          <a:xfrm>
+            <a:off x="4116664" y="1786890"/>
+            <a:ext cx="2409825" cy="2390775"/>
+          </a:xfrm>
+          <a:prstGeom prst="rect">
+            <a:avLst/>
+          </a:prstGeom>
+        </p:spPr>
+      </p:pic>
     </p:spTree>
     <p:extLst>
       <p:ext uri="{BB962C8B-B14F-4D97-AF65-F5344CB8AC3E}">
@@ -11975,10 +13222,10 @@
       </p:graphicFrame>
       <p:pic>
         <p:nvPicPr>
-          <p:cNvPr id="7" name="圖片 6">
+          <p:cNvPr id="3" name="圖片 2">
             <a:extLst>
               <a:ext uri="{FF2B5EF4-FFF2-40B4-BE49-F238E27FC236}">
-                <a16:creationId xmlns:a16="http://schemas.microsoft.com/office/drawing/2014/main" id="{7A2F66F7-C955-4F7D-846A-317D26E76F5E}"/>
+                <a16:creationId xmlns:a16="http://schemas.microsoft.com/office/drawing/2014/main" id="{B30CAB41-30C2-4C9F-B968-EFC00E7A6034}"/>
               </a:ext>
             </a:extLst>
           </p:cNvPr>
@@ -11987,48 +13234,20 @@
           </p:cNvPicPr>
           <p:nvPr/>
         </p:nvPicPr>
-        <p:blipFill rotWithShape="1">
+        <p:blipFill>
           <a:blip r:embed="rId2"/>
-          <a:srcRect l="46738" t="52787" r="27347" b="2316"/>
-          <a:stretch/>
+          <a:stretch>
+            <a:fillRect/>
+          </a:stretch>
         </p:blipFill>
         <p:spPr>
           <a:xfrm>
-            <a:off x="5259650" y="1969514"/>
-            <a:ext cx="2659408" cy="2590331"/>
+            <a:off x="5773058" y="1999759"/>
+            <a:ext cx="2513692" cy="2519853"/>
           </a:xfrm>
           <a:prstGeom prst="rect">
             <a:avLst/>
           </a:prstGeom>
-          <a:solidFill>
-            <a:srgbClr val="FFFFFF">
-              <a:shade val="85000"/>
-            </a:srgbClr>
-          </a:solidFill>
-          <a:ln w="190500" cap="rnd">
-            <a:solidFill>
-              <a:srgbClr val="FFFFFF"/>
-            </a:solidFill>
-          </a:ln>
-          <a:effectLst>
-            <a:outerShdw blurRad="50000" algn="tl" rotWithShape="0">
-              <a:srgbClr val="000000">
-                <a:alpha val="41000"/>
-              </a:srgbClr>
-            </a:outerShdw>
-          </a:effectLst>
-          <a:scene3d>
-            <a:camera prst="orthographicFront"/>
-            <a:lightRig rig="twoPt" dir="t">
-              <a:rot lat="0" lon="0" rev="7800000"/>
-            </a:lightRig>
-          </a:scene3d>
-          <a:sp3d contourW="6350">
-            <a:bevelT w="50800" h="16510"/>
-            <a:contourClr>
-              <a:srgbClr val="C0C0C0"/>
-            </a:contourClr>
-          </a:sp3d>
         </p:spPr>
       </p:pic>
     </p:spTree>
@@ -12249,10 +13468,10 @@
       </p:graphicFrame>
       <p:pic>
         <p:nvPicPr>
-          <p:cNvPr id="8" name="圖片 7">
+          <p:cNvPr id="3" name="圖片 2">
             <a:extLst>
               <a:ext uri="{FF2B5EF4-FFF2-40B4-BE49-F238E27FC236}">
-                <a16:creationId xmlns:a16="http://schemas.microsoft.com/office/drawing/2014/main" id="{11A22CFC-21C3-43D7-8BB8-8E02D3B2B632}"/>
+                <a16:creationId xmlns:a16="http://schemas.microsoft.com/office/drawing/2014/main" id="{C7D2D0AF-FDC3-4CBB-AF52-F169661F2EF3}"/>
               </a:ext>
             </a:extLst>
           </p:cNvPr>
@@ -12269,41 +13488,12 @@
         </p:blipFill>
         <p:spPr>
           <a:xfrm>
-            <a:off x="5370169" y="1739951"/>
-            <a:ext cx="3000375" cy="3009900"/>
+            <a:off x="5491982" y="1838719"/>
+            <a:ext cx="2847155" cy="2834640"/>
           </a:xfrm>
           <a:prstGeom prst="rect">
             <a:avLst/>
           </a:prstGeom>
-          <a:solidFill>
-            <a:srgbClr val="FFFFFF">
-              <a:shade val="85000"/>
-            </a:srgbClr>
-          </a:solidFill>
-          <a:ln w="190500" cap="rnd">
-            <a:solidFill>
-              <a:srgbClr val="FFFFFF"/>
-            </a:solidFill>
-          </a:ln>
-          <a:effectLst>
-            <a:outerShdw blurRad="50000" algn="tl" rotWithShape="0">
-              <a:srgbClr val="000000">
-                <a:alpha val="41000"/>
-              </a:srgbClr>
-            </a:outerShdw>
-          </a:effectLst>
-          <a:scene3d>
-            <a:camera prst="orthographicFront"/>
-            <a:lightRig rig="twoPt" dir="t">
-              <a:rot lat="0" lon="0" rev="7800000"/>
-            </a:lightRig>
-          </a:scene3d>
-          <a:sp3d contourW="6350">
-            <a:bevelT w="50800" h="16510"/>
-            <a:contourClr>
-              <a:srgbClr val="C0C0C0"/>
-            </a:contourClr>
-          </a:sp3d>
         </p:spPr>
       </p:pic>
     </p:spTree>
@@ -12510,10 +13700,10 @@
       </p:graphicFrame>
       <p:pic>
         <p:nvPicPr>
-          <p:cNvPr id="9" name="圖片 8">
+          <p:cNvPr id="3" name="圖片 2">
             <a:extLst>
               <a:ext uri="{FF2B5EF4-FFF2-40B4-BE49-F238E27FC236}">
-                <a16:creationId xmlns:a16="http://schemas.microsoft.com/office/drawing/2014/main" id="{078BFE4C-8B86-4DC4-8842-F713090D8ECB}"/>
+                <a16:creationId xmlns:a16="http://schemas.microsoft.com/office/drawing/2014/main" id="{D34EA7E8-8053-4D53-9F0B-BF425BC18B14}"/>
               </a:ext>
             </a:extLst>
           </p:cNvPr>
@@ -12530,41 +13720,12 @@
         </p:blipFill>
         <p:spPr>
           <a:xfrm>
-            <a:off x="5131402" y="2057862"/>
-            <a:ext cx="3686175" cy="2352675"/>
+            <a:off x="5259650" y="2196436"/>
+            <a:ext cx="3312761" cy="2150283"/>
           </a:xfrm>
           <a:prstGeom prst="rect">
             <a:avLst/>
           </a:prstGeom>
-          <a:solidFill>
-            <a:srgbClr val="FFFFFF">
-              <a:shade val="85000"/>
-            </a:srgbClr>
-          </a:solidFill>
-          <a:ln w="190500" cap="rnd">
-            <a:solidFill>
-              <a:srgbClr val="FFFFFF"/>
-            </a:solidFill>
-          </a:ln>
-          <a:effectLst>
-            <a:outerShdw blurRad="50000" algn="tl" rotWithShape="0">
-              <a:srgbClr val="000000">
-                <a:alpha val="41000"/>
-              </a:srgbClr>
-            </a:outerShdw>
-          </a:effectLst>
-          <a:scene3d>
-            <a:camera prst="orthographicFront"/>
-            <a:lightRig rig="twoPt" dir="t">
-              <a:rot lat="0" lon="0" rev="7800000"/>
-            </a:lightRig>
-          </a:scene3d>
-          <a:sp3d contourW="6350">
-            <a:bevelT w="50800" h="16510"/>
-            <a:contourClr>
-              <a:srgbClr val="C0C0C0"/>
-            </a:contourClr>
-          </a:sp3d>
         </p:spPr>
       </p:pic>
     </p:spTree>

--- a/Project/Team_1_project_proposal.pptx
+++ b/Project/Team_1_project_proposal.pptx
@@ -5708,10 +5708,10 @@
       </p:sp>
       <p:pic>
         <p:nvPicPr>
-          <p:cNvPr id="10" name="圖片 9">
+          <p:cNvPr id="3" name="圖片 2">
             <a:extLst>
               <a:ext uri="{FF2B5EF4-FFF2-40B4-BE49-F238E27FC236}">
-                <a16:creationId xmlns:a16="http://schemas.microsoft.com/office/drawing/2014/main" id="{9676C54D-0B76-4D7F-AB96-89CE3FC15854}"/>
+                <a16:creationId xmlns:a16="http://schemas.microsoft.com/office/drawing/2014/main" id="{7428EE6B-ED4F-49A5-94F0-2DCA10E9C2A1}"/>
               </a:ext>
             </a:extLst>
           </p:cNvPr>
@@ -5728,8 +5728,8 @@
         </p:blipFill>
         <p:spPr>
           <a:xfrm>
-            <a:off x="2998810" y="1589610"/>
-            <a:ext cx="3146380" cy="3188146"/>
+            <a:off x="3019859" y="1589610"/>
+            <a:ext cx="3144381" cy="3137455"/>
           </a:xfrm>
           <a:prstGeom prst="rect">
             <a:avLst/>
@@ -5815,7 +5815,7 @@
                                           </p:stCondLst>
                                         </p:cTn>
                                         <p:tgtEl>
-                                          <p:spTgt spid="8"/>
+                                          <p:spTgt spid="3"/>
                                         </p:tgtEl>
                                         <p:attrNameLst>
                                           <p:attrName>style.visibility</p:attrName>
@@ -5829,60 +5829,7 @@
                                       <p:cBhvr>
                                         <p:cTn id="10" dur="500"/>
                                         <p:tgtEl>
-                                          <p:spTgt spid="8"/>
-                                        </p:tgtEl>
-                                      </p:cBhvr>
-                                    </p:animEffect>
-                                  </p:childTnLst>
-                                </p:cTn>
-                              </p:par>
-                            </p:childTnLst>
-                          </p:cTn>
-                        </p:par>
-                      </p:childTnLst>
-                    </p:cTn>
-                  </p:par>
-                  <p:par>
-                    <p:cTn id="11" fill="hold">
-                      <p:stCondLst>
-                        <p:cond delay="indefinite"/>
-                      </p:stCondLst>
-                      <p:childTnLst>
-                        <p:par>
-                          <p:cTn id="12" fill="hold">
-                            <p:stCondLst>
-                              <p:cond delay="0"/>
-                            </p:stCondLst>
-                            <p:childTnLst>
-                              <p:par>
-                                <p:cTn id="13" presetID="10" presetClass="entr" presetSubtype="0" fill="hold" nodeType="clickEffect">
-                                  <p:stCondLst>
-                                    <p:cond delay="0"/>
-                                  </p:stCondLst>
-                                  <p:childTnLst>
-                                    <p:set>
-                                      <p:cBhvr>
-                                        <p:cTn id="14" dur="1" fill="hold">
-                                          <p:stCondLst>
-                                            <p:cond delay="0"/>
-                                          </p:stCondLst>
-                                        </p:cTn>
-                                        <p:tgtEl>
-                                          <p:spTgt spid="10"/>
-                                        </p:tgtEl>
-                                        <p:attrNameLst>
-                                          <p:attrName>style.visibility</p:attrName>
-                                        </p:attrNameLst>
-                                      </p:cBhvr>
-                                      <p:to>
-                                        <p:strVal val="visible"/>
-                                      </p:to>
-                                    </p:set>
-                                    <p:animEffect transition="in" filter="fade">
-                                      <p:cBhvr>
-                                        <p:cTn id="15" dur="500"/>
-                                        <p:tgtEl>
-                                          <p:spTgt spid="10"/>
+                                          <p:spTgt spid="3"/>
                                         </p:tgtEl>
                                       </p:cBhvr>
                                     </p:animEffect>
@@ -6186,36 +6133,6 @@
           </a:prstGeom>
         </p:spPr>
       </p:pic>
-      <p:pic>
-        <p:nvPicPr>
-          <p:cNvPr id="7" name="圖片 6">
-            <a:extLst>
-              <a:ext uri="{FF2B5EF4-FFF2-40B4-BE49-F238E27FC236}">
-                <a16:creationId xmlns:a16="http://schemas.microsoft.com/office/drawing/2014/main" id="{D0EA18BA-7654-4ED6-A20C-14569A0E88B8}"/>
-              </a:ext>
-            </a:extLst>
-          </p:cNvPr>
-          <p:cNvPicPr>
-            <a:picLocks noChangeAspect="1"/>
-          </p:cNvPicPr>
-          <p:nvPr/>
-        </p:nvPicPr>
-        <p:blipFill>
-          <a:blip r:embed="rId3"/>
-          <a:stretch>
-            <a:fillRect/>
-          </a:stretch>
-        </p:blipFill>
-        <p:spPr>
-          <a:xfrm>
-            <a:off x="2753676" y="1455059"/>
-            <a:ext cx="3294792" cy="3294792"/>
-          </a:xfrm>
-          <a:prstGeom prst="rect">
-            <a:avLst/>
-          </a:prstGeom>
-        </p:spPr>
-      </p:pic>
       <p:sp>
         <p:nvSpPr>
           <p:cNvPr id="12" name="文字方塊 11">
@@ -6268,6 +6185,36 @@
           </a:p>
         </p:txBody>
       </p:sp>
+      <p:pic>
+        <p:nvPicPr>
+          <p:cNvPr id="4" name="圖片 3">
+            <a:extLst>
+              <a:ext uri="{FF2B5EF4-FFF2-40B4-BE49-F238E27FC236}">
+                <a16:creationId xmlns:a16="http://schemas.microsoft.com/office/drawing/2014/main" id="{F7BEDC3A-EBF7-46EA-8F01-42C05993A98B}"/>
+              </a:ext>
+            </a:extLst>
+          </p:cNvPr>
+          <p:cNvPicPr>
+            <a:picLocks noChangeAspect="1"/>
+          </p:cNvPicPr>
+          <p:nvPr/>
+        </p:nvPicPr>
+        <p:blipFill>
+          <a:blip r:embed="rId3"/>
+          <a:stretch>
+            <a:fillRect/>
+          </a:stretch>
+        </p:blipFill>
+        <p:spPr>
+          <a:xfrm>
+            <a:off x="2741503" y="1455059"/>
+            <a:ext cx="3306965" cy="3306965"/>
+          </a:xfrm>
+          <a:prstGeom prst="rect">
+            <a:avLst/>
+          </a:prstGeom>
+        </p:spPr>
+      </p:pic>
     </p:spTree>
     <p:extLst>
       <p:ext uri="{BB962C8B-B14F-4D97-AF65-F5344CB8AC3E}">
@@ -6299,7 +6246,7 @@
                             </p:stCondLst>
                             <p:childTnLst>
                               <p:par>
-                                <p:cTn id="5" presetID="10" presetClass="entr" presetSubtype="0" fill="hold" nodeType="clickEffect">
+                                <p:cTn id="5" presetID="10" presetClass="entr" presetSubtype="0" fill="hold" grpId="0" nodeType="clickEffect">
                                   <p:stCondLst>
                                     <p:cond delay="0"/>
                                   </p:stCondLst>
@@ -6307,41 +6254,6 @@
                                     <p:set>
                                       <p:cBhvr>
                                         <p:cTn id="6" dur="1" fill="hold">
-                                          <p:stCondLst>
-                                            <p:cond delay="0"/>
-                                          </p:stCondLst>
-                                        </p:cTn>
-                                        <p:tgtEl>
-                                          <p:spTgt spid="7"/>
-                                        </p:tgtEl>
-                                        <p:attrNameLst>
-                                          <p:attrName>style.visibility</p:attrName>
-                                        </p:attrNameLst>
-                                      </p:cBhvr>
-                                      <p:to>
-                                        <p:strVal val="visible"/>
-                                      </p:to>
-                                    </p:set>
-                                    <p:animEffect transition="in" filter="fade">
-                                      <p:cBhvr>
-                                        <p:cTn id="7" dur="500"/>
-                                        <p:tgtEl>
-                                          <p:spTgt spid="7"/>
-                                        </p:tgtEl>
-                                      </p:cBhvr>
-                                    </p:animEffect>
-                                  </p:childTnLst>
-                                </p:cTn>
-                              </p:par>
-                              <p:par>
-                                <p:cTn id="8" presetID="10" presetClass="entr" presetSubtype="0" fill="hold" grpId="0" nodeType="withEffect">
-                                  <p:stCondLst>
-                                    <p:cond delay="0"/>
-                                  </p:stCondLst>
-                                  <p:childTnLst>
-                                    <p:set>
-                                      <p:cBhvr>
-                                        <p:cTn id="9" dur="1" fill="hold">
                                           <p:stCondLst>
                                             <p:cond delay="0"/>
                                           </p:stCondLst>
@@ -6359,9 +6271,44 @@
                                     </p:set>
                                     <p:animEffect transition="in" filter="fade">
                                       <p:cBhvr>
+                                        <p:cTn id="7" dur="500"/>
+                                        <p:tgtEl>
+                                          <p:spTgt spid="12"/>
+                                        </p:tgtEl>
+                                      </p:cBhvr>
+                                    </p:animEffect>
+                                  </p:childTnLst>
+                                </p:cTn>
+                              </p:par>
+                              <p:par>
+                                <p:cTn id="8" presetID="10" presetClass="entr" presetSubtype="0" fill="hold" nodeType="withEffect">
+                                  <p:stCondLst>
+                                    <p:cond delay="0"/>
+                                  </p:stCondLst>
+                                  <p:childTnLst>
+                                    <p:set>
+                                      <p:cBhvr>
+                                        <p:cTn id="9" dur="1" fill="hold">
+                                          <p:stCondLst>
+                                            <p:cond delay="0"/>
+                                          </p:stCondLst>
+                                        </p:cTn>
+                                        <p:tgtEl>
+                                          <p:spTgt spid="4"/>
+                                        </p:tgtEl>
+                                        <p:attrNameLst>
+                                          <p:attrName>style.visibility</p:attrName>
+                                        </p:attrNameLst>
+                                      </p:cBhvr>
+                                      <p:to>
+                                        <p:strVal val="visible"/>
+                                      </p:to>
+                                    </p:set>
+                                    <p:animEffect transition="in" filter="fade">
+                                      <p:cBhvr>
                                         <p:cTn id="10" dur="500"/>
                                         <p:tgtEl>
-                                          <p:spTgt spid="12"/>
+                                          <p:spTgt spid="4"/>
                                         </p:tgtEl>
                                       </p:cBhvr>
                                     </p:animEffect>
@@ -8234,7 +8181,7 @@
         </p:nvSpPr>
         <p:spPr>
           <a:xfrm>
-            <a:off x="4806650" y="1518851"/>
+            <a:off x="5594959" y="1518851"/>
             <a:ext cx="3425400" cy="656790"/>
           </a:xfrm>
           <a:prstGeom prst="rect">
@@ -8324,8 +8271,8 @@
         </p:nvSpPr>
         <p:spPr>
           <a:xfrm>
-            <a:off x="1381249" y="2175641"/>
-            <a:ext cx="2423495" cy="523220"/>
+            <a:off x="1381249" y="2195731"/>
+            <a:ext cx="4055724" cy="1384995"/>
           </a:xfrm>
           <a:prstGeom prst="rect">
             <a:avLst/>
@@ -8338,31 +8285,125 @@
           </a:bodyPr>
           <a:lstStyle/>
           <a:p>
-            <a:pPr marL="285750" indent="-285750">
-              <a:buFont typeface="Arial" panose="020B0604020202020204" pitchFamily="34" charset="0"/>
-              <a:buChar char="•"/>
-            </a:pPr>
-            <a:r>
-              <a:rPr lang="en-US" altLang="zh-TW" dirty="0">
-                <a:latin typeface="Lora" panose="02020500000000000000" charset="0"/>
-              </a:rPr>
-              <a:t>Computer or notebook</a:t>
+            <a:r>
+              <a:rPr lang="en-US" altLang="zh-TW" dirty="0"/>
+              <a:t>IDE</a:t>
+            </a:r>
+            <a:r>
+              <a:rPr lang="zh-TW" altLang="en-US" dirty="0"/>
+              <a:t> </a:t>
+            </a:r>
+            <a:r>
+              <a:rPr lang="en-US" altLang="zh-TW" dirty="0"/>
+              <a:t>: </a:t>
+            </a:r>
+            <a:r>
+              <a:rPr lang="en-US" altLang="zh-TW" dirty="0" err="1"/>
+              <a:t>VScode</a:t>
+            </a:r>
+            <a:r>
+              <a:rPr lang="zh-TW" altLang="zh-TW" dirty="0"/>
+              <a:t>、</a:t>
+            </a:r>
+            <a:r>
+              <a:rPr lang="en-US" altLang="zh-TW" dirty="0" err="1"/>
+              <a:t>Qtcreato</a:t>
+            </a:r>
+            <a:br>
+              <a:rPr lang="en-US" altLang="zh-TW" dirty="0"/>
+            </a:br>
+            <a:r>
+              <a:rPr lang="en-US" altLang="zh-TW" dirty="0"/>
+              <a:t>Compiler</a:t>
+            </a:r>
+            <a:r>
+              <a:rPr lang="zh-TW" altLang="en-US" dirty="0"/>
+              <a:t> </a:t>
+            </a:r>
+            <a:r>
+              <a:rPr lang="en-US" altLang="zh-TW" dirty="0"/>
+              <a:t>: </a:t>
+            </a:r>
+            <a:r>
+              <a:rPr lang="zh-TW" altLang="en-US" dirty="0"/>
+              <a:t> </a:t>
+            </a:r>
+            <a:r>
+              <a:rPr lang="en-US" altLang="zh-TW" dirty="0"/>
+              <a:t>MSVC2017</a:t>
             </a:r>
           </a:p>
           <a:p>
-            <a:pPr marL="285750" indent="-285750">
-              <a:buFont typeface="Arial" panose="020B0604020202020204" pitchFamily="34" charset="0"/>
-              <a:buChar char="•"/>
-            </a:pPr>
-            <a:r>
-              <a:rPr lang="en-US" altLang="zh-TW" dirty="0">
-                <a:latin typeface="Lora" panose="02020500000000000000" charset="0"/>
-              </a:rPr>
-              <a:t>Fresh liver</a:t>
-            </a:r>
-            <a:endParaRPr lang="zh-TW" altLang="en-US" dirty="0">
-              <a:latin typeface="Lora" panose="02020500000000000000" charset="0"/>
-            </a:endParaRPr>
+            <a:r>
+              <a:rPr lang="zh-TW" altLang="en-US" dirty="0"/>
+              <a:t>　　　　　</a:t>
+            </a:r>
+            <a:r>
+              <a:rPr lang="en-US" altLang="zh-TW" dirty="0"/>
+              <a:t>GNU C++ compiler</a:t>
+            </a:r>
+            <a:endParaRPr lang="zh-TW" altLang="zh-TW" dirty="0"/>
+          </a:p>
+          <a:p>
+            <a:r>
+              <a:rPr lang="en-US" altLang="zh-TW" dirty="0"/>
+              <a:t>Debugger: GNU Project Debugger</a:t>
+            </a:r>
+            <a:endParaRPr lang="zh-TW" altLang="zh-TW" dirty="0"/>
+          </a:p>
+          <a:p>
+            <a:r>
+              <a:rPr lang="zh-TW" altLang="zh-TW" dirty="0"/>
+              <a:t>素材</a:t>
+            </a:r>
+            <a:r>
+              <a:rPr lang="zh-TW" altLang="en-US" dirty="0"/>
+              <a:t> </a:t>
+            </a:r>
+            <a:r>
+              <a:rPr lang="en-US" altLang="zh-TW" dirty="0"/>
+              <a:t>: google</a:t>
+            </a:r>
+            <a:r>
+              <a:rPr lang="zh-TW" altLang="zh-TW" dirty="0"/>
+              <a:t>圖片、小畫家、</a:t>
+            </a:r>
+            <a:r>
+              <a:rPr lang="en-US" altLang="zh-TW" dirty="0"/>
+              <a:t>illustrator</a:t>
+            </a:r>
+            <a:endParaRPr lang="zh-TW" altLang="zh-TW" dirty="0"/>
+          </a:p>
+          <a:p>
+            <a:r>
+              <a:rPr lang="zh-TW" altLang="zh-TW" dirty="0"/>
+              <a:t>簡報與文件製作工具 </a:t>
+            </a:r>
+            <a:r>
+              <a:rPr lang="en-US" altLang="zh-TW" dirty="0"/>
+              <a:t>:  word</a:t>
+            </a:r>
+            <a:r>
+              <a:rPr lang="zh-TW" altLang="zh-TW" dirty="0"/>
+              <a:t>、</a:t>
+            </a:r>
+            <a:r>
+              <a:rPr lang="en-US" altLang="zh-TW" dirty="0"/>
+              <a:t> </a:t>
+            </a:r>
+            <a:r>
+              <a:rPr lang="en-US" altLang="zh-TW" dirty="0" err="1"/>
+              <a:t>powerpoint</a:t>
+            </a:r>
+            <a:r>
+              <a:rPr lang="zh-TW" altLang="zh-TW" dirty="0"/>
+              <a:t>、</a:t>
+            </a:r>
+            <a:r>
+              <a:rPr lang="en-US" altLang="zh-TW" dirty="0" err="1"/>
+              <a:t>visio</a:t>
+            </a:r>
+            <a:endParaRPr lang="zh-TW" altLang="zh-TW" dirty="0"/>
           </a:p>
         </p:txBody>
       </p:sp>
@@ -8374,7 +8415,7 @@
         </p:nvSpPr>
         <p:spPr>
           <a:xfrm>
-            <a:off x="4806650" y="2175641"/>
+            <a:off x="5594959" y="2175641"/>
             <a:ext cx="2928964" cy="3108543"/>
           </a:xfrm>
           <a:prstGeom prst="rect">
@@ -8509,7 +8550,7 @@
         </p:blipFill>
         <p:spPr>
           <a:xfrm>
-            <a:off x="4471341" y="1670447"/>
+            <a:off x="5259650" y="1670447"/>
             <a:ext cx="335309" cy="353599"/>
           </a:xfrm>
           <a:prstGeom prst="rect">
@@ -8771,7 +8812,7 @@
           <a:graphicData uri="http://schemas.openxmlformats.org/presentationml/2006/ole">
             <mc:AlternateContent xmlns:mc="http://schemas.openxmlformats.org/markup-compatibility/2006">
               <mc:Choice xmlns:v="urn:schemas-microsoft-com:vml" Requires="v">
-                <p:oleObj spid="_x0000_s1037" r:id="rId5" imgW="7200915" imgH="2727960" progId="Visio.Drawing.15">
+                <p:oleObj spid="_x0000_s1039" r:id="rId5" imgW="7200915" imgH="2727960" progId="Visio.Drawing.15">
                   <p:embed/>
                 </p:oleObj>
               </mc:Choice>

--- a/Project/Team_1_project_proposal.pptx
+++ b/Project/Team_1_project_proposal.pptx
@@ -5708,10 +5708,10 @@
       </p:sp>
       <p:pic>
         <p:nvPicPr>
-          <p:cNvPr id="3" name="圖片 2">
+          <p:cNvPr id="10" name="圖片 9">
             <a:extLst>
               <a:ext uri="{FF2B5EF4-FFF2-40B4-BE49-F238E27FC236}">
-                <a16:creationId xmlns:a16="http://schemas.microsoft.com/office/drawing/2014/main" id="{7428EE6B-ED4F-49A5-94F0-2DCA10E9C2A1}"/>
+                <a16:creationId xmlns:a16="http://schemas.microsoft.com/office/drawing/2014/main" id="{9676C54D-0B76-4D7F-AB96-89CE3FC15854}"/>
               </a:ext>
             </a:extLst>
           </p:cNvPr>
@@ -5728,8 +5728,8 @@
         </p:blipFill>
         <p:spPr>
           <a:xfrm>
-            <a:off x="3019859" y="1589610"/>
-            <a:ext cx="3144381" cy="3137455"/>
+            <a:off x="2998810" y="1589610"/>
+            <a:ext cx="3146380" cy="3188146"/>
           </a:xfrm>
           <a:prstGeom prst="rect">
             <a:avLst/>
@@ -5815,7 +5815,7 @@
                                           </p:stCondLst>
                                         </p:cTn>
                                         <p:tgtEl>
-                                          <p:spTgt spid="3"/>
+                                          <p:spTgt spid="8"/>
                                         </p:tgtEl>
                                         <p:attrNameLst>
                                           <p:attrName>style.visibility</p:attrName>
@@ -5829,7 +5829,60 @@
                                       <p:cBhvr>
                                         <p:cTn id="10" dur="500"/>
                                         <p:tgtEl>
-                                          <p:spTgt spid="3"/>
+                                          <p:spTgt spid="8"/>
+                                        </p:tgtEl>
+                                      </p:cBhvr>
+                                    </p:animEffect>
+                                  </p:childTnLst>
+                                </p:cTn>
+                              </p:par>
+                            </p:childTnLst>
+                          </p:cTn>
+                        </p:par>
+                      </p:childTnLst>
+                    </p:cTn>
+                  </p:par>
+                  <p:par>
+                    <p:cTn id="11" fill="hold">
+                      <p:stCondLst>
+                        <p:cond delay="indefinite"/>
+                      </p:stCondLst>
+                      <p:childTnLst>
+                        <p:par>
+                          <p:cTn id="12" fill="hold">
+                            <p:stCondLst>
+                              <p:cond delay="0"/>
+                            </p:stCondLst>
+                            <p:childTnLst>
+                              <p:par>
+                                <p:cTn id="13" presetID="10" presetClass="entr" presetSubtype="0" fill="hold" nodeType="clickEffect">
+                                  <p:stCondLst>
+                                    <p:cond delay="0"/>
+                                  </p:stCondLst>
+                                  <p:childTnLst>
+                                    <p:set>
+                                      <p:cBhvr>
+                                        <p:cTn id="14" dur="1" fill="hold">
+                                          <p:stCondLst>
+                                            <p:cond delay="0"/>
+                                          </p:stCondLst>
+                                        </p:cTn>
+                                        <p:tgtEl>
+                                          <p:spTgt spid="10"/>
+                                        </p:tgtEl>
+                                        <p:attrNameLst>
+                                          <p:attrName>style.visibility</p:attrName>
+                                        </p:attrNameLst>
+                                      </p:cBhvr>
+                                      <p:to>
+                                        <p:strVal val="visible"/>
+                                      </p:to>
+                                    </p:set>
+                                    <p:animEffect transition="in" filter="fade">
+                                      <p:cBhvr>
+                                        <p:cTn id="15" dur="500"/>
+                                        <p:tgtEl>
+                                          <p:spTgt spid="10"/>
                                         </p:tgtEl>
                                       </p:cBhvr>
                                     </p:animEffect>
@@ -6133,6 +6186,36 @@
           </a:prstGeom>
         </p:spPr>
       </p:pic>
+      <p:pic>
+        <p:nvPicPr>
+          <p:cNvPr id="7" name="圖片 6">
+            <a:extLst>
+              <a:ext uri="{FF2B5EF4-FFF2-40B4-BE49-F238E27FC236}">
+                <a16:creationId xmlns:a16="http://schemas.microsoft.com/office/drawing/2014/main" id="{D0EA18BA-7654-4ED6-A20C-14569A0E88B8}"/>
+              </a:ext>
+            </a:extLst>
+          </p:cNvPr>
+          <p:cNvPicPr>
+            <a:picLocks noChangeAspect="1"/>
+          </p:cNvPicPr>
+          <p:nvPr/>
+        </p:nvPicPr>
+        <p:blipFill>
+          <a:blip r:embed="rId3"/>
+          <a:stretch>
+            <a:fillRect/>
+          </a:stretch>
+        </p:blipFill>
+        <p:spPr>
+          <a:xfrm>
+            <a:off x="2753676" y="1455059"/>
+            <a:ext cx="3294792" cy="3294792"/>
+          </a:xfrm>
+          <a:prstGeom prst="rect">
+            <a:avLst/>
+          </a:prstGeom>
+        </p:spPr>
+      </p:pic>
       <p:sp>
         <p:nvSpPr>
           <p:cNvPr id="12" name="文字方塊 11">
@@ -6185,36 +6268,6 @@
           </a:p>
         </p:txBody>
       </p:sp>
-      <p:pic>
-        <p:nvPicPr>
-          <p:cNvPr id="4" name="圖片 3">
-            <a:extLst>
-              <a:ext uri="{FF2B5EF4-FFF2-40B4-BE49-F238E27FC236}">
-                <a16:creationId xmlns:a16="http://schemas.microsoft.com/office/drawing/2014/main" id="{F7BEDC3A-EBF7-46EA-8F01-42C05993A98B}"/>
-              </a:ext>
-            </a:extLst>
-          </p:cNvPr>
-          <p:cNvPicPr>
-            <a:picLocks noChangeAspect="1"/>
-          </p:cNvPicPr>
-          <p:nvPr/>
-        </p:nvPicPr>
-        <p:blipFill>
-          <a:blip r:embed="rId3"/>
-          <a:stretch>
-            <a:fillRect/>
-          </a:stretch>
-        </p:blipFill>
-        <p:spPr>
-          <a:xfrm>
-            <a:off x="2741503" y="1455059"/>
-            <a:ext cx="3306965" cy="3306965"/>
-          </a:xfrm>
-          <a:prstGeom prst="rect">
-            <a:avLst/>
-          </a:prstGeom>
-        </p:spPr>
-      </p:pic>
     </p:spTree>
     <p:extLst>
       <p:ext uri="{BB962C8B-B14F-4D97-AF65-F5344CB8AC3E}">
@@ -6246,7 +6299,7 @@
                             </p:stCondLst>
                             <p:childTnLst>
                               <p:par>
-                                <p:cTn id="5" presetID="10" presetClass="entr" presetSubtype="0" fill="hold" grpId="0" nodeType="clickEffect">
+                                <p:cTn id="5" presetID="10" presetClass="entr" presetSubtype="0" fill="hold" nodeType="clickEffect">
                                   <p:stCondLst>
                                     <p:cond delay="0"/>
                                   </p:stCondLst>
@@ -6254,6 +6307,41 @@
                                     <p:set>
                                       <p:cBhvr>
                                         <p:cTn id="6" dur="1" fill="hold">
+                                          <p:stCondLst>
+                                            <p:cond delay="0"/>
+                                          </p:stCondLst>
+                                        </p:cTn>
+                                        <p:tgtEl>
+                                          <p:spTgt spid="7"/>
+                                        </p:tgtEl>
+                                        <p:attrNameLst>
+                                          <p:attrName>style.visibility</p:attrName>
+                                        </p:attrNameLst>
+                                      </p:cBhvr>
+                                      <p:to>
+                                        <p:strVal val="visible"/>
+                                      </p:to>
+                                    </p:set>
+                                    <p:animEffect transition="in" filter="fade">
+                                      <p:cBhvr>
+                                        <p:cTn id="7" dur="500"/>
+                                        <p:tgtEl>
+                                          <p:spTgt spid="7"/>
+                                        </p:tgtEl>
+                                      </p:cBhvr>
+                                    </p:animEffect>
+                                  </p:childTnLst>
+                                </p:cTn>
+                              </p:par>
+                              <p:par>
+                                <p:cTn id="8" presetID="10" presetClass="entr" presetSubtype="0" fill="hold" grpId="0" nodeType="withEffect">
+                                  <p:stCondLst>
+                                    <p:cond delay="0"/>
+                                  </p:stCondLst>
+                                  <p:childTnLst>
+                                    <p:set>
+                                      <p:cBhvr>
+                                        <p:cTn id="9" dur="1" fill="hold">
                                           <p:stCondLst>
                                             <p:cond delay="0"/>
                                           </p:stCondLst>
@@ -6271,44 +6359,9 @@
                                     </p:set>
                                     <p:animEffect transition="in" filter="fade">
                                       <p:cBhvr>
-                                        <p:cTn id="7" dur="500"/>
+                                        <p:cTn id="10" dur="500"/>
                                         <p:tgtEl>
                                           <p:spTgt spid="12"/>
-                                        </p:tgtEl>
-                                      </p:cBhvr>
-                                    </p:animEffect>
-                                  </p:childTnLst>
-                                </p:cTn>
-                              </p:par>
-                              <p:par>
-                                <p:cTn id="8" presetID="10" presetClass="entr" presetSubtype="0" fill="hold" nodeType="withEffect">
-                                  <p:stCondLst>
-                                    <p:cond delay="0"/>
-                                  </p:stCondLst>
-                                  <p:childTnLst>
-                                    <p:set>
-                                      <p:cBhvr>
-                                        <p:cTn id="9" dur="1" fill="hold">
-                                          <p:stCondLst>
-                                            <p:cond delay="0"/>
-                                          </p:stCondLst>
-                                        </p:cTn>
-                                        <p:tgtEl>
-                                          <p:spTgt spid="4"/>
-                                        </p:tgtEl>
-                                        <p:attrNameLst>
-                                          <p:attrName>style.visibility</p:attrName>
-                                        </p:attrNameLst>
-                                      </p:cBhvr>
-                                      <p:to>
-                                        <p:strVal val="visible"/>
-                                      </p:to>
-                                    </p:set>
-                                    <p:animEffect transition="in" filter="fade">
-                                      <p:cBhvr>
-                                        <p:cTn id="10" dur="500"/>
-                                        <p:tgtEl>
-                                          <p:spTgt spid="4"/>
                                         </p:tgtEl>
                                       </p:cBhvr>
                                     </p:animEffect>
@@ -8181,7 +8234,7 @@
         </p:nvSpPr>
         <p:spPr>
           <a:xfrm>
-            <a:off x="5594959" y="1518851"/>
+            <a:off x="4806650" y="1518851"/>
             <a:ext cx="3425400" cy="656790"/>
           </a:xfrm>
           <a:prstGeom prst="rect">
@@ -8271,8 +8324,8 @@
         </p:nvSpPr>
         <p:spPr>
           <a:xfrm>
-            <a:off x="1381249" y="2195731"/>
-            <a:ext cx="4055724" cy="1384995"/>
+            <a:off x="1381249" y="2175641"/>
+            <a:ext cx="2423495" cy="523220"/>
           </a:xfrm>
           <a:prstGeom prst="rect">
             <a:avLst/>
@@ -8285,125 +8338,31 @@
           </a:bodyPr>
           <a:lstStyle/>
           <a:p>
+            <a:pPr marL="285750" indent="-285750">
+              <a:buFont typeface="Arial" panose="020B0604020202020204" pitchFamily="34" charset="0"/>
+              <a:buChar char="•"/>
+            </a:pPr>
             <a:r>
-              <a:rPr lang="en-US" altLang="zh-TW" dirty="0"/>
-              <a:t>IDE</a:t>
-            </a:r>
-            <a:r>
-              <a:rPr lang="zh-TW" altLang="en-US" dirty="0"/>
-              <a:t> </a:t>
-            </a:r>
-            <a:r>
-              <a:rPr lang="en-US" altLang="zh-TW" dirty="0"/>
-              <a:t>: </a:t>
-            </a:r>
-            <a:r>
-              <a:rPr lang="en-US" altLang="zh-TW" dirty="0" err="1"/>
-              <a:t>VScode</a:t>
-            </a:r>
-            <a:r>
-              <a:rPr lang="zh-TW" altLang="zh-TW" dirty="0"/>
-              <a:t>、</a:t>
-            </a:r>
-            <a:r>
-              <a:rPr lang="en-US" altLang="zh-TW" dirty="0" err="1"/>
-              <a:t>Qtcreato</a:t>
-            </a:r>
-            <a:br>
-              <a:rPr lang="en-US" altLang="zh-TW" dirty="0"/>
-            </a:br>
-            <a:r>
-              <a:rPr lang="en-US" altLang="zh-TW" dirty="0"/>
-              <a:t>Compiler</a:t>
-            </a:r>
-            <a:r>
-              <a:rPr lang="zh-TW" altLang="en-US" dirty="0"/>
-              <a:t> </a:t>
-            </a:r>
-            <a:r>
-              <a:rPr lang="en-US" altLang="zh-TW" dirty="0"/>
-              <a:t>: </a:t>
-            </a:r>
-            <a:r>
-              <a:rPr lang="zh-TW" altLang="en-US" dirty="0"/>
-              <a:t> </a:t>
-            </a:r>
-            <a:r>
-              <a:rPr lang="en-US" altLang="zh-TW" dirty="0"/>
-              <a:t>MSVC2017</a:t>
+              <a:rPr lang="en-US" altLang="zh-TW" dirty="0">
+                <a:latin typeface="Lora" panose="02020500000000000000" charset="0"/>
+              </a:rPr>
+              <a:t>Computer or notebook</a:t>
             </a:r>
           </a:p>
           <a:p>
+            <a:pPr marL="285750" indent="-285750">
+              <a:buFont typeface="Arial" panose="020B0604020202020204" pitchFamily="34" charset="0"/>
+              <a:buChar char="•"/>
+            </a:pPr>
             <a:r>
-              <a:rPr lang="zh-TW" altLang="en-US" dirty="0"/>
-              <a:t>　　　　　</a:t>
+              <a:rPr lang="en-US" altLang="zh-TW" dirty="0">
+                <a:latin typeface="Lora" panose="02020500000000000000" charset="0"/>
+              </a:rPr>
+              <a:t>Fresh liver</a:t>
             </a:r>
-            <a:r>
-              <a:rPr lang="en-US" altLang="zh-TW" dirty="0"/>
-              <a:t>GNU C++ compiler</a:t>
-            </a:r>
-            <a:endParaRPr lang="zh-TW" altLang="zh-TW" dirty="0"/>
-          </a:p>
-          <a:p>
-            <a:r>
-              <a:rPr lang="en-US" altLang="zh-TW" dirty="0"/>
-              <a:t>Debugger: GNU Project Debugger</a:t>
-            </a:r>
-            <a:endParaRPr lang="zh-TW" altLang="zh-TW" dirty="0"/>
-          </a:p>
-          <a:p>
-            <a:r>
-              <a:rPr lang="zh-TW" altLang="zh-TW" dirty="0"/>
-              <a:t>素材</a:t>
-            </a:r>
-            <a:r>
-              <a:rPr lang="zh-TW" altLang="en-US" dirty="0"/>
-              <a:t> </a:t>
-            </a:r>
-            <a:r>
-              <a:rPr lang="en-US" altLang="zh-TW" dirty="0"/>
-              <a:t>: google</a:t>
-            </a:r>
-            <a:r>
-              <a:rPr lang="zh-TW" altLang="zh-TW" dirty="0"/>
-              <a:t>圖片、小畫家、</a:t>
-            </a:r>
-            <a:r>
-              <a:rPr lang="en-US" altLang="zh-TW" dirty="0"/>
-              <a:t>illustrator</a:t>
-            </a:r>
-            <a:endParaRPr lang="zh-TW" altLang="zh-TW" dirty="0"/>
-          </a:p>
-          <a:p>
-            <a:r>
-              <a:rPr lang="zh-TW" altLang="zh-TW" dirty="0"/>
-              <a:t>簡報與文件製作工具 </a:t>
-            </a:r>
-            <a:r>
-              <a:rPr lang="en-US" altLang="zh-TW" dirty="0"/>
-              <a:t>:  word</a:t>
-            </a:r>
-            <a:r>
-              <a:rPr lang="zh-TW" altLang="zh-TW" dirty="0"/>
-              <a:t>、</a:t>
-            </a:r>
-            <a:r>
-              <a:rPr lang="en-US" altLang="zh-TW" dirty="0"/>
-              <a:t> </a:t>
-            </a:r>
-            <a:r>
-              <a:rPr lang="en-US" altLang="zh-TW" dirty="0" err="1"/>
-              <a:t>powerpoint</a:t>
-            </a:r>
-            <a:r>
-              <a:rPr lang="zh-TW" altLang="zh-TW" dirty="0"/>
-              <a:t>、</a:t>
-            </a:r>
-            <a:r>
-              <a:rPr lang="en-US" altLang="zh-TW" dirty="0" err="1"/>
-              <a:t>visio</a:t>
-            </a:r>
-            <a:endParaRPr lang="zh-TW" altLang="zh-TW" dirty="0"/>
+            <a:endParaRPr lang="zh-TW" altLang="en-US" dirty="0">
+              <a:latin typeface="Lora" panose="02020500000000000000" charset="0"/>
+            </a:endParaRPr>
           </a:p>
         </p:txBody>
       </p:sp>
@@ -8415,7 +8374,7 @@
         </p:nvSpPr>
         <p:spPr>
           <a:xfrm>
-            <a:off x="5594959" y="2175641"/>
+            <a:off x="4806650" y="2175641"/>
             <a:ext cx="2928964" cy="3108543"/>
           </a:xfrm>
           <a:prstGeom prst="rect">
@@ -8550,7 +8509,7 @@
         </p:blipFill>
         <p:spPr>
           <a:xfrm>
-            <a:off x="5259650" y="1670447"/>
+            <a:off x="4471341" y="1670447"/>
             <a:ext cx="335309" cy="353599"/>
           </a:xfrm>
           <a:prstGeom prst="rect">
@@ -8812,7 +8771,7 @@
           <a:graphicData uri="http://schemas.openxmlformats.org/presentationml/2006/ole">
             <mc:AlternateContent xmlns:mc="http://schemas.openxmlformats.org/markup-compatibility/2006">
               <mc:Choice xmlns:v="urn:schemas-microsoft-com:vml" Requires="v">
-                <p:oleObj spid="_x0000_s1039" r:id="rId5" imgW="7200915" imgH="2727960" progId="Visio.Drawing.15">
+                <p:oleObj spid="_x0000_s1037" r:id="rId5" imgW="7200915" imgH="2727960" progId="Visio.Drawing.15">
                   <p:embed/>
                 </p:oleObj>
               </mc:Choice>
